--- a/Docs/generalPresentation.pptx
+++ b/Docs/generalPresentation.pptx
@@ -21,6 +21,11 @@
     <p:sldId id="266" r:id="rId16"/>
     <p:sldId id="267" r:id="rId17"/>
     <p:sldId id="268" r:id="rId18"/>
+    <p:sldId id="269" r:id="rId19"/>
+    <p:sldId id="270" r:id="rId20"/>
+    <p:sldId id="271" r:id="rId21"/>
+    <p:sldId id="272" r:id="rId22"/>
+    <p:sldId id="273" r:id="rId23"/>
   </p:sldIdLst>
   <p:sldSz cx="10080625" cy="5670550"/>
   <p:notesSz cx="7772400" cy="10058400"/>
@@ -78,7 +83,7 @@
         <p:txBody>
           <a:bodyPr/>
           <a:p>
-            <a:fld id="{6743C5FE-8DB7-4624-B45E-5BA9170085B5}" type="slidenum">
+            <a:fld id="{D700DEE7-718A-4DB7-942C-5365AEFDAAD0}" type="slidenum">
               <a:t>&lt;#&gt;</a:t>
             </a:fld>
           </a:p>
@@ -139,8 +144,8 @@
         </p:nvSpPr>
         <p:spPr>
           <a:xfrm>
-            <a:off x="360000" y="225720"/>
-            <a:ext cx="9359280" cy="718200"/>
+            <a:off x="504000" y="226080"/>
+            <a:ext cx="9072000" cy="946440"/>
           </a:xfrm>
           <a:prstGeom prst="rect">
             <a:avLst/>
@@ -176,8 +181,8 @@
         </p:nvSpPr>
         <p:spPr>
           <a:xfrm>
-            <a:off x="360000" y="1485000"/>
-            <a:ext cx="9359280" cy="1802520"/>
+            <a:off x="504000" y="1326600"/>
+            <a:ext cx="9072000" cy="1568520"/>
           </a:xfrm>
           <a:prstGeom prst="rect">
             <a:avLst/>
@@ -210,8 +215,8 @@
         </p:nvSpPr>
         <p:spPr>
           <a:xfrm>
-            <a:off x="360000" y="3459240"/>
-            <a:ext cx="9359280" cy="1802520"/>
+            <a:off x="504000" y="3044520"/>
+            <a:ext cx="9072000" cy="1568520"/>
           </a:xfrm>
           <a:prstGeom prst="rect">
             <a:avLst/>
@@ -266,7 +271,7 @@
         <p:txBody>
           <a:bodyPr/>
           <a:p>
-            <a:fld id="{E6BC7466-EEF2-4DCC-8473-7A22E05E1ED4}" type="slidenum">
+            <a:fld id="{28C041C0-8906-4A30-A440-287B0680769A}" type="slidenum">
               <a:t>&lt;#&gt;</a:t>
             </a:fld>
           </a:p>
@@ -327,8 +332,8 @@
         </p:nvSpPr>
         <p:spPr>
           <a:xfrm>
-            <a:off x="360000" y="225720"/>
-            <a:ext cx="9359280" cy="718200"/>
+            <a:off x="504000" y="226080"/>
+            <a:ext cx="9072000" cy="946440"/>
           </a:xfrm>
           <a:prstGeom prst="rect">
             <a:avLst/>
@@ -364,8 +369,8 @@
         </p:nvSpPr>
         <p:spPr>
           <a:xfrm>
-            <a:off x="360000" y="1485000"/>
-            <a:ext cx="4567320" cy="1802520"/>
+            <a:off x="504000" y="1326600"/>
+            <a:ext cx="4426920" cy="1568520"/>
           </a:xfrm>
           <a:prstGeom prst="rect">
             <a:avLst/>
@@ -398,8 +403,8 @@
         </p:nvSpPr>
         <p:spPr>
           <a:xfrm>
-            <a:off x="5155920" y="1485000"/>
-            <a:ext cx="4567320" cy="1802520"/>
+            <a:off x="5152680" y="1326600"/>
+            <a:ext cx="4426920" cy="1568520"/>
           </a:xfrm>
           <a:prstGeom prst="rect">
             <a:avLst/>
@@ -432,8 +437,8 @@
         </p:nvSpPr>
         <p:spPr>
           <a:xfrm>
-            <a:off x="360000" y="3459240"/>
-            <a:ext cx="4567320" cy="1802520"/>
+            <a:off x="504000" y="3044520"/>
+            <a:ext cx="4426920" cy="1568520"/>
           </a:xfrm>
           <a:prstGeom prst="rect">
             <a:avLst/>
@@ -466,8 +471,8 @@
         </p:nvSpPr>
         <p:spPr>
           <a:xfrm>
-            <a:off x="5155920" y="3459240"/>
-            <a:ext cx="4567320" cy="1802520"/>
+            <a:off x="5152680" y="3044520"/>
+            <a:ext cx="4426920" cy="1568520"/>
           </a:xfrm>
           <a:prstGeom prst="rect">
             <a:avLst/>
@@ -522,7 +527,7 @@
         <p:txBody>
           <a:bodyPr/>
           <a:p>
-            <a:fld id="{C59E6F07-D9D3-44C2-9D7D-877FC7C08F8A}" type="slidenum">
+            <a:fld id="{E1F7DBB4-59EC-485B-B970-D02E8A2D2674}" type="slidenum">
               <a:t>&lt;#&gt;</a:t>
             </a:fld>
           </a:p>
@@ -583,8 +588,8 @@
         </p:nvSpPr>
         <p:spPr>
           <a:xfrm>
-            <a:off x="360000" y="225720"/>
-            <a:ext cx="9359280" cy="718200"/>
+            <a:off x="504000" y="226080"/>
+            <a:ext cx="9072000" cy="946440"/>
           </a:xfrm>
           <a:prstGeom prst="rect">
             <a:avLst/>
@@ -620,8 +625,8 @@
         </p:nvSpPr>
         <p:spPr>
           <a:xfrm>
-            <a:off x="360000" y="1485000"/>
-            <a:ext cx="3013560" cy="1802520"/>
+            <a:off x="504000" y="1326600"/>
+            <a:ext cx="2921040" cy="1568520"/>
           </a:xfrm>
           <a:prstGeom prst="rect">
             <a:avLst/>
@@ -654,8 +659,8 @@
         </p:nvSpPr>
         <p:spPr>
           <a:xfrm>
-            <a:off x="3524760" y="1485000"/>
-            <a:ext cx="3013560" cy="1802520"/>
+            <a:off x="3571560" y="1326600"/>
+            <a:ext cx="2921040" cy="1568520"/>
           </a:xfrm>
           <a:prstGeom prst="rect">
             <a:avLst/>
@@ -688,8 +693,8 @@
         </p:nvSpPr>
         <p:spPr>
           <a:xfrm>
-            <a:off x="6689160" y="1485000"/>
-            <a:ext cx="3013560" cy="1802520"/>
+            <a:off x="6639120" y="1326600"/>
+            <a:ext cx="2921040" cy="1568520"/>
           </a:xfrm>
           <a:prstGeom prst="rect">
             <a:avLst/>
@@ -722,8 +727,8 @@
         </p:nvSpPr>
         <p:spPr>
           <a:xfrm>
-            <a:off x="360000" y="3459240"/>
-            <a:ext cx="3013560" cy="1802520"/>
+            <a:off x="504000" y="3044520"/>
+            <a:ext cx="2921040" cy="1568520"/>
           </a:xfrm>
           <a:prstGeom prst="rect">
             <a:avLst/>
@@ -756,8 +761,8 @@
         </p:nvSpPr>
         <p:spPr>
           <a:xfrm>
-            <a:off x="3524760" y="3459240"/>
-            <a:ext cx="3013560" cy="1802520"/>
+            <a:off x="3571560" y="3044520"/>
+            <a:ext cx="2921040" cy="1568520"/>
           </a:xfrm>
           <a:prstGeom prst="rect">
             <a:avLst/>
@@ -790,8 +795,8 @@
         </p:nvSpPr>
         <p:spPr>
           <a:xfrm>
-            <a:off x="6689160" y="3459240"/>
-            <a:ext cx="3013560" cy="1802520"/>
+            <a:off x="6639120" y="3044520"/>
+            <a:ext cx="2921040" cy="1568520"/>
           </a:xfrm>
           <a:prstGeom prst="rect">
             <a:avLst/>
@@ -846,7 +851,7 @@
         <p:txBody>
           <a:bodyPr/>
           <a:p>
-            <a:fld id="{01F5B00E-7352-42E8-9910-198A29EB672D}" type="slidenum">
+            <a:fld id="{FD498854-5248-4739-936C-6FFEE54E167D}" type="slidenum">
               <a:t>&lt;#&gt;</a:t>
             </a:fld>
           </a:p>
@@ -970,8 +975,8 @@
         </p:nvSpPr>
         <p:spPr>
           <a:xfrm>
-            <a:off x="360000" y="225720"/>
-            <a:ext cx="9359280" cy="718200"/>
+            <a:off x="504000" y="226080"/>
+            <a:ext cx="9072000" cy="946440"/>
           </a:xfrm>
           <a:prstGeom prst="rect">
             <a:avLst/>
@@ -1007,8 +1012,8 @@
         </p:nvSpPr>
         <p:spPr>
           <a:xfrm>
-            <a:off x="360000" y="1485000"/>
-            <a:ext cx="9359280" cy="3779280"/>
+            <a:off x="504000" y="1326600"/>
+            <a:ext cx="9072000" cy="3288600"/>
           </a:xfrm>
           <a:prstGeom prst="rect">
             <a:avLst/>
@@ -1107,8 +1112,8 @@
         </p:nvSpPr>
         <p:spPr>
           <a:xfrm>
-            <a:off x="360000" y="225720"/>
-            <a:ext cx="9359280" cy="718200"/>
+            <a:off x="504000" y="226080"/>
+            <a:ext cx="9072000" cy="946440"/>
           </a:xfrm>
           <a:prstGeom prst="rect">
             <a:avLst/>
@@ -1144,8 +1149,8 @@
         </p:nvSpPr>
         <p:spPr>
           <a:xfrm>
-            <a:off x="360000" y="1485000"/>
-            <a:ext cx="9359280" cy="3779280"/>
+            <a:off x="504000" y="1326600"/>
+            <a:ext cx="9072000" cy="3288600"/>
           </a:xfrm>
           <a:prstGeom prst="rect">
             <a:avLst/>
@@ -1241,8 +1246,8 @@
         </p:nvSpPr>
         <p:spPr>
           <a:xfrm>
-            <a:off x="360000" y="225720"/>
-            <a:ext cx="9359280" cy="718200"/>
+            <a:off x="504000" y="226080"/>
+            <a:ext cx="9072000" cy="946440"/>
           </a:xfrm>
           <a:prstGeom prst="rect">
             <a:avLst/>
@@ -1278,8 +1283,8 @@
         </p:nvSpPr>
         <p:spPr>
           <a:xfrm>
-            <a:off x="360000" y="1485000"/>
-            <a:ext cx="4567320" cy="3779280"/>
+            <a:off x="504000" y="1326600"/>
+            <a:ext cx="4426920" cy="3288600"/>
           </a:xfrm>
           <a:prstGeom prst="rect">
             <a:avLst/>
@@ -1312,8 +1317,8 @@
         </p:nvSpPr>
         <p:spPr>
           <a:xfrm>
-            <a:off x="5155920" y="1485000"/>
-            <a:ext cx="4567320" cy="3779280"/>
+            <a:off x="5152680" y="1326600"/>
+            <a:ext cx="4426920" cy="3288600"/>
           </a:xfrm>
           <a:prstGeom prst="rect">
             <a:avLst/>
@@ -1409,8 +1414,8 @@
         </p:nvSpPr>
         <p:spPr>
           <a:xfrm>
-            <a:off x="360000" y="225720"/>
-            <a:ext cx="9359280" cy="718200"/>
+            <a:off x="504000" y="226080"/>
+            <a:ext cx="9072000" cy="946440"/>
           </a:xfrm>
           <a:prstGeom prst="rect">
             <a:avLst/>
@@ -1509,8 +1514,8 @@
         </p:nvSpPr>
         <p:spPr>
           <a:xfrm>
-            <a:off x="360000" y="225720"/>
-            <a:ext cx="9359280" cy="3330360"/>
+            <a:off x="504000" y="226080"/>
+            <a:ext cx="9072000" cy="4388400"/>
           </a:xfrm>
           <a:prstGeom prst="rect">
             <a:avLst/>
@@ -1609,8 +1614,8 @@
         </p:nvSpPr>
         <p:spPr>
           <a:xfrm>
-            <a:off x="360000" y="225720"/>
-            <a:ext cx="9359280" cy="718200"/>
+            <a:off x="504000" y="226080"/>
+            <a:ext cx="9072000" cy="946440"/>
           </a:xfrm>
           <a:prstGeom prst="rect">
             <a:avLst/>
@@ -1646,8 +1651,8 @@
         </p:nvSpPr>
         <p:spPr>
           <a:xfrm>
-            <a:off x="360000" y="1485000"/>
-            <a:ext cx="4567320" cy="1802520"/>
+            <a:off x="504000" y="1326600"/>
+            <a:ext cx="4426920" cy="1568520"/>
           </a:xfrm>
           <a:prstGeom prst="rect">
             <a:avLst/>
@@ -1680,8 +1685,8 @@
         </p:nvSpPr>
         <p:spPr>
           <a:xfrm>
-            <a:off x="5155920" y="1485000"/>
-            <a:ext cx="4567320" cy="3779280"/>
+            <a:off x="5152680" y="1326600"/>
+            <a:ext cx="4426920" cy="3288600"/>
           </a:xfrm>
           <a:prstGeom prst="rect">
             <a:avLst/>
@@ -1714,8 +1719,8 @@
         </p:nvSpPr>
         <p:spPr>
           <a:xfrm>
-            <a:off x="360000" y="3459240"/>
-            <a:ext cx="4567320" cy="1802520"/>
+            <a:off x="504000" y="3044520"/>
+            <a:ext cx="4426920" cy="1568520"/>
           </a:xfrm>
           <a:prstGeom prst="rect">
             <a:avLst/>
@@ -1811,8 +1816,8 @@
         </p:nvSpPr>
         <p:spPr>
           <a:xfrm>
-            <a:off x="360000" y="225720"/>
-            <a:ext cx="9359280" cy="718200"/>
+            <a:off x="504000" y="226080"/>
+            <a:ext cx="9072000" cy="946440"/>
           </a:xfrm>
           <a:prstGeom prst="rect">
             <a:avLst/>
@@ -1848,8 +1853,8 @@
         </p:nvSpPr>
         <p:spPr>
           <a:xfrm>
-            <a:off x="360000" y="1485000"/>
-            <a:ext cx="9359280" cy="3779280"/>
+            <a:off x="504000" y="1326600"/>
+            <a:ext cx="9072000" cy="3288600"/>
           </a:xfrm>
           <a:prstGeom prst="rect">
             <a:avLst/>
@@ -1907,7 +1912,7 @@
         <p:txBody>
           <a:bodyPr/>
           <a:p>
-            <a:fld id="{EBEBDE2D-31F4-473F-AE58-D47686ACF1DF}" type="slidenum">
+            <a:fld id="{CA8A5212-F5F7-45CB-BEA4-A195B8A4148F}" type="slidenum">
               <a:t>&lt;#&gt;</a:t>
             </a:fld>
           </a:p>
@@ -1968,8 +1973,8 @@
         </p:nvSpPr>
         <p:spPr>
           <a:xfrm>
-            <a:off x="360000" y="225720"/>
-            <a:ext cx="9359280" cy="718200"/>
+            <a:off x="504000" y="226080"/>
+            <a:ext cx="9072000" cy="946440"/>
           </a:xfrm>
           <a:prstGeom prst="rect">
             <a:avLst/>
@@ -2005,8 +2010,8 @@
         </p:nvSpPr>
         <p:spPr>
           <a:xfrm>
-            <a:off x="360000" y="1485000"/>
-            <a:ext cx="4567320" cy="3779280"/>
+            <a:off x="504000" y="1326600"/>
+            <a:ext cx="4426920" cy="3288600"/>
           </a:xfrm>
           <a:prstGeom prst="rect">
             <a:avLst/>
@@ -2039,8 +2044,8 @@
         </p:nvSpPr>
         <p:spPr>
           <a:xfrm>
-            <a:off x="5155920" y="1485000"/>
-            <a:ext cx="4567320" cy="1802520"/>
+            <a:off x="5152680" y="1326600"/>
+            <a:ext cx="4426920" cy="1568520"/>
           </a:xfrm>
           <a:prstGeom prst="rect">
             <a:avLst/>
@@ -2073,8 +2078,8 @@
         </p:nvSpPr>
         <p:spPr>
           <a:xfrm>
-            <a:off x="5155920" y="3459240"/>
-            <a:ext cx="4567320" cy="1802520"/>
+            <a:off x="5152680" y="3044520"/>
+            <a:ext cx="4426920" cy="1568520"/>
           </a:xfrm>
           <a:prstGeom prst="rect">
             <a:avLst/>
@@ -2170,8 +2175,8 @@
         </p:nvSpPr>
         <p:spPr>
           <a:xfrm>
-            <a:off x="360000" y="225720"/>
-            <a:ext cx="9359280" cy="718200"/>
+            <a:off x="504000" y="226080"/>
+            <a:ext cx="9072000" cy="946440"/>
           </a:xfrm>
           <a:prstGeom prst="rect">
             <a:avLst/>
@@ -2207,8 +2212,8 @@
         </p:nvSpPr>
         <p:spPr>
           <a:xfrm>
-            <a:off x="360000" y="1485000"/>
-            <a:ext cx="4567320" cy="1802520"/>
+            <a:off x="504000" y="1326600"/>
+            <a:ext cx="4426920" cy="1568520"/>
           </a:xfrm>
           <a:prstGeom prst="rect">
             <a:avLst/>
@@ -2241,8 +2246,8 @@
         </p:nvSpPr>
         <p:spPr>
           <a:xfrm>
-            <a:off x="5155920" y="1485000"/>
-            <a:ext cx="4567320" cy="1802520"/>
+            <a:off x="5152680" y="1326600"/>
+            <a:ext cx="4426920" cy="1568520"/>
           </a:xfrm>
           <a:prstGeom prst="rect">
             <a:avLst/>
@@ -2275,8 +2280,8 @@
         </p:nvSpPr>
         <p:spPr>
           <a:xfrm>
-            <a:off x="360000" y="3459240"/>
-            <a:ext cx="9359280" cy="1802520"/>
+            <a:off x="504000" y="3044520"/>
+            <a:ext cx="9072000" cy="1568520"/>
           </a:xfrm>
           <a:prstGeom prst="rect">
             <a:avLst/>
@@ -2372,8 +2377,8 @@
         </p:nvSpPr>
         <p:spPr>
           <a:xfrm>
-            <a:off x="360000" y="225720"/>
-            <a:ext cx="9359280" cy="718200"/>
+            <a:off x="504000" y="226080"/>
+            <a:ext cx="9072000" cy="946440"/>
           </a:xfrm>
           <a:prstGeom prst="rect">
             <a:avLst/>
@@ -2409,8 +2414,8 @@
         </p:nvSpPr>
         <p:spPr>
           <a:xfrm>
-            <a:off x="360000" y="1485000"/>
-            <a:ext cx="9359280" cy="1802520"/>
+            <a:off x="504000" y="1326600"/>
+            <a:ext cx="9072000" cy="1568520"/>
           </a:xfrm>
           <a:prstGeom prst="rect">
             <a:avLst/>
@@ -2443,8 +2448,8 @@
         </p:nvSpPr>
         <p:spPr>
           <a:xfrm>
-            <a:off x="360000" y="3459240"/>
-            <a:ext cx="9359280" cy="1802520"/>
+            <a:off x="504000" y="3044520"/>
+            <a:ext cx="9072000" cy="1568520"/>
           </a:xfrm>
           <a:prstGeom prst="rect">
             <a:avLst/>
@@ -2540,8 +2545,8 @@
         </p:nvSpPr>
         <p:spPr>
           <a:xfrm>
-            <a:off x="360000" y="225720"/>
-            <a:ext cx="9359280" cy="718200"/>
+            <a:off x="504000" y="226080"/>
+            <a:ext cx="9072000" cy="946440"/>
           </a:xfrm>
           <a:prstGeom prst="rect">
             <a:avLst/>
@@ -2577,8 +2582,8 @@
         </p:nvSpPr>
         <p:spPr>
           <a:xfrm>
-            <a:off x="360000" y="1485000"/>
-            <a:ext cx="4567320" cy="1802520"/>
+            <a:off x="504000" y="1326600"/>
+            <a:ext cx="4426920" cy="1568520"/>
           </a:xfrm>
           <a:prstGeom prst="rect">
             <a:avLst/>
@@ -2611,8 +2616,8 @@
         </p:nvSpPr>
         <p:spPr>
           <a:xfrm>
-            <a:off x="5155920" y="1485000"/>
-            <a:ext cx="4567320" cy="1802520"/>
+            <a:off x="5152680" y="1326600"/>
+            <a:ext cx="4426920" cy="1568520"/>
           </a:xfrm>
           <a:prstGeom prst="rect">
             <a:avLst/>
@@ -2645,8 +2650,8 @@
         </p:nvSpPr>
         <p:spPr>
           <a:xfrm>
-            <a:off x="360000" y="3459240"/>
-            <a:ext cx="4567320" cy="1802520"/>
+            <a:off x="504000" y="3044520"/>
+            <a:ext cx="4426920" cy="1568520"/>
           </a:xfrm>
           <a:prstGeom prst="rect">
             <a:avLst/>
@@ -2679,8 +2684,8 @@
         </p:nvSpPr>
         <p:spPr>
           <a:xfrm>
-            <a:off x="5155920" y="3459240"/>
-            <a:ext cx="4567320" cy="1802520"/>
+            <a:off x="5152680" y="3044520"/>
+            <a:ext cx="4426920" cy="1568520"/>
           </a:xfrm>
           <a:prstGeom prst="rect">
             <a:avLst/>
@@ -2776,8 +2781,8 @@
         </p:nvSpPr>
         <p:spPr>
           <a:xfrm>
-            <a:off x="360000" y="225720"/>
-            <a:ext cx="9359280" cy="718200"/>
+            <a:off x="504000" y="226080"/>
+            <a:ext cx="9072000" cy="946440"/>
           </a:xfrm>
           <a:prstGeom prst="rect">
             <a:avLst/>
@@ -2813,8 +2818,8 @@
         </p:nvSpPr>
         <p:spPr>
           <a:xfrm>
-            <a:off x="360000" y="1485000"/>
-            <a:ext cx="3013560" cy="1802520"/>
+            <a:off x="504000" y="1326600"/>
+            <a:ext cx="2921040" cy="1568520"/>
           </a:xfrm>
           <a:prstGeom prst="rect">
             <a:avLst/>
@@ -2847,8 +2852,8 @@
         </p:nvSpPr>
         <p:spPr>
           <a:xfrm>
-            <a:off x="3524760" y="1485000"/>
-            <a:ext cx="3013560" cy="1802520"/>
+            <a:off x="3571560" y="1326600"/>
+            <a:ext cx="2921040" cy="1568520"/>
           </a:xfrm>
           <a:prstGeom prst="rect">
             <a:avLst/>
@@ -2881,8 +2886,8 @@
         </p:nvSpPr>
         <p:spPr>
           <a:xfrm>
-            <a:off x="6689160" y="1485000"/>
-            <a:ext cx="3013560" cy="1802520"/>
+            <a:off x="6639120" y="1326600"/>
+            <a:ext cx="2921040" cy="1568520"/>
           </a:xfrm>
           <a:prstGeom prst="rect">
             <a:avLst/>
@@ -2915,8 +2920,8 @@
         </p:nvSpPr>
         <p:spPr>
           <a:xfrm>
-            <a:off x="360000" y="3459240"/>
-            <a:ext cx="3013560" cy="1802520"/>
+            <a:off x="504000" y="3044520"/>
+            <a:ext cx="2921040" cy="1568520"/>
           </a:xfrm>
           <a:prstGeom prst="rect">
             <a:avLst/>
@@ -2949,8 +2954,8 @@
         </p:nvSpPr>
         <p:spPr>
           <a:xfrm>
-            <a:off x="3524760" y="3459240"/>
-            <a:ext cx="3013560" cy="1802520"/>
+            <a:off x="3571560" y="3044520"/>
+            <a:ext cx="2921040" cy="1568520"/>
           </a:xfrm>
           <a:prstGeom prst="rect">
             <a:avLst/>
@@ -2983,8 +2988,8 @@
         </p:nvSpPr>
         <p:spPr>
           <a:xfrm>
-            <a:off x="6689160" y="3459240"/>
-            <a:ext cx="3013560" cy="1802520"/>
+            <a:off x="6639120" y="3044520"/>
+            <a:ext cx="2921040" cy="1568520"/>
           </a:xfrm>
           <a:prstGeom prst="rect">
             <a:avLst/>
@@ -3143,8 +3148,8 @@
         </p:nvSpPr>
         <p:spPr>
           <a:xfrm>
-            <a:off x="360000" y="225720"/>
-            <a:ext cx="9359280" cy="718200"/>
+            <a:off x="504000" y="226080"/>
+            <a:ext cx="9072000" cy="946440"/>
           </a:xfrm>
           <a:prstGeom prst="rect">
             <a:avLst/>
@@ -3180,8 +3185,8 @@
         </p:nvSpPr>
         <p:spPr>
           <a:xfrm>
-            <a:off x="360000" y="1485000"/>
-            <a:ext cx="9359280" cy="3779280"/>
+            <a:off x="504000" y="1326600"/>
+            <a:ext cx="9072000" cy="3288600"/>
           </a:xfrm>
           <a:prstGeom prst="rect">
             <a:avLst/>
@@ -3280,8 +3285,8 @@
         </p:nvSpPr>
         <p:spPr>
           <a:xfrm>
-            <a:off x="360000" y="225720"/>
-            <a:ext cx="9359280" cy="718200"/>
+            <a:off x="504000" y="226080"/>
+            <a:ext cx="9072000" cy="946440"/>
           </a:xfrm>
           <a:prstGeom prst="rect">
             <a:avLst/>
@@ -3317,8 +3322,8 @@
         </p:nvSpPr>
         <p:spPr>
           <a:xfrm>
-            <a:off x="360000" y="1485000"/>
-            <a:ext cx="9359280" cy="3779280"/>
+            <a:off x="504000" y="1326600"/>
+            <a:ext cx="9072000" cy="3288600"/>
           </a:xfrm>
           <a:prstGeom prst="rect">
             <a:avLst/>
@@ -3414,8 +3419,8 @@
         </p:nvSpPr>
         <p:spPr>
           <a:xfrm>
-            <a:off x="360000" y="225720"/>
-            <a:ext cx="9359280" cy="718200"/>
+            <a:off x="504000" y="226080"/>
+            <a:ext cx="9072000" cy="946440"/>
           </a:xfrm>
           <a:prstGeom prst="rect">
             <a:avLst/>
@@ -3451,8 +3456,8 @@
         </p:nvSpPr>
         <p:spPr>
           <a:xfrm>
-            <a:off x="360000" y="1485000"/>
-            <a:ext cx="4567320" cy="3779280"/>
+            <a:off x="504000" y="1326600"/>
+            <a:ext cx="4426920" cy="3288600"/>
           </a:xfrm>
           <a:prstGeom prst="rect">
             <a:avLst/>
@@ -3485,8 +3490,8 @@
         </p:nvSpPr>
         <p:spPr>
           <a:xfrm>
-            <a:off x="5155920" y="1485000"/>
-            <a:ext cx="4567320" cy="3779280"/>
+            <a:off x="5152680" y="1326600"/>
+            <a:ext cx="4426920" cy="3288600"/>
           </a:xfrm>
           <a:prstGeom prst="rect">
             <a:avLst/>
@@ -3582,8 +3587,8 @@
         </p:nvSpPr>
         <p:spPr>
           <a:xfrm>
-            <a:off x="360000" y="225720"/>
-            <a:ext cx="9359280" cy="718200"/>
+            <a:off x="504000" y="226080"/>
+            <a:ext cx="9072000" cy="946440"/>
           </a:xfrm>
           <a:prstGeom prst="rect">
             <a:avLst/>
@@ -3682,8 +3687,8 @@
         </p:nvSpPr>
         <p:spPr>
           <a:xfrm>
-            <a:off x="360000" y="225720"/>
-            <a:ext cx="9359280" cy="718200"/>
+            <a:off x="504000" y="226080"/>
+            <a:ext cx="9072000" cy="946440"/>
           </a:xfrm>
           <a:prstGeom prst="rect">
             <a:avLst/>
@@ -3719,8 +3724,8 @@
         </p:nvSpPr>
         <p:spPr>
           <a:xfrm>
-            <a:off x="360000" y="1485000"/>
-            <a:ext cx="9359280" cy="3779280"/>
+            <a:off x="504000" y="1326600"/>
+            <a:ext cx="9072000" cy="3288600"/>
           </a:xfrm>
           <a:prstGeom prst="rect">
             <a:avLst/>
@@ -3775,7 +3780,7 @@
         <p:txBody>
           <a:bodyPr/>
           <a:p>
-            <a:fld id="{5A298572-9A44-47AD-B944-644B6380327D}" type="slidenum">
+            <a:fld id="{56B9432F-3002-4542-9694-2BA22488C6B9}" type="slidenum">
               <a:t>&lt;#&gt;</a:t>
             </a:fld>
           </a:p>
@@ -3836,8 +3841,8 @@
         </p:nvSpPr>
         <p:spPr>
           <a:xfrm>
-            <a:off x="360000" y="225720"/>
-            <a:ext cx="9359280" cy="3330360"/>
+            <a:off x="504000" y="226080"/>
+            <a:ext cx="9072000" cy="4388400"/>
           </a:xfrm>
           <a:prstGeom prst="rect">
             <a:avLst/>
@@ -3936,8 +3941,8 @@
         </p:nvSpPr>
         <p:spPr>
           <a:xfrm>
-            <a:off x="360000" y="225720"/>
-            <a:ext cx="9359280" cy="718200"/>
+            <a:off x="504000" y="226080"/>
+            <a:ext cx="9072000" cy="946440"/>
           </a:xfrm>
           <a:prstGeom prst="rect">
             <a:avLst/>
@@ -3973,8 +3978,8 @@
         </p:nvSpPr>
         <p:spPr>
           <a:xfrm>
-            <a:off x="360000" y="1485000"/>
-            <a:ext cx="4567320" cy="1802520"/>
+            <a:off x="504000" y="1326600"/>
+            <a:ext cx="4426920" cy="1568520"/>
           </a:xfrm>
           <a:prstGeom prst="rect">
             <a:avLst/>
@@ -4007,8 +4012,8 @@
         </p:nvSpPr>
         <p:spPr>
           <a:xfrm>
-            <a:off x="5155920" y="1485000"/>
-            <a:ext cx="4567320" cy="3779280"/>
+            <a:off x="5152680" y="1326600"/>
+            <a:ext cx="4426920" cy="3288600"/>
           </a:xfrm>
           <a:prstGeom prst="rect">
             <a:avLst/>
@@ -4041,8 +4046,8 @@
         </p:nvSpPr>
         <p:spPr>
           <a:xfrm>
-            <a:off x="360000" y="3459240"/>
-            <a:ext cx="4567320" cy="1802520"/>
+            <a:off x="504000" y="3044520"/>
+            <a:ext cx="4426920" cy="1568520"/>
           </a:xfrm>
           <a:prstGeom prst="rect">
             <a:avLst/>
@@ -4138,8 +4143,8 @@
         </p:nvSpPr>
         <p:spPr>
           <a:xfrm>
-            <a:off x="360000" y="225720"/>
-            <a:ext cx="9359280" cy="718200"/>
+            <a:off x="504000" y="226080"/>
+            <a:ext cx="9072000" cy="946440"/>
           </a:xfrm>
           <a:prstGeom prst="rect">
             <a:avLst/>
@@ -4175,8 +4180,8 @@
         </p:nvSpPr>
         <p:spPr>
           <a:xfrm>
-            <a:off x="360000" y="1485000"/>
-            <a:ext cx="4567320" cy="3779280"/>
+            <a:off x="504000" y="1326600"/>
+            <a:ext cx="4426920" cy="3288600"/>
           </a:xfrm>
           <a:prstGeom prst="rect">
             <a:avLst/>
@@ -4209,8 +4214,8 @@
         </p:nvSpPr>
         <p:spPr>
           <a:xfrm>
-            <a:off x="5155920" y="1485000"/>
-            <a:ext cx="4567320" cy="1802520"/>
+            <a:off x="5152680" y="1326600"/>
+            <a:ext cx="4426920" cy="1568520"/>
           </a:xfrm>
           <a:prstGeom prst="rect">
             <a:avLst/>
@@ -4243,8 +4248,8 @@
         </p:nvSpPr>
         <p:spPr>
           <a:xfrm>
-            <a:off x="5155920" y="3459240"/>
-            <a:ext cx="4567320" cy="1802520"/>
+            <a:off x="5152680" y="3044520"/>
+            <a:ext cx="4426920" cy="1568520"/>
           </a:xfrm>
           <a:prstGeom prst="rect">
             <a:avLst/>
@@ -4340,8 +4345,8 @@
         </p:nvSpPr>
         <p:spPr>
           <a:xfrm>
-            <a:off x="360000" y="225720"/>
-            <a:ext cx="9359280" cy="718200"/>
+            <a:off x="504000" y="226080"/>
+            <a:ext cx="9072000" cy="946440"/>
           </a:xfrm>
           <a:prstGeom prst="rect">
             <a:avLst/>
@@ -4377,8 +4382,8 @@
         </p:nvSpPr>
         <p:spPr>
           <a:xfrm>
-            <a:off x="360000" y="1485000"/>
-            <a:ext cx="4567320" cy="1802520"/>
+            <a:off x="504000" y="1326600"/>
+            <a:ext cx="4426920" cy="1568520"/>
           </a:xfrm>
           <a:prstGeom prst="rect">
             <a:avLst/>
@@ -4411,8 +4416,8 @@
         </p:nvSpPr>
         <p:spPr>
           <a:xfrm>
-            <a:off x="5155920" y="1485000"/>
-            <a:ext cx="4567320" cy="1802520"/>
+            <a:off x="5152680" y="1326600"/>
+            <a:ext cx="4426920" cy="1568520"/>
           </a:xfrm>
           <a:prstGeom prst="rect">
             <a:avLst/>
@@ -4445,8 +4450,8 @@
         </p:nvSpPr>
         <p:spPr>
           <a:xfrm>
-            <a:off x="360000" y="3459240"/>
-            <a:ext cx="9359280" cy="1802520"/>
+            <a:off x="504000" y="3044520"/>
+            <a:ext cx="9072000" cy="1568520"/>
           </a:xfrm>
           <a:prstGeom prst="rect">
             <a:avLst/>
@@ -4542,8 +4547,8 @@
         </p:nvSpPr>
         <p:spPr>
           <a:xfrm>
-            <a:off x="360000" y="225720"/>
-            <a:ext cx="9359280" cy="718200"/>
+            <a:off x="504000" y="226080"/>
+            <a:ext cx="9072000" cy="946440"/>
           </a:xfrm>
           <a:prstGeom prst="rect">
             <a:avLst/>
@@ -4579,8 +4584,8 @@
         </p:nvSpPr>
         <p:spPr>
           <a:xfrm>
-            <a:off x="360000" y="1485000"/>
-            <a:ext cx="9359280" cy="1802520"/>
+            <a:off x="504000" y="1326600"/>
+            <a:ext cx="9072000" cy="1568520"/>
           </a:xfrm>
           <a:prstGeom prst="rect">
             <a:avLst/>
@@ -4613,8 +4618,8 @@
         </p:nvSpPr>
         <p:spPr>
           <a:xfrm>
-            <a:off x="360000" y="3459240"/>
-            <a:ext cx="9359280" cy="1802520"/>
+            <a:off x="504000" y="3044520"/>
+            <a:ext cx="9072000" cy="1568520"/>
           </a:xfrm>
           <a:prstGeom prst="rect">
             <a:avLst/>
@@ -4710,8 +4715,8 @@
         </p:nvSpPr>
         <p:spPr>
           <a:xfrm>
-            <a:off x="360000" y="225720"/>
-            <a:ext cx="9359280" cy="718200"/>
+            <a:off x="504000" y="226080"/>
+            <a:ext cx="9072000" cy="946440"/>
           </a:xfrm>
           <a:prstGeom prst="rect">
             <a:avLst/>
@@ -4747,8 +4752,8 @@
         </p:nvSpPr>
         <p:spPr>
           <a:xfrm>
-            <a:off x="360000" y="1485000"/>
-            <a:ext cx="4567320" cy="1802520"/>
+            <a:off x="504000" y="1326600"/>
+            <a:ext cx="4426920" cy="1568520"/>
           </a:xfrm>
           <a:prstGeom prst="rect">
             <a:avLst/>
@@ -4781,8 +4786,8 @@
         </p:nvSpPr>
         <p:spPr>
           <a:xfrm>
-            <a:off x="5155920" y="1485000"/>
-            <a:ext cx="4567320" cy="1802520"/>
+            <a:off x="5152680" y="1326600"/>
+            <a:ext cx="4426920" cy="1568520"/>
           </a:xfrm>
           <a:prstGeom prst="rect">
             <a:avLst/>
@@ -4815,8 +4820,8 @@
         </p:nvSpPr>
         <p:spPr>
           <a:xfrm>
-            <a:off x="360000" y="3459240"/>
-            <a:ext cx="4567320" cy="1802520"/>
+            <a:off x="504000" y="3044520"/>
+            <a:ext cx="4426920" cy="1568520"/>
           </a:xfrm>
           <a:prstGeom prst="rect">
             <a:avLst/>
@@ -4849,8 +4854,8 @@
         </p:nvSpPr>
         <p:spPr>
           <a:xfrm>
-            <a:off x="5155920" y="3459240"/>
-            <a:ext cx="4567320" cy="1802520"/>
+            <a:off x="5152680" y="3044520"/>
+            <a:ext cx="4426920" cy="1568520"/>
           </a:xfrm>
           <a:prstGeom prst="rect">
             <a:avLst/>
@@ -4946,8 +4951,8 @@
         </p:nvSpPr>
         <p:spPr>
           <a:xfrm>
-            <a:off x="360000" y="225720"/>
-            <a:ext cx="9359280" cy="718200"/>
+            <a:off x="504000" y="226080"/>
+            <a:ext cx="9072000" cy="946440"/>
           </a:xfrm>
           <a:prstGeom prst="rect">
             <a:avLst/>
@@ -4983,8 +4988,8 @@
         </p:nvSpPr>
         <p:spPr>
           <a:xfrm>
-            <a:off x="360000" y="1485000"/>
-            <a:ext cx="3013560" cy="1802520"/>
+            <a:off x="504000" y="1326600"/>
+            <a:ext cx="2921040" cy="1568520"/>
           </a:xfrm>
           <a:prstGeom prst="rect">
             <a:avLst/>
@@ -5017,8 +5022,8 @@
         </p:nvSpPr>
         <p:spPr>
           <a:xfrm>
-            <a:off x="3524760" y="1485000"/>
-            <a:ext cx="3013560" cy="1802520"/>
+            <a:off x="3571560" y="1326600"/>
+            <a:ext cx="2921040" cy="1568520"/>
           </a:xfrm>
           <a:prstGeom prst="rect">
             <a:avLst/>
@@ -5051,8 +5056,8 @@
         </p:nvSpPr>
         <p:spPr>
           <a:xfrm>
-            <a:off x="6689160" y="1485000"/>
-            <a:ext cx="3013560" cy="1802520"/>
+            <a:off x="6639120" y="1326600"/>
+            <a:ext cx="2921040" cy="1568520"/>
           </a:xfrm>
           <a:prstGeom prst="rect">
             <a:avLst/>
@@ -5085,8 +5090,8 @@
         </p:nvSpPr>
         <p:spPr>
           <a:xfrm>
-            <a:off x="360000" y="3459240"/>
-            <a:ext cx="3013560" cy="1802520"/>
+            <a:off x="504000" y="3044520"/>
+            <a:ext cx="2921040" cy="1568520"/>
           </a:xfrm>
           <a:prstGeom prst="rect">
             <a:avLst/>
@@ -5119,8 +5124,8 @@
         </p:nvSpPr>
         <p:spPr>
           <a:xfrm>
-            <a:off x="3524760" y="3459240"/>
-            <a:ext cx="3013560" cy="1802520"/>
+            <a:off x="3571560" y="3044520"/>
+            <a:ext cx="2921040" cy="1568520"/>
           </a:xfrm>
           <a:prstGeom prst="rect">
             <a:avLst/>
@@ -5153,8 +5158,8 @@
         </p:nvSpPr>
         <p:spPr>
           <a:xfrm>
-            <a:off x="6689160" y="3459240"/>
-            <a:ext cx="3013560" cy="1802520"/>
+            <a:off x="6639120" y="3044520"/>
+            <a:ext cx="2921040" cy="1568520"/>
           </a:xfrm>
           <a:prstGeom prst="rect">
             <a:avLst/>
@@ -5313,8 +5318,8 @@
         </p:nvSpPr>
         <p:spPr>
           <a:xfrm>
-            <a:off x="360000" y="225720"/>
-            <a:ext cx="9359280" cy="718200"/>
+            <a:off x="504000" y="226080"/>
+            <a:ext cx="9072000" cy="946440"/>
           </a:xfrm>
           <a:prstGeom prst="rect">
             <a:avLst/>
@@ -5350,8 +5355,8 @@
         </p:nvSpPr>
         <p:spPr>
           <a:xfrm>
-            <a:off x="360000" y="1485000"/>
-            <a:ext cx="9359280" cy="3779280"/>
+            <a:off x="504000" y="1326600"/>
+            <a:ext cx="9072000" cy="3288600"/>
           </a:xfrm>
           <a:prstGeom prst="rect">
             <a:avLst/>
@@ -5450,8 +5455,8 @@
         </p:nvSpPr>
         <p:spPr>
           <a:xfrm>
-            <a:off x="360000" y="225720"/>
-            <a:ext cx="9359280" cy="718200"/>
+            <a:off x="504000" y="226080"/>
+            <a:ext cx="9072000" cy="946440"/>
           </a:xfrm>
           <a:prstGeom prst="rect">
             <a:avLst/>
@@ -5487,8 +5492,8 @@
         </p:nvSpPr>
         <p:spPr>
           <a:xfrm>
-            <a:off x="360000" y="1485000"/>
-            <a:ext cx="9359280" cy="3779280"/>
+            <a:off x="504000" y="1326600"/>
+            <a:ext cx="9072000" cy="3288600"/>
           </a:xfrm>
           <a:prstGeom prst="rect">
             <a:avLst/>
@@ -5584,8 +5589,8 @@
         </p:nvSpPr>
         <p:spPr>
           <a:xfrm>
-            <a:off x="360000" y="225720"/>
-            <a:ext cx="9359280" cy="718200"/>
+            <a:off x="504000" y="226080"/>
+            <a:ext cx="9072000" cy="946440"/>
           </a:xfrm>
           <a:prstGeom prst="rect">
             <a:avLst/>
@@ -5621,8 +5626,8 @@
         </p:nvSpPr>
         <p:spPr>
           <a:xfrm>
-            <a:off x="360000" y="1485000"/>
-            <a:ext cx="4567320" cy="3779280"/>
+            <a:off x="504000" y="1326600"/>
+            <a:ext cx="4426920" cy="3288600"/>
           </a:xfrm>
           <a:prstGeom prst="rect">
             <a:avLst/>
@@ -5655,8 +5660,8 @@
         </p:nvSpPr>
         <p:spPr>
           <a:xfrm>
-            <a:off x="5155920" y="1485000"/>
-            <a:ext cx="4567320" cy="3779280"/>
+            <a:off x="5152680" y="1326600"/>
+            <a:ext cx="4426920" cy="3288600"/>
           </a:xfrm>
           <a:prstGeom prst="rect">
             <a:avLst/>
@@ -5711,7 +5716,7 @@
         <p:txBody>
           <a:bodyPr/>
           <a:p>
-            <a:fld id="{8B543B7F-59AA-4D3D-A5C0-23D942C628FF}" type="slidenum">
+            <a:fld id="{9C6EF37A-8F1E-44D4-AA45-BD63ACD8DECC}" type="slidenum">
               <a:t>&lt;#&gt;</a:t>
             </a:fld>
           </a:p>
@@ -5772,8 +5777,8 @@
         </p:nvSpPr>
         <p:spPr>
           <a:xfrm>
-            <a:off x="360000" y="225720"/>
-            <a:ext cx="9359280" cy="718200"/>
+            <a:off x="504000" y="226080"/>
+            <a:ext cx="9072000" cy="946440"/>
           </a:xfrm>
           <a:prstGeom prst="rect">
             <a:avLst/>
@@ -5809,8 +5814,8 @@
         </p:nvSpPr>
         <p:spPr>
           <a:xfrm>
-            <a:off x="360000" y="1485000"/>
-            <a:ext cx="4567320" cy="3779280"/>
+            <a:off x="504000" y="1326600"/>
+            <a:ext cx="4426920" cy="3288600"/>
           </a:xfrm>
           <a:prstGeom prst="rect">
             <a:avLst/>
@@ -5843,8 +5848,8 @@
         </p:nvSpPr>
         <p:spPr>
           <a:xfrm>
-            <a:off x="5155920" y="1485000"/>
-            <a:ext cx="4567320" cy="3779280"/>
+            <a:off x="5152680" y="1326600"/>
+            <a:ext cx="4426920" cy="3288600"/>
           </a:xfrm>
           <a:prstGeom prst="rect">
             <a:avLst/>
@@ -5940,8 +5945,8 @@
         </p:nvSpPr>
         <p:spPr>
           <a:xfrm>
-            <a:off x="360000" y="225720"/>
-            <a:ext cx="9359280" cy="718200"/>
+            <a:off x="504000" y="226080"/>
+            <a:ext cx="9072000" cy="946440"/>
           </a:xfrm>
           <a:prstGeom prst="rect">
             <a:avLst/>
@@ -6040,8 +6045,8 @@
         </p:nvSpPr>
         <p:spPr>
           <a:xfrm>
-            <a:off x="360000" y="225720"/>
-            <a:ext cx="9359280" cy="3330360"/>
+            <a:off x="504000" y="226080"/>
+            <a:ext cx="9072000" cy="4388400"/>
           </a:xfrm>
           <a:prstGeom prst="rect">
             <a:avLst/>
@@ -6140,8 +6145,8 @@
         </p:nvSpPr>
         <p:spPr>
           <a:xfrm>
-            <a:off x="360000" y="225720"/>
-            <a:ext cx="9359280" cy="718200"/>
+            <a:off x="504000" y="226080"/>
+            <a:ext cx="9072000" cy="946440"/>
           </a:xfrm>
           <a:prstGeom prst="rect">
             <a:avLst/>
@@ -6177,8 +6182,8 @@
         </p:nvSpPr>
         <p:spPr>
           <a:xfrm>
-            <a:off x="360000" y="1485000"/>
-            <a:ext cx="4567320" cy="1802520"/>
+            <a:off x="504000" y="1326600"/>
+            <a:ext cx="4426920" cy="1568520"/>
           </a:xfrm>
           <a:prstGeom prst="rect">
             <a:avLst/>
@@ -6211,8 +6216,8 @@
         </p:nvSpPr>
         <p:spPr>
           <a:xfrm>
-            <a:off x="5155920" y="1485000"/>
-            <a:ext cx="4567320" cy="3779280"/>
+            <a:off x="5152680" y="1326600"/>
+            <a:ext cx="4426920" cy="3288600"/>
           </a:xfrm>
           <a:prstGeom prst="rect">
             <a:avLst/>
@@ -6245,8 +6250,8 @@
         </p:nvSpPr>
         <p:spPr>
           <a:xfrm>
-            <a:off x="360000" y="3459240"/>
-            <a:ext cx="4567320" cy="1802520"/>
+            <a:off x="504000" y="3044520"/>
+            <a:ext cx="4426920" cy="1568520"/>
           </a:xfrm>
           <a:prstGeom prst="rect">
             <a:avLst/>
@@ -6342,8 +6347,8 @@
         </p:nvSpPr>
         <p:spPr>
           <a:xfrm>
-            <a:off x="360000" y="225720"/>
-            <a:ext cx="9359280" cy="718200"/>
+            <a:off x="504000" y="226080"/>
+            <a:ext cx="9072000" cy="946440"/>
           </a:xfrm>
           <a:prstGeom prst="rect">
             <a:avLst/>
@@ -6379,8 +6384,8 @@
         </p:nvSpPr>
         <p:spPr>
           <a:xfrm>
-            <a:off x="360000" y="1485000"/>
-            <a:ext cx="4567320" cy="3779280"/>
+            <a:off x="504000" y="1326600"/>
+            <a:ext cx="4426920" cy="3288600"/>
           </a:xfrm>
           <a:prstGeom prst="rect">
             <a:avLst/>
@@ -6413,8 +6418,8 @@
         </p:nvSpPr>
         <p:spPr>
           <a:xfrm>
-            <a:off x="5155920" y="1485000"/>
-            <a:ext cx="4567320" cy="1802520"/>
+            <a:off x="5152680" y="1326600"/>
+            <a:ext cx="4426920" cy="1568520"/>
           </a:xfrm>
           <a:prstGeom prst="rect">
             <a:avLst/>
@@ -6447,8 +6452,8 @@
         </p:nvSpPr>
         <p:spPr>
           <a:xfrm>
-            <a:off x="5155920" y="3459240"/>
-            <a:ext cx="4567320" cy="1802520"/>
+            <a:off x="5152680" y="3044520"/>
+            <a:ext cx="4426920" cy="1568520"/>
           </a:xfrm>
           <a:prstGeom prst="rect">
             <a:avLst/>
@@ -6544,8 +6549,8 @@
         </p:nvSpPr>
         <p:spPr>
           <a:xfrm>
-            <a:off x="360000" y="225720"/>
-            <a:ext cx="9359280" cy="718200"/>
+            <a:off x="504000" y="226080"/>
+            <a:ext cx="9072000" cy="946440"/>
           </a:xfrm>
           <a:prstGeom prst="rect">
             <a:avLst/>
@@ -6581,8 +6586,8 @@
         </p:nvSpPr>
         <p:spPr>
           <a:xfrm>
-            <a:off x="360000" y="1485000"/>
-            <a:ext cx="4567320" cy="1802520"/>
+            <a:off x="504000" y="1326600"/>
+            <a:ext cx="4426920" cy="1568520"/>
           </a:xfrm>
           <a:prstGeom prst="rect">
             <a:avLst/>
@@ -6615,8 +6620,8 @@
         </p:nvSpPr>
         <p:spPr>
           <a:xfrm>
-            <a:off x="5155920" y="1485000"/>
-            <a:ext cx="4567320" cy="1802520"/>
+            <a:off x="5152680" y="1326600"/>
+            <a:ext cx="4426920" cy="1568520"/>
           </a:xfrm>
           <a:prstGeom prst="rect">
             <a:avLst/>
@@ -6649,8 +6654,8 @@
         </p:nvSpPr>
         <p:spPr>
           <a:xfrm>
-            <a:off x="360000" y="3459240"/>
-            <a:ext cx="9359280" cy="1802520"/>
+            <a:off x="504000" y="3044520"/>
+            <a:ext cx="9072000" cy="1568520"/>
           </a:xfrm>
           <a:prstGeom prst="rect">
             <a:avLst/>
@@ -6746,8 +6751,8 @@
         </p:nvSpPr>
         <p:spPr>
           <a:xfrm>
-            <a:off x="360000" y="225720"/>
-            <a:ext cx="9359280" cy="718200"/>
+            <a:off x="504000" y="226080"/>
+            <a:ext cx="9072000" cy="946440"/>
           </a:xfrm>
           <a:prstGeom prst="rect">
             <a:avLst/>
@@ -6783,8 +6788,8 @@
         </p:nvSpPr>
         <p:spPr>
           <a:xfrm>
-            <a:off x="360000" y="1485000"/>
-            <a:ext cx="9359280" cy="1802520"/>
+            <a:off x="504000" y="1326600"/>
+            <a:ext cx="9072000" cy="1568520"/>
           </a:xfrm>
           <a:prstGeom prst="rect">
             <a:avLst/>
@@ -6817,8 +6822,8 @@
         </p:nvSpPr>
         <p:spPr>
           <a:xfrm>
-            <a:off x="360000" y="3459240"/>
-            <a:ext cx="9359280" cy="1802520"/>
+            <a:off x="504000" y="3044520"/>
+            <a:ext cx="9072000" cy="1568520"/>
           </a:xfrm>
           <a:prstGeom prst="rect">
             <a:avLst/>
@@ -6914,8 +6919,8 @@
         </p:nvSpPr>
         <p:spPr>
           <a:xfrm>
-            <a:off x="360000" y="225720"/>
-            <a:ext cx="9359280" cy="718200"/>
+            <a:off x="504000" y="226080"/>
+            <a:ext cx="9072000" cy="946440"/>
           </a:xfrm>
           <a:prstGeom prst="rect">
             <a:avLst/>
@@ -6951,8 +6956,8 @@
         </p:nvSpPr>
         <p:spPr>
           <a:xfrm>
-            <a:off x="360000" y="1485000"/>
-            <a:ext cx="4567320" cy="1802520"/>
+            <a:off x="504000" y="1326600"/>
+            <a:ext cx="4426920" cy="1568520"/>
           </a:xfrm>
           <a:prstGeom prst="rect">
             <a:avLst/>
@@ -6985,8 +6990,8 @@
         </p:nvSpPr>
         <p:spPr>
           <a:xfrm>
-            <a:off x="5155920" y="1485000"/>
-            <a:ext cx="4567320" cy="1802520"/>
+            <a:off x="5152680" y="1326600"/>
+            <a:ext cx="4426920" cy="1568520"/>
           </a:xfrm>
           <a:prstGeom prst="rect">
             <a:avLst/>
@@ -7019,8 +7024,8 @@
         </p:nvSpPr>
         <p:spPr>
           <a:xfrm>
-            <a:off x="360000" y="3459240"/>
-            <a:ext cx="4567320" cy="1802520"/>
+            <a:off x="504000" y="3044520"/>
+            <a:ext cx="4426920" cy="1568520"/>
           </a:xfrm>
           <a:prstGeom prst="rect">
             <a:avLst/>
@@ -7053,8 +7058,8 @@
         </p:nvSpPr>
         <p:spPr>
           <a:xfrm>
-            <a:off x="5155920" y="3459240"/>
-            <a:ext cx="4567320" cy="1802520"/>
+            <a:off x="5152680" y="3044520"/>
+            <a:ext cx="4426920" cy="1568520"/>
           </a:xfrm>
           <a:prstGeom prst="rect">
             <a:avLst/>
@@ -7150,8 +7155,8 @@
         </p:nvSpPr>
         <p:spPr>
           <a:xfrm>
-            <a:off x="360000" y="225720"/>
-            <a:ext cx="9359280" cy="718200"/>
+            <a:off x="504000" y="226080"/>
+            <a:ext cx="9072000" cy="946440"/>
           </a:xfrm>
           <a:prstGeom prst="rect">
             <a:avLst/>
@@ -7187,8 +7192,8 @@
         </p:nvSpPr>
         <p:spPr>
           <a:xfrm>
-            <a:off x="360000" y="1485000"/>
-            <a:ext cx="3013560" cy="1802520"/>
+            <a:off x="504000" y="1326600"/>
+            <a:ext cx="2921040" cy="1568520"/>
           </a:xfrm>
           <a:prstGeom prst="rect">
             <a:avLst/>
@@ -7221,8 +7226,8 @@
         </p:nvSpPr>
         <p:spPr>
           <a:xfrm>
-            <a:off x="3524760" y="1485000"/>
-            <a:ext cx="3013560" cy="1802520"/>
+            <a:off x="3571560" y="1326600"/>
+            <a:ext cx="2921040" cy="1568520"/>
           </a:xfrm>
           <a:prstGeom prst="rect">
             <a:avLst/>
@@ -7255,8 +7260,8 @@
         </p:nvSpPr>
         <p:spPr>
           <a:xfrm>
-            <a:off x="6689160" y="1485000"/>
-            <a:ext cx="3013560" cy="1802520"/>
+            <a:off x="6639120" y="1326600"/>
+            <a:ext cx="2921040" cy="1568520"/>
           </a:xfrm>
           <a:prstGeom prst="rect">
             <a:avLst/>
@@ -7289,8 +7294,8 @@
         </p:nvSpPr>
         <p:spPr>
           <a:xfrm>
-            <a:off x="360000" y="3459240"/>
-            <a:ext cx="3013560" cy="1802520"/>
+            <a:off x="504000" y="3044520"/>
+            <a:ext cx="2921040" cy="1568520"/>
           </a:xfrm>
           <a:prstGeom prst="rect">
             <a:avLst/>
@@ -7323,8 +7328,8 @@
         </p:nvSpPr>
         <p:spPr>
           <a:xfrm>
-            <a:off x="3524760" y="3459240"/>
-            <a:ext cx="3013560" cy="1802520"/>
+            <a:off x="3571560" y="3044520"/>
+            <a:ext cx="2921040" cy="1568520"/>
           </a:xfrm>
           <a:prstGeom prst="rect">
             <a:avLst/>
@@ -7357,8 +7362,8 @@
         </p:nvSpPr>
         <p:spPr>
           <a:xfrm>
-            <a:off x="6689160" y="3459240"/>
-            <a:ext cx="3013560" cy="1802520"/>
+            <a:off x="6639120" y="3044520"/>
+            <a:ext cx="2921040" cy="1568520"/>
           </a:xfrm>
           <a:prstGeom prst="rect">
             <a:avLst/>
@@ -7454,8 +7459,8 @@
         </p:nvSpPr>
         <p:spPr>
           <a:xfrm>
-            <a:off x="360000" y="225720"/>
-            <a:ext cx="9359280" cy="718200"/>
+            <a:off x="504000" y="226080"/>
+            <a:ext cx="9072000" cy="946440"/>
           </a:xfrm>
           <a:prstGeom prst="rect">
             <a:avLst/>
@@ -7513,7 +7518,7 @@
         <p:txBody>
           <a:bodyPr/>
           <a:p>
-            <a:fld id="{4B5D6783-8554-4B03-817E-8DA925FDA6A2}" type="slidenum">
+            <a:fld id="{21CEBC48-CCC7-43D0-92D9-FD5499B2DC1C}" type="slidenum">
               <a:t>&lt;#&gt;</a:t>
             </a:fld>
           </a:p>
@@ -7574,8 +7579,8 @@
         </p:nvSpPr>
         <p:spPr>
           <a:xfrm>
-            <a:off x="360000" y="225720"/>
-            <a:ext cx="9359280" cy="3330360"/>
+            <a:off x="504000" y="226080"/>
+            <a:ext cx="9072000" cy="4388400"/>
           </a:xfrm>
           <a:prstGeom prst="rect">
             <a:avLst/>
@@ -7633,7 +7638,7 @@
         <p:txBody>
           <a:bodyPr/>
           <a:p>
-            <a:fld id="{B6EB6894-051A-4EB8-8F55-E10A22160751}" type="slidenum">
+            <a:fld id="{11C71204-BE54-415A-8A8B-29091DDA7860}" type="slidenum">
               <a:t>&lt;#&gt;</a:t>
             </a:fld>
           </a:p>
@@ -7694,8 +7699,8 @@
         </p:nvSpPr>
         <p:spPr>
           <a:xfrm>
-            <a:off x="360000" y="225720"/>
-            <a:ext cx="9359280" cy="718200"/>
+            <a:off x="504000" y="226080"/>
+            <a:ext cx="9072000" cy="946440"/>
           </a:xfrm>
           <a:prstGeom prst="rect">
             <a:avLst/>
@@ -7731,8 +7736,8 @@
         </p:nvSpPr>
         <p:spPr>
           <a:xfrm>
-            <a:off x="360000" y="1485000"/>
-            <a:ext cx="4567320" cy="1802520"/>
+            <a:off x="504000" y="1326600"/>
+            <a:ext cx="4426920" cy="1568520"/>
           </a:xfrm>
           <a:prstGeom prst="rect">
             <a:avLst/>
@@ -7765,8 +7770,8 @@
         </p:nvSpPr>
         <p:spPr>
           <a:xfrm>
-            <a:off x="5155920" y="1485000"/>
-            <a:ext cx="4567320" cy="3779280"/>
+            <a:off x="5152680" y="1326600"/>
+            <a:ext cx="4426920" cy="3288600"/>
           </a:xfrm>
           <a:prstGeom prst="rect">
             <a:avLst/>
@@ -7799,8 +7804,8 @@
         </p:nvSpPr>
         <p:spPr>
           <a:xfrm>
-            <a:off x="360000" y="3459240"/>
-            <a:ext cx="4567320" cy="1802520"/>
+            <a:off x="504000" y="3044520"/>
+            <a:ext cx="4426920" cy="1568520"/>
           </a:xfrm>
           <a:prstGeom prst="rect">
             <a:avLst/>
@@ -7855,7 +7860,7 @@
         <p:txBody>
           <a:bodyPr/>
           <a:p>
-            <a:fld id="{842A4207-99E3-4053-9B66-46A2CE50B0D9}" type="slidenum">
+            <a:fld id="{A9AEF200-4944-4C73-9CE5-174556A818E4}" type="slidenum">
               <a:t>&lt;#&gt;</a:t>
             </a:fld>
           </a:p>
@@ -7916,8 +7921,8 @@
         </p:nvSpPr>
         <p:spPr>
           <a:xfrm>
-            <a:off x="360000" y="225720"/>
-            <a:ext cx="9359280" cy="718200"/>
+            <a:off x="504000" y="226080"/>
+            <a:ext cx="9072000" cy="946440"/>
           </a:xfrm>
           <a:prstGeom prst="rect">
             <a:avLst/>
@@ -7953,8 +7958,8 @@
         </p:nvSpPr>
         <p:spPr>
           <a:xfrm>
-            <a:off x="360000" y="1485000"/>
-            <a:ext cx="4567320" cy="3779280"/>
+            <a:off x="504000" y="1326600"/>
+            <a:ext cx="4426920" cy="3288600"/>
           </a:xfrm>
           <a:prstGeom prst="rect">
             <a:avLst/>
@@ -7987,8 +7992,8 @@
         </p:nvSpPr>
         <p:spPr>
           <a:xfrm>
-            <a:off x="5155920" y="1485000"/>
-            <a:ext cx="4567320" cy="1802520"/>
+            <a:off x="5152680" y="1326600"/>
+            <a:ext cx="4426920" cy="1568520"/>
           </a:xfrm>
           <a:prstGeom prst="rect">
             <a:avLst/>
@@ -8021,8 +8026,8 @@
         </p:nvSpPr>
         <p:spPr>
           <a:xfrm>
-            <a:off x="5155920" y="3459240"/>
-            <a:ext cx="4567320" cy="1802520"/>
+            <a:off x="5152680" y="3044520"/>
+            <a:ext cx="4426920" cy="1568520"/>
           </a:xfrm>
           <a:prstGeom prst="rect">
             <a:avLst/>
@@ -8077,7 +8082,7 @@
         <p:txBody>
           <a:bodyPr/>
           <a:p>
-            <a:fld id="{C072BF40-428E-4C37-ABFF-88FEF4BCACB2}" type="slidenum">
+            <a:fld id="{7F5ECC22-4843-4424-8DA0-EB58F7CFC914}" type="slidenum">
               <a:t>&lt;#&gt;</a:t>
             </a:fld>
           </a:p>
@@ -8138,8 +8143,8 @@
         </p:nvSpPr>
         <p:spPr>
           <a:xfrm>
-            <a:off x="360000" y="225720"/>
-            <a:ext cx="9359280" cy="718200"/>
+            <a:off x="504000" y="226080"/>
+            <a:ext cx="9072000" cy="946440"/>
           </a:xfrm>
           <a:prstGeom prst="rect">
             <a:avLst/>
@@ -8175,8 +8180,8 @@
         </p:nvSpPr>
         <p:spPr>
           <a:xfrm>
-            <a:off x="360000" y="1485000"/>
-            <a:ext cx="4567320" cy="1802520"/>
+            <a:off x="504000" y="1326600"/>
+            <a:ext cx="4426920" cy="1568520"/>
           </a:xfrm>
           <a:prstGeom prst="rect">
             <a:avLst/>
@@ -8209,8 +8214,8 @@
         </p:nvSpPr>
         <p:spPr>
           <a:xfrm>
-            <a:off x="5155920" y="1485000"/>
-            <a:ext cx="4567320" cy="1802520"/>
+            <a:off x="5152680" y="1326600"/>
+            <a:ext cx="4426920" cy="1568520"/>
           </a:xfrm>
           <a:prstGeom prst="rect">
             <a:avLst/>
@@ -8243,8 +8248,8 @@
         </p:nvSpPr>
         <p:spPr>
           <a:xfrm>
-            <a:off x="360000" y="3459240"/>
-            <a:ext cx="9359280" cy="1802520"/>
+            <a:off x="504000" y="3044520"/>
+            <a:ext cx="9072000" cy="1568520"/>
           </a:xfrm>
           <a:prstGeom prst="rect">
             <a:avLst/>
@@ -8299,7 +8304,7 @@
         <p:txBody>
           <a:bodyPr/>
           <a:p>
-            <a:fld id="{BE5D934A-B95E-426C-A632-FBD59173B8BA}" type="slidenum">
+            <a:fld id="{6519E794-EC4C-47A2-B737-592A3A71F51D}" type="slidenum">
               <a:t>&lt;#&gt;</a:t>
             </a:fld>
           </a:p>
@@ -8357,7 +8362,7 @@
         <p:spPr>
           <a:xfrm>
             <a:off x="0" y="0"/>
-            <a:ext cx="10079280" cy="5669280"/>
+            <a:ext cx="10078920" cy="5668920"/>
           </a:xfrm>
           <a:prstGeom prst="rect">
             <a:avLst/>
@@ -8385,7 +8390,7 @@
         <p:spPr>
           <a:xfrm>
             <a:off x="0" y="0"/>
-            <a:ext cx="10079280" cy="3779280"/>
+            <a:ext cx="10078920" cy="3778920"/>
           </a:xfrm>
           <a:prstGeom prst="rect">
             <a:avLst/>
@@ -8420,7 +8425,7 @@
         <p:spPr>
           <a:xfrm>
             <a:off x="360000" y="225720"/>
-            <a:ext cx="9359280" cy="718200"/>
+            <a:ext cx="9358920" cy="717840"/>
           </a:xfrm>
           <a:prstGeom prst="rect">
             <a:avLst/>
@@ -8454,13 +8459,196 @@
             <a:spLocks noGrp="1"/>
           </p:cNvSpPr>
           <p:nvPr>
+            <p:ph type="body"/>
+          </p:nvPr>
+        </p:nvSpPr>
+        <p:spPr>
+          <a:xfrm>
+            <a:off x="360000" y="1485000"/>
+            <a:ext cx="9358920" cy="3778920"/>
+          </a:xfrm>
+          <a:prstGeom prst="rect">
+            <a:avLst/>
+          </a:prstGeom>
+          <a:noFill/>
+          <a:ln w="0">
+            <a:noFill/>
+          </a:ln>
+        </p:spPr>
+        <p:txBody>
+          <a:bodyPr lIns="0" rIns="0" tIns="0" bIns="0" anchor="t">
+            <a:normAutofit/>
+          </a:bodyPr>
+          <a:p>
+            <a:pPr marL="432000" indent="-324000">
+              <a:spcBef>
+                <a:spcPts val="1417"/>
+              </a:spcBef>
+              <a:buClr>
+                <a:srgbClr val="000000"/>
+              </a:buClr>
+              <a:buSzPct val="45000"/>
+              <a:buFont typeface="Wingdings" charset="2"/>
+              <a:buChar char=""/>
+            </a:pPr>
+            <a:r>
+              <a:rPr b="0" lang="en-US" sz="1800" spc="-1" strike="noStrike">
+                <a:latin typeface="Arial"/>
+              </a:rPr>
+              <a:t>Click to edit the outline text format</a:t>
+            </a:r>
+            <a:endParaRPr b="0" lang="en-US" sz="1800" spc="-1" strike="noStrike">
+              <a:latin typeface="Arial"/>
+            </a:endParaRPr>
+          </a:p>
+          <a:p>
+            <a:pPr lvl="1" marL="864000" indent="-324000">
+              <a:spcBef>
+                <a:spcPts val="1134"/>
+              </a:spcBef>
+              <a:buClr>
+                <a:srgbClr val="000000"/>
+              </a:buClr>
+              <a:buSzPct val="75000"/>
+              <a:buFont typeface="Symbol" charset="2"/>
+              <a:buChar char=""/>
+            </a:pPr>
+            <a:r>
+              <a:rPr b="0" lang="en-US" sz="1800" spc="-1" strike="noStrike">
+                <a:latin typeface="Arial"/>
+              </a:rPr>
+              <a:t>Second Outline Level</a:t>
+            </a:r>
+            <a:endParaRPr b="0" lang="en-US" sz="1800" spc="-1" strike="noStrike">
+              <a:latin typeface="Arial"/>
+            </a:endParaRPr>
+          </a:p>
+          <a:p>
+            <a:pPr lvl="2" marL="1296000" indent="-288000">
+              <a:spcBef>
+                <a:spcPts val="850"/>
+              </a:spcBef>
+              <a:buClr>
+                <a:srgbClr val="000000"/>
+              </a:buClr>
+              <a:buSzPct val="45000"/>
+              <a:buFont typeface="Wingdings" charset="2"/>
+              <a:buChar char=""/>
+            </a:pPr>
+            <a:r>
+              <a:rPr b="0" lang="en-US" sz="1800" spc="-1" strike="noStrike">
+                <a:latin typeface="Arial"/>
+              </a:rPr>
+              <a:t>Third Outline Level</a:t>
+            </a:r>
+            <a:endParaRPr b="0" lang="en-US" sz="1800" spc="-1" strike="noStrike">
+              <a:latin typeface="Arial"/>
+            </a:endParaRPr>
+          </a:p>
+          <a:p>
+            <a:pPr lvl="3" marL="1728000" indent="-216000">
+              <a:spcBef>
+                <a:spcPts val="567"/>
+              </a:spcBef>
+              <a:buClr>
+                <a:srgbClr val="000000"/>
+              </a:buClr>
+              <a:buSzPct val="75000"/>
+              <a:buFont typeface="Symbol" charset="2"/>
+              <a:buChar char=""/>
+            </a:pPr>
+            <a:r>
+              <a:rPr b="0" lang="en-US" sz="1800" spc="-1" strike="noStrike">
+                <a:latin typeface="Arial"/>
+              </a:rPr>
+              <a:t>Fourth Outline Level</a:t>
+            </a:r>
+            <a:endParaRPr b="0" lang="en-US" sz="1800" spc="-1" strike="noStrike">
+              <a:latin typeface="Arial"/>
+            </a:endParaRPr>
+          </a:p>
+          <a:p>
+            <a:pPr lvl="4" marL="2160000" indent="-216000">
+              <a:spcBef>
+                <a:spcPts val="283"/>
+              </a:spcBef>
+              <a:buClr>
+                <a:srgbClr val="000000"/>
+              </a:buClr>
+              <a:buSzPct val="45000"/>
+              <a:buFont typeface="Wingdings" charset="2"/>
+              <a:buChar char=""/>
+            </a:pPr>
+            <a:r>
+              <a:rPr b="0" lang="en-US" sz="1800" spc="-1" strike="noStrike">
+                <a:latin typeface="Arial"/>
+              </a:rPr>
+              <a:t>Fifth Outline Level</a:t>
+            </a:r>
+            <a:endParaRPr b="0" lang="en-US" sz="1800" spc="-1" strike="noStrike">
+              <a:latin typeface="Arial"/>
+            </a:endParaRPr>
+          </a:p>
+          <a:p>
+            <a:pPr lvl="5" marL="2592000" indent="-216000">
+              <a:spcBef>
+                <a:spcPts val="283"/>
+              </a:spcBef>
+              <a:buClr>
+                <a:srgbClr val="000000"/>
+              </a:buClr>
+              <a:buSzPct val="45000"/>
+              <a:buFont typeface="Wingdings" charset="2"/>
+              <a:buChar char=""/>
+            </a:pPr>
+            <a:r>
+              <a:rPr b="0" lang="en-US" sz="1800" spc="-1" strike="noStrike">
+                <a:latin typeface="Arial"/>
+              </a:rPr>
+              <a:t>Sixth Outline Level</a:t>
+            </a:r>
+            <a:endParaRPr b="0" lang="en-US" sz="1800" spc="-1" strike="noStrike">
+              <a:latin typeface="Arial"/>
+            </a:endParaRPr>
+          </a:p>
+          <a:p>
+            <a:pPr lvl="6" marL="3024000" indent="-216000">
+              <a:spcBef>
+                <a:spcPts val="283"/>
+              </a:spcBef>
+              <a:buClr>
+                <a:srgbClr val="000000"/>
+              </a:buClr>
+              <a:buSzPct val="45000"/>
+              <a:buFont typeface="Wingdings" charset="2"/>
+              <a:buChar char=""/>
+            </a:pPr>
+            <a:r>
+              <a:rPr b="0" lang="en-US" sz="1800" spc="-1" strike="noStrike">
+                <a:latin typeface="Arial"/>
+              </a:rPr>
+              <a:t>Seventh Outline Level</a:t>
+            </a:r>
+            <a:endParaRPr b="0" lang="en-US" sz="1800" spc="-1" strike="noStrike">
+              <a:latin typeface="Arial"/>
+            </a:endParaRPr>
+          </a:p>
+        </p:txBody>
+      </p:sp>
+      <p:sp>
+        <p:nvSpPr>
+          <p:cNvPr id="4" name="PlaceHolder 3"/>
+          <p:cNvSpPr>
+            <a:spLocks noGrp="1"/>
+          </p:cNvSpPr>
+          <p:nvPr>
             <p:ph type="ftr" idx="1"/>
           </p:nvPr>
         </p:nvSpPr>
         <p:spPr>
           <a:xfrm>
             <a:off x="3420000" y="5400000"/>
-            <a:ext cx="3239280" cy="269280"/>
+            <a:ext cx="3238920" cy="268920"/>
           </a:xfrm>
           <a:prstGeom prst="rect">
             <a:avLst/>
@@ -8512,7 +8700,7 @@
       </p:sp>
       <p:sp>
         <p:nvSpPr>
-          <p:cNvPr id="4" name="PlaceHolder 3"/>
+          <p:cNvPr id="5" name="PlaceHolder 4"/>
           <p:cNvSpPr>
             <a:spLocks noGrp="1"/>
           </p:cNvSpPr>
@@ -8523,7 +8711,7 @@
         <p:spPr>
           <a:xfrm>
             <a:off x="9180000" y="5130000"/>
-            <a:ext cx="719280" cy="539280"/>
+            <a:ext cx="718920" cy="538920"/>
           </a:xfrm>
           <a:prstGeom prst="rect">
             <a:avLst/>
@@ -8558,7 +8746,7 @@
               </a:lnSpc>
               <a:buNone/>
             </a:pPr>
-            <a:fld id="{1C1EE9D4-32BA-40B8-A1DE-7C4E39D2AD10}" type="slidenum">
+            <a:fld id="{CA9FC373-4E29-405A-8C62-35959EF353AD}" type="slidenum">
               <a:rPr b="1" lang="en-US" sz="1800" spc="-1" strike="noStrike">
                 <a:solidFill>
                   <a:srgbClr val="ffffff"/>
@@ -8575,7 +8763,7 @@
       </p:sp>
       <p:sp>
         <p:nvSpPr>
-          <p:cNvPr id="5" name="PlaceHolder 4"/>
+          <p:cNvPr id="6" name="PlaceHolder 5"/>
           <p:cNvSpPr>
             <a:spLocks noGrp="1"/>
           </p:cNvSpPr>
@@ -8586,7 +8774,7 @@
         <p:spPr>
           <a:xfrm>
             <a:off x="360000" y="5400000"/>
-            <a:ext cx="2879280" cy="269280"/>
+            <a:ext cx="2878920" cy="268920"/>
           </a:xfrm>
           <a:prstGeom prst="rect">
             <a:avLst/>
@@ -8616,189 +8804,6 @@
             </a:r>
             <a:endParaRPr b="0" lang="en-US" sz="1400" spc="-1" strike="noStrike">
               <a:latin typeface="Times New Roman"/>
-            </a:endParaRPr>
-          </a:p>
-        </p:txBody>
-      </p:sp>
-      <p:sp>
-        <p:nvSpPr>
-          <p:cNvPr id="6" name="PlaceHolder 5"/>
-          <p:cNvSpPr>
-            <a:spLocks noGrp="1"/>
-          </p:cNvSpPr>
-          <p:nvPr>
-            <p:ph type="body"/>
-          </p:nvPr>
-        </p:nvSpPr>
-        <p:spPr>
-          <a:xfrm>
-            <a:off x="504000" y="1326600"/>
-            <a:ext cx="9072000" cy="3288600"/>
-          </a:xfrm>
-          <a:prstGeom prst="rect">
-            <a:avLst/>
-          </a:prstGeom>
-          <a:noFill/>
-          <a:ln w="0">
-            <a:noFill/>
-          </a:ln>
-        </p:spPr>
-        <p:txBody>
-          <a:bodyPr lIns="0" rIns="0" tIns="0" bIns="0" anchor="t">
-            <a:normAutofit/>
-          </a:bodyPr>
-          <a:p>
-            <a:pPr marL="432000" indent="-324000">
-              <a:spcBef>
-                <a:spcPts val="1417"/>
-              </a:spcBef>
-              <a:buClr>
-                <a:srgbClr val="000000"/>
-              </a:buClr>
-              <a:buSzPct val="45000"/>
-              <a:buFont typeface="Wingdings" charset="2"/>
-              <a:buChar char=""/>
-            </a:pPr>
-            <a:r>
-              <a:rPr b="0" lang="en-US" sz="3200" spc="-1" strike="noStrike">
-                <a:latin typeface="Arial"/>
-              </a:rPr>
-              <a:t>Click to edit the outline text format</a:t>
-            </a:r>
-            <a:endParaRPr b="0" lang="en-US" sz="3200" spc="-1" strike="noStrike">
-              <a:latin typeface="Arial"/>
-            </a:endParaRPr>
-          </a:p>
-          <a:p>
-            <a:pPr lvl="1" marL="864000" indent="-324000">
-              <a:spcBef>
-                <a:spcPts val="1134"/>
-              </a:spcBef>
-              <a:buClr>
-                <a:srgbClr val="000000"/>
-              </a:buClr>
-              <a:buSzPct val="75000"/>
-              <a:buFont typeface="Symbol" charset="2"/>
-              <a:buChar char=""/>
-            </a:pPr>
-            <a:r>
-              <a:rPr b="0" lang="en-US" sz="2800" spc="-1" strike="noStrike">
-                <a:latin typeface="Arial"/>
-              </a:rPr>
-              <a:t>Second Outline Level</a:t>
-            </a:r>
-            <a:endParaRPr b="0" lang="en-US" sz="2800" spc="-1" strike="noStrike">
-              <a:latin typeface="Arial"/>
-            </a:endParaRPr>
-          </a:p>
-          <a:p>
-            <a:pPr lvl="2" marL="1296000" indent="-288000">
-              <a:spcBef>
-                <a:spcPts val="850"/>
-              </a:spcBef>
-              <a:buClr>
-                <a:srgbClr val="000000"/>
-              </a:buClr>
-              <a:buSzPct val="45000"/>
-              <a:buFont typeface="Wingdings" charset="2"/>
-              <a:buChar char=""/>
-            </a:pPr>
-            <a:r>
-              <a:rPr b="0" lang="en-US" sz="2400" spc="-1" strike="noStrike">
-                <a:latin typeface="Arial"/>
-              </a:rPr>
-              <a:t>Third Outline Level</a:t>
-            </a:r>
-            <a:endParaRPr b="0" lang="en-US" sz="2400" spc="-1" strike="noStrike">
-              <a:latin typeface="Arial"/>
-            </a:endParaRPr>
-          </a:p>
-          <a:p>
-            <a:pPr lvl="3" marL="1728000" indent="-216000">
-              <a:spcBef>
-                <a:spcPts val="567"/>
-              </a:spcBef>
-              <a:buClr>
-                <a:srgbClr val="000000"/>
-              </a:buClr>
-              <a:buSzPct val="75000"/>
-              <a:buFont typeface="Symbol" charset="2"/>
-              <a:buChar char=""/>
-            </a:pPr>
-            <a:r>
-              <a:rPr b="0" lang="en-US" sz="2000" spc="-1" strike="noStrike">
-                <a:latin typeface="Arial"/>
-              </a:rPr>
-              <a:t>Fourth Outline Level</a:t>
-            </a:r>
-            <a:endParaRPr b="0" lang="en-US" sz="2000" spc="-1" strike="noStrike">
-              <a:latin typeface="Arial"/>
-            </a:endParaRPr>
-          </a:p>
-          <a:p>
-            <a:pPr lvl="4" marL="2160000" indent="-216000">
-              <a:spcBef>
-                <a:spcPts val="283"/>
-              </a:spcBef>
-              <a:buClr>
-                <a:srgbClr val="000000"/>
-              </a:buClr>
-              <a:buSzPct val="45000"/>
-              <a:buFont typeface="Wingdings" charset="2"/>
-              <a:buChar char=""/>
-            </a:pPr>
-            <a:r>
-              <a:rPr b="0" lang="en-US" sz="2000" spc="-1" strike="noStrike">
-                <a:latin typeface="Arial"/>
-              </a:rPr>
-              <a:t>Fifth Outline Level</a:t>
-            </a:r>
-            <a:endParaRPr b="0" lang="en-US" sz="2000" spc="-1" strike="noStrike">
-              <a:latin typeface="Arial"/>
-            </a:endParaRPr>
-          </a:p>
-          <a:p>
-            <a:pPr lvl="5" marL="2592000" indent="-216000">
-              <a:spcBef>
-                <a:spcPts val="283"/>
-              </a:spcBef>
-              <a:buClr>
-                <a:srgbClr val="000000"/>
-              </a:buClr>
-              <a:buSzPct val="45000"/>
-              <a:buFont typeface="Wingdings" charset="2"/>
-              <a:buChar char=""/>
-            </a:pPr>
-            <a:r>
-              <a:rPr b="0" lang="en-US" sz="2000" spc="-1" strike="noStrike">
-                <a:latin typeface="Arial"/>
-              </a:rPr>
-              <a:t>Sixth Outline Level</a:t>
-            </a:r>
-            <a:endParaRPr b="0" lang="en-US" sz="2000" spc="-1" strike="noStrike">
-              <a:latin typeface="Arial"/>
-            </a:endParaRPr>
-          </a:p>
-          <a:p>
-            <a:pPr lvl="6" marL="3024000" indent="-216000">
-              <a:spcBef>
-                <a:spcPts val="283"/>
-              </a:spcBef>
-              <a:buClr>
-                <a:srgbClr val="000000"/>
-              </a:buClr>
-              <a:buSzPct val="45000"/>
-              <a:buFont typeface="Wingdings" charset="2"/>
-              <a:buChar char=""/>
-            </a:pPr>
-            <a:r>
-              <a:rPr b="0" lang="en-US" sz="2000" spc="-1" strike="noStrike">
-                <a:latin typeface="Arial"/>
-              </a:rPr>
-              <a:t>Seventh Outline Level</a:t>
-            </a:r>
-            <a:endParaRPr b="0" lang="en-US" sz="2000" spc="-1" strike="noStrike">
-              <a:latin typeface="Arial"/>
             </a:endParaRPr>
           </a:p>
         </p:txBody>
@@ -8849,7 +8854,7 @@
         <p:spPr>
           <a:xfrm>
             <a:off x="0" y="5400000"/>
-            <a:ext cx="10079280" cy="269280"/>
+            <a:ext cx="10078920" cy="268920"/>
           </a:xfrm>
           <a:prstGeom prst="rect">
             <a:avLst/>
@@ -8877,7 +8882,7 @@
         <p:spPr>
           <a:xfrm>
             <a:off x="0" y="0"/>
-            <a:ext cx="10079280" cy="1214280"/>
+            <a:ext cx="10078920" cy="1213920"/>
           </a:xfrm>
           <a:prstGeom prst="rect">
             <a:avLst/>
@@ -8905,7 +8910,7 @@
         <p:spPr>
           <a:xfrm>
             <a:off x="9315000" y="5175000"/>
-            <a:ext cx="449280" cy="449280"/>
+            <a:ext cx="448920" cy="448920"/>
           </a:xfrm>
           <a:prstGeom prst="ellipse">
             <a:avLst/>
@@ -8936,7 +8941,7 @@
         <p:spPr>
           <a:xfrm>
             <a:off x="9180000" y="5130000"/>
-            <a:ext cx="719280" cy="539280"/>
+            <a:ext cx="718920" cy="538920"/>
           </a:xfrm>
           <a:prstGeom prst="rect">
             <a:avLst/>
@@ -8963,7 +8968,7 @@
               </a:lnSpc>
               <a:buNone/>
             </a:pPr>
-            <a:fld id="{A768EEC5-F9F4-4700-A9AD-A4AA0FC602D1}" type="slidenum">
+            <a:fld id="{6F0584F9-00DF-408A-8F70-D7ECFB462342}" type="slidenum">
               <a:rPr b="1" lang="en-US" sz="1800" spc="-1" strike="noStrike">
                 <a:solidFill>
                   <a:srgbClr val="ffffff"/>
@@ -8992,7 +8997,7 @@
         <p:spPr>
           <a:xfrm>
             <a:off x="360000" y="225720"/>
-            <a:ext cx="9359280" cy="718200"/>
+            <a:ext cx="9358920" cy="717840"/>
           </a:xfrm>
           <a:prstGeom prst="rect">
             <a:avLst/>
@@ -9032,7 +9037,7 @@
         <p:spPr>
           <a:xfrm>
             <a:off x="3420000" y="5400000"/>
-            <a:ext cx="3239280" cy="269280"/>
+            <a:ext cx="3238920" cy="268920"/>
           </a:xfrm>
           <a:prstGeom prst="rect">
             <a:avLst/>
@@ -9095,7 +9100,7 @@
         <p:spPr>
           <a:xfrm>
             <a:off x="360000" y="5400000"/>
-            <a:ext cx="2879280" cy="269280"/>
+            <a:ext cx="2878920" cy="268920"/>
           </a:xfrm>
           <a:prstGeom prst="rect">
             <a:avLst/>
@@ -9358,7 +9363,7 @@
         <p:spPr>
           <a:xfrm>
             <a:off x="0" y="5400000"/>
-            <a:ext cx="10079280" cy="269280"/>
+            <a:ext cx="10078920" cy="268920"/>
           </a:xfrm>
           <a:prstGeom prst="rect">
             <a:avLst/>
@@ -9386,7 +9391,7 @@
         <p:spPr>
           <a:xfrm>
             <a:off x="0" y="0"/>
-            <a:ext cx="10079280" cy="1214280"/>
+            <a:ext cx="10078920" cy="1213920"/>
           </a:xfrm>
           <a:prstGeom prst="rect">
             <a:avLst/>
@@ -9414,7 +9419,7 @@
         <p:spPr>
           <a:xfrm>
             <a:off x="9315000" y="5175000"/>
-            <a:ext cx="449280" cy="449280"/>
+            <a:ext cx="448920" cy="448920"/>
           </a:xfrm>
           <a:prstGeom prst="ellipse">
             <a:avLst/>
@@ -9445,7 +9450,7 @@
         <p:spPr>
           <a:xfrm>
             <a:off x="9180000" y="5130000"/>
-            <a:ext cx="719280" cy="539280"/>
+            <a:ext cx="718920" cy="538920"/>
           </a:xfrm>
           <a:prstGeom prst="rect">
             <a:avLst/>
@@ -9472,7 +9477,7 @@
               </a:lnSpc>
               <a:buNone/>
             </a:pPr>
-            <a:fld id="{09454885-1798-477B-B839-601913C8DAE1}" type="slidenum">
+            <a:fld id="{D3BA1663-3734-4954-A8B5-F9A32EB4C1BB}" type="slidenum">
               <a:rPr b="1" lang="en-US" sz="1800" spc="-1" strike="noStrike">
                 <a:solidFill>
                   <a:srgbClr val="ffffff"/>
@@ -9495,236 +9500,13 @@
             <a:spLocks noGrp="1"/>
           </p:cNvSpPr>
           <p:nvPr>
-            <p:ph type="title"/>
-          </p:nvPr>
-        </p:nvSpPr>
-        <p:spPr>
-          <a:xfrm>
-            <a:off x="360000" y="225720"/>
-            <a:ext cx="9359280" cy="718200"/>
-          </a:xfrm>
-          <a:prstGeom prst="rect">
-            <a:avLst/>
-          </a:prstGeom>
-          <a:noFill/>
-          <a:ln w="0">
-            <a:noFill/>
-          </a:ln>
-        </p:spPr>
-        <p:txBody>
-          <a:bodyPr lIns="0" rIns="0" tIns="0" bIns="0" anchor="ctr">
-            <a:noAutofit/>
-          </a:bodyPr>
-          <a:p>
-            <a:r>
-              <a:rPr b="0" lang="en-US" sz="1800" spc="-1" strike="noStrike">
-                <a:latin typeface="Arial"/>
-              </a:rPr>
-              <a:t>Click to edit the title text format</a:t>
-            </a:r>
-            <a:endParaRPr b="0" lang="en-US" sz="1800" spc="-1" strike="noStrike">
-              <a:latin typeface="Arial"/>
-            </a:endParaRPr>
-          </a:p>
-        </p:txBody>
-      </p:sp>
-      <p:sp>
-        <p:nvSpPr>
-          <p:cNvPr id="92" name="PlaceHolder 2"/>
-          <p:cNvSpPr>
-            <a:spLocks noGrp="1"/>
-          </p:cNvSpPr>
-          <p:nvPr>
-            <p:ph type="body"/>
-          </p:nvPr>
-        </p:nvSpPr>
-        <p:spPr>
-          <a:xfrm>
-            <a:off x="360000" y="1485000"/>
-            <a:ext cx="9359280" cy="3779280"/>
-          </a:xfrm>
-          <a:prstGeom prst="rect">
-            <a:avLst/>
-          </a:prstGeom>
-          <a:noFill/>
-          <a:ln w="0">
-            <a:noFill/>
-          </a:ln>
-        </p:spPr>
-        <p:txBody>
-          <a:bodyPr lIns="0" rIns="0" tIns="0" bIns="0" anchor="t">
-            <a:normAutofit/>
-          </a:bodyPr>
-          <a:p>
-            <a:pPr marL="432000" indent="-324000">
-              <a:spcBef>
-                <a:spcPts val="1417"/>
-              </a:spcBef>
-              <a:buClr>
-                <a:srgbClr val="000000"/>
-              </a:buClr>
-              <a:buSzPct val="45000"/>
-              <a:buFont typeface="Wingdings" charset="2"/>
-              <a:buChar char=""/>
-            </a:pPr>
-            <a:r>
-              <a:rPr b="0" lang="en-US" sz="1800" spc="-1" strike="noStrike">
-                <a:latin typeface="Arial"/>
-              </a:rPr>
-              <a:t>Click to edit the outline text format</a:t>
-            </a:r>
-            <a:endParaRPr b="0" lang="en-US" sz="1800" spc="-1" strike="noStrike">
-              <a:latin typeface="Arial"/>
-            </a:endParaRPr>
-          </a:p>
-          <a:p>
-            <a:pPr lvl="1" marL="864000" indent="-324000">
-              <a:spcBef>
-                <a:spcPts val="1134"/>
-              </a:spcBef>
-              <a:buClr>
-                <a:srgbClr val="000000"/>
-              </a:buClr>
-              <a:buSzPct val="75000"/>
-              <a:buFont typeface="Symbol" charset="2"/>
-              <a:buChar char=""/>
-            </a:pPr>
-            <a:r>
-              <a:rPr b="0" lang="en-US" sz="1800" spc="-1" strike="noStrike">
-                <a:latin typeface="Arial"/>
-              </a:rPr>
-              <a:t>Second Outline Level</a:t>
-            </a:r>
-            <a:endParaRPr b="0" lang="en-US" sz="1800" spc="-1" strike="noStrike">
-              <a:latin typeface="Arial"/>
-            </a:endParaRPr>
-          </a:p>
-          <a:p>
-            <a:pPr lvl="2" marL="1296000" indent="-288000">
-              <a:spcBef>
-                <a:spcPts val="850"/>
-              </a:spcBef>
-              <a:buClr>
-                <a:srgbClr val="000000"/>
-              </a:buClr>
-              <a:buSzPct val="45000"/>
-              <a:buFont typeface="Wingdings" charset="2"/>
-              <a:buChar char=""/>
-            </a:pPr>
-            <a:r>
-              <a:rPr b="0" lang="en-US" sz="1800" spc="-1" strike="noStrike">
-                <a:latin typeface="Arial"/>
-              </a:rPr>
-              <a:t>Third Outline Level</a:t>
-            </a:r>
-            <a:endParaRPr b="0" lang="en-US" sz="1800" spc="-1" strike="noStrike">
-              <a:latin typeface="Arial"/>
-            </a:endParaRPr>
-          </a:p>
-          <a:p>
-            <a:pPr lvl="3" marL="1728000" indent="-216000">
-              <a:spcBef>
-                <a:spcPts val="567"/>
-              </a:spcBef>
-              <a:buClr>
-                <a:srgbClr val="000000"/>
-              </a:buClr>
-              <a:buSzPct val="75000"/>
-              <a:buFont typeface="Symbol" charset="2"/>
-              <a:buChar char=""/>
-            </a:pPr>
-            <a:r>
-              <a:rPr b="0" lang="en-US" sz="1800" spc="-1" strike="noStrike">
-                <a:latin typeface="Arial"/>
-              </a:rPr>
-              <a:t>Fourth Outline Level</a:t>
-            </a:r>
-            <a:endParaRPr b="0" lang="en-US" sz="1800" spc="-1" strike="noStrike">
-              <a:latin typeface="Arial"/>
-            </a:endParaRPr>
-          </a:p>
-          <a:p>
-            <a:pPr lvl="4" marL="2160000" indent="-216000">
-              <a:spcBef>
-                <a:spcPts val="283"/>
-              </a:spcBef>
-              <a:buClr>
-                <a:srgbClr val="000000"/>
-              </a:buClr>
-              <a:buSzPct val="45000"/>
-              <a:buFont typeface="Wingdings" charset="2"/>
-              <a:buChar char=""/>
-            </a:pPr>
-            <a:r>
-              <a:rPr b="0" lang="en-US" sz="1800" spc="-1" strike="noStrike">
-                <a:latin typeface="Arial"/>
-              </a:rPr>
-              <a:t>Fifth Outline Level</a:t>
-            </a:r>
-            <a:endParaRPr b="0" lang="en-US" sz="1800" spc="-1" strike="noStrike">
-              <a:latin typeface="Arial"/>
-            </a:endParaRPr>
-          </a:p>
-          <a:p>
-            <a:pPr lvl="5" marL="2592000" indent="-216000">
-              <a:spcBef>
-                <a:spcPts val="283"/>
-              </a:spcBef>
-              <a:buClr>
-                <a:srgbClr val="000000"/>
-              </a:buClr>
-              <a:buSzPct val="45000"/>
-              <a:buFont typeface="Wingdings" charset="2"/>
-              <a:buChar char=""/>
-            </a:pPr>
-            <a:r>
-              <a:rPr b="0" lang="en-US" sz="1800" spc="-1" strike="noStrike">
-                <a:latin typeface="Arial"/>
-              </a:rPr>
-              <a:t>Sixth Outline Level</a:t>
-            </a:r>
-            <a:endParaRPr b="0" lang="en-US" sz="1800" spc="-1" strike="noStrike">
-              <a:latin typeface="Arial"/>
-            </a:endParaRPr>
-          </a:p>
-          <a:p>
-            <a:pPr lvl="6" marL="3024000" indent="-216000">
-              <a:spcBef>
-                <a:spcPts val="283"/>
-              </a:spcBef>
-              <a:buClr>
-                <a:srgbClr val="000000"/>
-              </a:buClr>
-              <a:buSzPct val="45000"/>
-              <a:buFont typeface="Wingdings" charset="2"/>
-              <a:buChar char=""/>
-            </a:pPr>
-            <a:r>
-              <a:rPr b="0" lang="en-US" sz="1800" spc="-1" strike="noStrike">
-                <a:latin typeface="Arial"/>
-              </a:rPr>
-              <a:t>Seventh Outline Level</a:t>
-            </a:r>
-            <a:endParaRPr b="0" lang="en-US" sz="1800" spc="-1" strike="noStrike">
-              <a:latin typeface="Arial"/>
-            </a:endParaRPr>
-          </a:p>
-        </p:txBody>
-      </p:sp>
-      <p:sp>
-        <p:nvSpPr>
-          <p:cNvPr id="93" name="PlaceHolder 3"/>
-          <p:cNvSpPr>
-            <a:spLocks noGrp="1"/>
-          </p:cNvSpPr>
-          <p:nvPr>
             <p:ph type="ftr" idx="6"/>
           </p:nvPr>
         </p:nvSpPr>
         <p:spPr>
           <a:xfrm>
             <a:off x="3420000" y="5400000"/>
-            <a:ext cx="3239280" cy="269280"/>
+            <a:ext cx="3238920" cy="268920"/>
           </a:xfrm>
           <a:prstGeom prst="rect">
             <a:avLst/>
@@ -9776,7 +9558,7 @@
       </p:sp>
       <p:sp>
         <p:nvSpPr>
-          <p:cNvPr id="94" name="PlaceHolder 4"/>
+          <p:cNvPr id="92" name="PlaceHolder 2"/>
           <p:cNvSpPr>
             <a:spLocks noGrp="1"/>
           </p:cNvSpPr>
@@ -9787,7 +9569,7 @@
         <p:spPr>
           <a:xfrm>
             <a:off x="360000" y="5400000"/>
-            <a:ext cx="2879280" cy="269280"/>
+            <a:ext cx="2878920" cy="268920"/>
           </a:xfrm>
           <a:prstGeom prst="rect">
             <a:avLst/>
@@ -9817,6 +9599,232 @@
             </a:r>
             <a:endParaRPr b="0" lang="en-US" sz="1400" spc="-1" strike="noStrike">
               <a:latin typeface="Times New Roman"/>
+            </a:endParaRPr>
+          </a:p>
+        </p:txBody>
+      </p:sp>
+      <p:sp>
+        <p:nvSpPr>
+          <p:cNvPr id="93" name="PlaceHolder 3"/>
+          <p:cNvSpPr>
+            <a:spLocks noGrp="1"/>
+          </p:cNvSpPr>
+          <p:nvPr>
+            <p:ph type="title"/>
+          </p:nvPr>
+        </p:nvSpPr>
+        <p:spPr>
+          <a:xfrm>
+            <a:off x="504000" y="226080"/>
+            <a:ext cx="9072000" cy="946440"/>
+          </a:xfrm>
+          <a:prstGeom prst="rect">
+            <a:avLst/>
+          </a:prstGeom>
+          <a:noFill/>
+          <a:ln w="0">
+            <a:noFill/>
+          </a:ln>
+        </p:spPr>
+        <p:txBody>
+          <a:bodyPr lIns="0" rIns="0" tIns="0" bIns="0" anchor="ctr">
+            <a:noAutofit/>
+          </a:bodyPr>
+          <a:p>
+            <a:pPr algn="ctr">
+              <a:buNone/>
+            </a:pPr>
+            <a:r>
+              <a:rPr b="0" lang="en-US" sz="4400" spc="-1" strike="noStrike">
+                <a:latin typeface="Arial"/>
+              </a:rPr>
+              <a:t>Click to edit the title text format</a:t>
+            </a:r>
+            <a:endParaRPr b="0" lang="en-US" sz="4400" spc="-1" strike="noStrike">
+              <a:latin typeface="Arial"/>
+            </a:endParaRPr>
+          </a:p>
+        </p:txBody>
+      </p:sp>
+      <p:sp>
+        <p:nvSpPr>
+          <p:cNvPr id="94" name="PlaceHolder 4"/>
+          <p:cNvSpPr>
+            <a:spLocks noGrp="1"/>
+          </p:cNvSpPr>
+          <p:nvPr>
+            <p:ph type="body"/>
+          </p:nvPr>
+        </p:nvSpPr>
+        <p:spPr>
+          <a:xfrm>
+            <a:off x="504000" y="1326600"/>
+            <a:ext cx="9072000" cy="3288600"/>
+          </a:xfrm>
+          <a:prstGeom prst="rect">
+            <a:avLst/>
+          </a:prstGeom>
+          <a:noFill/>
+          <a:ln w="0">
+            <a:noFill/>
+          </a:ln>
+        </p:spPr>
+        <p:txBody>
+          <a:bodyPr lIns="0" rIns="0" tIns="0" bIns="0" anchor="t">
+            <a:normAutofit/>
+          </a:bodyPr>
+          <a:p>
+            <a:pPr marL="432000" indent="-324000">
+              <a:spcBef>
+                <a:spcPts val="1417"/>
+              </a:spcBef>
+              <a:buClr>
+                <a:srgbClr val="000000"/>
+              </a:buClr>
+              <a:buSzPct val="45000"/>
+              <a:buFont typeface="Wingdings" charset="2"/>
+              <a:buChar char=""/>
+            </a:pPr>
+            <a:r>
+              <a:rPr b="0" lang="en-US" sz="3200" spc="-1" strike="noStrike">
+                <a:latin typeface="Arial"/>
+              </a:rPr>
+              <a:t>Click to edit the outline text format</a:t>
+            </a:r>
+            <a:endParaRPr b="0" lang="en-US" sz="3200" spc="-1" strike="noStrike">
+              <a:latin typeface="Arial"/>
+            </a:endParaRPr>
+          </a:p>
+          <a:p>
+            <a:pPr lvl="1" marL="864000" indent="-324000">
+              <a:spcBef>
+                <a:spcPts val="1134"/>
+              </a:spcBef>
+              <a:buClr>
+                <a:srgbClr val="000000"/>
+              </a:buClr>
+              <a:buSzPct val="75000"/>
+              <a:buFont typeface="Symbol" charset="2"/>
+              <a:buChar char=""/>
+            </a:pPr>
+            <a:r>
+              <a:rPr b="0" lang="en-US" sz="2800" spc="-1" strike="noStrike">
+                <a:latin typeface="Arial"/>
+              </a:rPr>
+              <a:t>Second Outline Level</a:t>
+            </a:r>
+            <a:endParaRPr b="0" lang="en-US" sz="2800" spc="-1" strike="noStrike">
+              <a:latin typeface="Arial"/>
+            </a:endParaRPr>
+          </a:p>
+          <a:p>
+            <a:pPr lvl="2" marL="1296000" indent="-288000">
+              <a:spcBef>
+                <a:spcPts val="850"/>
+              </a:spcBef>
+              <a:buClr>
+                <a:srgbClr val="000000"/>
+              </a:buClr>
+              <a:buSzPct val="45000"/>
+              <a:buFont typeface="Wingdings" charset="2"/>
+              <a:buChar char=""/>
+            </a:pPr>
+            <a:r>
+              <a:rPr b="0" lang="en-US" sz="2400" spc="-1" strike="noStrike">
+                <a:latin typeface="Arial"/>
+              </a:rPr>
+              <a:t>Third Outline Level</a:t>
+            </a:r>
+            <a:endParaRPr b="0" lang="en-US" sz="2400" spc="-1" strike="noStrike">
+              <a:latin typeface="Arial"/>
+            </a:endParaRPr>
+          </a:p>
+          <a:p>
+            <a:pPr lvl="3" marL="1728000" indent="-216000">
+              <a:spcBef>
+                <a:spcPts val="567"/>
+              </a:spcBef>
+              <a:buClr>
+                <a:srgbClr val="000000"/>
+              </a:buClr>
+              <a:buSzPct val="75000"/>
+              <a:buFont typeface="Symbol" charset="2"/>
+              <a:buChar char=""/>
+            </a:pPr>
+            <a:r>
+              <a:rPr b="0" lang="en-US" sz="2000" spc="-1" strike="noStrike">
+                <a:latin typeface="Arial"/>
+              </a:rPr>
+              <a:t>Fourth Outline Level</a:t>
+            </a:r>
+            <a:endParaRPr b="0" lang="en-US" sz="2000" spc="-1" strike="noStrike">
+              <a:latin typeface="Arial"/>
+            </a:endParaRPr>
+          </a:p>
+          <a:p>
+            <a:pPr lvl="4" marL="2160000" indent="-216000">
+              <a:spcBef>
+                <a:spcPts val="283"/>
+              </a:spcBef>
+              <a:buClr>
+                <a:srgbClr val="000000"/>
+              </a:buClr>
+              <a:buSzPct val="45000"/>
+              <a:buFont typeface="Wingdings" charset="2"/>
+              <a:buChar char=""/>
+            </a:pPr>
+            <a:r>
+              <a:rPr b="0" lang="en-US" sz="2000" spc="-1" strike="noStrike">
+                <a:latin typeface="Arial"/>
+              </a:rPr>
+              <a:t>Fifth Outline Level</a:t>
+            </a:r>
+            <a:endParaRPr b="0" lang="en-US" sz="2000" spc="-1" strike="noStrike">
+              <a:latin typeface="Arial"/>
+            </a:endParaRPr>
+          </a:p>
+          <a:p>
+            <a:pPr lvl="5" marL="2592000" indent="-216000">
+              <a:spcBef>
+                <a:spcPts val="283"/>
+              </a:spcBef>
+              <a:buClr>
+                <a:srgbClr val="000000"/>
+              </a:buClr>
+              <a:buSzPct val="45000"/>
+              <a:buFont typeface="Wingdings" charset="2"/>
+              <a:buChar char=""/>
+            </a:pPr>
+            <a:r>
+              <a:rPr b="0" lang="en-US" sz="2000" spc="-1" strike="noStrike">
+                <a:latin typeface="Arial"/>
+              </a:rPr>
+              <a:t>Sixth Outline Level</a:t>
+            </a:r>
+            <a:endParaRPr b="0" lang="en-US" sz="2000" spc="-1" strike="noStrike">
+              <a:latin typeface="Arial"/>
+            </a:endParaRPr>
+          </a:p>
+          <a:p>
+            <a:pPr lvl="6" marL="3024000" indent="-216000">
+              <a:spcBef>
+                <a:spcPts val="283"/>
+              </a:spcBef>
+              <a:buClr>
+                <a:srgbClr val="000000"/>
+              </a:buClr>
+              <a:buSzPct val="45000"/>
+              <a:buFont typeface="Wingdings" charset="2"/>
+              <a:buChar char=""/>
+            </a:pPr>
+            <a:r>
+              <a:rPr b="0" lang="en-US" sz="2000" spc="-1" strike="noStrike">
+                <a:latin typeface="Arial"/>
+              </a:rPr>
+              <a:t>Seventh Outline Level</a:t>
+            </a:r>
+            <a:endParaRPr b="0" lang="en-US" sz="2000" spc="-1" strike="noStrike">
+              <a:latin typeface="Arial"/>
             </a:endParaRPr>
           </a:p>
         </p:txBody>
@@ -9867,7 +9875,7 @@
         <p:spPr>
           <a:xfrm>
             <a:off x="0" y="5400000"/>
-            <a:ext cx="10079280" cy="269280"/>
+            <a:ext cx="10078920" cy="268920"/>
           </a:xfrm>
           <a:prstGeom prst="rect">
             <a:avLst/>
@@ -9895,7 +9903,7 @@
         <p:spPr>
           <a:xfrm>
             <a:off x="0" y="0"/>
-            <a:ext cx="10079280" cy="1214280"/>
+            <a:ext cx="10078920" cy="1213920"/>
           </a:xfrm>
           <a:prstGeom prst="rect">
             <a:avLst/>
@@ -9923,7 +9931,7 @@
         <p:spPr>
           <a:xfrm>
             <a:off x="9315000" y="5175000"/>
-            <a:ext cx="449280" cy="449280"/>
+            <a:ext cx="448920" cy="448920"/>
           </a:xfrm>
           <a:prstGeom prst="ellipse">
             <a:avLst/>
@@ -9954,7 +9962,7 @@
         <p:spPr>
           <a:xfrm>
             <a:off x="9180000" y="5130000"/>
-            <a:ext cx="719280" cy="539280"/>
+            <a:ext cx="718920" cy="538920"/>
           </a:xfrm>
           <a:prstGeom prst="rect">
             <a:avLst/>
@@ -9981,7 +9989,7 @@
               </a:lnSpc>
               <a:buNone/>
             </a:pPr>
-            <a:fld id="{B25BC061-5738-48F0-8337-1DFB43713617}" type="slidenum">
+            <a:fld id="{B9171CD3-3CD8-427A-A025-9F103E20CE70}" type="slidenum">
               <a:rPr b="1" lang="en-US" sz="1800" spc="-1" strike="noStrike">
                 <a:solidFill>
                   <a:srgbClr val="ffffff"/>
@@ -10010,7 +10018,7 @@
         <p:spPr>
           <a:xfrm>
             <a:off x="360000" y="225720"/>
-            <a:ext cx="9359280" cy="718200"/>
+            <a:ext cx="9358920" cy="717840"/>
           </a:xfrm>
           <a:prstGeom prst="rect">
             <a:avLst/>
@@ -10044,13 +10052,196 @@
             <a:spLocks noGrp="1"/>
           </p:cNvSpPr>
           <p:nvPr>
+            <p:ph type="body"/>
+          </p:nvPr>
+        </p:nvSpPr>
+        <p:spPr>
+          <a:xfrm>
+            <a:off x="360000" y="1485000"/>
+            <a:ext cx="9358920" cy="3778920"/>
+          </a:xfrm>
+          <a:prstGeom prst="rect">
+            <a:avLst/>
+          </a:prstGeom>
+          <a:noFill/>
+          <a:ln w="0">
+            <a:noFill/>
+          </a:ln>
+        </p:spPr>
+        <p:txBody>
+          <a:bodyPr lIns="0" rIns="0" tIns="0" bIns="0" anchor="t">
+            <a:normAutofit/>
+          </a:bodyPr>
+          <a:p>
+            <a:pPr marL="432000" indent="-324000">
+              <a:spcBef>
+                <a:spcPts val="1417"/>
+              </a:spcBef>
+              <a:buClr>
+                <a:srgbClr val="000000"/>
+              </a:buClr>
+              <a:buSzPct val="45000"/>
+              <a:buFont typeface="Wingdings" charset="2"/>
+              <a:buChar char=""/>
+            </a:pPr>
+            <a:r>
+              <a:rPr b="0" lang="en-US" sz="1800" spc="-1" strike="noStrike">
+                <a:latin typeface="Arial"/>
+              </a:rPr>
+              <a:t>Click to edit the outline text format</a:t>
+            </a:r>
+            <a:endParaRPr b="0" lang="en-US" sz="1800" spc="-1" strike="noStrike">
+              <a:latin typeface="Arial"/>
+            </a:endParaRPr>
+          </a:p>
+          <a:p>
+            <a:pPr lvl="1" marL="864000" indent="-324000">
+              <a:spcBef>
+                <a:spcPts val="1134"/>
+              </a:spcBef>
+              <a:buClr>
+                <a:srgbClr val="000000"/>
+              </a:buClr>
+              <a:buSzPct val="75000"/>
+              <a:buFont typeface="Symbol" charset="2"/>
+              <a:buChar char=""/>
+            </a:pPr>
+            <a:r>
+              <a:rPr b="0" lang="en-US" sz="1800" spc="-1" strike="noStrike">
+                <a:latin typeface="Arial"/>
+              </a:rPr>
+              <a:t>Second Outline Level</a:t>
+            </a:r>
+            <a:endParaRPr b="0" lang="en-US" sz="1800" spc="-1" strike="noStrike">
+              <a:latin typeface="Arial"/>
+            </a:endParaRPr>
+          </a:p>
+          <a:p>
+            <a:pPr lvl="2" marL="1296000" indent="-288000">
+              <a:spcBef>
+                <a:spcPts val="850"/>
+              </a:spcBef>
+              <a:buClr>
+                <a:srgbClr val="000000"/>
+              </a:buClr>
+              <a:buSzPct val="45000"/>
+              <a:buFont typeface="Wingdings" charset="2"/>
+              <a:buChar char=""/>
+            </a:pPr>
+            <a:r>
+              <a:rPr b="0" lang="en-US" sz="1800" spc="-1" strike="noStrike">
+                <a:latin typeface="Arial"/>
+              </a:rPr>
+              <a:t>Third Outline Level</a:t>
+            </a:r>
+            <a:endParaRPr b="0" lang="en-US" sz="1800" spc="-1" strike="noStrike">
+              <a:latin typeface="Arial"/>
+            </a:endParaRPr>
+          </a:p>
+          <a:p>
+            <a:pPr lvl="3" marL="1728000" indent="-216000">
+              <a:spcBef>
+                <a:spcPts val="567"/>
+              </a:spcBef>
+              <a:buClr>
+                <a:srgbClr val="000000"/>
+              </a:buClr>
+              <a:buSzPct val="75000"/>
+              <a:buFont typeface="Symbol" charset="2"/>
+              <a:buChar char=""/>
+            </a:pPr>
+            <a:r>
+              <a:rPr b="0" lang="en-US" sz="1800" spc="-1" strike="noStrike">
+                <a:latin typeface="Arial"/>
+              </a:rPr>
+              <a:t>Fourth Outline Level</a:t>
+            </a:r>
+            <a:endParaRPr b="0" lang="en-US" sz="1800" spc="-1" strike="noStrike">
+              <a:latin typeface="Arial"/>
+            </a:endParaRPr>
+          </a:p>
+          <a:p>
+            <a:pPr lvl="4" marL="2160000" indent="-216000">
+              <a:spcBef>
+                <a:spcPts val="283"/>
+              </a:spcBef>
+              <a:buClr>
+                <a:srgbClr val="000000"/>
+              </a:buClr>
+              <a:buSzPct val="45000"/>
+              <a:buFont typeface="Wingdings" charset="2"/>
+              <a:buChar char=""/>
+            </a:pPr>
+            <a:r>
+              <a:rPr b="0" lang="en-US" sz="1800" spc="-1" strike="noStrike">
+                <a:latin typeface="Arial"/>
+              </a:rPr>
+              <a:t>Fifth Outline Level</a:t>
+            </a:r>
+            <a:endParaRPr b="0" lang="en-US" sz="1800" spc="-1" strike="noStrike">
+              <a:latin typeface="Arial"/>
+            </a:endParaRPr>
+          </a:p>
+          <a:p>
+            <a:pPr lvl="5" marL="2592000" indent="-216000">
+              <a:spcBef>
+                <a:spcPts val="283"/>
+              </a:spcBef>
+              <a:buClr>
+                <a:srgbClr val="000000"/>
+              </a:buClr>
+              <a:buSzPct val="45000"/>
+              <a:buFont typeface="Wingdings" charset="2"/>
+              <a:buChar char=""/>
+            </a:pPr>
+            <a:r>
+              <a:rPr b="0" lang="en-US" sz="1800" spc="-1" strike="noStrike">
+                <a:latin typeface="Arial"/>
+              </a:rPr>
+              <a:t>Sixth Outline Level</a:t>
+            </a:r>
+            <a:endParaRPr b="0" lang="en-US" sz="1800" spc="-1" strike="noStrike">
+              <a:latin typeface="Arial"/>
+            </a:endParaRPr>
+          </a:p>
+          <a:p>
+            <a:pPr lvl="6" marL="3024000" indent="-216000">
+              <a:spcBef>
+                <a:spcPts val="283"/>
+              </a:spcBef>
+              <a:buClr>
+                <a:srgbClr val="000000"/>
+              </a:buClr>
+              <a:buSzPct val="45000"/>
+              <a:buFont typeface="Wingdings" charset="2"/>
+              <a:buChar char=""/>
+            </a:pPr>
+            <a:r>
+              <a:rPr b="0" lang="en-US" sz="1800" spc="-1" strike="noStrike">
+                <a:latin typeface="Arial"/>
+              </a:rPr>
+              <a:t>Seventh Outline Level</a:t>
+            </a:r>
+            <a:endParaRPr b="0" lang="en-US" sz="1800" spc="-1" strike="noStrike">
+              <a:latin typeface="Arial"/>
+            </a:endParaRPr>
+          </a:p>
+        </p:txBody>
+      </p:sp>
+      <p:sp>
+        <p:nvSpPr>
+          <p:cNvPr id="137" name="PlaceHolder 3"/>
+          <p:cNvSpPr>
+            <a:spLocks noGrp="1"/>
+          </p:cNvSpPr>
+          <p:nvPr>
             <p:ph type="ftr" idx="8"/>
           </p:nvPr>
         </p:nvSpPr>
         <p:spPr>
           <a:xfrm>
             <a:off x="3420000" y="5400000"/>
-            <a:ext cx="3239280" cy="269280"/>
+            <a:ext cx="3238920" cy="268920"/>
           </a:xfrm>
           <a:prstGeom prst="rect">
             <a:avLst/>
@@ -10102,7 +10293,7 @@
       </p:sp>
       <p:sp>
         <p:nvSpPr>
-          <p:cNvPr id="137" name="PlaceHolder 3"/>
+          <p:cNvPr id="138" name="PlaceHolder 4"/>
           <p:cNvSpPr>
             <a:spLocks noGrp="1"/>
           </p:cNvSpPr>
@@ -10113,7 +10304,7 @@
         <p:spPr>
           <a:xfrm>
             <a:off x="360000" y="5400000"/>
-            <a:ext cx="2879280" cy="269280"/>
+            <a:ext cx="2878920" cy="268920"/>
           </a:xfrm>
           <a:prstGeom prst="rect">
             <a:avLst/>
@@ -10143,189 +10334,6 @@
             </a:r>
             <a:endParaRPr b="0" lang="en-US" sz="1400" spc="-1" strike="noStrike">
               <a:latin typeface="Times New Roman"/>
-            </a:endParaRPr>
-          </a:p>
-        </p:txBody>
-      </p:sp>
-      <p:sp>
-        <p:nvSpPr>
-          <p:cNvPr id="138" name="PlaceHolder 4"/>
-          <p:cNvSpPr>
-            <a:spLocks noGrp="1"/>
-          </p:cNvSpPr>
-          <p:nvPr>
-            <p:ph type="body"/>
-          </p:nvPr>
-        </p:nvSpPr>
-        <p:spPr>
-          <a:xfrm>
-            <a:off x="504000" y="1326600"/>
-            <a:ext cx="9072000" cy="3288600"/>
-          </a:xfrm>
-          <a:prstGeom prst="rect">
-            <a:avLst/>
-          </a:prstGeom>
-          <a:noFill/>
-          <a:ln w="0">
-            <a:noFill/>
-          </a:ln>
-        </p:spPr>
-        <p:txBody>
-          <a:bodyPr lIns="0" rIns="0" tIns="0" bIns="0" anchor="t">
-            <a:normAutofit/>
-          </a:bodyPr>
-          <a:p>
-            <a:pPr marL="432000" indent="-324000">
-              <a:spcBef>
-                <a:spcPts val="1417"/>
-              </a:spcBef>
-              <a:buClr>
-                <a:srgbClr val="000000"/>
-              </a:buClr>
-              <a:buSzPct val="45000"/>
-              <a:buFont typeface="Wingdings" charset="2"/>
-              <a:buChar char=""/>
-            </a:pPr>
-            <a:r>
-              <a:rPr b="0" lang="en-US" sz="3200" spc="-1" strike="noStrike">
-                <a:latin typeface="Arial"/>
-              </a:rPr>
-              <a:t>Click to edit the outline text format</a:t>
-            </a:r>
-            <a:endParaRPr b="0" lang="en-US" sz="3200" spc="-1" strike="noStrike">
-              <a:latin typeface="Arial"/>
-            </a:endParaRPr>
-          </a:p>
-          <a:p>
-            <a:pPr lvl="1" marL="864000" indent="-324000">
-              <a:spcBef>
-                <a:spcPts val="1134"/>
-              </a:spcBef>
-              <a:buClr>
-                <a:srgbClr val="000000"/>
-              </a:buClr>
-              <a:buSzPct val="75000"/>
-              <a:buFont typeface="Symbol" charset="2"/>
-              <a:buChar char=""/>
-            </a:pPr>
-            <a:r>
-              <a:rPr b="0" lang="en-US" sz="2800" spc="-1" strike="noStrike">
-                <a:latin typeface="Arial"/>
-              </a:rPr>
-              <a:t>Second Outline Level</a:t>
-            </a:r>
-            <a:endParaRPr b="0" lang="en-US" sz="2800" spc="-1" strike="noStrike">
-              <a:latin typeface="Arial"/>
-            </a:endParaRPr>
-          </a:p>
-          <a:p>
-            <a:pPr lvl="2" marL="1296000" indent="-288000">
-              <a:spcBef>
-                <a:spcPts val="850"/>
-              </a:spcBef>
-              <a:buClr>
-                <a:srgbClr val="000000"/>
-              </a:buClr>
-              <a:buSzPct val="45000"/>
-              <a:buFont typeface="Wingdings" charset="2"/>
-              <a:buChar char=""/>
-            </a:pPr>
-            <a:r>
-              <a:rPr b="0" lang="en-US" sz="2400" spc="-1" strike="noStrike">
-                <a:latin typeface="Arial"/>
-              </a:rPr>
-              <a:t>Third Outline Level</a:t>
-            </a:r>
-            <a:endParaRPr b="0" lang="en-US" sz="2400" spc="-1" strike="noStrike">
-              <a:latin typeface="Arial"/>
-            </a:endParaRPr>
-          </a:p>
-          <a:p>
-            <a:pPr lvl="3" marL="1728000" indent="-216000">
-              <a:spcBef>
-                <a:spcPts val="567"/>
-              </a:spcBef>
-              <a:buClr>
-                <a:srgbClr val="000000"/>
-              </a:buClr>
-              <a:buSzPct val="75000"/>
-              <a:buFont typeface="Symbol" charset="2"/>
-              <a:buChar char=""/>
-            </a:pPr>
-            <a:r>
-              <a:rPr b="0" lang="en-US" sz="2000" spc="-1" strike="noStrike">
-                <a:latin typeface="Arial"/>
-              </a:rPr>
-              <a:t>Fourth Outline Level</a:t>
-            </a:r>
-            <a:endParaRPr b="0" lang="en-US" sz="2000" spc="-1" strike="noStrike">
-              <a:latin typeface="Arial"/>
-            </a:endParaRPr>
-          </a:p>
-          <a:p>
-            <a:pPr lvl="4" marL="2160000" indent="-216000">
-              <a:spcBef>
-                <a:spcPts val="283"/>
-              </a:spcBef>
-              <a:buClr>
-                <a:srgbClr val="000000"/>
-              </a:buClr>
-              <a:buSzPct val="45000"/>
-              <a:buFont typeface="Wingdings" charset="2"/>
-              <a:buChar char=""/>
-            </a:pPr>
-            <a:r>
-              <a:rPr b="0" lang="en-US" sz="2000" spc="-1" strike="noStrike">
-                <a:latin typeface="Arial"/>
-              </a:rPr>
-              <a:t>Fifth Outline Level</a:t>
-            </a:r>
-            <a:endParaRPr b="0" lang="en-US" sz="2000" spc="-1" strike="noStrike">
-              <a:latin typeface="Arial"/>
-            </a:endParaRPr>
-          </a:p>
-          <a:p>
-            <a:pPr lvl="5" marL="2592000" indent="-216000">
-              <a:spcBef>
-                <a:spcPts val="283"/>
-              </a:spcBef>
-              <a:buClr>
-                <a:srgbClr val="000000"/>
-              </a:buClr>
-              <a:buSzPct val="45000"/>
-              <a:buFont typeface="Wingdings" charset="2"/>
-              <a:buChar char=""/>
-            </a:pPr>
-            <a:r>
-              <a:rPr b="0" lang="en-US" sz="2000" spc="-1" strike="noStrike">
-                <a:latin typeface="Arial"/>
-              </a:rPr>
-              <a:t>Sixth Outline Level</a:t>
-            </a:r>
-            <a:endParaRPr b="0" lang="en-US" sz="2000" spc="-1" strike="noStrike">
-              <a:latin typeface="Arial"/>
-            </a:endParaRPr>
-          </a:p>
-          <a:p>
-            <a:pPr lvl="6" marL="3024000" indent="-216000">
-              <a:spcBef>
-                <a:spcPts val="283"/>
-              </a:spcBef>
-              <a:buClr>
-                <a:srgbClr val="000000"/>
-              </a:buClr>
-              <a:buSzPct val="45000"/>
-              <a:buFont typeface="Wingdings" charset="2"/>
-              <a:buChar char=""/>
-            </a:pPr>
-            <a:r>
-              <a:rPr b="0" lang="en-US" sz="2000" spc="-1" strike="noStrike">
-                <a:latin typeface="Arial"/>
-              </a:rPr>
-              <a:t>Seventh Outline Level</a:t>
-            </a:r>
-            <a:endParaRPr b="0" lang="en-US" sz="2000" spc="-1" strike="noStrike">
-              <a:latin typeface="Arial"/>
             </a:endParaRPr>
           </a:p>
         </p:txBody>
@@ -10380,7 +10388,7 @@
         <p:spPr>
           <a:xfrm>
             <a:off x="360000" y="225720"/>
-            <a:ext cx="9359280" cy="2745720"/>
+            <a:ext cx="9358920" cy="2745360"/>
           </a:xfrm>
           <a:prstGeom prst="rect">
             <a:avLst/>
@@ -10426,7 +10434,7 @@
         <p:spPr>
           <a:xfrm>
             <a:off x="504000" y="4071960"/>
-            <a:ext cx="9071640" cy="1185840"/>
+            <a:ext cx="9071280" cy="1185480"/>
           </a:xfrm>
           <a:prstGeom prst="rect">
             <a:avLst/>
@@ -10457,9 +10465,6 @@
               <a:t>JAIUNG JUN</a:t>
             </a:r>
             <a:endParaRPr b="0" lang="en-US" sz="2000" spc="-1" strike="noStrike">
-              <a:solidFill>
-                <a:srgbClr val="ffffff"/>
-              </a:solidFill>
               <a:latin typeface="Arial"/>
             </a:endParaRPr>
           </a:p>
@@ -10480,9 +10485,6 @@
               <a:t>MATTHEW PISANO</a:t>
             </a:r>
             <a:endParaRPr b="0" lang="en-US" sz="2000" spc="-1" strike="noStrike">
-              <a:solidFill>
-                <a:srgbClr val="ffffff"/>
-              </a:solidFill>
               <a:latin typeface="Arial"/>
             </a:endParaRPr>
           </a:p>
@@ -10520,7 +10522,7 @@
       </p:grpSpPr>
       <p:sp>
         <p:nvSpPr>
-          <p:cNvPr id="194" name="PlaceHolder 1"/>
+          <p:cNvPr id="198" name="PlaceHolder 1"/>
           <p:cNvSpPr>
             <a:spLocks noGrp="1"/>
           </p:cNvSpPr>
@@ -10530,8 +10532,8 @@
         </p:nvSpPr>
         <p:spPr>
           <a:xfrm>
-            <a:off x="360000" y="-39960"/>
-            <a:ext cx="9359280" cy="1249920"/>
+            <a:off x="360000" y="225720"/>
+            <a:ext cx="9358920" cy="717840"/>
           </a:xfrm>
           <a:prstGeom prst="rect">
             <a:avLst/>
@@ -10559,7 +10561,7 @@
                 </a:solidFill>
                 <a:latin typeface="Arial"/>
               </a:rPr>
-              <a:t>Finding The Jacobian of a Tree or Cycle Graph</a:t>
+              <a:t>Trees, Cycles, and Pseudo-Trees</a:t>
             </a:r>
             <a:endParaRPr b="0" lang="en-US" sz="4400" spc="-1" strike="noStrike">
               <a:latin typeface="Arial"/>
@@ -10569,7 +10571,7 @@
       </p:sp>
       <p:sp>
         <p:nvSpPr>
-          <p:cNvPr id="195" name="PlaceHolder 2"/>
+          <p:cNvPr id="199" name="PlaceHolder 2"/>
           <p:cNvSpPr>
             <a:spLocks noGrp="1"/>
           </p:cNvSpPr>
@@ -10580,7 +10582,7 @@
         <p:spPr>
           <a:xfrm>
             <a:off x="360000" y="1485000"/>
-            <a:ext cx="9359280" cy="3779280"/>
+            <a:ext cx="9358920" cy="3778920"/>
           </a:xfrm>
           <a:prstGeom prst="rect">
             <a:avLst/>
@@ -10592,7 +10594,7 @@
         </p:spPr>
         <p:txBody>
           <a:bodyPr lIns="0" rIns="0" tIns="0" bIns="0" anchor="t">
-            <a:normAutofit fontScale="91000"/>
+            <a:normAutofit fontScale="29000"/>
           </a:bodyPr>
           <a:p>
             <a:pPr marL="432000" indent="-324000">
@@ -10610,24 +10612,24 @@
               <a:buChar char=""/>
             </a:pPr>
             <a:r>
-              <a:rPr b="0" lang="en-US" sz="3200" spc="-1" strike="noStrike">
-                <a:solidFill>
-                  <a:srgbClr val="000000"/>
-                </a:solidFill>
-                <a:latin typeface="Arial"/>
-              </a:rPr>
-              <a:t>The Jacobian of a tree is simple, it is always the trivial group. </a:t>
-            </a:r>
-            <a:r>
-              <a:rPr b="0" lang="en-US" sz="3200" spc="-1" strike="noStrike">
-                <a:solidFill>
-                  <a:srgbClr val="ff0000"/>
-                </a:solidFill>
-                <a:latin typeface="Arial"/>
-              </a:rPr>
-              <a:t>[Reasoning]</a:t>
-            </a:r>
-            <a:endParaRPr b="0" lang="en-US" sz="3200" spc="-1" strike="noStrike">
+              <a:rPr b="0" lang="en-US" sz="10560" spc="-1" strike="noStrike">
+                <a:latin typeface="Arial"/>
+              </a:rPr>
+              <a:t>A </a:t>
+            </a:r>
+            <a:r>
+              <a:rPr b="1" lang="en-US" sz="10560" spc="-1" strike="noStrike">
+                <a:latin typeface="Arial"/>
+              </a:rPr>
+              <a:t>Tree Graph</a:t>
+            </a:r>
+            <a:r>
+              <a:rPr b="0" lang="en-US" sz="10560" spc="-1" strike="noStrike">
+                <a:latin typeface="Arial"/>
+              </a:rPr>
+              <a:t> is a graph where there is only one path between vertices and contains no cycles.</a:t>
+            </a:r>
+            <a:endParaRPr b="0" lang="en-US" sz="10560" spc="-1" strike="noStrike">
               <a:latin typeface="Arial"/>
             </a:endParaRPr>
           </a:p>
@@ -10647,15 +10649,24 @@
               <a:buChar char=""/>
             </a:pPr>
             <a:r>
-              <a:rPr b="0" lang="en-US" sz="3200" spc="-1" strike="noStrike">
-                <a:solidFill>
-                  <a:srgbClr val="000000"/>
-                </a:solidFill>
-                <a:latin typeface="Arial"/>
-              </a:rPr>
-              <a:t>The Jacobian of a Cycle graph is more complex, but easily calculable if the cycle has two paths, or sections of oriented edges with the same orientation.</a:t>
-            </a:r>
-            <a:endParaRPr b="0" lang="en-US" sz="3200" spc="-1" strike="noStrike">
+              <a:rPr b="0" lang="en-US" sz="10560" spc="-1" strike="noStrike">
+                <a:latin typeface="Arial"/>
+              </a:rPr>
+              <a:t>A </a:t>
+            </a:r>
+            <a:r>
+              <a:rPr b="1" lang="en-US" sz="10560" spc="-1" strike="noStrike">
+                <a:latin typeface="Arial"/>
+              </a:rPr>
+              <a:t>Cycle Graph</a:t>
+            </a:r>
+            <a:r>
+              <a:rPr b="0" lang="en-US" sz="10560" spc="-1" strike="noStrike">
+                <a:latin typeface="Arial"/>
+              </a:rPr>
+              <a:t> is a graph that only has one cycle, or a line graph with another connection between the first and last vertices.</a:t>
+            </a:r>
+            <a:endParaRPr b="0" lang="en-US" sz="10560" spc="-1" strike="noStrike">
               <a:latin typeface="Arial"/>
             </a:endParaRPr>
           </a:p>
@@ -10675,51 +10686,24 @@
               <a:buChar char=""/>
             </a:pPr>
             <a:r>
-              <a:rPr b="0" lang="en-US" sz="3200" spc="-1" strike="noStrike">
-                <a:solidFill>
-                  <a:srgbClr val="000000"/>
-                </a:solidFill>
-                <a:latin typeface="Arial"/>
-              </a:rPr>
-              <a:t>For this special type of cycle graph, all Jacobians, Z</a:t>
-            </a:r>
-            <a:r>
-              <a:rPr b="0" lang="en-US" sz="3200" spc="-1" strike="noStrike" baseline="-8000">
-                <a:solidFill>
-                  <a:srgbClr val="000000"/>
-                </a:solidFill>
-                <a:latin typeface="Arial"/>
-              </a:rPr>
-              <a:t>1  </a:t>
-            </a:r>
-            <a:r>
-              <a:rPr b="0" lang="en-US" sz="3200" spc="-1" strike="noStrike">
-                <a:solidFill>
-                  <a:srgbClr val="000000"/>
-                </a:solidFill>
-                <a:latin typeface="Arial"/>
-              </a:rPr>
-              <a:t>to Z</a:t>
-            </a:r>
-            <a:r>
-              <a:rPr b="0" lang="en-US" sz="3200" spc="-1" strike="noStrike" baseline="-8000">
-                <a:solidFill>
-                  <a:srgbClr val="000000"/>
-                </a:solidFill>
-                <a:latin typeface="Arial"/>
-              </a:rPr>
-              <a:t>n</a:t>
-            </a:r>
-            <a:r>
-              <a:rPr b="0" lang="en-US" sz="3200" spc="-1" strike="noStrike">
-                <a:solidFill>
-                  <a:srgbClr val="000000"/>
-                </a:solidFill>
-                <a:latin typeface="Arial"/>
-              </a:rPr>
-              <a:t> exist for some orientation.</a:t>
-            </a:r>
-            <a:endParaRPr b="0" lang="en-US" sz="3200" spc="-1" strike="noStrike">
+              <a:rPr b="0" lang="en-US" sz="10560" spc="-1" strike="noStrike">
+                <a:latin typeface="Arial"/>
+              </a:rPr>
+              <a:t>A </a:t>
+            </a:r>
+            <a:r>
+              <a:rPr b="1" lang="en-US" sz="9600" spc="-1" strike="noStrike">
+                <a:latin typeface="Arial"/>
+              </a:rPr>
+              <a:t>Pseudo-Tree Graph</a:t>
+            </a:r>
+            <a:r>
+              <a:rPr b="0" lang="en-US" sz="9600" spc="-1" strike="noStrike">
+                <a:latin typeface="Arial"/>
+              </a:rPr>
+              <a:t> is a combination of these two.  This graph is created by gluing a tree to one of the vertices of a cycle graph.</a:t>
+            </a:r>
+            <a:endParaRPr b="0" lang="en-US" sz="9600" spc="-1" strike="noStrike">
               <a:latin typeface="Arial"/>
             </a:endParaRPr>
           </a:p>
@@ -10757,7 +10741,7 @@
       </p:grpSpPr>
       <p:sp>
         <p:nvSpPr>
-          <p:cNvPr id="196" name="PlaceHolder 1"/>
+          <p:cNvPr id="200" name="PlaceHolder 1"/>
           <p:cNvSpPr>
             <a:spLocks noGrp="1"/>
           </p:cNvSpPr>
@@ -10767,8 +10751,8 @@
         </p:nvSpPr>
         <p:spPr>
           <a:xfrm>
-            <a:off x="360000" y="-39960"/>
-            <a:ext cx="9359280" cy="1249920"/>
+            <a:off x="360000" y="225720"/>
+            <a:ext cx="9358920" cy="717840"/>
           </a:xfrm>
           <a:prstGeom prst="rect">
             <a:avLst/>
@@ -10796,7 +10780,7 @@
                 </a:solidFill>
                 <a:latin typeface="Arial"/>
               </a:rPr>
-              <a:t>Finding The Jacobian of a Cycle Graph</a:t>
+              <a:t>Research Objectives</a:t>
             </a:r>
             <a:endParaRPr b="0" lang="en-US" sz="4400" spc="-1" strike="noStrike">
               <a:latin typeface="Arial"/>
@@ -10806,7 +10790,7 @@
       </p:sp>
       <p:sp>
         <p:nvSpPr>
-          <p:cNvPr id="197" name="PlaceHolder 2"/>
+          <p:cNvPr id="201" name="PlaceHolder 2"/>
           <p:cNvSpPr>
             <a:spLocks noGrp="1"/>
           </p:cNvSpPr>
@@ -10817,7 +10801,7 @@
         <p:spPr>
           <a:xfrm>
             <a:off x="360000" y="1485000"/>
-            <a:ext cx="9469800" cy="3779280"/>
+            <a:ext cx="9358920" cy="3778920"/>
           </a:xfrm>
           <a:prstGeom prst="rect">
             <a:avLst/>
@@ -10829,7 +10813,7 @@
         </p:spPr>
         <p:txBody>
           <a:bodyPr lIns="0" rIns="0" tIns="0" bIns="0" anchor="t">
-            <a:normAutofit fontScale="77000"/>
+            <a:normAutofit fontScale="31000"/>
           </a:bodyPr>
           <a:p>
             <a:pPr marL="432000" indent="-324000">
@@ -10847,46 +10831,12 @@
               <a:buChar char=""/>
             </a:pPr>
             <a:r>
-              <a:rPr b="0" lang="en-US" sz="2100" spc="-1" strike="noStrike">
-                <a:solidFill>
-                  <a:srgbClr val="000000"/>
-                </a:solidFill>
-                <a:latin typeface="Arial"/>
-                <a:ea typeface="JetBrains Mono"/>
-              </a:rPr>
-              <a:t>Beginning with a non-oriented cyclic graph, </a:t>
-            </a:r>
-            <a:r>
-              <a:rPr b="0" i="1" lang="en-US" sz="2100" spc="-1" strike="noStrike">
-                <a:solidFill>
-                  <a:srgbClr val="000000"/>
-                </a:solidFill>
-                <a:latin typeface="Arial"/>
-                <a:ea typeface="JetBrains Mono"/>
-              </a:rPr>
-              <a:t>Jac(G) = Z</a:t>
-            </a:r>
-            <a:r>
-              <a:rPr b="0" i="1" lang="en-US" sz="2100" spc="-1" strike="noStrike" baseline="-8000">
-                <a:solidFill>
-                  <a:srgbClr val="000000"/>
-                </a:solidFill>
-                <a:latin typeface="Arial"/>
-                <a:ea typeface="JetBrains Mono"/>
-              </a:rPr>
-              <a:t>n</a:t>
-            </a:r>
-            <a:r>
-              <a:rPr b="0" lang="en-US" sz="2100" spc="-1" strike="noStrike">
-                <a:solidFill>
-                  <a:srgbClr val="000000"/>
-                </a:solidFill>
-                <a:latin typeface="Arial"/>
-                <a:ea typeface="JetBrains Mono"/>
-              </a:rPr>
-              <a:t>.  </a:t>
-            </a:r>
-            <a:endParaRPr b="0" lang="en-US" sz="2100" spc="-1" strike="noStrike">
+              <a:rPr b="0" lang="en-US" sz="10560" spc="-1" strike="noStrike">
+                <a:latin typeface="Arial"/>
+              </a:rPr>
+              <a:t>The overarching objective of this project is to develop techniques to calculate the Picard group and Jacobian of cycle graphs and trees.</a:t>
+            </a:r>
+            <a:endParaRPr b="0" lang="en-US" sz="10560" spc="-1" strike="noStrike">
               <a:latin typeface="Arial"/>
             </a:endParaRPr>
           </a:p>
@@ -10906,431 +10856,12 @@
               <a:buChar char=""/>
             </a:pPr>
             <a:r>
-              <a:rPr b="0" lang="en-US" sz="2100" spc="-1" strike="noStrike">
-                <a:solidFill>
-                  <a:srgbClr val="000000"/>
-                </a:solidFill>
-                <a:latin typeface="Arial"/>
-                <a:ea typeface="JetBrains Mono"/>
-              </a:rPr>
-              <a:t>Orienting one edge (x, x+1) in the counter-clockwise direction yields a trivial Jacobian of {0} (Z</a:t>
-            </a:r>
-            <a:r>
-              <a:rPr b="0" lang="en-US" sz="2100" spc="-1" strike="noStrike" baseline="-8000">
-                <a:solidFill>
-                  <a:srgbClr val="000000"/>
-                </a:solidFill>
-                <a:latin typeface="Arial"/>
-                <a:ea typeface="JetBrains Mono"/>
-              </a:rPr>
-              <a:t>1</a:t>
-            </a:r>
-            <a:r>
-              <a:rPr b="0" lang="en-US" sz="2100" spc="-1" strike="noStrike">
-                <a:solidFill>
-                  <a:srgbClr val="000000"/>
-                </a:solidFill>
-                <a:latin typeface="Arial"/>
-                <a:ea typeface="JetBrains Mono"/>
-              </a:rPr>
-              <a:t>). </a:t>
-            </a:r>
-            <a:endParaRPr b="0" lang="en-US" sz="2100" spc="-1" strike="noStrike">
-              <a:latin typeface="Arial"/>
-            </a:endParaRPr>
-          </a:p>
-          <a:p>
-            <a:pPr marL="432000" indent="-324000">
-              <a:lnSpc>
-                <a:spcPct val="100000"/>
-              </a:lnSpc>
-              <a:spcBef>
-                <a:spcPts val="1417"/>
-              </a:spcBef>
-              <a:buClr>
-                <a:srgbClr val="000000"/>
-              </a:buClr>
-              <a:buSzPct val="45000"/>
-              <a:buFont typeface="Wingdings" charset="2"/>
-              <a:buChar char=""/>
-            </a:pPr>
-            <a:r>
-              <a:rPr b="0" lang="en-US" sz="2100" spc="-1" strike="noStrike">
-                <a:solidFill>
-                  <a:srgbClr val="000000"/>
-                </a:solidFill>
-                <a:latin typeface="Arial"/>
-                <a:ea typeface="JetBrains Mono"/>
-              </a:rPr>
-              <a:t>Orie</a:t>
-            </a:r>
-            <a:r>
-              <a:rPr b="0" lang="en-US" sz="2020" spc="-1" strike="noStrike">
-                <a:solidFill>
-                  <a:srgbClr val="000000"/>
-                </a:solidFill>
-                <a:latin typeface="Arial"/>
-                <a:ea typeface="JetBrains Mono"/>
-              </a:rPr>
-              <a:t>nting the edge (x-1, x) to clockwise and (x+1, x+2) to counter-clockwise yields a Jacobian of Z</a:t>
-            </a:r>
-            <a:r>
-              <a:rPr b="0" lang="en-US" sz="2018" spc="-1" strike="noStrike" baseline="-8000">
-                <a:solidFill>
-                  <a:srgbClr val="000000"/>
-                </a:solidFill>
-                <a:latin typeface="Arial"/>
-                <a:ea typeface="JetBrains Mono"/>
-              </a:rPr>
-              <a:t>n-1</a:t>
-            </a:r>
-            <a:r>
-              <a:rPr b="0" lang="en-US" sz="2020" spc="-1" strike="noStrike">
-                <a:solidFill>
-                  <a:srgbClr val="000000"/>
-                </a:solidFill>
-                <a:latin typeface="Arial"/>
-                <a:ea typeface="JetBrains Mono"/>
-              </a:rPr>
-              <a:t>.</a:t>
-            </a:r>
-            <a:endParaRPr b="0" lang="en-US" sz="2020" spc="-1" strike="noStrike">
-              <a:latin typeface="Arial"/>
-            </a:endParaRPr>
-          </a:p>
-          <a:p>
-            <a:pPr marL="432000" indent="-324000">
-              <a:lnSpc>
-                <a:spcPct val="100000"/>
-              </a:lnSpc>
-              <a:spcBef>
-                <a:spcPts val="1417"/>
-              </a:spcBef>
-              <a:buClr>
-                <a:srgbClr val="000000"/>
-              </a:buClr>
-              <a:buSzPct val="45000"/>
-              <a:buFont typeface="Wingdings" charset="2"/>
-              <a:buChar char=""/>
-            </a:pPr>
-            <a:r>
-              <a:rPr b="0" lang="en-US" sz="2020" spc="-1" strike="noStrike">
-                <a:solidFill>
-                  <a:srgbClr val="000000"/>
-                </a:solidFill>
-                <a:latin typeface="Arial"/>
-                <a:ea typeface="JetBrains Mono"/>
-              </a:rPr>
-              <a:t>Orienting one edge (x, x+1) in the counter-clockwise direction, another edge (x-1, x) to clockwise, and (x+1, x+2) </a:t>
-            </a:r>
-            <a:r>
-              <a:rPr b="0" lang="en-US" sz="2020" spc="-1" strike="noStrike">
-                <a:solidFill>
-                  <a:srgbClr val="000000"/>
-                </a:solidFill>
-                <a:latin typeface="Arial"/>
-                <a:ea typeface="JetBrains Mono"/>
-              </a:rPr>
-              <a:t>to counter-clockwise yields </a:t>
-            </a:r>
-            <a:r>
-              <a:rPr b="0" i="1" lang="en-US" sz="2020" spc="-1" strike="noStrike">
-                <a:solidFill>
-                  <a:srgbClr val="000000"/>
-                </a:solidFill>
-                <a:latin typeface="Arial"/>
-                <a:ea typeface="JetBrains Mono"/>
-              </a:rPr>
-              <a:t>Jac(G) = Z</a:t>
-            </a:r>
-            <a:r>
-              <a:rPr b="0" i="1" lang="en-US" sz="2018" spc="-1" strike="noStrike" baseline="-8000">
-                <a:solidFill>
-                  <a:srgbClr val="000000"/>
-                </a:solidFill>
-                <a:latin typeface="Arial"/>
-                <a:ea typeface="JetBrains Mono"/>
-              </a:rPr>
-              <a:t>n-2</a:t>
-            </a:r>
-            <a:r>
-              <a:rPr b="0" lang="en-US" sz="2020" spc="-1" strike="noStrike">
-                <a:solidFill>
-                  <a:srgbClr val="000000"/>
-                </a:solidFill>
-                <a:latin typeface="Arial"/>
-                <a:ea typeface="JetBrains Mono"/>
-              </a:rPr>
-              <a:t>.</a:t>
-            </a:r>
-            <a:endParaRPr b="0" lang="en-US" sz="2020" spc="-1" strike="noStrike">
-              <a:latin typeface="Arial"/>
-            </a:endParaRPr>
-          </a:p>
-          <a:p>
-            <a:pPr marL="432000" indent="-324000">
-              <a:lnSpc>
-                <a:spcPct val="100000"/>
-              </a:lnSpc>
-              <a:spcBef>
-                <a:spcPts val="1417"/>
-              </a:spcBef>
-              <a:buClr>
-                <a:srgbClr val="000000"/>
-              </a:buClr>
-              <a:buSzPct val="45000"/>
-              <a:buFont typeface="Wingdings" charset="2"/>
-              <a:buChar char=""/>
-            </a:pPr>
-            <a:r>
-              <a:rPr b="0" lang="en-US" sz="2020" spc="-1" strike="noStrike">
-                <a:solidFill>
-                  <a:srgbClr val="000000"/>
-                </a:solidFill>
-                <a:latin typeface="Arial"/>
-                <a:ea typeface="JetBrains Mono"/>
-              </a:rPr>
-              <a:t>Adding onto either of the two paths by orienting the next or preceding bidirectional arrow yields </a:t>
-            </a:r>
-            <a:r>
-              <a:rPr b="0" i="1" lang="en-US" sz="2020" spc="-1" strike="noStrike">
-                <a:solidFill>
-                  <a:srgbClr val="000000"/>
-                </a:solidFill>
-                <a:latin typeface="Arial"/>
-                <a:ea typeface="JetBrains Mono"/>
-              </a:rPr>
-              <a:t>Jac(G) = Z</a:t>
-            </a:r>
-            <a:r>
-              <a:rPr b="0" i="1" lang="en-US" sz="2018" spc="-1" strike="noStrike" baseline="-8000">
-                <a:solidFill>
-                  <a:srgbClr val="000000"/>
-                </a:solidFill>
-                <a:latin typeface="Arial"/>
-                <a:ea typeface="JetBrains Mono"/>
-              </a:rPr>
-              <a:t>n-3</a:t>
-            </a:r>
-            <a:r>
-              <a:rPr b="0" lang="en-US" sz="2020" spc="-1" strike="noStrike">
-                <a:solidFill>
-                  <a:srgbClr val="000000"/>
-                </a:solidFill>
-                <a:latin typeface="Arial"/>
-                <a:ea typeface="JetBrains Mono"/>
-              </a:rPr>
-              <a:t>.</a:t>
-            </a:r>
-            <a:endParaRPr b="0" lang="en-US" sz="2020" spc="-1" strike="noStrike">
-              <a:latin typeface="Arial"/>
-            </a:endParaRPr>
-          </a:p>
-          <a:p>
-            <a:pPr marL="432000" indent="-324000">
-              <a:lnSpc>
-                <a:spcPct val="100000"/>
-              </a:lnSpc>
-              <a:spcBef>
-                <a:spcPts val="1417"/>
-              </a:spcBef>
-              <a:buClr>
-                <a:srgbClr val="000000"/>
-              </a:buClr>
-              <a:buSzPct val="45000"/>
-              <a:buFont typeface="Wingdings" charset="2"/>
-              <a:buChar char=""/>
-            </a:pPr>
-            <a:r>
-              <a:rPr b="0" lang="en-US" sz="2020" spc="-1" strike="noStrike">
-                <a:solidFill>
-                  <a:srgbClr val="000000"/>
-                </a:solidFill>
-                <a:latin typeface="Arial"/>
-                <a:ea typeface="JetBrains Mono"/>
-              </a:rPr>
-              <a:t>Continuing this pattern until the two</a:t>
-            </a:r>
-            <a:r>
-              <a:rPr b="0" lang="en-US" sz="2100" spc="-1" strike="noStrike">
-                <a:solidFill>
-                  <a:srgbClr val="000000"/>
-                </a:solidFill>
-                <a:latin typeface="Airal"/>
-                <a:ea typeface="JetBrains Mono"/>
-              </a:rPr>
-              <a:t> paths meet yields all invariant factors down to Z</a:t>
-            </a:r>
-            <a:r>
-              <a:rPr b="0" lang="en-US" sz="2100" spc="-1" strike="noStrike" baseline="-8000">
-                <a:solidFill>
-                  <a:srgbClr val="000000"/>
-                </a:solidFill>
-                <a:latin typeface="Airal"/>
-                <a:ea typeface="JetBrains Mono"/>
-              </a:rPr>
-              <a:t>2</a:t>
-            </a:r>
-            <a:r>
-              <a:rPr b="0" lang="en-US" sz="2100" spc="-1" strike="noStrike">
-                <a:solidFill>
-                  <a:srgbClr val="000000"/>
-                </a:solidFill>
-                <a:latin typeface="Airal"/>
-                <a:ea typeface="JetBrains Mono"/>
-              </a:rPr>
-              <a:t>.  Going further to orient the entire graph to one direction results in a trivial Jacobian of </a:t>
-            </a:r>
-            <a:r>
-              <a:rPr b="0" i="1" lang="en-US" sz="2100" spc="-1" strike="noStrike">
-                <a:solidFill>
-                  <a:srgbClr val="000000"/>
-                </a:solidFill>
-                <a:latin typeface="Airal"/>
-                <a:ea typeface="JetBrains Mono"/>
-              </a:rPr>
-              <a:t>{0}</a:t>
-            </a:r>
-            <a:r>
-              <a:rPr b="0" lang="en-US" sz="2100" spc="-1" strike="noStrike">
-                <a:solidFill>
-                  <a:srgbClr val="000000"/>
-                </a:solidFill>
-                <a:latin typeface="Airal"/>
-                <a:ea typeface="JetBrains Mono"/>
-              </a:rPr>
-              <a:t>.</a:t>
-            </a:r>
-            <a:endParaRPr b="0" lang="en-US" sz="2100" spc="-1" strike="noStrike">
-              <a:latin typeface="Arial"/>
-            </a:endParaRPr>
-          </a:p>
-          <a:p>
-            <a:pPr marL="432000" indent="-324000">
-              <a:lnSpc>
-                <a:spcPct val="100000"/>
-              </a:lnSpc>
-              <a:spcBef>
-                <a:spcPts val="1417"/>
-              </a:spcBef>
-              <a:buClr>
-                <a:srgbClr val="000000"/>
-              </a:buClr>
-              <a:buSzPct val="45000"/>
-              <a:buFont typeface="Wingdings" charset="2"/>
-              <a:buChar char=""/>
-            </a:pPr>
-            <a:r>
-              <a:rPr b="0" lang="en-US" sz="2100" spc="-1" strike="noStrike">
-                <a:solidFill>
-                  <a:srgbClr val="000000"/>
-                </a:solidFill>
-                <a:latin typeface="Airal"/>
-                <a:ea typeface="JetBrains Mono"/>
-              </a:rPr>
-              <a:t>This pattern should hold for all cycle gra</a:t>
-            </a:r>
-            <a:r>
-              <a:rPr b="0" lang="en-US" sz="2100" spc="-1" strike="noStrike">
-                <a:solidFill>
-                  <a:srgbClr val="000000"/>
-                </a:solidFill>
-                <a:latin typeface="Arial"/>
-                <a:ea typeface="JetBrains Mono"/>
-              </a:rPr>
-              <a:t>phs C</a:t>
-            </a:r>
-            <a:r>
-              <a:rPr b="0" lang="en-US" sz="2100" spc="-1" strike="noStrike" baseline="-8000">
-                <a:solidFill>
-                  <a:srgbClr val="000000"/>
-                </a:solidFill>
-                <a:latin typeface="Arial"/>
-                <a:ea typeface="JetBrains Mono"/>
-              </a:rPr>
-              <a:t>3</a:t>
-            </a:r>
-            <a:r>
-              <a:rPr b="0" lang="en-US" sz="2100" spc="-1" strike="noStrike">
-                <a:solidFill>
-                  <a:srgbClr val="000000"/>
-                </a:solidFill>
-                <a:latin typeface="Arial"/>
-                <a:ea typeface="JetBrains Mono"/>
-              </a:rPr>
-              <a:t> to C</a:t>
-            </a:r>
-            <a:r>
-              <a:rPr b="0" lang="en-US" sz="2100" spc="-1" strike="noStrike" baseline="-8000">
-                <a:solidFill>
-                  <a:srgbClr val="000000"/>
-                </a:solidFill>
-                <a:latin typeface="Arial"/>
-                <a:ea typeface="JetBrains Mono"/>
-              </a:rPr>
-              <a:t>x</a:t>
-            </a:r>
-            <a:r>
-              <a:rPr b="0" lang="en-US" sz="2100" spc="-1" strike="noStrike">
-                <a:solidFill>
-                  <a:srgbClr val="000000"/>
-                </a:solidFill>
-                <a:latin typeface="Arial"/>
-                <a:ea typeface="JetBrains Mono"/>
-              </a:rPr>
-              <a:t> and has been proven for graphs </a:t>
-            </a:r>
-            <a:r>
-              <a:rPr b="0" lang="en-US" sz="2100" spc="-1" strike="noStrike">
-                <a:solidFill>
-                  <a:srgbClr val="000000"/>
-                </a:solidFill>
-                <a:latin typeface="Arial"/>
-                <a:ea typeface="JetBrains Mono"/>
-              </a:rPr>
-              <a:t>C</a:t>
-            </a:r>
-            <a:r>
-              <a:rPr b="0" lang="en-US" sz="2100" spc="-1" strike="noStrike" baseline="-8000">
-                <a:solidFill>
-                  <a:srgbClr val="000000"/>
-                </a:solidFill>
-                <a:latin typeface="Arial"/>
-                <a:ea typeface="JetBrains Mono"/>
-              </a:rPr>
-              <a:t>3</a:t>
-            </a:r>
-            <a:r>
-              <a:rPr b="0" lang="en-US" sz="2100" spc="-1" strike="noStrike">
-                <a:solidFill>
-                  <a:srgbClr val="000000"/>
-                </a:solidFill>
-                <a:latin typeface="Arial"/>
-                <a:ea typeface="JetBrains Mono"/>
-              </a:rPr>
-              <a:t> to C</a:t>
-            </a:r>
-            <a:r>
-              <a:rPr b="0" lang="en-US" sz="2100" spc="-1" strike="noStrike" baseline="-8000">
-                <a:solidFill>
-                  <a:srgbClr val="000000"/>
-                </a:solidFill>
-                <a:latin typeface="Arial"/>
-                <a:ea typeface="JetBrains Mono"/>
-              </a:rPr>
-              <a:t>80</a:t>
-            </a:r>
-            <a:r>
-              <a:rPr b="0" lang="en-US" sz="2100" spc="-1" strike="noStrike">
-                <a:solidFill>
-                  <a:srgbClr val="000000"/>
-                </a:solidFill>
-                <a:latin typeface="Arial"/>
-                <a:ea typeface="JetBrains Mono"/>
-              </a:rPr>
-              <a:t>.</a:t>
-            </a:r>
-            <a:endParaRPr b="0" lang="en-US" sz="2100" spc="-1" strike="noStrike">
+              <a:rPr b="0" lang="en-US" sz="10560" spc="-1" strike="noStrike">
+                <a:latin typeface="Arial"/>
+              </a:rPr>
+              <a:t>These techniques can possibly then be used on pseudo-trees to more easily calculate their Picard Groups and Jacobians as they are less trivial. </a:t>
+            </a:r>
+            <a:endParaRPr b="0" lang="en-US" sz="10560" spc="-1" strike="noStrike">
               <a:latin typeface="Arial"/>
             </a:endParaRPr>
           </a:p>
@@ -11368,7 +10899,7 @@
       </p:grpSpPr>
       <p:sp>
         <p:nvSpPr>
-          <p:cNvPr id="198" name="PlaceHolder 1"/>
+          <p:cNvPr id="202" name="PlaceHolder 1"/>
           <p:cNvSpPr>
             <a:spLocks noGrp="1"/>
           </p:cNvSpPr>
@@ -11378,8 +10909,8 @@
         </p:nvSpPr>
         <p:spPr>
           <a:xfrm>
-            <a:off x="360000" y="225720"/>
-            <a:ext cx="9359280" cy="718200"/>
+            <a:off x="360000" y="-39960"/>
+            <a:ext cx="9358920" cy="1249560"/>
           </a:xfrm>
           <a:prstGeom prst="rect">
             <a:avLst/>
@@ -11407,6 +10938,1100 @@
                 </a:solidFill>
                 <a:latin typeface="Arial"/>
               </a:rPr>
+              <a:t>Finding The Rank of a Tree’s Picard Group</a:t>
+            </a:r>
+            <a:endParaRPr b="0" lang="en-US" sz="4400" spc="-1" strike="noStrike">
+              <a:latin typeface="Arial"/>
+            </a:endParaRPr>
+          </a:p>
+        </p:txBody>
+      </p:sp>
+      <p:sp>
+        <p:nvSpPr>
+          <p:cNvPr id="203" name="PlaceHolder 2"/>
+          <p:cNvSpPr>
+            <a:spLocks noGrp="1"/>
+          </p:cNvSpPr>
+          <p:nvPr>
+            <p:ph/>
+          </p:nvPr>
+        </p:nvSpPr>
+        <p:spPr>
+          <a:xfrm>
+            <a:off x="360000" y="1485000"/>
+            <a:ext cx="9358920" cy="3778920"/>
+          </a:xfrm>
+          <a:prstGeom prst="rect">
+            <a:avLst/>
+          </a:prstGeom>
+          <a:noFill/>
+          <a:ln w="0">
+            <a:noFill/>
+          </a:ln>
+        </p:spPr>
+        <p:txBody>
+          <a:bodyPr lIns="0" rIns="0" tIns="0" bIns="0" anchor="t">
+            <a:normAutofit fontScale="63000"/>
+          </a:bodyPr>
+          <a:p>
+            <a:pPr marL="432000" indent="-324000">
+              <a:lnSpc>
+                <a:spcPct val="100000"/>
+              </a:lnSpc>
+              <a:spcBef>
+                <a:spcPts val="1417"/>
+              </a:spcBef>
+              <a:buClr>
+                <a:srgbClr val="000000"/>
+              </a:buClr>
+              <a:buSzPct val="45000"/>
+              <a:buFont typeface="Wingdings" charset="2"/>
+              <a:buChar char=""/>
+            </a:pPr>
+            <a:r>
+              <a:rPr b="0" lang="en-US" sz="3200" spc="-1" strike="noStrike">
+                <a:latin typeface="Arial"/>
+              </a:rPr>
+              <a:t>The Picard group is commonly written in the form </a:t>
+            </a:r>
+            <a:r>
+              <a:rPr b="0" i="1" lang="en-US" sz="3200" spc="-1" strike="noStrike">
+                <a:latin typeface="Arial"/>
+              </a:rPr>
+              <a:t>Pic(G) = Jac(G) x Z</a:t>
+            </a:r>
+            <a:r>
+              <a:rPr b="0" i="1" lang="en-US" sz="3200" spc="-1" strike="noStrike" baseline="33000">
+                <a:latin typeface="Arial"/>
+              </a:rPr>
+              <a:t>n</a:t>
+            </a:r>
+            <a:r>
+              <a:rPr b="0" lang="en-US" sz="3200" spc="-1" strike="noStrike">
+                <a:latin typeface="Arial"/>
+              </a:rPr>
+              <a:t>, where </a:t>
+            </a:r>
+            <a:r>
+              <a:rPr b="0" i="1" lang="en-US" sz="3200" spc="-1" strike="noStrike">
+                <a:latin typeface="Arial"/>
+              </a:rPr>
+              <a:t>n</a:t>
+            </a:r>
+            <a:r>
+              <a:rPr b="0" lang="en-US" sz="3200" spc="-1" strike="noStrike">
+                <a:latin typeface="Arial"/>
+              </a:rPr>
+              <a:t> is the rank of the Picard group.</a:t>
+            </a:r>
+            <a:endParaRPr b="0" lang="en-US" sz="3200" spc="-1" strike="noStrike">
+              <a:latin typeface="Arial"/>
+            </a:endParaRPr>
+          </a:p>
+          <a:p>
+            <a:pPr marL="216000" indent="-216000">
+              <a:lnSpc>
+                <a:spcPct val="100000"/>
+              </a:lnSpc>
+              <a:spcBef>
+                <a:spcPts val="1417"/>
+              </a:spcBef>
+              <a:buClr>
+                <a:srgbClr val="000000"/>
+              </a:buClr>
+              <a:buSzPct val="45000"/>
+              <a:buFont typeface="Wingdings" charset="2"/>
+              <a:buChar char=""/>
+            </a:pPr>
+            <a:r>
+              <a:rPr b="0" lang="en-US" sz="3200" spc="-1" strike="noStrike">
+                <a:solidFill>
+                  <a:srgbClr val="000000"/>
+                </a:solidFill>
+                <a:latin typeface="Arial"/>
+              </a:rPr>
+              <a:t>This rank for a tree graph can be easily calculated inductively.  By reconstructing an arbitrary tree edge by edge, its rank can be determined by following two rules.</a:t>
+            </a:r>
+            <a:endParaRPr b="0" lang="en-US" sz="3200" spc="-1" strike="noStrike">
+              <a:latin typeface="Arial"/>
+            </a:endParaRPr>
+          </a:p>
+          <a:p>
+            <a:pPr marL="216000" indent="-216000">
+              <a:lnSpc>
+                <a:spcPct val="100000"/>
+              </a:lnSpc>
+              <a:spcBef>
+                <a:spcPts val="1417"/>
+              </a:spcBef>
+              <a:buClr>
+                <a:srgbClr val="000000"/>
+              </a:buClr>
+              <a:buSzPct val="45000"/>
+              <a:buFont typeface="Wingdings" charset="2"/>
+              <a:buChar char=""/>
+            </a:pPr>
+            <a:r>
+              <a:rPr b="0" lang="en-US" sz="3200" spc="-1" strike="noStrike">
+                <a:solidFill>
+                  <a:srgbClr val="000000"/>
+                </a:solidFill>
+                <a:latin typeface="Arial"/>
+              </a:rPr>
+              <a:t>If the next arrow drawn is pointing towards the graph or if it is bidirectional, the rank does not change.</a:t>
+            </a:r>
+            <a:endParaRPr b="0" lang="en-US" sz="3200" spc="-1" strike="noStrike">
+              <a:latin typeface="Arial"/>
+            </a:endParaRPr>
+          </a:p>
+          <a:p>
+            <a:pPr marL="216000" indent="-216000">
+              <a:lnSpc>
+                <a:spcPct val="100000"/>
+              </a:lnSpc>
+              <a:spcBef>
+                <a:spcPts val="1417"/>
+              </a:spcBef>
+              <a:buClr>
+                <a:srgbClr val="000000"/>
+              </a:buClr>
+              <a:buSzPct val="45000"/>
+              <a:buFont typeface="Wingdings" charset="2"/>
+              <a:buChar char=""/>
+            </a:pPr>
+            <a:r>
+              <a:rPr b="0" lang="en-US" sz="3200" spc="-1" strike="noStrike">
+                <a:solidFill>
+                  <a:srgbClr val="000000"/>
+                </a:solidFill>
+                <a:latin typeface="Arial"/>
+              </a:rPr>
+              <a:t>If the next arrow is pointing towards the new vertex, the rank increases by one.</a:t>
+            </a:r>
+            <a:endParaRPr b="0" lang="en-US" sz="3200" spc="-1" strike="noStrike">
+              <a:latin typeface="Arial"/>
+            </a:endParaRPr>
+          </a:p>
+          <a:p>
+            <a:pPr marL="216000" indent="-216000">
+              <a:lnSpc>
+                <a:spcPct val="100000"/>
+              </a:lnSpc>
+              <a:spcBef>
+                <a:spcPts val="1417"/>
+              </a:spcBef>
+              <a:buClr>
+                <a:srgbClr val="000000"/>
+              </a:buClr>
+              <a:buSzPct val="45000"/>
+              <a:buFont typeface="Wingdings" charset="2"/>
+              <a:buChar char=""/>
+            </a:pPr>
+            <a:r>
+              <a:rPr b="0" lang="en-US" sz="3200" spc="-1" strike="noStrike">
+                <a:solidFill>
+                  <a:srgbClr val="000000"/>
+                </a:solidFill>
+                <a:latin typeface="Arial"/>
+              </a:rPr>
+              <a:t>The rank of a tree corresponds to the number of terminal strong components of that tree, sections that are only connected to the rest of the graph by an incoming edge and have a path between all of its member vertices.</a:t>
+            </a:r>
+            <a:endParaRPr b="0" lang="en-US" sz="3200" spc="-1" strike="noStrike">
+              <a:latin typeface="Arial"/>
+            </a:endParaRPr>
+          </a:p>
+        </p:txBody>
+      </p:sp>
+    </p:spTree>
+  </p:cSld>
+  <mc:AlternateContent>
+    <mc:Choice Requires="p14">
+      <p:transition spd="slow" p14:dur="2000"/>
+    </mc:Choice>
+    <mc:Fallback>
+      <p:transition spd="slow"/>
+    </mc:Fallback>
+  </mc:AlternateContent>
+</p:sld>
+</file>
+
+<file path=ppt/slides/slide13.xml><?xml version="1.0" encoding="utf-8"?>
+<p:sld xmlns:a="http://schemas.openxmlformats.org/drawingml/2006/main" xmlns:p="http://schemas.openxmlformats.org/presentationml/2006/main" xmlns:r="http://schemas.openxmlformats.org/officeDocument/2006/relationships" xmlns:p14="http://schemas.microsoft.com/office/powerpoint/2010/main" xmlns:p15="http://schemas.microsoft.com/office/powerpoint/2012/main" xmlns:mc="http://schemas.openxmlformats.org/markup-compatibility/2006">
+  <p:cSld>
+    <p:spTree>
+      <p:nvGrpSpPr>
+        <p:cNvPr id="1" name=""/>
+        <p:cNvGrpSpPr/>
+        <p:nvPr/>
+      </p:nvGrpSpPr>
+      <p:grpSpPr>
+        <a:xfrm>
+          <a:off x="0" y="0"/>
+          <a:ext cx="0" cy="0"/>
+          <a:chOff x="0" y="0"/>
+          <a:chExt cx="0" cy="0"/>
+        </a:xfrm>
+      </p:grpSpPr>
+      <p:sp>
+        <p:nvSpPr>
+          <p:cNvPr id="204" name="PlaceHolder 1"/>
+          <p:cNvSpPr>
+            <a:spLocks noGrp="1"/>
+          </p:cNvSpPr>
+          <p:nvPr>
+            <p:ph type="title"/>
+          </p:nvPr>
+        </p:nvSpPr>
+        <p:spPr>
+          <a:xfrm>
+            <a:off x="360000" y="-39960"/>
+            <a:ext cx="9358920" cy="1249560"/>
+          </a:xfrm>
+          <a:prstGeom prst="rect">
+            <a:avLst/>
+          </a:prstGeom>
+          <a:noFill/>
+          <a:ln w="0">
+            <a:noFill/>
+          </a:ln>
+        </p:spPr>
+        <p:txBody>
+          <a:bodyPr lIns="0" rIns="0" tIns="0" bIns="0" anchor="ctr">
+            <a:noAutofit/>
+          </a:bodyPr>
+          <a:p>
+            <a:pPr algn="ctr">
+              <a:lnSpc>
+                <a:spcPct val="100000"/>
+              </a:lnSpc>
+              <a:buNone/>
+            </a:pPr>
+            <a:r>
+              <a:rPr b="0" lang="en-US" sz="4400" spc="-1" strike="noStrike">
+                <a:solidFill>
+                  <a:srgbClr val="ffffff"/>
+                </a:solidFill>
+                <a:latin typeface="Arial"/>
+              </a:rPr>
+              <a:t>Finding The Jacobian of a Tree or Cycle Graph</a:t>
+            </a:r>
+            <a:endParaRPr b="0" lang="en-US" sz="4400" spc="-1" strike="noStrike">
+              <a:latin typeface="Arial"/>
+            </a:endParaRPr>
+          </a:p>
+        </p:txBody>
+      </p:sp>
+      <p:sp>
+        <p:nvSpPr>
+          <p:cNvPr id="205" name="PlaceHolder 2"/>
+          <p:cNvSpPr>
+            <a:spLocks noGrp="1"/>
+          </p:cNvSpPr>
+          <p:nvPr>
+            <p:ph/>
+          </p:nvPr>
+        </p:nvSpPr>
+        <p:spPr>
+          <a:xfrm>
+            <a:off x="360000" y="1485000"/>
+            <a:ext cx="9358920" cy="3778920"/>
+          </a:xfrm>
+          <a:prstGeom prst="rect">
+            <a:avLst/>
+          </a:prstGeom>
+          <a:noFill/>
+          <a:ln w="0">
+            <a:noFill/>
+          </a:ln>
+        </p:spPr>
+        <p:txBody>
+          <a:bodyPr lIns="0" rIns="0" tIns="0" bIns="0" anchor="t">
+            <a:normAutofit fontScale="91000"/>
+          </a:bodyPr>
+          <a:p>
+            <a:pPr marL="432000" indent="-324000">
+              <a:lnSpc>
+                <a:spcPct val="100000"/>
+              </a:lnSpc>
+              <a:spcBef>
+                <a:spcPts val="1417"/>
+              </a:spcBef>
+              <a:buClr>
+                <a:srgbClr val="000000"/>
+              </a:buClr>
+              <a:buSzPct val="45000"/>
+              <a:buFont typeface="Wingdings" charset="2"/>
+              <a:buChar char=""/>
+            </a:pPr>
+            <a:r>
+              <a:rPr b="0" lang="en-US" sz="3200" spc="-1" strike="noStrike">
+                <a:solidFill>
+                  <a:srgbClr val="000000"/>
+                </a:solidFill>
+                <a:latin typeface="Arial"/>
+              </a:rPr>
+              <a:t>The Jacobian of a tree is simple, it is always the trivial group.</a:t>
+            </a:r>
+            <a:endParaRPr b="0" lang="en-US" sz="3200" spc="-1" strike="noStrike">
+              <a:latin typeface="Arial"/>
+            </a:endParaRPr>
+          </a:p>
+          <a:p>
+            <a:pPr marL="432000" indent="-324000">
+              <a:lnSpc>
+                <a:spcPct val="100000"/>
+              </a:lnSpc>
+              <a:spcBef>
+                <a:spcPts val="1417"/>
+              </a:spcBef>
+              <a:buClr>
+                <a:srgbClr val="000000"/>
+              </a:buClr>
+              <a:buSzPct val="45000"/>
+              <a:buFont typeface="Wingdings" charset="2"/>
+              <a:buChar char=""/>
+            </a:pPr>
+            <a:r>
+              <a:rPr b="0" lang="en-US" sz="3200" spc="-1" strike="noStrike">
+                <a:solidFill>
+                  <a:srgbClr val="000000"/>
+                </a:solidFill>
+                <a:latin typeface="Arial"/>
+              </a:rPr>
+              <a:t>The Jacobian of a Cycle graph is more complex, but easily calculable if the cycle has two paths, or sections of oriented edges with the same orientation.</a:t>
+            </a:r>
+            <a:endParaRPr b="0" lang="en-US" sz="3200" spc="-1" strike="noStrike">
+              <a:latin typeface="Arial"/>
+            </a:endParaRPr>
+          </a:p>
+          <a:p>
+            <a:pPr marL="432000" indent="-324000">
+              <a:lnSpc>
+                <a:spcPct val="100000"/>
+              </a:lnSpc>
+              <a:spcBef>
+                <a:spcPts val="1417"/>
+              </a:spcBef>
+              <a:buClr>
+                <a:srgbClr val="000000"/>
+              </a:buClr>
+              <a:buSzPct val="45000"/>
+              <a:buFont typeface="Wingdings" charset="2"/>
+              <a:buChar char=""/>
+            </a:pPr>
+            <a:r>
+              <a:rPr b="0" lang="en-US" sz="3200" spc="-1" strike="noStrike">
+                <a:solidFill>
+                  <a:srgbClr val="000000"/>
+                </a:solidFill>
+                <a:latin typeface="Arial"/>
+              </a:rPr>
+              <a:t>For this special type of cycle graph, all Jacobians, Z</a:t>
+            </a:r>
+            <a:r>
+              <a:rPr b="0" lang="en-US" sz="3200" spc="-1" strike="noStrike" baseline="-8000">
+                <a:solidFill>
+                  <a:srgbClr val="000000"/>
+                </a:solidFill>
+                <a:latin typeface="Arial"/>
+              </a:rPr>
+              <a:t>1  </a:t>
+            </a:r>
+            <a:r>
+              <a:rPr b="0" lang="en-US" sz="3200" spc="-1" strike="noStrike">
+                <a:solidFill>
+                  <a:srgbClr val="000000"/>
+                </a:solidFill>
+                <a:latin typeface="Arial"/>
+              </a:rPr>
+              <a:t>to Z</a:t>
+            </a:r>
+            <a:r>
+              <a:rPr b="0" lang="en-US" sz="3200" spc="-1" strike="noStrike" baseline="-8000">
+                <a:solidFill>
+                  <a:srgbClr val="000000"/>
+                </a:solidFill>
+                <a:latin typeface="Arial"/>
+              </a:rPr>
+              <a:t>n</a:t>
+            </a:r>
+            <a:r>
+              <a:rPr b="0" lang="en-US" sz="3200" spc="-1" strike="noStrike">
+                <a:solidFill>
+                  <a:srgbClr val="000000"/>
+                </a:solidFill>
+                <a:latin typeface="Arial"/>
+              </a:rPr>
+              <a:t> exist for some orientation.</a:t>
+            </a:r>
+            <a:endParaRPr b="0" lang="en-US" sz="3200" spc="-1" strike="noStrike">
+              <a:latin typeface="Arial"/>
+            </a:endParaRPr>
+          </a:p>
+        </p:txBody>
+      </p:sp>
+    </p:spTree>
+  </p:cSld>
+  <mc:AlternateContent>
+    <mc:Choice Requires="p14">
+      <p:transition spd="slow" p14:dur="2000"/>
+    </mc:Choice>
+    <mc:Fallback>
+      <p:transition spd="slow"/>
+    </mc:Fallback>
+  </mc:AlternateContent>
+</p:sld>
+</file>
+
+<file path=ppt/slides/slide14.xml><?xml version="1.0" encoding="utf-8"?>
+<p:sld xmlns:a="http://schemas.openxmlformats.org/drawingml/2006/main" xmlns:p="http://schemas.openxmlformats.org/presentationml/2006/main" xmlns:r="http://schemas.openxmlformats.org/officeDocument/2006/relationships" xmlns:p14="http://schemas.microsoft.com/office/powerpoint/2010/main" xmlns:p15="http://schemas.microsoft.com/office/powerpoint/2012/main" xmlns:mc="http://schemas.openxmlformats.org/markup-compatibility/2006">
+  <p:cSld>
+    <p:spTree>
+      <p:nvGrpSpPr>
+        <p:cNvPr id="1" name=""/>
+        <p:cNvGrpSpPr/>
+        <p:nvPr/>
+      </p:nvGrpSpPr>
+      <p:grpSpPr>
+        <a:xfrm>
+          <a:off x="0" y="0"/>
+          <a:ext cx="0" cy="0"/>
+          <a:chOff x="0" y="0"/>
+          <a:chExt cx="0" cy="0"/>
+        </a:xfrm>
+      </p:grpSpPr>
+      <p:sp>
+        <p:nvSpPr>
+          <p:cNvPr id="206" name="PlaceHolder 1"/>
+          <p:cNvSpPr>
+            <a:spLocks noGrp="1"/>
+          </p:cNvSpPr>
+          <p:nvPr>
+            <p:ph type="title"/>
+          </p:nvPr>
+        </p:nvSpPr>
+        <p:spPr>
+          <a:xfrm>
+            <a:off x="360000" y="-39960"/>
+            <a:ext cx="9358920" cy="1249560"/>
+          </a:xfrm>
+          <a:prstGeom prst="rect">
+            <a:avLst/>
+          </a:prstGeom>
+          <a:noFill/>
+          <a:ln w="0">
+            <a:noFill/>
+          </a:ln>
+        </p:spPr>
+        <p:txBody>
+          <a:bodyPr lIns="0" rIns="0" tIns="0" bIns="0" anchor="ctr">
+            <a:noAutofit/>
+          </a:bodyPr>
+          <a:p>
+            <a:pPr algn="ctr">
+              <a:lnSpc>
+                <a:spcPct val="100000"/>
+              </a:lnSpc>
+              <a:buNone/>
+            </a:pPr>
+            <a:r>
+              <a:rPr b="0" lang="en-US" sz="4400" spc="-1" strike="noStrike">
+                <a:solidFill>
+                  <a:srgbClr val="ffffff"/>
+                </a:solidFill>
+                <a:latin typeface="Arial"/>
+              </a:rPr>
+              <a:t>Finding The Jacobian of a Cycle Graph</a:t>
+            </a:r>
+            <a:endParaRPr b="0" lang="en-US" sz="4400" spc="-1" strike="noStrike">
+              <a:latin typeface="Arial"/>
+            </a:endParaRPr>
+          </a:p>
+        </p:txBody>
+      </p:sp>
+      <p:sp>
+        <p:nvSpPr>
+          <p:cNvPr id="207" name="PlaceHolder 2"/>
+          <p:cNvSpPr>
+            <a:spLocks noGrp="1"/>
+          </p:cNvSpPr>
+          <p:nvPr>
+            <p:ph/>
+          </p:nvPr>
+        </p:nvSpPr>
+        <p:spPr>
+          <a:xfrm>
+            <a:off x="360000" y="1485000"/>
+            <a:ext cx="9469440" cy="3778920"/>
+          </a:xfrm>
+          <a:prstGeom prst="rect">
+            <a:avLst/>
+          </a:prstGeom>
+          <a:noFill/>
+          <a:ln w="0">
+            <a:noFill/>
+          </a:ln>
+        </p:spPr>
+        <p:txBody>
+          <a:bodyPr lIns="0" rIns="0" tIns="0" bIns="0" anchor="t">
+            <a:normAutofit fontScale="77000"/>
+          </a:bodyPr>
+          <a:p>
+            <a:pPr marL="432000" indent="-324000">
+              <a:lnSpc>
+                <a:spcPct val="100000"/>
+              </a:lnSpc>
+              <a:spcBef>
+                <a:spcPts val="1417"/>
+              </a:spcBef>
+              <a:buClr>
+                <a:srgbClr val="000000"/>
+              </a:buClr>
+              <a:buSzPct val="45000"/>
+              <a:buFont typeface="Wingdings" charset="2"/>
+              <a:buChar char=""/>
+            </a:pPr>
+            <a:r>
+              <a:rPr b="0" lang="en-US" sz="2100" spc="-1" strike="noStrike">
+                <a:solidFill>
+                  <a:srgbClr val="000000"/>
+                </a:solidFill>
+                <a:latin typeface="Arial"/>
+                <a:ea typeface="JetBrains Mono"/>
+              </a:rPr>
+              <a:t>Beginning with a non-oriented cyclic graph, </a:t>
+            </a:r>
+            <a:r>
+              <a:rPr b="0" i="1" lang="en-US" sz="2100" spc="-1" strike="noStrike">
+                <a:solidFill>
+                  <a:srgbClr val="000000"/>
+                </a:solidFill>
+                <a:latin typeface="Arial"/>
+                <a:ea typeface="JetBrains Mono"/>
+              </a:rPr>
+              <a:t>Jac(G) = Z</a:t>
+            </a:r>
+            <a:r>
+              <a:rPr b="0" i="1" lang="en-US" sz="2100" spc="-1" strike="noStrike" baseline="-8000">
+                <a:solidFill>
+                  <a:srgbClr val="000000"/>
+                </a:solidFill>
+                <a:latin typeface="Arial"/>
+                <a:ea typeface="JetBrains Mono"/>
+              </a:rPr>
+              <a:t>n</a:t>
+            </a:r>
+            <a:r>
+              <a:rPr b="0" lang="en-US" sz="2100" spc="-1" strike="noStrike">
+                <a:solidFill>
+                  <a:srgbClr val="000000"/>
+                </a:solidFill>
+                <a:latin typeface="Arial"/>
+                <a:ea typeface="JetBrains Mono"/>
+              </a:rPr>
+              <a:t>.  </a:t>
+            </a:r>
+            <a:endParaRPr b="0" lang="en-US" sz="2100" spc="-1" strike="noStrike">
+              <a:latin typeface="Arial"/>
+            </a:endParaRPr>
+          </a:p>
+          <a:p>
+            <a:pPr marL="432000" indent="-324000">
+              <a:lnSpc>
+                <a:spcPct val="100000"/>
+              </a:lnSpc>
+              <a:spcBef>
+                <a:spcPts val="1417"/>
+              </a:spcBef>
+              <a:buClr>
+                <a:srgbClr val="000000"/>
+              </a:buClr>
+              <a:buSzPct val="45000"/>
+              <a:buFont typeface="Wingdings" charset="2"/>
+              <a:buChar char=""/>
+            </a:pPr>
+            <a:r>
+              <a:rPr b="0" lang="en-US" sz="2100" spc="-1" strike="noStrike">
+                <a:solidFill>
+                  <a:srgbClr val="000000"/>
+                </a:solidFill>
+                <a:latin typeface="Arial"/>
+                <a:ea typeface="JetBrains Mono"/>
+              </a:rPr>
+              <a:t>Orienting one edge (x, x+1) in the counter-clockwise direction yields a trivial Jacobian of {0} (Z</a:t>
+            </a:r>
+            <a:r>
+              <a:rPr b="0" lang="en-US" sz="2100" spc="-1" strike="noStrike" baseline="-8000">
+                <a:solidFill>
+                  <a:srgbClr val="000000"/>
+                </a:solidFill>
+                <a:latin typeface="Arial"/>
+                <a:ea typeface="JetBrains Mono"/>
+              </a:rPr>
+              <a:t>1</a:t>
+            </a:r>
+            <a:r>
+              <a:rPr b="0" lang="en-US" sz="2100" spc="-1" strike="noStrike">
+                <a:solidFill>
+                  <a:srgbClr val="000000"/>
+                </a:solidFill>
+                <a:latin typeface="Arial"/>
+                <a:ea typeface="JetBrains Mono"/>
+              </a:rPr>
+              <a:t>). </a:t>
+            </a:r>
+            <a:endParaRPr b="0" lang="en-US" sz="2100" spc="-1" strike="noStrike">
+              <a:latin typeface="Arial"/>
+            </a:endParaRPr>
+          </a:p>
+          <a:p>
+            <a:pPr marL="432000" indent="-324000">
+              <a:lnSpc>
+                <a:spcPct val="100000"/>
+              </a:lnSpc>
+              <a:spcBef>
+                <a:spcPts val="1417"/>
+              </a:spcBef>
+              <a:buClr>
+                <a:srgbClr val="000000"/>
+              </a:buClr>
+              <a:buSzPct val="45000"/>
+              <a:buFont typeface="Wingdings" charset="2"/>
+              <a:buChar char=""/>
+            </a:pPr>
+            <a:r>
+              <a:rPr b="0" lang="en-US" sz="2100" spc="-1" strike="noStrike">
+                <a:solidFill>
+                  <a:srgbClr val="000000"/>
+                </a:solidFill>
+                <a:latin typeface="Arial"/>
+                <a:ea typeface="JetBrains Mono"/>
+              </a:rPr>
+              <a:t>Orie</a:t>
+            </a:r>
+            <a:r>
+              <a:rPr b="0" lang="en-US" sz="2020" spc="-1" strike="noStrike">
+                <a:solidFill>
+                  <a:srgbClr val="000000"/>
+                </a:solidFill>
+                <a:latin typeface="Arial"/>
+                <a:ea typeface="JetBrains Mono"/>
+              </a:rPr>
+              <a:t>nting the edge (x-1, x) to clockwise and (x+1, x+2) to counter-clockwise yields a Jacobian of Z</a:t>
+            </a:r>
+            <a:r>
+              <a:rPr b="0" lang="en-US" sz="2018" spc="-1" strike="noStrike" baseline="-8000">
+                <a:solidFill>
+                  <a:srgbClr val="000000"/>
+                </a:solidFill>
+                <a:latin typeface="Arial"/>
+                <a:ea typeface="JetBrains Mono"/>
+              </a:rPr>
+              <a:t>n-1</a:t>
+            </a:r>
+            <a:r>
+              <a:rPr b="0" lang="en-US" sz="2020" spc="-1" strike="noStrike">
+                <a:solidFill>
+                  <a:srgbClr val="000000"/>
+                </a:solidFill>
+                <a:latin typeface="Arial"/>
+                <a:ea typeface="JetBrains Mono"/>
+              </a:rPr>
+              <a:t>.</a:t>
+            </a:r>
+            <a:endParaRPr b="0" lang="en-US" sz="2020" spc="-1" strike="noStrike">
+              <a:latin typeface="Arial"/>
+            </a:endParaRPr>
+          </a:p>
+          <a:p>
+            <a:pPr marL="432000" indent="-324000">
+              <a:lnSpc>
+                <a:spcPct val="100000"/>
+              </a:lnSpc>
+              <a:spcBef>
+                <a:spcPts val="1417"/>
+              </a:spcBef>
+              <a:buClr>
+                <a:srgbClr val="000000"/>
+              </a:buClr>
+              <a:buSzPct val="45000"/>
+              <a:buFont typeface="Wingdings" charset="2"/>
+              <a:buChar char=""/>
+            </a:pPr>
+            <a:r>
+              <a:rPr b="0" lang="en-US" sz="2020" spc="-1" strike="noStrike">
+                <a:solidFill>
+                  <a:srgbClr val="000000"/>
+                </a:solidFill>
+                <a:latin typeface="Arial"/>
+                <a:ea typeface="JetBrains Mono"/>
+              </a:rPr>
+              <a:t>Orienting one edge (x, x+1) in the counter-clockwise direction, another edge (x-1, x) to clockwise, and (x+1, x+2) to counter-clockwise yields </a:t>
+            </a:r>
+            <a:r>
+              <a:rPr b="0" i="1" lang="en-US" sz="2020" spc="-1" strike="noStrike">
+                <a:solidFill>
+                  <a:srgbClr val="000000"/>
+                </a:solidFill>
+                <a:latin typeface="Arial"/>
+                <a:ea typeface="JetBrains Mono"/>
+              </a:rPr>
+              <a:t>Jac(G) = Z</a:t>
+            </a:r>
+            <a:r>
+              <a:rPr b="0" i="1" lang="en-US" sz="2018" spc="-1" strike="noStrike" baseline="-8000">
+                <a:solidFill>
+                  <a:srgbClr val="000000"/>
+                </a:solidFill>
+                <a:latin typeface="Arial"/>
+                <a:ea typeface="JetBrains Mono"/>
+              </a:rPr>
+              <a:t>n-2</a:t>
+            </a:r>
+            <a:r>
+              <a:rPr b="0" lang="en-US" sz="2020" spc="-1" strike="noStrike">
+                <a:solidFill>
+                  <a:srgbClr val="000000"/>
+                </a:solidFill>
+                <a:latin typeface="Arial"/>
+                <a:ea typeface="JetBrains Mono"/>
+              </a:rPr>
+              <a:t>.</a:t>
+            </a:r>
+            <a:endParaRPr b="0" lang="en-US" sz="2020" spc="-1" strike="noStrike">
+              <a:latin typeface="Arial"/>
+            </a:endParaRPr>
+          </a:p>
+          <a:p>
+            <a:pPr marL="432000" indent="-324000">
+              <a:lnSpc>
+                <a:spcPct val="100000"/>
+              </a:lnSpc>
+              <a:spcBef>
+                <a:spcPts val="1417"/>
+              </a:spcBef>
+              <a:buClr>
+                <a:srgbClr val="000000"/>
+              </a:buClr>
+              <a:buSzPct val="45000"/>
+              <a:buFont typeface="Wingdings" charset="2"/>
+              <a:buChar char=""/>
+            </a:pPr>
+            <a:r>
+              <a:rPr b="0" lang="en-US" sz="2020" spc="-1" strike="noStrike">
+                <a:solidFill>
+                  <a:srgbClr val="000000"/>
+                </a:solidFill>
+                <a:latin typeface="Arial"/>
+                <a:ea typeface="JetBrains Mono"/>
+              </a:rPr>
+              <a:t>Adding onto either of the two paths by orienting the next or preceding bidirectional arrow yields </a:t>
+            </a:r>
+            <a:r>
+              <a:rPr b="0" i="1" lang="en-US" sz="2020" spc="-1" strike="noStrike">
+                <a:solidFill>
+                  <a:srgbClr val="000000"/>
+                </a:solidFill>
+                <a:latin typeface="Arial"/>
+                <a:ea typeface="JetBrains Mono"/>
+              </a:rPr>
+              <a:t>Jac(G) = Z</a:t>
+            </a:r>
+            <a:r>
+              <a:rPr b="0" i="1" lang="en-US" sz="2018" spc="-1" strike="noStrike" baseline="-8000">
+                <a:solidFill>
+                  <a:srgbClr val="000000"/>
+                </a:solidFill>
+                <a:latin typeface="Arial"/>
+                <a:ea typeface="JetBrains Mono"/>
+              </a:rPr>
+              <a:t>n-3</a:t>
+            </a:r>
+            <a:r>
+              <a:rPr b="0" lang="en-US" sz="2020" spc="-1" strike="noStrike">
+                <a:solidFill>
+                  <a:srgbClr val="000000"/>
+                </a:solidFill>
+                <a:latin typeface="Arial"/>
+                <a:ea typeface="JetBrains Mono"/>
+              </a:rPr>
+              <a:t>.</a:t>
+            </a:r>
+            <a:endParaRPr b="0" lang="en-US" sz="2020" spc="-1" strike="noStrike">
+              <a:latin typeface="Arial"/>
+            </a:endParaRPr>
+          </a:p>
+          <a:p>
+            <a:pPr marL="432000" indent="-324000">
+              <a:lnSpc>
+                <a:spcPct val="100000"/>
+              </a:lnSpc>
+              <a:spcBef>
+                <a:spcPts val="1417"/>
+              </a:spcBef>
+              <a:buClr>
+                <a:srgbClr val="000000"/>
+              </a:buClr>
+              <a:buSzPct val="45000"/>
+              <a:buFont typeface="Wingdings" charset="2"/>
+              <a:buChar char=""/>
+            </a:pPr>
+            <a:r>
+              <a:rPr b="0" lang="en-US" sz="2020" spc="-1" strike="noStrike">
+                <a:solidFill>
+                  <a:srgbClr val="000000"/>
+                </a:solidFill>
+                <a:latin typeface="Arial"/>
+                <a:ea typeface="JetBrains Mono"/>
+              </a:rPr>
+              <a:t>Continuing this pattern until the two</a:t>
+            </a:r>
+            <a:r>
+              <a:rPr b="0" lang="en-US" sz="2100" spc="-1" strike="noStrike">
+                <a:solidFill>
+                  <a:srgbClr val="000000"/>
+                </a:solidFill>
+                <a:latin typeface="Airal"/>
+                <a:ea typeface="JetBrains Mono"/>
+              </a:rPr>
+              <a:t> paths meet yields all invariant factors down to Z</a:t>
+            </a:r>
+            <a:r>
+              <a:rPr b="0" lang="en-US" sz="2100" spc="-1" strike="noStrike" baseline="-8000">
+                <a:solidFill>
+                  <a:srgbClr val="000000"/>
+                </a:solidFill>
+                <a:latin typeface="Airal"/>
+                <a:ea typeface="JetBrains Mono"/>
+              </a:rPr>
+              <a:t>2</a:t>
+            </a:r>
+            <a:r>
+              <a:rPr b="0" lang="en-US" sz="2100" spc="-1" strike="noStrike">
+                <a:solidFill>
+                  <a:srgbClr val="000000"/>
+                </a:solidFill>
+                <a:latin typeface="Airal"/>
+                <a:ea typeface="JetBrains Mono"/>
+              </a:rPr>
+              <a:t>.  Going further to orient the entire graph to one direction results in a trivial Jacobian of </a:t>
+            </a:r>
+            <a:r>
+              <a:rPr b="0" i="1" lang="en-US" sz="2100" spc="-1" strike="noStrike">
+                <a:solidFill>
+                  <a:srgbClr val="000000"/>
+                </a:solidFill>
+                <a:latin typeface="Airal"/>
+                <a:ea typeface="JetBrains Mono"/>
+              </a:rPr>
+              <a:t>{0}</a:t>
+            </a:r>
+            <a:r>
+              <a:rPr b="0" lang="en-US" sz="2100" spc="-1" strike="noStrike">
+                <a:solidFill>
+                  <a:srgbClr val="000000"/>
+                </a:solidFill>
+                <a:latin typeface="Airal"/>
+                <a:ea typeface="JetBrains Mono"/>
+              </a:rPr>
+              <a:t>.</a:t>
+            </a:r>
+            <a:endParaRPr b="0" lang="en-US" sz="2100" spc="-1" strike="noStrike">
+              <a:latin typeface="Arial"/>
+            </a:endParaRPr>
+          </a:p>
+          <a:p>
+            <a:pPr marL="432000" indent="-324000">
+              <a:lnSpc>
+                <a:spcPct val="100000"/>
+              </a:lnSpc>
+              <a:spcBef>
+                <a:spcPts val="1417"/>
+              </a:spcBef>
+              <a:buClr>
+                <a:srgbClr val="000000"/>
+              </a:buClr>
+              <a:buSzPct val="45000"/>
+              <a:buFont typeface="Wingdings" charset="2"/>
+              <a:buChar char=""/>
+            </a:pPr>
+            <a:r>
+              <a:rPr b="0" lang="en-US" sz="2100" spc="-1" strike="noStrike">
+                <a:solidFill>
+                  <a:srgbClr val="000000"/>
+                </a:solidFill>
+                <a:latin typeface="Airal"/>
+                <a:ea typeface="JetBrains Mono"/>
+              </a:rPr>
+              <a:t>This pattern should hold for all cycle gra</a:t>
+            </a:r>
+            <a:r>
+              <a:rPr b="0" lang="en-US" sz="2100" spc="-1" strike="noStrike">
+                <a:solidFill>
+                  <a:srgbClr val="000000"/>
+                </a:solidFill>
+                <a:latin typeface="Arial"/>
+                <a:ea typeface="JetBrains Mono"/>
+              </a:rPr>
+              <a:t>phs C</a:t>
+            </a:r>
+            <a:r>
+              <a:rPr b="0" lang="en-US" sz="2100" spc="-1" strike="noStrike" baseline="-8000">
+                <a:solidFill>
+                  <a:srgbClr val="000000"/>
+                </a:solidFill>
+                <a:latin typeface="Arial"/>
+                <a:ea typeface="JetBrains Mono"/>
+              </a:rPr>
+              <a:t>3</a:t>
+            </a:r>
+            <a:r>
+              <a:rPr b="0" lang="en-US" sz="2100" spc="-1" strike="noStrike">
+                <a:solidFill>
+                  <a:srgbClr val="000000"/>
+                </a:solidFill>
+                <a:latin typeface="Arial"/>
+                <a:ea typeface="JetBrains Mono"/>
+              </a:rPr>
+              <a:t> to C</a:t>
+            </a:r>
+            <a:r>
+              <a:rPr b="0" lang="en-US" sz="2100" spc="-1" strike="noStrike" baseline="-8000">
+                <a:solidFill>
+                  <a:srgbClr val="000000"/>
+                </a:solidFill>
+                <a:latin typeface="Arial"/>
+                <a:ea typeface="JetBrains Mono"/>
+              </a:rPr>
+              <a:t>x</a:t>
+            </a:r>
+            <a:r>
+              <a:rPr b="0" lang="en-US" sz="2100" spc="-1" strike="noStrike">
+                <a:solidFill>
+                  <a:srgbClr val="000000"/>
+                </a:solidFill>
+                <a:latin typeface="Arial"/>
+                <a:ea typeface="JetBrains Mono"/>
+              </a:rPr>
+              <a:t> and has been proven for graphs C</a:t>
+            </a:r>
+            <a:r>
+              <a:rPr b="0" lang="en-US" sz="2100" spc="-1" strike="noStrike" baseline="-8000">
+                <a:solidFill>
+                  <a:srgbClr val="000000"/>
+                </a:solidFill>
+                <a:latin typeface="Arial"/>
+                <a:ea typeface="JetBrains Mono"/>
+              </a:rPr>
+              <a:t>3</a:t>
+            </a:r>
+            <a:r>
+              <a:rPr b="0" lang="en-US" sz="2100" spc="-1" strike="noStrike">
+                <a:solidFill>
+                  <a:srgbClr val="000000"/>
+                </a:solidFill>
+                <a:latin typeface="Arial"/>
+                <a:ea typeface="JetBrains Mono"/>
+              </a:rPr>
+              <a:t> to C</a:t>
+            </a:r>
+            <a:r>
+              <a:rPr b="0" lang="en-US" sz="2100" spc="-1" strike="noStrike" baseline="-8000">
+                <a:solidFill>
+                  <a:srgbClr val="000000"/>
+                </a:solidFill>
+                <a:latin typeface="Arial"/>
+                <a:ea typeface="JetBrains Mono"/>
+              </a:rPr>
+              <a:t>80</a:t>
+            </a:r>
+            <a:r>
+              <a:rPr b="0" lang="en-US" sz="2100" spc="-1" strike="noStrike">
+                <a:solidFill>
+                  <a:srgbClr val="000000"/>
+                </a:solidFill>
+                <a:latin typeface="Arial"/>
+                <a:ea typeface="JetBrains Mono"/>
+              </a:rPr>
+              <a:t>.</a:t>
+            </a:r>
+            <a:endParaRPr b="0" lang="en-US" sz="2100" spc="-1" strike="noStrike">
+              <a:latin typeface="Arial"/>
+            </a:endParaRPr>
+          </a:p>
+        </p:txBody>
+      </p:sp>
+    </p:spTree>
+  </p:cSld>
+  <mc:AlternateContent>
+    <mc:Choice Requires="p14">
+      <p:transition spd="slow" p14:dur="2000"/>
+    </mc:Choice>
+    <mc:Fallback>
+      <p:transition spd="slow"/>
+    </mc:Fallback>
+  </mc:AlternateContent>
+</p:sld>
+</file>
+
+<file path=ppt/slides/slide15.xml><?xml version="1.0" encoding="utf-8"?>
+<p:sld xmlns:a="http://schemas.openxmlformats.org/drawingml/2006/main" xmlns:p="http://schemas.openxmlformats.org/presentationml/2006/main" xmlns:r="http://schemas.openxmlformats.org/officeDocument/2006/relationships" xmlns:p14="http://schemas.microsoft.com/office/powerpoint/2010/main" xmlns:p15="http://schemas.microsoft.com/office/powerpoint/2012/main" xmlns:mc="http://schemas.openxmlformats.org/markup-compatibility/2006">
+  <p:cSld>
+    <p:spTree>
+      <p:nvGrpSpPr>
+        <p:cNvPr id="1" name=""/>
+        <p:cNvGrpSpPr/>
+        <p:nvPr/>
+      </p:nvGrpSpPr>
+      <p:grpSpPr>
+        <a:xfrm>
+          <a:off x="0" y="0"/>
+          <a:ext cx="0" cy="0"/>
+          <a:chOff x="0" y="0"/>
+          <a:chExt cx="0" cy="0"/>
+        </a:xfrm>
+      </p:grpSpPr>
+      <p:sp>
+        <p:nvSpPr>
+          <p:cNvPr id="208" name="PlaceHolder 1"/>
+          <p:cNvSpPr>
+            <a:spLocks noGrp="1"/>
+          </p:cNvSpPr>
+          <p:nvPr>
+            <p:ph type="title"/>
+          </p:nvPr>
+        </p:nvSpPr>
+        <p:spPr>
+          <a:xfrm>
+            <a:off x="360000" y="225720"/>
+            <a:ext cx="9358920" cy="717840"/>
+          </a:xfrm>
+          <a:prstGeom prst="rect">
+            <a:avLst/>
+          </a:prstGeom>
+          <a:noFill/>
+          <a:ln w="0">
+            <a:noFill/>
+          </a:ln>
+        </p:spPr>
+        <p:txBody>
+          <a:bodyPr lIns="0" rIns="0" tIns="0" bIns="0" anchor="ctr">
+            <a:noAutofit/>
+          </a:bodyPr>
+          <a:p>
+            <a:pPr algn="ctr">
+              <a:lnSpc>
+                <a:spcPct val="100000"/>
+              </a:lnSpc>
+              <a:buNone/>
+            </a:pPr>
+            <a:r>
+              <a:rPr b="0" lang="en-US" sz="4400" spc="-1" strike="noStrike">
+                <a:solidFill>
+                  <a:srgbClr val="ffffff"/>
+                </a:solidFill>
+                <a:latin typeface="Arial"/>
+              </a:rPr>
               <a:t>Finding The Jacobian of a Cycle Graph</a:t>
             </a:r>
             <a:endParaRPr b="0" lang="en-US" sz="4400" spc="-1" strike="noStrike">
@@ -11417,7 +12042,7 @@
       </p:sp>
       <p:pic>
         <p:nvPicPr>
-          <p:cNvPr id="199" name="" descr=""/>
+          <p:cNvPr id="209" name="" descr=""/>
           <p:cNvPicPr/>
           <p:nvPr/>
         </p:nvPicPr>
@@ -11428,7 +12053,7 @@
         <p:spPr>
           <a:xfrm>
             <a:off x="799920" y="2743200"/>
-            <a:ext cx="3543480" cy="2657520"/>
+            <a:ext cx="3543120" cy="2657160"/>
           </a:xfrm>
           <a:prstGeom prst="rect">
             <a:avLst/>
@@ -11440,7 +12065,7 @@
       </p:pic>
       <p:pic>
         <p:nvPicPr>
-          <p:cNvPr id="200" name="" descr=""/>
+          <p:cNvPr id="210" name="" descr=""/>
           <p:cNvPicPr/>
           <p:nvPr/>
         </p:nvPicPr>
@@ -11451,7 +12076,7 @@
         <p:spPr>
           <a:xfrm>
             <a:off x="5715000" y="2743200"/>
-            <a:ext cx="3543480" cy="2657520"/>
+            <a:ext cx="3543120" cy="2657160"/>
           </a:xfrm>
           <a:prstGeom prst="rect">
             <a:avLst/>
@@ -11463,7 +12088,7 @@
       </p:pic>
       <p:pic>
         <p:nvPicPr>
-          <p:cNvPr id="201" name="" descr=""/>
+          <p:cNvPr id="211" name="" descr=""/>
           <p:cNvPicPr/>
           <p:nvPr/>
         </p:nvPicPr>
@@ -11474,7 +12099,7 @@
         <p:spPr>
           <a:xfrm>
             <a:off x="3314520" y="1228680"/>
-            <a:ext cx="3543480" cy="2657520"/>
+            <a:ext cx="3543120" cy="2657160"/>
           </a:xfrm>
           <a:prstGeom prst="rect">
             <a:avLst/>
@@ -11486,14 +12111,14 @@
       </p:pic>
       <p:sp>
         <p:nvSpPr>
-          <p:cNvPr id="202" name=""/>
+          <p:cNvPr id="212" name=""/>
           <p:cNvSpPr/>
           <p:nvPr/>
         </p:nvSpPr>
         <p:spPr>
           <a:xfrm rot="18160800">
-            <a:off x="3657600" y="2285640"/>
-            <a:ext cx="1371600" cy="228600"/>
+            <a:off x="3657240" y="2286000"/>
+            <a:ext cx="1371240" cy="228240"/>
           </a:xfrm>
           <a:custGeom>
             <a:avLst/>
@@ -11554,14 +12179,14 @@
       </p:sp>
       <p:sp>
         <p:nvSpPr>
-          <p:cNvPr id="203" name=""/>
+          <p:cNvPr id="213" name=""/>
           <p:cNvSpPr/>
           <p:nvPr/>
         </p:nvSpPr>
         <p:spPr>
           <a:xfrm rot="3178800">
-            <a:off x="5447880" y="2360880"/>
-            <a:ext cx="914400" cy="228600"/>
+            <a:off x="5447880" y="2360520"/>
+            <a:ext cx="914040" cy="228240"/>
           </a:xfrm>
           <a:custGeom>
             <a:avLst/>
@@ -11613,14 +12238,14 @@
       </p:sp>
       <p:sp>
         <p:nvSpPr>
-          <p:cNvPr id="204" name=""/>
+          <p:cNvPr id="214" name=""/>
           <p:cNvSpPr/>
           <p:nvPr/>
         </p:nvSpPr>
         <p:spPr>
           <a:xfrm>
             <a:off x="4800600" y="3429000"/>
-            <a:ext cx="914400" cy="228600"/>
+            <a:ext cx="914040" cy="228240"/>
           </a:xfrm>
           <a:custGeom>
             <a:avLst/>
@@ -11672,14 +12297,14 @@
       </p:sp>
       <p:sp>
         <p:nvSpPr>
-          <p:cNvPr id="205" name=""/>
+          <p:cNvPr id="215" name=""/>
           <p:cNvSpPr/>
           <p:nvPr/>
         </p:nvSpPr>
         <p:spPr>
           <a:xfrm rot="18160800">
-            <a:off x="1152000" y="3953520"/>
-            <a:ext cx="1371600" cy="228600"/>
+            <a:off x="1151640" y="3953880"/>
+            <a:ext cx="1371240" cy="228240"/>
           </a:xfrm>
           <a:custGeom>
             <a:avLst/>
@@ -11740,14 +12365,14 @@
       </p:sp>
       <p:sp>
         <p:nvSpPr>
-          <p:cNvPr id="206" name=""/>
+          <p:cNvPr id="216" name=""/>
           <p:cNvSpPr/>
           <p:nvPr/>
         </p:nvSpPr>
         <p:spPr>
           <a:xfrm rot="14195400">
-            <a:off x="2727360" y="3822120"/>
-            <a:ext cx="1371600" cy="228600"/>
+            <a:off x="2727360" y="3822480"/>
+            <a:ext cx="1371240" cy="228240"/>
           </a:xfrm>
           <a:custGeom>
             <a:avLst/>
@@ -11808,14 +12433,14 @@
       </p:sp>
       <p:sp>
         <p:nvSpPr>
-          <p:cNvPr id="207" name=""/>
+          <p:cNvPr id="217" name=""/>
           <p:cNvSpPr/>
           <p:nvPr/>
         </p:nvSpPr>
         <p:spPr>
           <a:xfrm rot="21568800">
-            <a:off x="1819080" y="4961520"/>
-            <a:ext cx="1371600" cy="228600"/>
+            <a:off x="1818720" y="4961160"/>
+            <a:ext cx="1371240" cy="228240"/>
           </a:xfrm>
           <a:custGeom>
             <a:avLst/>
@@ -11876,14 +12501,14 @@
       </p:sp>
       <p:sp>
         <p:nvSpPr>
-          <p:cNvPr id="208" name=""/>
+          <p:cNvPr id="218" name=""/>
           <p:cNvSpPr/>
           <p:nvPr/>
         </p:nvSpPr>
         <p:spPr>
           <a:xfrm>
             <a:off x="7086600" y="5029200"/>
-            <a:ext cx="914400" cy="228600"/>
+            <a:ext cx="914040" cy="228240"/>
           </a:xfrm>
           <a:custGeom>
             <a:avLst/>
@@ -11935,14 +12560,14 @@
       </p:sp>
       <p:sp>
         <p:nvSpPr>
-          <p:cNvPr id="209" name=""/>
+          <p:cNvPr id="219" name=""/>
           <p:cNvSpPr/>
           <p:nvPr/>
         </p:nvSpPr>
         <p:spPr>
           <a:xfrm rot="13918800">
-            <a:off x="7857720" y="3798360"/>
-            <a:ext cx="914400" cy="228600"/>
+            <a:off x="7857720" y="3798720"/>
+            <a:ext cx="914040" cy="228240"/>
           </a:xfrm>
           <a:custGeom>
             <a:avLst/>
@@ -11994,14 +12619,14 @@
       </p:sp>
       <p:sp>
         <p:nvSpPr>
-          <p:cNvPr id="210" name=""/>
+          <p:cNvPr id="220" name=""/>
           <p:cNvSpPr/>
           <p:nvPr/>
         </p:nvSpPr>
         <p:spPr>
           <a:xfrm rot="7579800">
-            <a:off x="6306120" y="3792960"/>
-            <a:ext cx="914400" cy="228600"/>
+            <a:off x="6306480" y="3792600"/>
+            <a:ext cx="914040" cy="228240"/>
           </a:xfrm>
           <a:custGeom>
             <a:avLst/>
@@ -12064,7 +12689,7 @@
 </p:sld>
 </file>
 
-<file path=ppt/slides/slide13.xml><?xml version="1.0" encoding="utf-8"?>
+<file path=ppt/slides/slide16.xml><?xml version="1.0" encoding="utf-8"?>
 <p:sld xmlns:a="http://schemas.openxmlformats.org/drawingml/2006/main" xmlns:p="http://schemas.openxmlformats.org/presentationml/2006/main" xmlns:r="http://schemas.openxmlformats.org/officeDocument/2006/relationships" xmlns:p14="http://schemas.microsoft.com/office/powerpoint/2010/main" xmlns:p15="http://schemas.microsoft.com/office/powerpoint/2012/main" xmlns:mc="http://schemas.openxmlformats.org/markup-compatibility/2006">
   <p:cSld>
     <p:spTree>
@@ -12083,7 +12708,7 @@
       </p:grpSpPr>
       <p:sp>
         <p:nvSpPr>
-          <p:cNvPr id="211" name="PlaceHolder 1"/>
+          <p:cNvPr id="221" name="PlaceHolder 1"/>
           <p:cNvSpPr>
             <a:spLocks noGrp="1"/>
           </p:cNvSpPr>
@@ -12093,8 +12718,8 @@
         </p:nvSpPr>
         <p:spPr>
           <a:xfrm>
-            <a:off x="360000" y="225720"/>
-            <a:ext cx="9359280" cy="718200"/>
+            <a:off x="360000" y="-39960"/>
+            <a:ext cx="9358920" cy="1249560"/>
           </a:xfrm>
           <a:prstGeom prst="rect">
             <a:avLst/>
@@ -12122,6 +12747,440 @@
                 </a:solidFill>
                 <a:latin typeface="Arial"/>
               </a:rPr>
+              <a:t>Creating a Pseudo-Tree</a:t>
+            </a:r>
+            <a:endParaRPr b="0" lang="en-US" sz="4400" spc="-1" strike="noStrike">
+              <a:latin typeface="Arial"/>
+            </a:endParaRPr>
+          </a:p>
+        </p:txBody>
+      </p:sp>
+      <p:sp>
+        <p:nvSpPr>
+          <p:cNvPr id="222" name="PlaceHolder 2"/>
+          <p:cNvSpPr>
+            <a:spLocks noGrp="1"/>
+          </p:cNvSpPr>
+          <p:nvPr>
+            <p:ph/>
+          </p:nvPr>
+        </p:nvSpPr>
+        <p:spPr>
+          <a:xfrm>
+            <a:off x="360000" y="1485000"/>
+            <a:ext cx="9469440" cy="3778920"/>
+          </a:xfrm>
+          <a:prstGeom prst="rect">
+            <a:avLst/>
+          </a:prstGeom>
+          <a:noFill/>
+          <a:ln w="0">
+            <a:noFill/>
+          </a:ln>
+        </p:spPr>
+        <p:txBody>
+          <a:bodyPr lIns="0" rIns="0" tIns="0" bIns="0" anchor="t">
+            <a:normAutofit/>
+          </a:bodyPr>
+          <a:p>
+            <a:pPr marL="432000" indent="-324000">
+              <a:lnSpc>
+                <a:spcPct val="100000"/>
+              </a:lnSpc>
+              <a:spcBef>
+                <a:spcPts val="1417"/>
+              </a:spcBef>
+              <a:buClr>
+                <a:srgbClr val="000000"/>
+              </a:buClr>
+              <a:buSzPct val="45000"/>
+              <a:buFont typeface="Wingdings" charset="2"/>
+              <a:buChar char=""/>
+            </a:pPr>
+            <a:r>
+              <a:rPr b="0" lang="en-US" sz="2100" spc="-1" strike="noStrike">
+                <a:solidFill>
+                  <a:srgbClr val="000000"/>
+                </a:solidFill>
+                <a:latin typeface="Arial"/>
+                <a:ea typeface="JetBrains Mono"/>
+              </a:rPr>
+              <a:t>A Pseudo-tree can be created by gluing a tree to a cycle graph in one of two ways.</a:t>
+            </a:r>
+            <a:endParaRPr b="0" lang="en-US" sz="2100" spc="-1" strike="noStrike">
+              <a:latin typeface="Arial"/>
+            </a:endParaRPr>
+          </a:p>
+          <a:p>
+            <a:pPr marL="432000" indent="-324000">
+              <a:lnSpc>
+                <a:spcPct val="100000"/>
+              </a:lnSpc>
+              <a:spcBef>
+                <a:spcPts val="1417"/>
+              </a:spcBef>
+              <a:buClr>
+                <a:srgbClr val="000000"/>
+              </a:buClr>
+              <a:buSzPct val="45000"/>
+              <a:buFont typeface="Wingdings" charset="2"/>
+              <a:buChar char=""/>
+            </a:pPr>
+            <a:r>
+              <a:rPr b="0" lang="en-US" sz="2100" spc="-1" strike="noStrike">
+                <a:solidFill>
+                  <a:srgbClr val="000000"/>
+                </a:solidFill>
+                <a:latin typeface="Arial"/>
+                <a:ea typeface="JetBrains Mono"/>
+              </a:rPr>
+              <a:t>By Vertex – Here, whichever vertices will be glued together will be merged into one vertex.  With this way of gluing, one vertex will be shared between the two glued graphs.</a:t>
+            </a:r>
+            <a:endParaRPr b="0" lang="en-US" sz="2100" spc="-1" strike="noStrike">
+              <a:latin typeface="Arial"/>
+            </a:endParaRPr>
+          </a:p>
+          <a:p>
+            <a:pPr marL="432000" indent="-324000">
+              <a:lnSpc>
+                <a:spcPct val="100000"/>
+              </a:lnSpc>
+              <a:spcBef>
+                <a:spcPts val="1417"/>
+              </a:spcBef>
+              <a:buClr>
+                <a:srgbClr val="000000"/>
+              </a:buClr>
+              <a:buSzPct val="45000"/>
+              <a:buFont typeface="Wingdings" charset="2"/>
+              <a:buChar char=""/>
+            </a:pPr>
+            <a:r>
+              <a:rPr b="0" lang="en-US" sz="2100" spc="-1" strike="noStrike">
+                <a:solidFill>
+                  <a:srgbClr val="000000"/>
+                </a:solidFill>
+                <a:latin typeface="Arial"/>
+                <a:ea typeface="JetBrains Mono"/>
+              </a:rPr>
+              <a:t>By Edge – With this method, the two graphs are joined by an additional edge.  This helps to preserve the attributes of the original graphs into the resulting glues pseudo-tree, such as the Jacobian often being </a:t>
+            </a:r>
+            <a:r>
+              <a:rPr b="0" lang="en-US" sz="2100" spc="-1" strike="noStrike">
+                <a:solidFill>
+                  <a:srgbClr val="000000"/>
+                </a:solidFill>
+                <a:latin typeface="Arial"/>
+                <a:ea typeface="JetBrains Mono"/>
+              </a:rPr>
+              <a:t>	</a:t>
+            </a:r>
+            <a:r>
+              <a:rPr b="0" lang="en-US" sz="2100" spc="-1" strike="noStrike">
+                <a:solidFill>
+                  <a:srgbClr val="000000"/>
+                </a:solidFill>
+                <a:latin typeface="Arial"/>
+                <a:ea typeface="JetBrains Mono"/>
+              </a:rPr>
+              <a:t>Jac(cycle) x Jac(tree).</a:t>
+            </a:r>
+            <a:endParaRPr b="0" lang="en-US" sz="2100" spc="-1" strike="noStrike">
+              <a:latin typeface="Arial"/>
+            </a:endParaRPr>
+          </a:p>
+        </p:txBody>
+      </p:sp>
+    </p:spTree>
+  </p:cSld>
+  <mc:AlternateContent>
+    <mc:Choice Requires="p14">
+      <p:transition spd="slow" p14:dur="2000"/>
+    </mc:Choice>
+    <mc:Fallback>
+      <p:transition spd="slow"/>
+    </mc:Fallback>
+  </mc:AlternateContent>
+</p:sld>
+</file>
+
+<file path=ppt/slides/slide17.xml><?xml version="1.0" encoding="utf-8"?>
+<p:sld xmlns:a="http://schemas.openxmlformats.org/drawingml/2006/main" xmlns:p="http://schemas.openxmlformats.org/presentationml/2006/main" xmlns:r="http://schemas.openxmlformats.org/officeDocument/2006/relationships" xmlns:p14="http://schemas.microsoft.com/office/powerpoint/2010/main" xmlns:p15="http://schemas.microsoft.com/office/powerpoint/2012/main" xmlns:mc="http://schemas.openxmlformats.org/markup-compatibility/2006">
+  <p:cSld>
+    <p:spTree>
+      <p:nvGrpSpPr>
+        <p:cNvPr id="1" name=""/>
+        <p:cNvGrpSpPr/>
+        <p:nvPr/>
+      </p:nvGrpSpPr>
+      <p:grpSpPr>
+        <a:xfrm>
+          <a:off x="0" y="0"/>
+          <a:ext cx="0" cy="0"/>
+          <a:chOff x="0" y="0"/>
+          <a:chExt cx="0" cy="0"/>
+        </a:xfrm>
+      </p:grpSpPr>
+      <p:sp>
+        <p:nvSpPr>
+          <p:cNvPr id="223" name="PlaceHolder 1"/>
+          <p:cNvSpPr>
+            <a:spLocks noGrp="1"/>
+          </p:cNvSpPr>
+          <p:nvPr>
+            <p:ph type="title"/>
+          </p:nvPr>
+        </p:nvSpPr>
+        <p:spPr>
+          <a:xfrm>
+            <a:off x="360000" y="-39960"/>
+            <a:ext cx="9358920" cy="1249560"/>
+          </a:xfrm>
+          <a:prstGeom prst="rect">
+            <a:avLst/>
+          </a:prstGeom>
+          <a:noFill/>
+          <a:ln w="0">
+            <a:noFill/>
+          </a:ln>
+        </p:spPr>
+        <p:txBody>
+          <a:bodyPr lIns="0" rIns="0" tIns="0" bIns="0" anchor="ctr">
+            <a:noAutofit/>
+          </a:bodyPr>
+          <a:p>
+            <a:pPr algn="ctr">
+              <a:lnSpc>
+                <a:spcPct val="100000"/>
+              </a:lnSpc>
+              <a:buNone/>
+            </a:pPr>
+            <a:r>
+              <a:rPr b="0" lang="en-US" sz="4400" spc="-1" strike="noStrike">
+                <a:solidFill>
+                  <a:srgbClr val="ffffff"/>
+                </a:solidFill>
+                <a:latin typeface="Arial"/>
+              </a:rPr>
+              <a:t>Further Research</a:t>
+            </a:r>
+            <a:endParaRPr b="0" lang="en-US" sz="4400" spc="-1" strike="noStrike">
+              <a:latin typeface="Arial"/>
+            </a:endParaRPr>
+          </a:p>
+        </p:txBody>
+      </p:sp>
+      <p:sp>
+        <p:nvSpPr>
+          <p:cNvPr id="224" name="PlaceHolder 2"/>
+          <p:cNvSpPr>
+            <a:spLocks noGrp="1"/>
+          </p:cNvSpPr>
+          <p:nvPr>
+            <p:ph/>
+          </p:nvPr>
+        </p:nvSpPr>
+        <p:spPr>
+          <a:xfrm>
+            <a:off x="360000" y="1485000"/>
+            <a:ext cx="9469440" cy="3778920"/>
+          </a:xfrm>
+          <a:prstGeom prst="rect">
+            <a:avLst/>
+          </a:prstGeom>
+          <a:noFill/>
+          <a:ln w="0">
+            <a:noFill/>
+          </a:ln>
+        </p:spPr>
+        <p:txBody>
+          <a:bodyPr lIns="0" rIns="0" tIns="0" bIns="0" anchor="t">
+            <a:normAutofit/>
+          </a:bodyPr>
+          <a:p>
+            <a:pPr>
+              <a:lnSpc>
+                <a:spcPct val="100000"/>
+              </a:lnSpc>
+              <a:spcBef>
+                <a:spcPts val="1417"/>
+              </a:spcBef>
+              <a:buNone/>
+            </a:pPr>
+            <a:r>
+              <a:rPr b="0" lang="en-US" sz="2100" spc="-1" strike="noStrike">
+                <a:solidFill>
+                  <a:srgbClr val="000000"/>
+                </a:solidFill>
+                <a:latin typeface="Arial"/>
+                <a:ea typeface="JetBrains Mono"/>
+              </a:rPr>
+              <a:t>Going forward, we plan to consolidate the findings we already have and extend our reasoning to other graphs.  This includes</a:t>
+            </a:r>
+            <a:endParaRPr b="0" lang="en-US" sz="2100" spc="-1" strike="noStrike">
+              <a:latin typeface="Arial"/>
+            </a:endParaRPr>
+          </a:p>
+          <a:p>
+            <a:pPr marL="432000" indent="-324000">
+              <a:lnSpc>
+                <a:spcPct val="100000"/>
+              </a:lnSpc>
+              <a:spcBef>
+                <a:spcPts val="1417"/>
+              </a:spcBef>
+              <a:buClr>
+                <a:srgbClr val="000000"/>
+              </a:buClr>
+              <a:buSzPct val="45000"/>
+              <a:buFont typeface="Wingdings" charset="2"/>
+              <a:buChar char=""/>
+            </a:pPr>
+            <a:r>
+              <a:rPr b="0" lang="en-US" sz="2100" spc="-1" strike="noStrike">
+                <a:solidFill>
+                  <a:srgbClr val="000000"/>
+                </a:solidFill>
+                <a:latin typeface="Arial"/>
+                <a:ea typeface="JetBrains Mono"/>
+              </a:rPr>
+              <a:t>Finalizing our methods for cycle graphs and trees.</a:t>
+            </a:r>
+            <a:endParaRPr b="0" lang="en-US" sz="2100" spc="-1" strike="noStrike">
+              <a:latin typeface="Arial"/>
+            </a:endParaRPr>
+          </a:p>
+          <a:p>
+            <a:pPr marL="432000" indent="-324000">
+              <a:lnSpc>
+                <a:spcPct val="100000"/>
+              </a:lnSpc>
+              <a:spcBef>
+                <a:spcPts val="1417"/>
+              </a:spcBef>
+              <a:buClr>
+                <a:srgbClr val="000000"/>
+              </a:buClr>
+              <a:buSzPct val="45000"/>
+              <a:buFont typeface="Wingdings" charset="2"/>
+              <a:buChar char=""/>
+            </a:pPr>
+            <a:r>
+              <a:rPr b="0" lang="en-US" sz="2100" spc="-1" strike="noStrike">
+                <a:solidFill>
+                  <a:srgbClr val="000000"/>
+                </a:solidFill>
+                <a:latin typeface="Arial"/>
+                <a:ea typeface="JetBrains Mono"/>
+              </a:rPr>
+              <a:t>Expanding those methods to pseudo trees to notice a more concrete pattern.</a:t>
+            </a:r>
+            <a:endParaRPr b="0" lang="en-US" sz="2100" spc="-1" strike="noStrike">
+              <a:latin typeface="Arial"/>
+            </a:endParaRPr>
+          </a:p>
+          <a:p>
+            <a:pPr marL="432000" indent="-324000">
+              <a:lnSpc>
+                <a:spcPct val="100000"/>
+              </a:lnSpc>
+              <a:spcBef>
+                <a:spcPts val="1417"/>
+              </a:spcBef>
+              <a:buClr>
+                <a:srgbClr val="000000"/>
+              </a:buClr>
+              <a:buSzPct val="45000"/>
+              <a:buFont typeface="Wingdings" charset="2"/>
+              <a:buChar char=""/>
+            </a:pPr>
+            <a:r>
+              <a:rPr b="0" lang="en-US" sz="2100" spc="-1" strike="noStrike">
+                <a:solidFill>
+                  <a:srgbClr val="000000"/>
+                </a:solidFill>
+                <a:latin typeface="Arial"/>
+                <a:ea typeface="JetBrains Mono"/>
+              </a:rPr>
+              <a:t>Expanding our research to include complete and wheel graphs.</a:t>
+            </a:r>
+            <a:endParaRPr b="0" lang="en-US" sz="2100" spc="-1" strike="noStrike">
+              <a:latin typeface="Arial"/>
+            </a:endParaRPr>
+          </a:p>
+        </p:txBody>
+      </p:sp>
+    </p:spTree>
+  </p:cSld>
+  <mc:AlternateContent>
+    <mc:Choice Requires="p14">
+      <p:transition spd="slow" p14:dur="2000"/>
+    </mc:Choice>
+    <mc:Fallback>
+      <p:transition spd="slow"/>
+    </mc:Fallback>
+  </mc:AlternateContent>
+</p:sld>
+</file>
+
+<file path=ppt/slides/slide18.xml><?xml version="1.0" encoding="utf-8"?>
+<p:sld xmlns:a="http://schemas.openxmlformats.org/drawingml/2006/main" xmlns:p="http://schemas.openxmlformats.org/presentationml/2006/main" xmlns:r="http://schemas.openxmlformats.org/officeDocument/2006/relationships" xmlns:p14="http://schemas.microsoft.com/office/powerpoint/2010/main" xmlns:p15="http://schemas.microsoft.com/office/powerpoint/2012/main" xmlns:mc="http://schemas.openxmlformats.org/markup-compatibility/2006">
+  <p:cSld>
+    <p:spTree>
+      <p:nvGrpSpPr>
+        <p:cNvPr id="1" name=""/>
+        <p:cNvGrpSpPr/>
+        <p:nvPr/>
+      </p:nvGrpSpPr>
+      <p:grpSpPr>
+        <a:xfrm>
+          <a:off x="0" y="0"/>
+          <a:ext cx="0" cy="0"/>
+          <a:chOff x="0" y="0"/>
+          <a:chExt cx="0" cy="0"/>
+        </a:xfrm>
+      </p:grpSpPr>
+      <p:sp>
+        <p:nvSpPr>
+          <p:cNvPr id="225" name="PlaceHolder 1"/>
+          <p:cNvSpPr>
+            <a:spLocks noGrp="1"/>
+          </p:cNvSpPr>
+          <p:nvPr>
+            <p:ph type="title"/>
+          </p:nvPr>
+        </p:nvSpPr>
+        <p:spPr>
+          <a:xfrm>
+            <a:off x="360000" y="225720"/>
+            <a:ext cx="9358920" cy="717840"/>
+          </a:xfrm>
+          <a:prstGeom prst="rect">
+            <a:avLst/>
+          </a:prstGeom>
+          <a:noFill/>
+          <a:ln w="0">
+            <a:noFill/>
+          </a:ln>
+        </p:spPr>
+        <p:txBody>
+          <a:bodyPr lIns="0" rIns="0" tIns="0" bIns="0" anchor="ctr">
+            <a:noAutofit/>
+          </a:bodyPr>
+          <a:p>
+            <a:pPr algn="ctr">
+              <a:lnSpc>
+                <a:spcPct val="100000"/>
+              </a:lnSpc>
+              <a:buNone/>
+            </a:pPr>
+            <a:r>
+              <a:rPr b="0" lang="en-US" sz="4400" spc="-1" strike="noStrike">
+                <a:solidFill>
+                  <a:srgbClr val="ffffff"/>
+                </a:solidFill>
+                <a:latin typeface="Arial"/>
+              </a:rPr>
               <a:t>Credits</a:t>
             </a:r>
             <a:endParaRPr b="0" lang="en-US" sz="4400" spc="-1" strike="noStrike">
@@ -12132,7 +13191,7 @@
       </p:sp>
       <p:sp>
         <p:nvSpPr>
-          <p:cNvPr id="212" name="PlaceHolder 2"/>
+          <p:cNvPr id="226" name="PlaceHolder 2"/>
           <p:cNvSpPr>
             <a:spLocks noGrp="1"/>
           </p:cNvSpPr>
@@ -12143,7 +13202,7 @@
         <p:spPr>
           <a:xfrm>
             <a:off x="360000" y="1485000"/>
-            <a:ext cx="9359280" cy="3779280"/>
+            <a:ext cx="9358920" cy="3778920"/>
           </a:xfrm>
           <a:prstGeom prst="rect">
             <a:avLst/>
@@ -12233,7 +13292,7 @@
         <p:spPr>
           <a:xfrm>
             <a:off x="360000" y="225720"/>
-            <a:ext cx="9359280" cy="718200"/>
+            <a:ext cx="9358920" cy="717840"/>
           </a:xfrm>
           <a:prstGeom prst="rect">
             <a:avLst/>
@@ -12312,7 +13371,7 @@
         <p:spPr>
           <a:xfrm>
             <a:off x="360000" y="225720"/>
-            <a:ext cx="9359280" cy="718200"/>
+            <a:ext cx="9358920" cy="717840"/>
           </a:xfrm>
           <a:prstGeom prst="rect">
             <a:avLst/>
@@ -12361,7 +13420,7 @@
         <p:spPr>
           <a:xfrm>
             <a:off x="360000" y="1485000"/>
-            <a:ext cx="9359280" cy="3779280"/>
+            <a:ext cx="9358920" cy="3778920"/>
           </a:xfrm>
           <a:prstGeom prst="rect">
             <a:avLst/>
@@ -12394,7 +13453,7 @@
               <a:rPr b="0" lang="en-US" sz="3200" spc="-1" strike="noStrike">
                 <a:latin typeface="Arial"/>
               </a:rPr>
-              <a:t>When a game is started, each vertex on a graph is assigned a certain number of chips</a:t>
+              <a:t>When a game is started, each vertex on a graph is assigned a certain number of chips.</a:t>
             </a:r>
             <a:endParaRPr b="0" lang="en-US" sz="3200" spc="-1" strike="noStrike">
               <a:latin typeface="Arial"/>
@@ -12469,7 +13528,7 @@
               <a:rPr b="0" lang="en-US" sz="3200" spc="-1" strike="noStrike">
                 <a:latin typeface="Arial"/>
               </a:rPr>
-              <a:t>The game is won once every vertex has a positive number of chips (i.e. this vertex is not in debt).</a:t>
+              <a:t>The game is won once every vertex has a zero or greater number of chips (i.e. this vertex is not in debt).</a:t>
             </a:r>
             <a:endParaRPr b="0" lang="en-US" sz="3200" spc="-1" strike="noStrike">
               <a:latin typeface="Arial"/>
@@ -12520,7 +13579,7 @@
         <p:spPr>
           <a:xfrm>
             <a:off x="360000" y="225720"/>
-            <a:ext cx="9359280" cy="718200"/>
+            <a:ext cx="9358920" cy="717840"/>
           </a:xfrm>
           <a:prstGeom prst="rect">
             <a:avLst/>
@@ -12569,7 +13628,7 @@
         <p:spPr>
           <a:xfrm>
             <a:off x="2057400" y="2286000"/>
-            <a:ext cx="6199920" cy="1789920"/>
+            <a:ext cx="6199560" cy="1789560"/>
           </a:xfrm>
           <a:prstGeom prst="rect">
             <a:avLst/>
@@ -12622,7 +13681,7 @@
         <p:spPr>
           <a:xfrm>
             <a:off x="360000" y="1485000"/>
-            <a:ext cx="9359280" cy="3779280"/>
+            <a:ext cx="9358920" cy="3778920"/>
           </a:xfrm>
           <a:prstGeom prst="rect">
             <a:avLst/>
@@ -12904,7 +13963,7 @@
         <p:spPr>
           <a:xfrm>
             <a:off x="360000" y="225720"/>
-            <a:ext cx="9359280" cy="718200"/>
+            <a:ext cx="9358920" cy="717840"/>
           </a:xfrm>
           <a:prstGeom prst="rect">
             <a:avLst/>
@@ -12983,7 +14042,7 @@
         <p:spPr>
           <a:xfrm>
             <a:off x="360000" y="225720"/>
-            <a:ext cx="9359280" cy="718200"/>
+            <a:ext cx="9358920" cy="717840"/>
           </a:xfrm>
           <a:prstGeom prst="rect">
             <a:avLst/>
@@ -13032,7 +14091,7 @@
         <p:spPr>
           <a:xfrm>
             <a:off x="1022400" y="1509840"/>
-            <a:ext cx="4692240" cy="3519000"/>
+            <a:ext cx="4691880" cy="3518640"/>
           </a:xfrm>
           <a:prstGeom prst="rect">
             <a:avLst/>
@@ -13055,7 +14114,7 @@
         <p:spPr>
           <a:xfrm>
             <a:off x="360000" y="2507760"/>
-            <a:ext cx="1468440" cy="1606680"/>
+            <a:ext cx="1468080" cy="1606320"/>
           </a:xfrm>
           <a:prstGeom prst="rect">
             <a:avLst/>
@@ -13097,7 +14156,7 @@
         <p:spPr>
           <a:xfrm>
             <a:off x="5486400" y="1828800"/>
-            <a:ext cx="4343040" cy="1484280"/>
+            <a:ext cx="4342680" cy="1483920"/>
           </a:xfrm>
           <a:prstGeom prst="rect">
             <a:avLst/>
@@ -13335,7 +14394,7 @@
         <p:spPr>
           <a:xfrm>
             <a:off x="360000" y="225720"/>
-            <a:ext cx="9359280" cy="718200"/>
+            <a:ext cx="9358920" cy="717840"/>
           </a:xfrm>
           <a:prstGeom prst="rect">
             <a:avLst/>
@@ -13384,7 +14443,7 @@
         <p:spPr>
           <a:xfrm>
             <a:off x="360000" y="1485000"/>
-            <a:ext cx="9359280" cy="3779280"/>
+            <a:ext cx="9358920" cy="3778920"/>
           </a:xfrm>
           <a:prstGeom prst="rect">
             <a:avLst/>
@@ -13614,7 +14673,7 @@
         <p:spPr>
           <a:xfrm>
             <a:off x="360000" y="225720"/>
-            <a:ext cx="9359280" cy="718200"/>
+            <a:ext cx="9358920" cy="717840"/>
           </a:xfrm>
           <a:prstGeom prst="rect">
             <a:avLst/>
@@ -13642,7 +14701,19 @@
                 </a:solidFill>
                 <a:latin typeface="Arial"/>
               </a:rPr>
-              <a:t>Trees, Cycles, and Pseudo-Trees</a:t>
+              <a:t>The Laplacian and </a:t>
+            </a:r>
+            <a:br>
+              <a:rPr sz="4400"/>
+            </a:br>
+            <a:r>
+              <a:rPr b="0" lang="en-US" sz="4400" spc="-1" strike="noStrike">
+                <a:solidFill>
+                  <a:srgbClr val="ffffff"/>
+                </a:solidFill>
+                <a:latin typeface="Arial"/>
+              </a:rPr>
+              <a:t>The Smith Normal Form</a:t>
             </a:r>
             <a:endParaRPr b="0" lang="en-US" sz="4400" spc="-1" strike="noStrike">
               <a:latin typeface="Arial"/>
@@ -13663,7 +14734,7 @@
         <p:spPr>
           <a:xfrm>
             <a:off x="360000" y="1485000"/>
-            <a:ext cx="9359280" cy="3779280"/>
+            <a:ext cx="9358920" cy="3778920"/>
           </a:xfrm>
           <a:prstGeom prst="rect">
             <a:avLst/>
@@ -13675,7 +14746,7 @@
         </p:spPr>
         <p:txBody>
           <a:bodyPr lIns="0" rIns="0" tIns="0" bIns="0" anchor="t">
-            <a:normAutofit fontScale="29000"/>
+            <a:normAutofit fontScale="68000"/>
           </a:bodyPr>
           <a:p>
             <a:pPr marL="432000" indent="-324000">
@@ -13693,24 +14764,54 @@
               <a:buChar char=""/>
             </a:pPr>
             <a:r>
-              <a:rPr b="0" lang="en-US" sz="10560" spc="-1" strike="noStrike">
-                <a:latin typeface="Arial"/>
-              </a:rPr>
-              <a:t>A </a:t>
-            </a:r>
-            <a:r>
-              <a:rPr b="1" lang="en-US" sz="10560" spc="-1" strike="noStrike">
-                <a:latin typeface="Arial"/>
-              </a:rPr>
-              <a:t>Tree Graph</a:t>
-            </a:r>
-            <a:r>
-              <a:rPr b="0" lang="en-US" sz="10560" spc="-1" strike="noStrike">
-                <a:latin typeface="Arial"/>
-              </a:rPr>
-              <a:t> is a graph where there is only one path between vertices and contains no cycles.</a:t>
-            </a:r>
-            <a:endParaRPr b="0" lang="en-US" sz="10560" spc="-1" strike="noStrike">
+              <a:rPr b="0" lang="en-US" sz="3200" spc="-1" strike="noStrike">
+                <a:latin typeface="Arial"/>
+              </a:rPr>
+              <a:t>The </a:t>
+            </a:r>
+            <a:r>
+              <a:rPr b="1" lang="en-US" sz="3200" spc="-1" strike="noStrike">
+                <a:latin typeface="Arial"/>
+              </a:rPr>
+              <a:t>Laplacian</a:t>
+            </a:r>
+            <a:r>
+              <a:rPr b="0" lang="en-US" sz="3200" spc="-1" strike="noStrike">
+                <a:latin typeface="Arial"/>
+              </a:rPr>
+              <a:t> of a graph of size </a:t>
+            </a:r>
+            <a:r>
+              <a:rPr b="0" i="1" lang="en-US" sz="3200" spc="-1" strike="noStrike">
+                <a:latin typeface="Arial"/>
+              </a:rPr>
+              <a:t>n</a:t>
+            </a:r>
+            <a:r>
+              <a:rPr b="0" lang="en-US" sz="3200" spc="-1" strike="noStrike">
+                <a:latin typeface="Arial"/>
+              </a:rPr>
+              <a:t> is an </a:t>
+            </a:r>
+            <a:r>
+              <a:rPr b="0" i="1" lang="en-US" sz="3200" spc="-1" strike="noStrike">
+                <a:latin typeface="Arial"/>
+              </a:rPr>
+              <a:t>n x </a:t>
+            </a:r>
+            <a:r>
+              <a:rPr b="0" i="1" lang="en-US" sz="3200" spc="-1" strike="noStrike">
+                <a:latin typeface="Arial"/>
+              </a:rPr>
+              <a:t>n</a:t>
+            </a:r>
+            <a:r>
+              <a:rPr b="0" lang="en-US" sz="3200" spc="-1" strike="noStrike">
+                <a:latin typeface="Arial"/>
+              </a:rPr>
+              <a:t> matrix representing all valid lending or borrowing moves that graph can make.  It helps to serve as a bridge between the conceptual game and the mathematics behind those concepts.</a:t>
+            </a:r>
+            <a:endParaRPr b="0" lang="en-US" sz="3200" spc="-1" strike="noStrike">
               <a:latin typeface="Arial"/>
             </a:endParaRPr>
           </a:p>
@@ -13730,61 +14831,24 @@
               <a:buChar char=""/>
             </a:pPr>
             <a:r>
-              <a:rPr b="0" lang="en-US" sz="10560" spc="-1" strike="noStrike">
-                <a:latin typeface="Arial"/>
-              </a:rPr>
-              <a:t>A </a:t>
-            </a:r>
-            <a:r>
-              <a:rPr b="1" lang="en-US" sz="10560" spc="-1" strike="noStrike">
-                <a:latin typeface="Arial"/>
-              </a:rPr>
-              <a:t>Cycle Graph</a:t>
-            </a:r>
-            <a:r>
-              <a:rPr b="0" lang="en-US" sz="10560" spc="-1" strike="noStrike">
-                <a:latin typeface="Arial"/>
-              </a:rPr>
-              <a:t> is a graph that only has one cycle, or a line graph with another connection between the first and last vertices.</a:t>
-            </a:r>
-            <a:endParaRPr b="0" lang="en-US" sz="10560" spc="-1" strike="noStrike">
-              <a:latin typeface="Arial"/>
-            </a:endParaRPr>
-          </a:p>
-          <a:p>
-            <a:pPr marL="432000" indent="-324000">
-              <a:lnSpc>
-                <a:spcPct val="100000"/>
-              </a:lnSpc>
-              <a:spcBef>
-                <a:spcPts val="1417"/>
-              </a:spcBef>
-              <a:buClr>
-                <a:srgbClr val="000000"/>
-              </a:buClr>
-              <a:buSzPct val="45000"/>
-              <a:buFont typeface="Wingdings" charset="2"/>
-              <a:buChar char=""/>
-            </a:pPr>
-            <a:r>
-              <a:rPr b="0" lang="en-US" sz="10560" spc="-1" strike="noStrike">
-                <a:latin typeface="Arial"/>
-              </a:rPr>
-              <a:t>A </a:t>
-            </a:r>
-            <a:r>
-              <a:rPr b="1" lang="en-US" sz="9600" spc="-1" strike="noStrike">
-                <a:latin typeface="Arial"/>
-              </a:rPr>
-              <a:t>Pseudo-Tree Graph</a:t>
-            </a:r>
-            <a:r>
-              <a:rPr b="0" lang="en-US" sz="9600" spc="-1" strike="noStrike">
-                <a:latin typeface="Arial"/>
-              </a:rPr>
-              <a:t> is a combination of these two.  This graph is created by gluing a tree to one of the vertices of a cycle graph.</a:t>
-            </a:r>
-            <a:endParaRPr b="0" lang="en-US" sz="9600" spc="-1" strike="noStrike">
+              <a:rPr b="0" lang="en-US" sz="3200" spc="-1" strike="noStrike">
+                <a:latin typeface="Arial"/>
+              </a:rPr>
+              <a:t>The </a:t>
+            </a:r>
+            <a:r>
+              <a:rPr b="1" lang="en-US" sz="3200" spc="-1" strike="noStrike">
+                <a:latin typeface="Arial"/>
+              </a:rPr>
+              <a:t>Smith Normal Form</a:t>
+            </a:r>
+            <a:r>
+              <a:rPr b="0" lang="en-US" sz="3200" spc="-1" strike="noStrike">
+                <a:latin typeface="Arial"/>
+              </a:rPr>
+              <a:t> (SNF) of a Laplacian is a diagonal matrix obtained from a series of row and column operations preformed on the Laplacian of a graph.  While the Laplacian itself encodes information about lending or borrowing moves, the SNF encodes information about the Picard Group and the Jacobian in its diagonal elements.  Calculating the SNF allows us to know more information on the possible ways a game can be played out.</a:t>
+            </a:r>
+            <a:endParaRPr b="0" lang="en-US" sz="3200" spc="-1" strike="noStrike">
               <a:latin typeface="Arial"/>
             </a:endParaRPr>
           </a:p>
@@ -13832,8 +14896,8 @@
         </p:nvSpPr>
         <p:spPr>
           <a:xfrm>
-            <a:off x="360000" y="-39960"/>
-            <a:ext cx="9359280" cy="1249920"/>
+            <a:off x="360000" y="225720"/>
+            <a:ext cx="9358920" cy="717840"/>
           </a:xfrm>
           <a:prstGeom prst="rect">
             <a:avLst/>
@@ -13861,7 +14925,19 @@
                 </a:solidFill>
                 <a:latin typeface="Arial"/>
               </a:rPr>
-              <a:t>Finding The Rank of a Tree’s Picard Group</a:t>
+              <a:t>The Laplacian and </a:t>
+            </a:r>
+            <a:br>
+              <a:rPr sz="4400"/>
+            </a:br>
+            <a:r>
+              <a:rPr b="0" lang="en-US" sz="4400" spc="-1" strike="noStrike">
+                <a:solidFill>
+                  <a:srgbClr val="ffffff"/>
+                </a:solidFill>
+                <a:latin typeface="Arial"/>
+              </a:rPr>
+              <a:t>The Smith Normal Form</a:t>
             </a:r>
             <a:endParaRPr b="0" lang="en-US" sz="4400" spc="-1" strike="noStrike">
               <a:latin typeface="Arial"/>
@@ -13881,8 +14957,8 @@
         </p:nvSpPr>
         <p:spPr>
           <a:xfrm>
-            <a:off x="360000" y="1485000"/>
-            <a:ext cx="9359280" cy="3779280"/>
+            <a:off x="457200" y="1744920"/>
+            <a:ext cx="1115640" cy="3055680"/>
           </a:xfrm>
           <a:prstGeom prst="rect">
             <a:avLst/>
@@ -13894,181 +14970,235 @@
         </p:spPr>
         <p:txBody>
           <a:bodyPr lIns="0" rIns="0" tIns="0" bIns="0" anchor="t">
-            <a:normAutofit fontScale="63000"/>
-          </a:bodyPr>
-          <a:p>
-            <a:pPr marL="432000" indent="-324000">
+            <a:normAutofit/>
+          </a:bodyPr>
+          <a:p>
+            <a:r>
+              <a:rPr b="0" lang="en-US" sz="1650" spc="-1" strike="noStrike">
+                <a:latin typeface="Arial"/>
+              </a:rPr>
+              <a:t>Laplacian</a:t>
+            </a:r>
+            <a:endParaRPr b="0" lang="en-US" sz="1650" spc="-1" strike="noStrike">
+              <a:latin typeface="Arial"/>
+            </a:endParaRPr>
+          </a:p>
+          <a:p>
+            <a:endParaRPr b="0" lang="en-US" sz="1650" spc="-1" strike="noStrike">
+              <a:latin typeface="Arial"/>
+            </a:endParaRPr>
+          </a:p>
+          <a:p>
+            <a:endParaRPr b="0" lang="en-US" sz="1650" spc="-1" strike="noStrike">
+              <a:latin typeface="Arial"/>
+            </a:endParaRPr>
+          </a:p>
+          <a:p>
+            <a:endParaRPr b="0" lang="en-US" sz="1650" spc="-1" strike="noStrike">
+              <a:latin typeface="Arial"/>
+            </a:endParaRPr>
+          </a:p>
+          <a:p>
+            <a:endParaRPr b="0" lang="en-US" sz="1650" spc="-1" strike="noStrike">
+              <a:latin typeface="Arial"/>
+            </a:endParaRPr>
+          </a:p>
+          <a:p>
+            <a:r>
+              <a:rPr b="0" lang="en-US" sz="1650" spc="-1" strike="noStrike">
+                <a:latin typeface="Arial"/>
+              </a:rPr>
+              <a:t>Smith Normal Form</a:t>
+            </a:r>
+            <a:endParaRPr b="0" lang="en-US" sz="1650" spc="-1" strike="noStrike">
+              <a:latin typeface="Arial"/>
+            </a:endParaRPr>
+          </a:p>
+        </p:txBody>
+      </p:sp>
+      <p:pic>
+        <p:nvPicPr>
+          <p:cNvPr id="194" name="" descr=""/>
+          <p:cNvPicPr/>
+          <p:nvPr/>
+        </p:nvPicPr>
+        <p:blipFill>
+          <a:blip r:embed="rId1"/>
+          <a:stretch/>
+        </p:blipFill>
+        <p:spPr>
+          <a:xfrm>
+            <a:off x="1572840" y="1371600"/>
+            <a:ext cx="6199560" cy="2018520"/>
+          </a:xfrm>
+          <a:prstGeom prst="rect">
+            <a:avLst/>
+          </a:prstGeom>
+          <a:ln w="0">
+            <a:noFill/>
+          </a:ln>
+        </p:spPr>
+      </p:pic>
+      <p:pic>
+        <p:nvPicPr>
+          <p:cNvPr id="195" name="" descr=""/>
+          <p:cNvPicPr/>
+          <p:nvPr/>
+        </p:nvPicPr>
+        <p:blipFill>
+          <a:blip r:embed="rId2"/>
+          <a:stretch/>
+        </p:blipFill>
+        <p:spPr>
+          <a:xfrm>
+            <a:off x="1572840" y="3390120"/>
+            <a:ext cx="6199560" cy="2018520"/>
+          </a:xfrm>
+          <a:prstGeom prst="rect">
+            <a:avLst/>
+          </a:prstGeom>
+          <a:ln w="0">
+            <a:noFill/>
+          </a:ln>
+        </p:spPr>
+      </p:pic>
+      <p:sp>
+        <p:nvSpPr>
+          <p:cNvPr id="196" name=""/>
+          <p:cNvSpPr txBox="1"/>
+          <p:nvPr/>
+        </p:nvSpPr>
+        <p:spPr>
+          <a:xfrm>
+            <a:off x="7794720" y="3390120"/>
+            <a:ext cx="2286000" cy="1114200"/>
+          </a:xfrm>
+          <a:prstGeom prst="rect">
+            <a:avLst/>
+          </a:prstGeom>
+          <a:noFill/>
+          <a:ln w="0">
+            <a:noFill/>
+          </a:ln>
+        </p:spPr>
+        <p:txBody>
+          <a:bodyPr lIns="90000" rIns="90000" tIns="45000" bIns="45000" anchor="t">
+            <a:noAutofit/>
+          </a:bodyPr>
+          <a:p>
+            <a:r>
+              <a:rPr b="0" lang="en-US" sz="1800" spc="-1" strike="noStrike">
+                <a:latin typeface="Arial"/>
+              </a:rPr>
+              <a:t>Pic(G) = Z</a:t>
+            </a:r>
+            <a:r>
+              <a:rPr b="0" lang="en-US" sz="1800" spc="-1" strike="noStrike" baseline="-8000">
+                <a:latin typeface="Arial"/>
+              </a:rPr>
+              <a:t>3</a:t>
+            </a:r>
+            <a:r>
+              <a:rPr b="0" lang="en-US" sz="1800" spc="-1" strike="noStrike">
+                <a:latin typeface="Arial"/>
+              </a:rPr>
+              <a:t> x Z</a:t>
+            </a:r>
+            <a:r>
+              <a:rPr b="0" lang="en-US" sz="1800" spc="-1" strike="noStrike" baseline="33000">
+                <a:latin typeface="Arial"/>
+              </a:rPr>
+              <a:t>3</a:t>
+            </a:r>
+            <a:endParaRPr b="0" lang="en-US" sz="1800" spc="-1" strike="noStrike">
+              <a:latin typeface="Arial"/>
+            </a:endParaRPr>
+          </a:p>
+          <a:p>
+            <a:r>
+              <a:rPr b="0" lang="en-US" sz="1800" spc="-1" strike="noStrike">
+                <a:latin typeface="Arial"/>
+              </a:rPr>
+              <a:t>From 3 at M</a:t>
+            </a:r>
+            <a:r>
+              <a:rPr b="0" lang="en-US" sz="1800" spc="-1" strike="noStrike" baseline="-8000">
+                <a:latin typeface="Arial"/>
+              </a:rPr>
+              <a:t>4,4</a:t>
+            </a:r>
+            <a:r>
+              <a:rPr b="0" lang="en-US" sz="1800" spc="-1" strike="noStrike">
+                <a:latin typeface="Arial"/>
+              </a:rPr>
+              <a:t> and from 3 empty rows</a:t>
+            </a:r>
+            <a:endParaRPr b="0" lang="en-US" sz="1800" spc="-1" strike="noStrike">
+              <a:latin typeface="Arial"/>
+            </a:endParaRPr>
+          </a:p>
+        </p:txBody>
+      </p:sp>
+      <p:sp>
+        <p:nvSpPr>
+          <p:cNvPr id="197" name=""/>
+          <p:cNvSpPr txBox="1"/>
+          <p:nvPr/>
+        </p:nvSpPr>
+        <p:spPr>
+          <a:xfrm>
+            <a:off x="7772400" y="4343400"/>
+            <a:ext cx="2308320" cy="602280"/>
+          </a:xfrm>
+          <a:prstGeom prst="rect">
+            <a:avLst/>
+          </a:prstGeom>
+          <a:noFill/>
+          <a:ln w="0">
+            <a:noFill/>
+          </a:ln>
+        </p:spPr>
+        <p:txBody>
+          <a:bodyPr lIns="90000" rIns="90000" tIns="45000" bIns="45000" anchor="t">
+            <a:noAutofit/>
+          </a:bodyPr>
+          <a:p>
+            <a:r>
+              <a:rPr b="0" lang="en-US" sz="1800" spc="-1" strike="noStrike">
+                <a:latin typeface="Arial"/>
+              </a:rPr>
+              <a:t>Jac(G) = Z</a:t>
+            </a:r>
+            <a:r>
+              <a:rPr b="0" lang="en-US" sz="1800" spc="-1" strike="noStrike" baseline="-8000">
+                <a:latin typeface="Arial"/>
+              </a:rPr>
+              <a:t>3</a:t>
+            </a:r>
+            <a:endParaRPr b="0" lang="en-US" sz="1800" spc="-1" strike="noStrike">
+              <a:latin typeface="Arial"/>
+            </a:endParaRPr>
+          </a:p>
+          <a:p>
+            <a:pPr>
               <a:lnSpc>
                 <a:spcPct val="100000"/>
               </a:lnSpc>
-              <a:spcBef>
-                <a:spcPts val="1417"/>
-              </a:spcBef>
-              <a:buClr>
-                <a:srgbClr val="000000"/>
-              </a:buClr>
-              <a:buSzPct val="45000"/>
-              <a:buFont typeface="Wingdings" charset="2"/>
-              <a:buChar char=""/>
+              <a:buNone/>
             </a:pPr>
             <a:r>
-              <a:rPr b="0" lang="en-US" sz="3200" spc="-1" strike="noStrike">
-                <a:latin typeface="Arial"/>
-              </a:rPr>
-              <a:t>The Picard group is commonly written in the form </a:t>
-            </a:r>
-            <a:r>
-              <a:rPr b="0" i="1" lang="en-US" sz="3200" spc="-1" strike="noStrike">
-                <a:latin typeface="Arial"/>
-              </a:rPr>
-              <a:t>Pic(G) = Jac(G) x Z</a:t>
-            </a:r>
-            <a:r>
-              <a:rPr b="0" i="1" lang="en-US" sz="3200" spc="-1" strike="noStrike" baseline="33000">
-                <a:latin typeface="Arial"/>
-              </a:rPr>
-              <a:t>n</a:t>
-            </a:r>
-            <a:r>
-              <a:rPr b="0" lang="en-US" sz="3200" spc="-1" strike="noStrike">
-                <a:latin typeface="Arial"/>
-              </a:rPr>
-              <a:t>, where </a:t>
-            </a:r>
-            <a:r>
-              <a:rPr b="0" i="1" lang="en-US" sz="3200" spc="-1" strike="noStrike">
-                <a:latin typeface="Arial"/>
-              </a:rPr>
-              <a:t>n</a:t>
-            </a:r>
-            <a:r>
-              <a:rPr b="0" lang="en-US" sz="3200" spc="-1" strike="noStrike">
-                <a:latin typeface="Arial"/>
-              </a:rPr>
-              <a:t> is the rank of the Picard group. </a:t>
-            </a:r>
-            <a:r>
-              <a:rPr b="0" lang="en-US" sz="3200" spc="-1" strike="noStrike">
-                <a:solidFill>
-                  <a:srgbClr val="ff0000"/>
-                </a:solidFill>
-                <a:latin typeface="Arial"/>
-              </a:rPr>
-              <a:t>[Grounded meeting of rank]</a:t>
-            </a:r>
-            <a:endParaRPr b="0" lang="en-US" sz="3200" spc="-1" strike="noStrike">
-              <a:latin typeface="Arial"/>
-            </a:endParaRPr>
-          </a:p>
-          <a:p>
-            <a:pPr marL="216000" indent="-216000">
-              <a:lnSpc>
-                <a:spcPct val="100000"/>
-              </a:lnSpc>
-              <a:spcBef>
-                <a:spcPts val="1417"/>
-              </a:spcBef>
-              <a:buClr>
-                <a:srgbClr val="000000"/>
-              </a:buClr>
-              <a:buSzPct val="45000"/>
-              <a:buFont typeface="Wingdings" charset="2"/>
-              <a:buChar char=""/>
-            </a:pPr>
-            <a:r>
-              <a:rPr b="0" lang="en-US" sz="3200" spc="-1" strike="noStrike">
-                <a:solidFill>
-                  <a:srgbClr val="000000"/>
-                </a:solidFill>
-                <a:latin typeface="Arial"/>
-              </a:rPr>
-              <a:t>This rank for a tree graph can be easily calculated inductively.  By reconstructing an arbitrary tree edge by edge, its rank can be determined by following two rules.</a:t>
-            </a:r>
-            <a:endParaRPr b="0" lang="en-US" sz="3200" spc="-1" strike="noStrike">
-              <a:latin typeface="Arial"/>
-            </a:endParaRPr>
-          </a:p>
-          <a:p>
-            <a:pPr marL="216000" indent="-216000">
-              <a:lnSpc>
-                <a:spcPct val="100000"/>
-              </a:lnSpc>
-              <a:spcBef>
-                <a:spcPts val="1417"/>
-              </a:spcBef>
-              <a:buClr>
-                <a:srgbClr val="000000"/>
-              </a:buClr>
-              <a:buSzPct val="45000"/>
-              <a:buFont typeface="Wingdings" charset="2"/>
-              <a:buChar char=""/>
-            </a:pPr>
-            <a:r>
-              <a:rPr b="0" lang="en-US" sz="3200" spc="-1" strike="noStrike">
-                <a:solidFill>
-                  <a:srgbClr val="000000"/>
-                </a:solidFill>
-                <a:latin typeface="Arial"/>
-              </a:rPr>
-              <a:t>If the next arrow drawn is pointing towards the graph or if it is bidirectional, the rank does not change.</a:t>
-            </a:r>
-            <a:endParaRPr b="0" lang="en-US" sz="3200" spc="-1" strike="noStrike">
-              <a:latin typeface="Arial"/>
-            </a:endParaRPr>
-          </a:p>
-          <a:p>
-            <a:pPr marL="216000" indent="-216000">
-              <a:lnSpc>
-                <a:spcPct val="100000"/>
-              </a:lnSpc>
-              <a:spcBef>
-                <a:spcPts val="1417"/>
-              </a:spcBef>
-              <a:buClr>
-                <a:srgbClr val="000000"/>
-              </a:buClr>
-              <a:buSzPct val="45000"/>
-              <a:buFont typeface="Wingdings" charset="2"/>
-              <a:buChar char=""/>
-            </a:pPr>
-            <a:r>
-              <a:rPr b="0" lang="en-US" sz="3200" spc="-1" strike="noStrike">
-                <a:solidFill>
-                  <a:srgbClr val="000000"/>
-                </a:solidFill>
-                <a:latin typeface="Arial"/>
-              </a:rPr>
-              <a:t>If the next arrow is pointing towards the new vertex, the rank increases by one.</a:t>
-            </a:r>
-            <a:endParaRPr b="0" lang="en-US" sz="3200" spc="-1" strike="noStrike">
-              <a:latin typeface="Arial"/>
-            </a:endParaRPr>
-          </a:p>
-          <a:p>
-            <a:pPr marL="216000" indent="-216000">
-              <a:lnSpc>
-                <a:spcPct val="100000"/>
-              </a:lnSpc>
-              <a:spcBef>
-                <a:spcPts val="1417"/>
-              </a:spcBef>
-              <a:buClr>
-                <a:srgbClr val="000000"/>
-              </a:buClr>
-              <a:buSzPct val="45000"/>
-              <a:buFont typeface="Wingdings" charset="2"/>
-              <a:buChar char=""/>
-            </a:pPr>
-            <a:r>
-              <a:rPr b="0" lang="en-US" sz="3200" spc="-1" strike="noStrike">
-                <a:solidFill>
-                  <a:srgbClr val="000000"/>
-                </a:solidFill>
-                <a:latin typeface="Arial"/>
-              </a:rPr>
-              <a:t>The rank of a tree corresponds to the number of terminal strong components of that tree, sections that are only connected to the rest of the graph by an incoming edge and have a path between all of its member vertices.</a:t>
-            </a:r>
-            <a:endParaRPr b="0" lang="en-US" sz="3200" spc="-1" strike="noStrike">
+              <a:rPr b="0" lang="en-US" sz="1800" spc="-1" strike="noStrike">
+                <a:latin typeface="Arial"/>
+              </a:rPr>
+              <a:t>From 3 at M</a:t>
+            </a:r>
+            <a:r>
+              <a:rPr b="0" lang="en-US" sz="1800" spc="-1" strike="noStrike" baseline="-8000">
+                <a:latin typeface="Arial"/>
+              </a:rPr>
+              <a:t>4,4</a:t>
+            </a:r>
+            <a:endParaRPr b="0" lang="en-US" sz="1800" spc="-1" strike="noStrike">
               <a:latin typeface="Arial"/>
             </a:endParaRPr>
           </a:p>

--- a/Docs/generalPresentation.pptx
+++ b/Docs/generalPresentation.pptx
@@ -26,6 +26,8 @@
     <p:sldId id="271" r:id="rId21"/>
     <p:sldId id="272" r:id="rId22"/>
     <p:sldId id="273" r:id="rId23"/>
+    <p:sldId id="274" r:id="rId24"/>
+    <p:sldId id="275" r:id="rId25"/>
   </p:sldIdLst>
   <p:sldSz cx="10080625" cy="5670550"/>
   <p:notesSz cx="7772400" cy="10058400"/>
@@ -83,7 +85,7 @@
         <p:txBody>
           <a:bodyPr/>
           <a:p>
-            <a:fld id="{D700DEE7-718A-4DB7-942C-5365AEFDAAD0}" type="slidenum">
+            <a:fld id="{84B0D76A-C54C-463B-95AF-B230A78EBFE1}" type="slidenum">
               <a:t>&lt;#&gt;</a:t>
             </a:fld>
           </a:p>
@@ -271,7 +273,7 @@
         <p:txBody>
           <a:bodyPr/>
           <a:p>
-            <a:fld id="{28C041C0-8906-4A30-A440-287B0680769A}" type="slidenum">
+            <a:fld id="{E01BD729-551B-4E57-A583-C23C84B90728}" type="slidenum">
               <a:t>&lt;#&gt;</a:t>
             </a:fld>
           </a:p>
@@ -527,7 +529,7 @@
         <p:txBody>
           <a:bodyPr/>
           <a:p>
-            <a:fld id="{E1F7DBB4-59EC-485B-B970-D02E8A2D2674}" type="slidenum">
+            <a:fld id="{5FF80A9D-AC9D-49BB-B47D-E16020CE10AC}" type="slidenum">
               <a:t>&lt;#&gt;</a:t>
             </a:fld>
           </a:p>
@@ -851,7 +853,7 @@
         <p:txBody>
           <a:bodyPr/>
           <a:p>
-            <a:fld id="{FD498854-5248-4739-936C-6FFEE54E167D}" type="slidenum">
+            <a:fld id="{8CBA3831-9A97-4A3A-88EC-ADFBDE7D9207}" type="slidenum">
               <a:t>&lt;#&gt;</a:t>
             </a:fld>
           </a:p>
@@ -1912,7 +1914,7 @@
         <p:txBody>
           <a:bodyPr/>
           <a:p>
-            <a:fld id="{CA8A5212-F5F7-45CB-BEA4-A195B8A4148F}" type="slidenum">
+            <a:fld id="{06A7D00A-F987-42D7-AC39-C3CFC5D6EA20}" type="slidenum">
               <a:t>&lt;#&gt;</a:t>
             </a:fld>
           </a:p>
@@ -3780,7 +3782,7 @@
         <p:txBody>
           <a:bodyPr/>
           <a:p>
-            <a:fld id="{56B9432F-3002-4542-9694-2BA22488C6B9}" type="slidenum">
+            <a:fld id="{38159156-54D4-4326-AC5B-DF045F3080D3}" type="slidenum">
               <a:t>&lt;#&gt;</a:t>
             </a:fld>
           </a:p>
@@ -5716,7 +5718,7 @@
         <p:txBody>
           <a:bodyPr/>
           <a:p>
-            <a:fld id="{9C6EF37A-8F1E-44D4-AA45-BD63ACD8DECC}" type="slidenum">
+            <a:fld id="{A1C25D63-C87B-447B-8413-6F7BF159D083}" type="slidenum">
               <a:t>&lt;#&gt;</a:t>
             </a:fld>
           </a:p>
@@ -7518,7 +7520,7 @@
         <p:txBody>
           <a:bodyPr/>
           <a:p>
-            <a:fld id="{21CEBC48-CCC7-43D0-92D9-FD5499B2DC1C}" type="slidenum">
+            <a:fld id="{15929AAC-2BA9-46C4-9BF3-6D6AA588AACE}" type="slidenum">
               <a:t>&lt;#&gt;</a:t>
             </a:fld>
           </a:p>
@@ -7638,7 +7640,7 @@
         <p:txBody>
           <a:bodyPr/>
           <a:p>
-            <a:fld id="{11C71204-BE54-415A-8A8B-29091DDA7860}" type="slidenum">
+            <a:fld id="{476D0052-8E16-40CB-8D1F-032AA3637823}" type="slidenum">
               <a:t>&lt;#&gt;</a:t>
             </a:fld>
           </a:p>
@@ -7860,7 +7862,7 @@
         <p:txBody>
           <a:bodyPr/>
           <a:p>
-            <a:fld id="{A9AEF200-4944-4C73-9CE5-174556A818E4}" type="slidenum">
+            <a:fld id="{D9B93AA5-C0DD-46C9-A72F-7B196876C09E}" type="slidenum">
               <a:t>&lt;#&gt;</a:t>
             </a:fld>
           </a:p>
@@ -8082,7 +8084,7 @@
         <p:txBody>
           <a:bodyPr/>
           <a:p>
-            <a:fld id="{7F5ECC22-4843-4424-8DA0-EB58F7CFC914}" type="slidenum">
+            <a:fld id="{EC1EE82D-A146-41A8-B1CB-B120735D9CC6}" type="slidenum">
               <a:t>&lt;#&gt;</a:t>
             </a:fld>
           </a:p>
@@ -8304,7 +8306,7 @@
         <p:txBody>
           <a:bodyPr/>
           <a:p>
-            <a:fld id="{6519E794-EC4C-47A2-B737-592A3A71F51D}" type="slidenum">
+            <a:fld id="{1D9611A7-8CAA-4BCA-B589-7ECE705B9754}" type="slidenum">
               <a:t>&lt;#&gt;</a:t>
             </a:fld>
           </a:p>
@@ -8362,7 +8364,7 @@
         <p:spPr>
           <a:xfrm>
             <a:off x="0" y="0"/>
-            <a:ext cx="10078920" cy="5668920"/>
+            <a:ext cx="10078200" cy="5668200"/>
           </a:xfrm>
           <a:prstGeom prst="rect">
             <a:avLst/>
@@ -8390,7 +8392,7 @@
         <p:spPr>
           <a:xfrm>
             <a:off x="0" y="0"/>
-            <a:ext cx="10078920" cy="3778920"/>
+            <a:ext cx="10078200" cy="3778200"/>
           </a:xfrm>
           <a:prstGeom prst="rect">
             <a:avLst/>
@@ -8419,236 +8421,13 @@
             <a:spLocks noGrp="1"/>
           </p:cNvSpPr>
           <p:nvPr>
-            <p:ph type="title"/>
-          </p:nvPr>
-        </p:nvSpPr>
-        <p:spPr>
-          <a:xfrm>
-            <a:off x="360000" y="225720"/>
-            <a:ext cx="9358920" cy="717840"/>
-          </a:xfrm>
-          <a:prstGeom prst="rect">
-            <a:avLst/>
-          </a:prstGeom>
-          <a:noFill/>
-          <a:ln w="0">
-            <a:noFill/>
-          </a:ln>
-        </p:spPr>
-        <p:txBody>
-          <a:bodyPr lIns="0" rIns="0" tIns="0" bIns="0" anchor="ctr" anchorCtr="1">
-            <a:noAutofit/>
-          </a:bodyPr>
-          <a:p>
-            <a:r>
-              <a:rPr b="0" lang="en-US" sz="1800" spc="-1" strike="noStrike">
-                <a:latin typeface="Arial"/>
-              </a:rPr>
-              <a:t>Click to edit the title text format</a:t>
-            </a:r>
-            <a:endParaRPr b="0" lang="en-US" sz="1800" spc="-1" strike="noStrike">
-              <a:latin typeface="Arial"/>
-            </a:endParaRPr>
-          </a:p>
-        </p:txBody>
-      </p:sp>
-      <p:sp>
-        <p:nvSpPr>
-          <p:cNvPr id="3" name="PlaceHolder 2"/>
-          <p:cNvSpPr>
-            <a:spLocks noGrp="1"/>
-          </p:cNvSpPr>
-          <p:nvPr>
-            <p:ph type="body"/>
-          </p:nvPr>
-        </p:nvSpPr>
-        <p:spPr>
-          <a:xfrm>
-            <a:off x="360000" y="1485000"/>
-            <a:ext cx="9358920" cy="3778920"/>
-          </a:xfrm>
-          <a:prstGeom prst="rect">
-            <a:avLst/>
-          </a:prstGeom>
-          <a:noFill/>
-          <a:ln w="0">
-            <a:noFill/>
-          </a:ln>
-        </p:spPr>
-        <p:txBody>
-          <a:bodyPr lIns="0" rIns="0" tIns="0" bIns="0" anchor="t">
-            <a:normAutofit/>
-          </a:bodyPr>
-          <a:p>
-            <a:pPr marL="432000" indent="-324000">
-              <a:spcBef>
-                <a:spcPts val="1417"/>
-              </a:spcBef>
-              <a:buClr>
-                <a:srgbClr val="000000"/>
-              </a:buClr>
-              <a:buSzPct val="45000"/>
-              <a:buFont typeface="Wingdings" charset="2"/>
-              <a:buChar char=""/>
-            </a:pPr>
-            <a:r>
-              <a:rPr b="0" lang="en-US" sz="1800" spc="-1" strike="noStrike">
-                <a:latin typeface="Arial"/>
-              </a:rPr>
-              <a:t>Click to edit the outline text format</a:t>
-            </a:r>
-            <a:endParaRPr b="0" lang="en-US" sz="1800" spc="-1" strike="noStrike">
-              <a:latin typeface="Arial"/>
-            </a:endParaRPr>
-          </a:p>
-          <a:p>
-            <a:pPr lvl="1" marL="864000" indent="-324000">
-              <a:spcBef>
-                <a:spcPts val="1134"/>
-              </a:spcBef>
-              <a:buClr>
-                <a:srgbClr val="000000"/>
-              </a:buClr>
-              <a:buSzPct val="75000"/>
-              <a:buFont typeface="Symbol" charset="2"/>
-              <a:buChar char=""/>
-            </a:pPr>
-            <a:r>
-              <a:rPr b="0" lang="en-US" sz="1800" spc="-1" strike="noStrike">
-                <a:latin typeface="Arial"/>
-              </a:rPr>
-              <a:t>Second Outline Level</a:t>
-            </a:r>
-            <a:endParaRPr b="0" lang="en-US" sz="1800" spc="-1" strike="noStrike">
-              <a:latin typeface="Arial"/>
-            </a:endParaRPr>
-          </a:p>
-          <a:p>
-            <a:pPr lvl="2" marL="1296000" indent="-288000">
-              <a:spcBef>
-                <a:spcPts val="850"/>
-              </a:spcBef>
-              <a:buClr>
-                <a:srgbClr val="000000"/>
-              </a:buClr>
-              <a:buSzPct val="45000"/>
-              <a:buFont typeface="Wingdings" charset="2"/>
-              <a:buChar char=""/>
-            </a:pPr>
-            <a:r>
-              <a:rPr b="0" lang="en-US" sz="1800" spc="-1" strike="noStrike">
-                <a:latin typeface="Arial"/>
-              </a:rPr>
-              <a:t>Third Outline Level</a:t>
-            </a:r>
-            <a:endParaRPr b="0" lang="en-US" sz="1800" spc="-1" strike="noStrike">
-              <a:latin typeface="Arial"/>
-            </a:endParaRPr>
-          </a:p>
-          <a:p>
-            <a:pPr lvl="3" marL="1728000" indent="-216000">
-              <a:spcBef>
-                <a:spcPts val="567"/>
-              </a:spcBef>
-              <a:buClr>
-                <a:srgbClr val="000000"/>
-              </a:buClr>
-              <a:buSzPct val="75000"/>
-              <a:buFont typeface="Symbol" charset="2"/>
-              <a:buChar char=""/>
-            </a:pPr>
-            <a:r>
-              <a:rPr b="0" lang="en-US" sz="1800" spc="-1" strike="noStrike">
-                <a:latin typeface="Arial"/>
-              </a:rPr>
-              <a:t>Fourth Outline Level</a:t>
-            </a:r>
-            <a:endParaRPr b="0" lang="en-US" sz="1800" spc="-1" strike="noStrike">
-              <a:latin typeface="Arial"/>
-            </a:endParaRPr>
-          </a:p>
-          <a:p>
-            <a:pPr lvl="4" marL="2160000" indent="-216000">
-              <a:spcBef>
-                <a:spcPts val="283"/>
-              </a:spcBef>
-              <a:buClr>
-                <a:srgbClr val="000000"/>
-              </a:buClr>
-              <a:buSzPct val="45000"/>
-              <a:buFont typeface="Wingdings" charset="2"/>
-              <a:buChar char=""/>
-            </a:pPr>
-            <a:r>
-              <a:rPr b="0" lang="en-US" sz="1800" spc="-1" strike="noStrike">
-                <a:latin typeface="Arial"/>
-              </a:rPr>
-              <a:t>Fifth Outline Level</a:t>
-            </a:r>
-            <a:endParaRPr b="0" lang="en-US" sz="1800" spc="-1" strike="noStrike">
-              <a:latin typeface="Arial"/>
-            </a:endParaRPr>
-          </a:p>
-          <a:p>
-            <a:pPr lvl="5" marL="2592000" indent="-216000">
-              <a:spcBef>
-                <a:spcPts val="283"/>
-              </a:spcBef>
-              <a:buClr>
-                <a:srgbClr val="000000"/>
-              </a:buClr>
-              <a:buSzPct val="45000"/>
-              <a:buFont typeface="Wingdings" charset="2"/>
-              <a:buChar char=""/>
-            </a:pPr>
-            <a:r>
-              <a:rPr b="0" lang="en-US" sz="1800" spc="-1" strike="noStrike">
-                <a:latin typeface="Arial"/>
-              </a:rPr>
-              <a:t>Sixth Outline Level</a:t>
-            </a:r>
-            <a:endParaRPr b="0" lang="en-US" sz="1800" spc="-1" strike="noStrike">
-              <a:latin typeface="Arial"/>
-            </a:endParaRPr>
-          </a:p>
-          <a:p>
-            <a:pPr lvl="6" marL="3024000" indent="-216000">
-              <a:spcBef>
-                <a:spcPts val="283"/>
-              </a:spcBef>
-              <a:buClr>
-                <a:srgbClr val="000000"/>
-              </a:buClr>
-              <a:buSzPct val="45000"/>
-              <a:buFont typeface="Wingdings" charset="2"/>
-              <a:buChar char=""/>
-            </a:pPr>
-            <a:r>
-              <a:rPr b="0" lang="en-US" sz="1800" spc="-1" strike="noStrike">
-                <a:latin typeface="Arial"/>
-              </a:rPr>
-              <a:t>Seventh Outline Level</a:t>
-            </a:r>
-            <a:endParaRPr b="0" lang="en-US" sz="1800" spc="-1" strike="noStrike">
-              <a:latin typeface="Arial"/>
-            </a:endParaRPr>
-          </a:p>
-        </p:txBody>
-      </p:sp>
-      <p:sp>
-        <p:nvSpPr>
-          <p:cNvPr id="4" name="PlaceHolder 3"/>
-          <p:cNvSpPr>
-            <a:spLocks noGrp="1"/>
-          </p:cNvSpPr>
-          <p:nvPr>
             <p:ph type="ftr" idx="1"/>
           </p:nvPr>
         </p:nvSpPr>
         <p:spPr>
           <a:xfrm>
             <a:off x="3420000" y="5400000"/>
-            <a:ext cx="3238920" cy="268920"/>
+            <a:ext cx="3238200" cy="268200"/>
           </a:xfrm>
           <a:prstGeom prst="rect">
             <a:avLst/>
@@ -8700,7 +8479,7 @@
       </p:sp>
       <p:sp>
         <p:nvSpPr>
-          <p:cNvPr id="5" name="PlaceHolder 4"/>
+          <p:cNvPr id="3" name="PlaceHolder 2"/>
           <p:cNvSpPr>
             <a:spLocks noGrp="1"/>
           </p:cNvSpPr>
@@ -8711,7 +8490,7 @@
         <p:spPr>
           <a:xfrm>
             <a:off x="9180000" y="5130000"/>
-            <a:ext cx="718920" cy="538920"/>
+            <a:ext cx="718200" cy="538200"/>
           </a:xfrm>
           <a:prstGeom prst="rect">
             <a:avLst/>
@@ -8746,7 +8525,7 @@
               </a:lnSpc>
               <a:buNone/>
             </a:pPr>
-            <a:fld id="{CA9FC373-4E29-405A-8C62-35959EF353AD}" type="slidenum">
+            <a:fld id="{118AC7AC-7A77-4A0F-9B5A-1595E2455FFC}" type="slidenum">
               <a:rPr b="1" lang="en-US" sz="1800" spc="-1" strike="noStrike">
                 <a:solidFill>
                   <a:srgbClr val="ffffff"/>
@@ -8763,7 +8542,7 @@
       </p:sp>
       <p:sp>
         <p:nvSpPr>
-          <p:cNvPr id="6" name="PlaceHolder 5"/>
+          <p:cNvPr id="4" name="PlaceHolder 3"/>
           <p:cNvSpPr>
             <a:spLocks noGrp="1"/>
           </p:cNvSpPr>
@@ -8774,7 +8553,7 @@
         <p:spPr>
           <a:xfrm>
             <a:off x="360000" y="5400000"/>
-            <a:ext cx="2878920" cy="268920"/>
+            <a:ext cx="2878200" cy="268200"/>
           </a:xfrm>
           <a:prstGeom prst="rect">
             <a:avLst/>
@@ -8804,6 +8583,232 @@
             </a:r>
             <a:endParaRPr b="0" lang="en-US" sz="1400" spc="-1" strike="noStrike">
               <a:latin typeface="Times New Roman"/>
+            </a:endParaRPr>
+          </a:p>
+        </p:txBody>
+      </p:sp>
+      <p:sp>
+        <p:nvSpPr>
+          <p:cNvPr id="5" name="PlaceHolder 4"/>
+          <p:cNvSpPr>
+            <a:spLocks noGrp="1"/>
+          </p:cNvSpPr>
+          <p:nvPr>
+            <p:ph type="title"/>
+          </p:nvPr>
+        </p:nvSpPr>
+        <p:spPr>
+          <a:xfrm>
+            <a:off x="504000" y="226080"/>
+            <a:ext cx="9072000" cy="946440"/>
+          </a:xfrm>
+          <a:prstGeom prst="rect">
+            <a:avLst/>
+          </a:prstGeom>
+          <a:noFill/>
+          <a:ln w="0">
+            <a:noFill/>
+          </a:ln>
+        </p:spPr>
+        <p:txBody>
+          <a:bodyPr lIns="0" rIns="0" tIns="0" bIns="0" anchor="ctr">
+            <a:noAutofit/>
+          </a:bodyPr>
+          <a:p>
+            <a:pPr algn="ctr">
+              <a:buNone/>
+            </a:pPr>
+            <a:r>
+              <a:rPr b="0" lang="en-US" sz="4400" spc="-1" strike="noStrike">
+                <a:latin typeface="Arial"/>
+              </a:rPr>
+              <a:t>Click to edit the title text format</a:t>
+            </a:r>
+            <a:endParaRPr b="0" lang="en-US" sz="4400" spc="-1" strike="noStrike">
+              <a:latin typeface="Arial"/>
+            </a:endParaRPr>
+          </a:p>
+        </p:txBody>
+      </p:sp>
+      <p:sp>
+        <p:nvSpPr>
+          <p:cNvPr id="6" name="PlaceHolder 5"/>
+          <p:cNvSpPr>
+            <a:spLocks noGrp="1"/>
+          </p:cNvSpPr>
+          <p:nvPr>
+            <p:ph type="body"/>
+          </p:nvPr>
+        </p:nvSpPr>
+        <p:spPr>
+          <a:xfrm>
+            <a:off x="504000" y="1326600"/>
+            <a:ext cx="9072000" cy="3288600"/>
+          </a:xfrm>
+          <a:prstGeom prst="rect">
+            <a:avLst/>
+          </a:prstGeom>
+          <a:noFill/>
+          <a:ln w="0">
+            <a:noFill/>
+          </a:ln>
+        </p:spPr>
+        <p:txBody>
+          <a:bodyPr lIns="0" rIns="0" tIns="0" bIns="0" anchor="t">
+            <a:normAutofit/>
+          </a:bodyPr>
+          <a:p>
+            <a:pPr marL="432000" indent="-324000">
+              <a:spcBef>
+                <a:spcPts val="1417"/>
+              </a:spcBef>
+              <a:buClr>
+                <a:srgbClr val="000000"/>
+              </a:buClr>
+              <a:buSzPct val="45000"/>
+              <a:buFont typeface="Wingdings" charset="2"/>
+              <a:buChar char=""/>
+            </a:pPr>
+            <a:r>
+              <a:rPr b="0" lang="en-US" sz="3200" spc="-1" strike="noStrike">
+                <a:latin typeface="Arial"/>
+              </a:rPr>
+              <a:t>Click to edit the outline text format</a:t>
+            </a:r>
+            <a:endParaRPr b="0" lang="en-US" sz="3200" spc="-1" strike="noStrike">
+              <a:latin typeface="Arial"/>
+            </a:endParaRPr>
+          </a:p>
+          <a:p>
+            <a:pPr lvl="1" marL="864000" indent="-324000">
+              <a:spcBef>
+                <a:spcPts val="1134"/>
+              </a:spcBef>
+              <a:buClr>
+                <a:srgbClr val="000000"/>
+              </a:buClr>
+              <a:buSzPct val="75000"/>
+              <a:buFont typeface="Symbol" charset="2"/>
+              <a:buChar char=""/>
+            </a:pPr>
+            <a:r>
+              <a:rPr b="0" lang="en-US" sz="2800" spc="-1" strike="noStrike">
+                <a:latin typeface="Arial"/>
+              </a:rPr>
+              <a:t>Second Outline Level</a:t>
+            </a:r>
+            <a:endParaRPr b="0" lang="en-US" sz="2800" spc="-1" strike="noStrike">
+              <a:latin typeface="Arial"/>
+            </a:endParaRPr>
+          </a:p>
+          <a:p>
+            <a:pPr lvl="2" marL="1296000" indent="-288000">
+              <a:spcBef>
+                <a:spcPts val="850"/>
+              </a:spcBef>
+              <a:buClr>
+                <a:srgbClr val="000000"/>
+              </a:buClr>
+              <a:buSzPct val="45000"/>
+              <a:buFont typeface="Wingdings" charset="2"/>
+              <a:buChar char=""/>
+            </a:pPr>
+            <a:r>
+              <a:rPr b="0" lang="en-US" sz="2400" spc="-1" strike="noStrike">
+                <a:latin typeface="Arial"/>
+              </a:rPr>
+              <a:t>Third Outline Level</a:t>
+            </a:r>
+            <a:endParaRPr b="0" lang="en-US" sz="2400" spc="-1" strike="noStrike">
+              <a:latin typeface="Arial"/>
+            </a:endParaRPr>
+          </a:p>
+          <a:p>
+            <a:pPr lvl="3" marL="1728000" indent="-216000">
+              <a:spcBef>
+                <a:spcPts val="567"/>
+              </a:spcBef>
+              <a:buClr>
+                <a:srgbClr val="000000"/>
+              </a:buClr>
+              <a:buSzPct val="75000"/>
+              <a:buFont typeface="Symbol" charset="2"/>
+              <a:buChar char=""/>
+            </a:pPr>
+            <a:r>
+              <a:rPr b="0" lang="en-US" sz="2000" spc="-1" strike="noStrike">
+                <a:latin typeface="Arial"/>
+              </a:rPr>
+              <a:t>Fourth Outline Level</a:t>
+            </a:r>
+            <a:endParaRPr b="0" lang="en-US" sz="2000" spc="-1" strike="noStrike">
+              <a:latin typeface="Arial"/>
+            </a:endParaRPr>
+          </a:p>
+          <a:p>
+            <a:pPr lvl="4" marL="2160000" indent="-216000">
+              <a:spcBef>
+                <a:spcPts val="283"/>
+              </a:spcBef>
+              <a:buClr>
+                <a:srgbClr val="000000"/>
+              </a:buClr>
+              <a:buSzPct val="45000"/>
+              <a:buFont typeface="Wingdings" charset="2"/>
+              <a:buChar char=""/>
+            </a:pPr>
+            <a:r>
+              <a:rPr b="0" lang="en-US" sz="2000" spc="-1" strike="noStrike">
+                <a:latin typeface="Arial"/>
+              </a:rPr>
+              <a:t>Fifth Outline Level</a:t>
+            </a:r>
+            <a:endParaRPr b="0" lang="en-US" sz="2000" spc="-1" strike="noStrike">
+              <a:latin typeface="Arial"/>
+            </a:endParaRPr>
+          </a:p>
+          <a:p>
+            <a:pPr lvl="5" marL="2592000" indent="-216000">
+              <a:spcBef>
+                <a:spcPts val="283"/>
+              </a:spcBef>
+              <a:buClr>
+                <a:srgbClr val="000000"/>
+              </a:buClr>
+              <a:buSzPct val="45000"/>
+              <a:buFont typeface="Wingdings" charset="2"/>
+              <a:buChar char=""/>
+            </a:pPr>
+            <a:r>
+              <a:rPr b="0" lang="en-US" sz="2000" spc="-1" strike="noStrike">
+                <a:latin typeface="Arial"/>
+              </a:rPr>
+              <a:t>Sixth Outline Level</a:t>
+            </a:r>
+            <a:endParaRPr b="0" lang="en-US" sz="2000" spc="-1" strike="noStrike">
+              <a:latin typeface="Arial"/>
+            </a:endParaRPr>
+          </a:p>
+          <a:p>
+            <a:pPr lvl="6" marL="3024000" indent="-216000">
+              <a:spcBef>
+                <a:spcPts val="283"/>
+              </a:spcBef>
+              <a:buClr>
+                <a:srgbClr val="000000"/>
+              </a:buClr>
+              <a:buSzPct val="45000"/>
+              <a:buFont typeface="Wingdings" charset="2"/>
+              <a:buChar char=""/>
+            </a:pPr>
+            <a:r>
+              <a:rPr b="0" lang="en-US" sz="2000" spc="-1" strike="noStrike">
+                <a:latin typeface="Arial"/>
+              </a:rPr>
+              <a:t>Seventh Outline Level</a:t>
+            </a:r>
+            <a:endParaRPr b="0" lang="en-US" sz="2000" spc="-1" strike="noStrike">
+              <a:latin typeface="Arial"/>
             </a:endParaRPr>
           </a:p>
         </p:txBody>
@@ -8854,7 +8859,7 @@
         <p:spPr>
           <a:xfrm>
             <a:off x="0" y="5400000"/>
-            <a:ext cx="10078920" cy="268920"/>
+            <a:ext cx="10078200" cy="268200"/>
           </a:xfrm>
           <a:prstGeom prst="rect">
             <a:avLst/>
@@ -8882,7 +8887,7 @@
         <p:spPr>
           <a:xfrm>
             <a:off x="0" y="0"/>
-            <a:ext cx="10078920" cy="1213920"/>
+            <a:ext cx="10078200" cy="1213200"/>
           </a:xfrm>
           <a:prstGeom prst="rect">
             <a:avLst/>
@@ -8910,7 +8915,7 @@
         <p:spPr>
           <a:xfrm>
             <a:off x="9315000" y="5175000"/>
-            <a:ext cx="448920" cy="448920"/>
+            <a:ext cx="448200" cy="448200"/>
           </a:xfrm>
           <a:prstGeom prst="ellipse">
             <a:avLst/>
@@ -8941,7 +8946,7 @@
         <p:spPr>
           <a:xfrm>
             <a:off x="9180000" y="5130000"/>
-            <a:ext cx="718920" cy="538920"/>
+            <a:ext cx="718200" cy="538200"/>
           </a:xfrm>
           <a:prstGeom prst="rect">
             <a:avLst/>
@@ -8968,7 +8973,7 @@
               </a:lnSpc>
               <a:buNone/>
             </a:pPr>
-            <a:fld id="{6F0584F9-00DF-408A-8F70-D7ECFB462342}" type="slidenum">
+            <a:fld id="{6A1C5E01-DDDA-4610-AA52-A4F2B1CB0746}" type="slidenum">
               <a:rPr b="1" lang="en-US" sz="1800" spc="-1" strike="noStrike">
                 <a:solidFill>
                   <a:srgbClr val="ffffff"/>
@@ -8996,8 +9001,8 @@
         </p:nvSpPr>
         <p:spPr>
           <a:xfrm>
-            <a:off x="360000" y="225720"/>
-            <a:ext cx="9358920" cy="717840"/>
+            <a:off x="504000" y="226080"/>
+            <a:ext cx="9071640" cy="946080"/>
           </a:xfrm>
           <a:prstGeom prst="rect">
             <a:avLst/>
@@ -9037,7 +9042,7 @@
         <p:spPr>
           <a:xfrm>
             <a:off x="3420000" y="5400000"/>
-            <a:ext cx="3238920" cy="268920"/>
+            <a:ext cx="3238200" cy="268200"/>
           </a:xfrm>
           <a:prstGeom prst="rect">
             <a:avLst/>
@@ -9100,7 +9105,7 @@
         <p:spPr>
           <a:xfrm>
             <a:off x="360000" y="5400000"/>
-            <a:ext cx="2878920" cy="268920"/>
+            <a:ext cx="2878200" cy="268200"/>
           </a:xfrm>
           <a:prstGeom prst="rect">
             <a:avLst/>
@@ -9363,7 +9368,7 @@
         <p:spPr>
           <a:xfrm>
             <a:off x="0" y="5400000"/>
-            <a:ext cx="10078920" cy="268920"/>
+            <a:ext cx="10078200" cy="268200"/>
           </a:xfrm>
           <a:prstGeom prst="rect">
             <a:avLst/>
@@ -9391,7 +9396,7 @@
         <p:spPr>
           <a:xfrm>
             <a:off x="0" y="0"/>
-            <a:ext cx="10078920" cy="1213920"/>
+            <a:ext cx="10078200" cy="1213200"/>
           </a:xfrm>
           <a:prstGeom prst="rect">
             <a:avLst/>
@@ -9419,7 +9424,7 @@
         <p:spPr>
           <a:xfrm>
             <a:off x="9315000" y="5175000"/>
-            <a:ext cx="448920" cy="448920"/>
+            <a:ext cx="448200" cy="448200"/>
           </a:xfrm>
           <a:prstGeom prst="ellipse">
             <a:avLst/>
@@ -9450,7 +9455,7 @@
         <p:spPr>
           <a:xfrm>
             <a:off x="9180000" y="5130000"/>
-            <a:ext cx="718920" cy="538920"/>
+            <a:ext cx="718200" cy="538200"/>
           </a:xfrm>
           <a:prstGeom prst="rect">
             <a:avLst/>
@@ -9477,7 +9482,7 @@
               </a:lnSpc>
               <a:buNone/>
             </a:pPr>
-            <a:fld id="{D3BA1663-3734-4954-A8B5-F9A32EB4C1BB}" type="slidenum">
+            <a:fld id="{7CD6E6A0-7FD6-4DD2-AF6C-C1104505E416}" type="slidenum">
               <a:rPr b="1" lang="en-US" sz="1800" spc="-1" strike="noStrike">
                 <a:solidFill>
                   <a:srgbClr val="ffffff"/>
@@ -9506,7 +9511,7 @@
         <p:spPr>
           <a:xfrm>
             <a:off x="3420000" y="5400000"/>
-            <a:ext cx="3238920" cy="268920"/>
+            <a:ext cx="3238200" cy="268200"/>
           </a:xfrm>
           <a:prstGeom prst="rect">
             <a:avLst/>
@@ -9569,7 +9574,7 @@
         <p:spPr>
           <a:xfrm>
             <a:off x="360000" y="5400000"/>
-            <a:ext cx="2878920" cy="268920"/>
+            <a:ext cx="2878200" cy="268200"/>
           </a:xfrm>
           <a:prstGeom prst="rect">
             <a:avLst/>
@@ -9875,7 +9880,7 @@
         <p:spPr>
           <a:xfrm>
             <a:off x="0" y="5400000"/>
-            <a:ext cx="10078920" cy="268920"/>
+            <a:ext cx="10078200" cy="268200"/>
           </a:xfrm>
           <a:prstGeom prst="rect">
             <a:avLst/>
@@ -9903,7 +9908,7 @@
         <p:spPr>
           <a:xfrm>
             <a:off x="0" y="0"/>
-            <a:ext cx="10078920" cy="1213920"/>
+            <a:ext cx="10078200" cy="1213200"/>
           </a:xfrm>
           <a:prstGeom prst="rect">
             <a:avLst/>
@@ -9931,7 +9936,7 @@
         <p:spPr>
           <a:xfrm>
             <a:off x="9315000" y="5175000"/>
-            <a:ext cx="448920" cy="448920"/>
+            <a:ext cx="448200" cy="448200"/>
           </a:xfrm>
           <a:prstGeom prst="ellipse">
             <a:avLst/>
@@ -9962,7 +9967,7 @@
         <p:spPr>
           <a:xfrm>
             <a:off x="9180000" y="5130000"/>
-            <a:ext cx="718920" cy="538920"/>
+            <a:ext cx="718200" cy="538200"/>
           </a:xfrm>
           <a:prstGeom prst="rect">
             <a:avLst/>
@@ -9989,7 +9994,7 @@
               </a:lnSpc>
               <a:buNone/>
             </a:pPr>
-            <a:fld id="{B9171CD3-3CD8-427A-A025-9F103E20CE70}" type="slidenum">
+            <a:fld id="{FBEDD988-6332-448C-A3A7-2AA881A177E5}" type="slidenum">
               <a:rPr b="1" lang="en-US" sz="1800" spc="-1" strike="noStrike">
                 <a:solidFill>
                   <a:srgbClr val="ffffff"/>
@@ -10012,236 +10017,13 @@
             <a:spLocks noGrp="1"/>
           </p:cNvSpPr>
           <p:nvPr>
-            <p:ph type="title"/>
-          </p:nvPr>
-        </p:nvSpPr>
-        <p:spPr>
-          <a:xfrm>
-            <a:off x="360000" y="225720"/>
-            <a:ext cx="9358920" cy="717840"/>
-          </a:xfrm>
-          <a:prstGeom prst="rect">
-            <a:avLst/>
-          </a:prstGeom>
-          <a:noFill/>
-          <a:ln w="0">
-            <a:noFill/>
-          </a:ln>
-        </p:spPr>
-        <p:txBody>
-          <a:bodyPr lIns="0" rIns="0" tIns="0" bIns="0" anchor="ctr">
-            <a:noAutofit/>
-          </a:bodyPr>
-          <a:p>
-            <a:r>
-              <a:rPr b="0" lang="en-US" sz="1800" spc="-1" strike="noStrike">
-                <a:latin typeface="Arial"/>
-              </a:rPr>
-              <a:t>Click to edit the title text format</a:t>
-            </a:r>
-            <a:endParaRPr b="0" lang="en-US" sz="1800" spc="-1" strike="noStrike">
-              <a:latin typeface="Arial"/>
-            </a:endParaRPr>
-          </a:p>
-        </p:txBody>
-      </p:sp>
-      <p:sp>
-        <p:nvSpPr>
-          <p:cNvPr id="136" name="PlaceHolder 2"/>
-          <p:cNvSpPr>
-            <a:spLocks noGrp="1"/>
-          </p:cNvSpPr>
-          <p:nvPr>
-            <p:ph type="body"/>
-          </p:nvPr>
-        </p:nvSpPr>
-        <p:spPr>
-          <a:xfrm>
-            <a:off x="360000" y="1485000"/>
-            <a:ext cx="9358920" cy="3778920"/>
-          </a:xfrm>
-          <a:prstGeom prst="rect">
-            <a:avLst/>
-          </a:prstGeom>
-          <a:noFill/>
-          <a:ln w="0">
-            <a:noFill/>
-          </a:ln>
-        </p:spPr>
-        <p:txBody>
-          <a:bodyPr lIns="0" rIns="0" tIns="0" bIns="0" anchor="t">
-            <a:normAutofit/>
-          </a:bodyPr>
-          <a:p>
-            <a:pPr marL="432000" indent="-324000">
-              <a:spcBef>
-                <a:spcPts val="1417"/>
-              </a:spcBef>
-              <a:buClr>
-                <a:srgbClr val="000000"/>
-              </a:buClr>
-              <a:buSzPct val="45000"/>
-              <a:buFont typeface="Wingdings" charset="2"/>
-              <a:buChar char=""/>
-            </a:pPr>
-            <a:r>
-              <a:rPr b="0" lang="en-US" sz="1800" spc="-1" strike="noStrike">
-                <a:latin typeface="Arial"/>
-              </a:rPr>
-              <a:t>Click to edit the outline text format</a:t>
-            </a:r>
-            <a:endParaRPr b="0" lang="en-US" sz="1800" spc="-1" strike="noStrike">
-              <a:latin typeface="Arial"/>
-            </a:endParaRPr>
-          </a:p>
-          <a:p>
-            <a:pPr lvl="1" marL="864000" indent="-324000">
-              <a:spcBef>
-                <a:spcPts val="1134"/>
-              </a:spcBef>
-              <a:buClr>
-                <a:srgbClr val="000000"/>
-              </a:buClr>
-              <a:buSzPct val="75000"/>
-              <a:buFont typeface="Symbol" charset="2"/>
-              <a:buChar char=""/>
-            </a:pPr>
-            <a:r>
-              <a:rPr b="0" lang="en-US" sz="1800" spc="-1" strike="noStrike">
-                <a:latin typeface="Arial"/>
-              </a:rPr>
-              <a:t>Second Outline Level</a:t>
-            </a:r>
-            <a:endParaRPr b="0" lang="en-US" sz="1800" spc="-1" strike="noStrike">
-              <a:latin typeface="Arial"/>
-            </a:endParaRPr>
-          </a:p>
-          <a:p>
-            <a:pPr lvl="2" marL="1296000" indent="-288000">
-              <a:spcBef>
-                <a:spcPts val="850"/>
-              </a:spcBef>
-              <a:buClr>
-                <a:srgbClr val="000000"/>
-              </a:buClr>
-              <a:buSzPct val="45000"/>
-              <a:buFont typeface="Wingdings" charset="2"/>
-              <a:buChar char=""/>
-            </a:pPr>
-            <a:r>
-              <a:rPr b="0" lang="en-US" sz="1800" spc="-1" strike="noStrike">
-                <a:latin typeface="Arial"/>
-              </a:rPr>
-              <a:t>Third Outline Level</a:t>
-            </a:r>
-            <a:endParaRPr b="0" lang="en-US" sz="1800" spc="-1" strike="noStrike">
-              <a:latin typeface="Arial"/>
-            </a:endParaRPr>
-          </a:p>
-          <a:p>
-            <a:pPr lvl="3" marL="1728000" indent="-216000">
-              <a:spcBef>
-                <a:spcPts val="567"/>
-              </a:spcBef>
-              <a:buClr>
-                <a:srgbClr val="000000"/>
-              </a:buClr>
-              <a:buSzPct val="75000"/>
-              <a:buFont typeface="Symbol" charset="2"/>
-              <a:buChar char=""/>
-            </a:pPr>
-            <a:r>
-              <a:rPr b="0" lang="en-US" sz="1800" spc="-1" strike="noStrike">
-                <a:latin typeface="Arial"/>
-              </a:rPr>
-              <a:t>Fourth Outline Level</a:t>
-            </a:r>
-            <a:endParaRPr b="0" lang="en-US" sz="1800" spc="-1" strike="noStrike">
-              <a:latin typeface="Arial"/>
-            </a:endParaRPr>
-          </a:p>
-          <a:p>
-            <a:pPr lvl="4" marL="2160000" indent="-216000">
-              <a:spcBef>
-                <a:spcPts val="283"/>
-              </a:spcBef>
-              <a:buClr>
-                <a:srgbClr val="000000"/>
-              </a:buClr>
-              <a:buSzPct val="45000"/>
-              <a:buFont typeface="Wingdings" charset="2"/>
-              <a:buChar char=""/>
-            </a:pPr>
-            <a:r>
-              <a:rPr b="0" lang="en-US" sz="1800" spc="-1" strike="noStrike">
-                <a:latin typeface="Arial"/>
-              </a:rPr>
-              <a:t>Fifth Outline Level</a:t>
-            </a:r>
-            <a:endParaRPr b="0" lang="en-US" sz="1800" spc="-1" strike="noStrike">
-              <a:latin typeface="Arial"/>
-            </a:endParaRPr>
-          </a:p>
-          <a:p>
-            <a:pPr lvl="5" marL="2592000" indent="-216000">
-              <a:spcBef>
-                <a:spcPts val="283"/>
-              </a:spcBef>
-              <a:buClr>
-                <a:srgbClr val="000000"/>
-              </a:buClr>
-              <a:buSzPct val="45000"/>
-              <a:buFont typeface="Wingdings" charset="2"/>
-              <a:buChar char=""/>
-            </a:pPr>
-            <a:r>
-              <a:rPr b="0" lang="en-US" sz="1800" spc="-1" strike="noStrike">
-                <a:latin typeface="Arial"/>
-              </a:rPr>
-              <a:t>Sixth Outline Level</a:t>
-            </a:r>
-            <a:endParaRPr b="0" lang="en-US" sz="1800" spc="-1" strike="noStrike">
-              <a:latin typeface="Arial"/>
-            </a:endParaRPr>
-          </a:p>
-          <a:p>
-            <a:pPr lvl="6" marL="3024000" indent="-216000">
-              <a:spcBef>
-                <a:spcPts val="283"/>
-              </a:spcBef>
-              <a:buClr>
-                <a:srgbClr val="000000"/>
-              </a:buClr>
-              <a:buSzPct val="45000"/>
-              <a:buFont typeface="Wingdings" charset="2"/>
-              <a:buChar char=""/>
-            </a:pPr>
-            <a:r>
-              <a:rPr b="0" lang="en-US" sz="1800" spc="-1" strike="noStrike">
-                <a:latin typeface="Arial"/>
-              </a:rPr>
-              <a:t>Seventh Outline Level</a:t>
-            </a:r>
-            <a:endParaRPr b="0" lang="en-US" sz="1800" spc="-1" strike="noStrike">
-              <a:latin typeface="Arial"/>
-            </a:endParaRPr>
-          </a:p>
-        </p:txBody>
-      </p:sp>
-      <p:sp>
-        <p:nvSpPr>
-          <p:cNvPr id="137" name="PlaceHolder 3"/>
-          <p:cNvSpPr>
-            <a:spLocks noGrp="1"/>
-          </p:cNvSpPr>
-          <p:nvPr>
             <p:ph type="ftr" idx="8"/>
           </p:nvPr>
         </p:nvSpPr>
         <p:spPr>
           <a:xfrm>
             <a:off x="3420000" y="5400000"/>
-            <a:ext cx="3238920" cy="268920"/>
+            <a:ext cx="3238200" cy="268200"/>
           </a:xfrm>
           <a:prstGeom prst="rect">
             <a:avLst/>
@@ -10293,7 +10075,7 @@
       </p:sp>
       <p:sp>
         <p:nvSpPr>
-          <p:cNvPr id="138" name="PlaceHolder 4"/>
+          <p:cNvPr id="136" name="PlaceHolder 2"/>
           <p:cNvSpPr>
             <a:spLocks noGrp="1"/>
           </p:cNvSpPr>
@@ -10304,7 +10086,7 @@
         <p:spPr>
           <a:xfrm>
             <a:off x="360000" y="5400000"/>
-            <a:ext cx="2878920" cy="268920"/>
+            <a:ext cx="2878200" cy="268200"/>
           </a:xfrm>
           <a:prstGeom prst="rect">
             <a:avLst/>
@@ -10334,6 +10116,232 @@
             </a:r>
             <a:endParaRPr b="0" lang="en-US" sz="1400" spc="-1" strike="noStrike">
               <a:latin typeface="Times New Roman"/>
+            </a:endParaRPr>
+          </a:p>
+        </p:txBody>
+      </p:sp>
+      <p:sp>
+        <p:nvSpPr>
+          <p:cNvPr id="137" name="PlaceHolder 3"/>
+          <p:cNvSpPr>
+            <a:spLocks noGrp="1"/>
+          </p:cNvSpPr>
+          <p:nvPr>
+            <p:ph type="title"/>
+          </p:nvPr>
+        </p:nvSpPr>
+        <p:spPr>
+          <a:xfrm>
+            <a:off x="504000" y="226080"/>
+            <a:ext cx="9072000" cy="946440"/>
+          </a:xfrm>
+          <a:prstGeom prst="rect">
+            <a:avLst/>
+          </a:prstGeom>
+          <a:noFill/>
+          <a:ln w="0">
+            <a:noFill/>
+          </a:ln>
+        </p:spPr>
+        <p:txBody>
+          <a:bodyPr lIns="0" rIns="0" tIns="0" bIns="0" anchor="ctr">
+            <a:noAutofit/>
+          </a:bodyPr>
+          <a:p>
+            <a:pPr algn="ctr">
+              <a:buNone/>
+            </a:pPr>
+            <a:r>
+              <a:rPr b="0" lang="en-US" sz="4400" spc="-1" strike="noStrike">
+                <a:latin typeface="Arial"/>
+              </a:rPr>
+              <a:t>Click to edit the title text format</a:t>
+            </a:r>
+            <a:endParaRPr b="0" lang="en-US" sz="4400" spc="-1" strike="noStrike">
+              <a:latin typeface="Arial"/>
+            </a:endParaRPr>
+          </a:p>
+        </p:txBody>
+      </p:sp>
+      <p:sp>
+        <p:nvSpPr>
+          <p:cNvPr id="138" name="PlaceHolder 4"/>
+          <p:cNvSpPr>
+            <a:spLocks noGrp="1"/>
+          </p:cNvSpPr>
+          <p:nvPr>
+            <p:ph type="body"/>
+          </p:nvPr>
+        </p:nvSpPr>
+        <p:spPr>
+          <a:xfrm>
+            <a:off x="504000" y="1326600"/>
+            <a:ext cx="9072000" cy="3288600"/>
+          </a:xfrm>
+          <a:prstGeom prst="rect">
+            <a:avLst/>
+          </a:prstGeom>
+          <a:noFill/>
+          <a:ln w="0">
+            <a:noFill/>
+          </a:ln>
+        </p:spPr>
+        <p:txBody>
+          <a:bodyPr lIns="0" rIns="0" tIns="0" bIns="0" anchor="t">
+            <a:normAutofit/>
+          </a:bodyPr>
+          <a:p>
+            <a:pPr marL="432000" indent="-324000">
+              <a:spcBef>
+                <a:spcPts val="1417"/>
+              </a:spcBef>
+              <a:buClr>
+                <a:srgbClr val="000000"/>
+              </a:buClr>
+              <a:buSzPct val="45000"/>
+              <a:buFont typeface="Wingdings" charset="2"/>
+              <a:buChar char=""/>
+            </a:pPr>
+            <a:r>
+              <a:rPr b="0" lang="en-US" sz="3200" spc="-1" strike="noStrike">
+                <a:latin typeface="Arial"/>
+              </a:rPr>
+              <a:t>Click to edit the outline text format</a:t>
+            </a:r>
+            <a:endParaRPr b="0" lang="en-US" sz="3200" spc="-1" strike="noStrike">
+              <a:latin typeface="Arial"/>
+            </a:endParaRPr>
+          </a:p>
+          <a:p>
+            <a:pPr lvl="1" marL="864000" indent="-324000">
+              <a:spcBef>
+                <a:spcPts val="1134"/>
+              </a:spcBef>
+              <a:buClr>
+                <a:srgbClr val="000000"/>
+              </a:buClr>
+              <a:buSzPct val="75000"/>
+              <a:buFont typeface="Symbol" charset="2"/>
+              <a:buChar char=""/>
+            </a:pPr>
+            <a:r>
+              <a:rPr b="0" lang="en-US" sz="2800" spc="-1" strike="noStrike">
+                <a:latin typeface="Arial"/>
+              </a:rPr>
+              <a:t>Second Outline Level</a:t>
+            </a:r>
+            <a:endParaRPr b="0" lang="en-US" sz="2800" spc="-1" strike="noStrike">
+              <a:latin typeface="Arial"/>
+            </a:endParaRPr>
+          </a:p>
+          <a:p>
+            <a:pPr lvl="2" marL="1296000" indent="-288000">
+              <a:spcBef>
+                <a:spcPts val="850"/>
+              </a:spcBef>
+              <a:buClr>
+                <a:srgbClr val="000000"/>
+              </a:buClr>
+              <a:buSzPct val="45000"/>
+              <a:buFont typeface="Wingdings" charset="2"/>
+              <a:buChar char=""/>
+            </a:pPr>
+            <a:r>
+              <a:rPr b="0" lang="en-US" sz="2400" spc="-1" strike="noStrike">
+                <a:latin typeface="Arial"/>
+              </a:rPr>
+              <a:t>Third Outline Level</a:t>
+            </a:r>
+            <a:endParaRPr b="0" lang="en-US" sz="2400" spc="-1" strike="noStrike">
+              <a:latin typeface="Arial"/>
+            </a:endParaRPr>
+          </a:p>
+          <a:p>
+            <a:pPr lvl="3" marL="1728000" indent="-216000">
+              <a:spcBef>
+                <a:spcPts val="567"/>
+              </a:spcBef>
+              <a:buClr>
+                <a:srgbClr val="000000"/>
+              </a:buClr>
+              <a:buSzPct val="75000"/>
+              <a:buFont typeface="Symbol" charset="2"/>
+              <a:buChar char=""/>
+            </a:pPr>
+            <a:r>
+              <a:rPr b="0" lang="en-US" sz="2000" spc="-1" strike="noStrike">
+                <a:latin typeface="Arial"/>
+              </a:rPr>
+              <a:t>Fourth Outline Level</a:t>
+            </a:r>
+            <a:endParaRPr b="0" lang="en-US" sz="2000" spc="-1" strike="noStrike">
+              <a:latin typeface="Arial"/>
+            </a:endParaRPr>
+          </a:p>
+          <a:p>
+            <a:pPr lvl="4" marL="2160000" indent="-216000">
+              <a:spcBef>
+                <a:spcPts val="283"/>
+              </a:spcBef>
+              <a:buClr>
+                <a:srgbClr val="000000"/>
+              </a:buClr>
+              <a:buSzPct val="45000"/>
+              <a:buFont typeface="Wingdings" charset="2"/>
+              <a:buChar char=""/>
+            </a:pPr>
+            <a:r>
+              <a:rPr b="0" lang="en-US" sz="2000" spc="-1" strike="noStrike">
+                <a:latin typeface="Arial"/>
+              </a:rPr>
+              <a:t>Fifth Outline Level</a:t>
+            </a:r>
+            <a:endParaRPr b="0" lang="en-US" sz="2000" spc="-1" strike="noStrike">
+              <a:latin typeface="Arial"/>
+            </a:endParaRPr>
+          </a:p>
+          <a:p>
+            <a:pPr lvl="5" marL="2592000" indent="-216000">
+              <a:spcBef>
+                <a:spcPts val="283"/>
+              </a:spcBef>
+              <a:buClr>
+                <a:srgbClr val="000000"/>
+              </a:buClr>
+              <a:buSzPct val="45000"/>
+              <a:buFont typeface="Wingdings" charset="2"/>
+              <a:buChar char=""/>
+            </a:pPr>
+            <a:r>
+              <a:rPr b="0" lang="en-US" sz="2000" spc="-1" strike="noStrike">
+                <a:latin typeface="Arial"/>
+              </a:rPr>
+              <a:t>Sixth Outline Level</a:t>
+            </a:r>
+            <a:endParaRPr b="0" lang="en-US" sz="2000" spc="-1" strike="noStrike">
+              <a:latin typeface="Arial"/>
+            </a:endParaRPr>
+          </a:p>
+          <a:p>
+            <a:pPr lvl="6" marL="3024000" indent="-216000">
+              <a:spcBef>
+                <a:spcPts val="283"/>
+              </a:spcBef>
+              <a:buClr>
+                <a:srgbClr val="000000"/>
+              </a:buClr>
+              <a:buSzPct val="45000"/>
+              <a:buFont typeface="Wingdings" charset="2"/>
+              <a:buChar char=""/>
+            </a:pPr>
+            <a:r>
+              <a:rPr b="0" lang="en-US" sz="2000" spc="-1" strike="noStrike">
+                <a:latin typeface="Arial"/>
+              </a:rPr>
+              <a:t>Seventh Outline Level</a:t>
+            </a:r>
+            <a:endParaRPr b="0" lang="en-US" sz="2000" spc="-1" strike="noStrike">
+              <a:latin typeface="Arial"/>
             </a:endParaRPr>
           </a:p>
         </p:txBody>
@@ -10388,7 +10396,7 @@
         <p:spPr>
           <a:xfrm>
             <a:off x="360000" y="225720"/>
-            <a:ext cx="9358920" cy="2745360"/>
+            <a:ext cx="9358200" cy="2744640"/>
           </a:xfrm>
           <a:prstGeom prst="rect">
             <a:avLst/>
@@ -10413,7 +10421,7 @@
               <a:rPr b="0" lang="en-US" sz="4200" spc="-1" strike="noStrike">
                 <a:latin typeface="Arial"/>
               </a:rPr>
-              <a:t>ON PICARD GROUPS OF DIRECTED GRAPHS</a:t>
+              <a:t>On Picard Groups and Jacobians of Directed Graphs</a:t>
             </a:r>
             <a:endParaRPr b="0" lang="en-US" sz="4200" spc="-1" strike="noStrike">
               <a:latin typeface="Arial"/>
@@ -10434,7 +10442,7 @@
         <p:spPr>
           <a:xfrm>
             <a:off x="504000" y="4071960"/>
-            <a:ext cx="9071280" cy="1185480"/>
+            <a:ext cx="9070560" cy="1184760"/>
           </a:xfrm>
           <a:prstGeom prst="rect">
             <a:avLst/>
@@ -10522,7 +10530,7 @@
       </p:grpSpPr>
       <p:sp>
         <p:nvSpPr>
-          <p:cNvPr id="198" name="PlaceHolder 1"/>
+          <p:cNvPr id="194" name="PlaceHolder 1"/>
           <p:cNvSpPr>
             <a:spLocks noGrp="1"/>
           </p:cNvSpPr>
@@ -10533,7 +10541,7 @@
         <p:spPr>
           <a:xfrm>
             <a:off x="360000" y="225720"/>
-            <a:ext cx="9358920" cy="717840"/>
+            <a:ext cx="9358200" cy="717120"/>
           </a:xfrm>
           <a:prstGeom prst="rect">
             <a:avLst/>
@@ -10561,7 +10569,19 @@
                 </a:solidFill>
                 <a:latin typeface="Arial"/>
               </a:rPr>
-              <a:t>Trees, Cycles, and Pseudo-Trees</a:t>
+              <a:t>The Laplacian and </a:t>
+            </a:r>
+            <a:br>
+              <a:rPr sz="4400"/>
+            </a:br>
+            <a:r>
+              <a:rPr b="0" lang="en-US" sz="4400" spc="-1" strike="noStrike">
+                <a:solidFill>
+                  <a:srgbClr val="ffffff"/>
+                </a:solidFill>
+                <a:latin typeface="Arial"/>
+              </a:rPr>
+              <a:t>The Smith Normal Form</a:t>
             </a:r>
             <a:endParaRPr b="0" lang="en-US" sz="4400" spc="-1" strike="noStrike">
               <a:latin typeface="Arial"/>
@@ -10571,7 +10591,7 @@
       </p:sp>
       <p:sp>
         <p:nvSpPr>
-          <p:cNvPr id="199" name="PlaceHolder 2"/>
+          <p:cNvPr id="195" name="PlaceHolder 2"/>
           <p:cNvSpPr>
             <a:spLocks noGrp="1"/>
           </p:cNvSpPr>
@@ -10581,8 +10601,8 @@
         </p:nvSpPr>
         <p:spPr>
           <a:xfrm>
-            <a:off x="360000" y="1485000"/>
-            <a:ext cx="9358920" cy="3778920"/>
+            <a:off x="457200" y="1744920"/>
+            <a:ext cx="1114920" cy="3054960"/>
           </a:xfrm>
           <a:prstGeom prst="rect">
             <a:avLst/>
@@ -10594,116 +10614,345 @@
         </p:spPr>
         <p:txBody>
           <a:bodyPr lIns="0" rIns="0" tIns="0" bIns="0" anchor="t">
-            <a:normAutofit fontScale="29000"/>
-          </a:bodyPr>
-          <a:p>
-            <a:pPr marL="432000" indent="-324000">
+            <a:normAutofit/>
+          </a:bodyPr>
+          <a:p>
+            <a:pPr>
               <a:lnSpc>
                 <a:spcPct val="100000"/>
               </a:lnSpc>
-              <a:spcBef>
-                <a:spcPts val="1417"/>
-              </a:spcBef>
-              <a:buClr>
-                <a:srgbClr val="000000"/>
-              </a:buClr>
-              <a:buSzPct val="45000"/>
-              <a:buFont typeface="Wingdings" charset="2"/>
-              <a:buChar char=""/>
+              <a:buNone/>
             </a:pPr>
             <a:r>
-              <a:rPr b="0" lang="en-US" sz="10560" spc="-1" strike="noStrike">
-                <a:latin typeface="Arial"/>
-              </a:rPr>
-              <a:t>A </a:t>
-            </a:r>
-            <a:r>
-              <a:rPr b="1" lang="en-US" sz="10560" spc="-1" strike="noStrike">
-                <a:latin typeface="Arial"/>
-              </a:rPr>
-              <a:t>Tree Graph</a:t>
-            </a:r>
-            <a:r>
-              <a:rPr b="0" lang="en-US" sz="10560" spc="-1" strike="noStrike">
-                <a:latin typeface="Arial"/>
-              </a:rPr>
-              <a:t> is a graph where there is only one path between vertices and contains no cycles.</a:t>
-            </a:r>
-            <a:endParaRPr b="0" lang="en-US" sz="10560" spc="-1" strike="noStrike">
-              <a:latin typeface="Arial"/>
-            </a:endParaRPr>
-          </a:p>
-          <a:p>
-            <a:pPr marL="432000" indent="-324000">
+              <a:rPr b="0" lang="en-US" sz="1650" spc="-1" strike="noStrike">
+                <a:latin typeface="Arial"/>
+              </a:rPr>
+              <a:t>Laplacian</a:t>
+            </a:r>
+            <a:endParaRPr b="0" lang="en-US" sz="1650" spc="-1" strike="noStrike">
+              <a:latin typeface="Arial"/>
+            </a:endParaRPr>
+          </a:p>
+          <a:p>
+            <a:pPr>
               <a:lnSpc>
                 <a:spcPct val="100000"/>
               </a:lnSpc>
-              <a:spcBef>
-                <a:spcPts val="1417"/>
-              </a:spcBef>
-              <a:buClr>
-                <a:srgbClr val="000000"/>
-              </a:buClr>
-              <a:buSzPct val="45000"/>
-              <a:buFont typeface="Wingdings" charset="2"/>
-              <a:buChar char=""/>
+              <a:buNone/>
             </a:pPr>
-            <a:r>
-              <a:rPr b="0" lang="en-US" sz="10560" spc="-1" strike="noStrike">
-                <a:latin typeface="Arial"/>
-              </a:rPr>
-              <a:t>A </a:t>
-            </a:r>
-            <a:r>
-              <a:rPr b="1" lang="en-US" sz="10560" spc="-1" strike="noStrike">
-                <a:latin typeface="Arial"/>
-              </a:rPr>
-              <a:t>Cycle Graph</a:t>
-            </a:r>
-            <a:r>
-              <a:rPr b="0" lang="en-US" sz="10560" spc="-1" strike="noStrike">
-                <a:latin typeface="Arial"/>
-              </a:rPr>
-              <a:t> is a graph that only has one cycle, or a line graph with another connection between the first and last vertices.</a:t>
-            </a:r>
-            <a:endParaRPr b="0" lang="en-US" sz="10560" spc="-1" strike="noStrike">
-              <a:latin typeface="Arial"/>
-            </a:endParaRPr>
-          </a:p>
-          <a:p>
-            <a:pPr marL="432000" indent="-324000">
+            <a:endParaRPr b="0" lang="en-US" sz="1650" spc="-1" strike="noStrike">
+              <a:latin typeface="Arial"/>
+            </a:endParaRPr>
+          </a:p>
+          <a:p>
+            <a:pPr>
               <a:lnSpc>
                 <a:spcPct val="100000"/>
               </a:lnSpc>
-              <a:spcBef>
-                <a:spcPts val="1417"/>
-              </a:spcBef>
-              <a:buClr>
-                <a:srgbClr val="000000"/>
-              </a:buClr>
-              <a:buSzPct val="45000"/>
-              <a:buFont typeface="Wingdings" charset="2"/>
-              <a:buChar char=""/>
+              <a:buNone/>
             </a:pPr>
-            <a:r>
-              <a:rPr b="0" lang="en-US" sz="10560" spc="-1" strike="noStrike">
-                <a:latin typeface="Arial"/>
-              </a:rPr>
-              <a:t>A </a:t>
-            </a:r>
-            <a:r>
-              <a:rPr b="1" lang="en-US" sz="9600" spc="-1" strike="noStrike">
-                <a:latin typeface="Arial"/>
-              </a:rPr>
-              <a:t>Pseudo-Tree Graph</a:t>
-            </a:r>
-            <a:r>
-              <a:rPr b="0" lang="en-US" sz="9600" spc="-1" strike="noStrike">
-                <a:latin typeface="Arial"/>
-              </a:rPr>
-              <a:t> is a combination of these two.  This graph is created by gluing a tree to one of the vertices of a cycle graph.</a:t>
-            </a:r>
-            <a:endParaRPr b="0" lang="en-US" sz="9600" spc="-1" strike="noStrike">
+            <a:endParaRPr b="0" lang="en-US" sz="1650" spc="-1" strike="noStrike">
+              <a:latin typeface="Arial"/>
+            </a:endParaRPr>
+          </a:p>
+          <a:p>
+            <a:pPr>
+              <a:lnSpc>
+                <a:spcPct val="100000"/>
+              </a:lnSpc>
+              <a:buNone/>
+            </a:pPr>
+            <a:endParaRPr b="0" lang="en-US" sz="1650" spc="-1" strike="noStrike">
+              <a:latin typeface="Arial"/>
+            </a:endParaRPr>
+          </a:p>
+          <a:p>
+            <a:pPr>
+              <a:lnSpc>
+                <a:spcPct val="100000"/>
+              </a:lnSpc>
+              <a:buNone/>
+            </a:pPr>
+            <a:endParaRPr b="0" lang="en-US" sz="1650" spc="-1" strike="noStrike">
+              <a:latin typeface="Arial"/>
+            </a:endParaRPr>
+          </a:p>
+          <a:p>
+            <a:pPr>
+              <a:lnSpc>
+                <a:spcPct val="100000"/>
+              </a:lnSpc>
+              <a:buNone/>
+            </a:pPr>
+            <a:r>
+              <a:rPr b="0" lang="en-US" sz="1650" spc="-1" strike="noStrike">
+                <a:latin typeface="Arial"/>
+              </a:rPr>
+              <a:t>Smith Normal Form</a:t>
+            </a:r>
+            <a:endParaRPr b="0" lang="en-US" sz="1650" spc="-1" strike="noStrike">
+              <a:latin typeface="Arial"/>
+            </a:endParaRPr>
+          </a:p>
+        </p:txBody>
+      </p:sp>
+      <p:pic>
+        <p:nvPicPr>
+          <p:cNvPr id="196" name="" descr=""/>
+          <p:cNvPicPr/>
+          <p:nvPr/>
+        </p:nvPicPr>
+        <p:blipFill>
+          <a:blip r:embed="rId1"/>
+          <a:stretch/>
+        </p:blipFill>
+        <p:spPr>
+          <a:xfrm>
+            <a:off x="1572840" y="1371600"/>
+            <a:ext cx="6198840" cy="2017800"/>
+          </a:xfrm>
+          <a:prstGeom prst="rect">
+            <a:avLst/>
+          </a:prstGeom>
+          <a:ln w="0">
+            <a:noFill/>
+          </a:ln>
+        </p:spPr>
+      </p:pic>
+      <p:pic>
+        <p:nvPicPr>
+          <p:cNvPr id="197" name="" descr=""/>
+          <p:cNvPicPr/>
+          <p:nvPr/>
+        </p:nvPicPr>
+        <p:blipFill>
+          <a:blip r:embed="rId2"/>
+          <a:stretch/>
+        </p:blipFill>
+        <p:spPr>
+          <a:xfrm>
+            <a:off x="1572840" y="3390120"/>
+            <a:ext cx="6198840" cy="2017800"/>
+          </a:xfrm>
+          <a:prstGeom prst="rect">
+            <a:avLst/>
+          </a:prstGeom>
+          <a:ln w="0">
+            <a:noFill/>
+          </a:ln>
+        </p:spPr>
+      </p:pic>
+      <p:sp>
+        <p:nvSpPr>
+          <p:cNvPr id="198" name=""/>
+          <p:cNvSpPr/>
+          <p:nvPr/>
+        </p:nvSpPr>
+        <p:spPr>
+          <a:xfrm>
+            <a:off x="7794720" y="3390120"/>
+            <a:ext cx="2285280" cy="1113480"/>
+          </a:xfrm>
+          <a:prstGeom prst="rect">
+            <a:avLst/>
+          </a:prstGeom>
+          <a:noFill/>
+          <a:ln w="0">
+            <a:noFill/>
+          </a:ln>
+        </p:spPr>
+        <p:style>
+          <a:lnRef idx="0"/>
+          <a:fillRef idx="0"/>
+          <a:effectRef idx="0"/>
+          <a:fontRef idx="minor"/>
+        </p:style>
+        <p:txBody>
+          <a:bodyPr lIns="90000" rIns="90000" tIns="45000" bIns="45000" anchor="t">
+            <a:noAutofit/>
+          </a:bodyPr>
+          <a:p>
+            <a:pPr>
+              <a:lnSpc>
+                <a:spcPct val="100000"/>
+              </a:lnSpc>
+              <a:buNone/>
+            </a:pPr>
+            <a:r>
+              <a:rPr b="0" lang="en-US" sz="1800" spc="-1" strike="noStrike">
+                <a:solidFill>
+                  <a:srgbClr val="000000"/>
+                </a:solidFill>
+                <a:latin typeface="Arial"/>
+                <a:ea typeface="DejaVu Sans"/>
+              </a:rPr>
+              <a:t>Pic(G) = ℤ</a:t>
+            </a:r>
+            <a:r>
+              <a:rPr b="0" lang="en-US" sz="1800" spc="-1" strike="noStrike" baseline="-8000">
+                <a:solidFill>
+                  <a:srgbClr val="000000"/>
+                </a:solidFill>
+                <a:latin typeface="Arial"/>
+                <a:ea typeface="DejaVu Sans"/>
+              </a:rPr>
+              <a:t>3</a:t>
+            </a:r>
+            <a:r>
+              <a:rPr b="0" lang="en-US" sz="1800" spc="-1" strike="noStrike">
+                <a:solidFill>
+                  <a:srgbClr val="000000"/>
+                </a:solidFill>
+                <a:latin typeface="Arial"/>
+                <a:ea typeface="DejaVu Sans"/>
+              </a:rPr>
+              <a:t> x ℤ</a:t>
+            </a:r>
+            <a:r>
+              <a:rPr b="0" lang="en-US" sz="1800" spc="-1" strike="noStrike" baseline="33000">
+                <a:solidFill>
+                  <a:srgbClr val="000000"/>
+                </a:solidFill>
+                <a:latin typeface="Arial"/>
+                <a:ea typeface="DejaVu Sans"/>
+              </a:rPr>
+              <a:t>3</a:t>
+            </a:r>
+            <a:endParaRPr b="0" lang="en-US" sz="1800" spc="-1" strike="noStrike">
+              <a:latin typeface="Arial"/>
+            </a:endParaRPr>
+          </a:p>
+          <a:p>
+            <a:pPr>
+              <a:lnSpc>
+                <a:spcPct val="100000"/>
+              </a:lnSpc>
+              <a:buNone/>
+            </a:pPr>
+            <a:r>
+              <a:rPr b="0" lang="en-US" sz="1800" spc="-1" strike="noStrike">
+                <a:solidFill>
+                  <a:srgbClr val="000000"/>
+                </a:solidFill>
+                <a:latin typeface="Arial"/>
+                <a:ea typeface="DejaVu Sans"/>
+              </a:rPr>
+              <a:t>From 3 at M</a:t>
+            </a:r>
+            <a:r>
+              <a:rPr b="0" lang="en-US" sz="1800" spc="-1" strike="noStrike" baseline="-8000">
+                <a:solidFill>
+                  <a:srgbClr val="000000"/>
+                </a:solidFill>
+                <a:latin typeface="Arial"/>
+                <a:ea typeface="DejaVu Sans"/>
+              </a:rPr>
+              <a:t>4,4</a:t>
+            </a:r>
+            <a:r>
+              <a:rPr b="0" lang="en-US" sz="1800" spc="-1" strike="noStrike">
+                <a:solidFill>
+                  <a:srgbClr val="000000"/>
+                </a:solidFill>
+                <a:latin typeface="Arial"/>
+                <a:ea typeface="DejaVu Sans"/>
+              </a:rPr>
+              <a:t> and from 3 empty rows</a:t>
+            </a:r>
+            <a:endParaRPr b="0" lang="en-US" sz="1800" spc="-1" strike="noStrike">
+              <a:latin typeface="Arial"/>
+            </a:endParaRPr>
+          </a:p>
+        </p:txBody>
+      </p:sp>
+      <p:sp>
+        <p:nvSpPr>
+          <p:cNvPr id="199" name=""/>
+          <p:cNvSpPr/>
+          <p:nvPr/>
+        </p:nvSpPr>
+        <p:spPr>
+          <a:xfrm>
+            <a:off x="7772400" y="4343400"/>
+            <a:ext cx="2307600" cy="601560"/>
+          </a:xfrm>
+          <a:prstGeom prst="rect">
+            <a:avLst/>
+          </a:prstGeom>
+          <a:noFill/>
+          <a:ln w="0">
+            <a:noFill/>
+          </a:ln>
+        </p:spPr>
+        <p:style>
+          <a:lnRef idx="0"/>
+          <a:fillRef idx="0"/>
+          <a:effectRef idx="0"/>
+          <a:fontRef idx="minor"/>
+        </p:style>
+        <p:txBody>
+          <a:bodyPr lIns="90000" rIns="90000" tIns="45000" bIns="45000" anchor="t">
+            <a:noAutofit/>
+          </a:bodyPr>
+          <a:p>
+            <a:pPr>
+              <a:lnSpc>
+                <a:spcPct val="100000"/>
+              </a:lnSpc>
+              <a:buNone/>
+            </a:pPr>
+            <a:r>
+              <a:rPr b="0" lang="en-US" sz="1800" spc="-1" strike="noStrike">
+                <a:solidFill>
+                  <a:srgbClr val="000000"/>
+                </a:solidFill>
+                <a:latin typeface="Arial"/>
+                <a:ea typeface="DejaVu Sans"/>
+              </a:rPr>
+              <a:t>Jac(G) = ℤ</a:t>
+            </a:r>
+            <a:r>
+              <a:rPr b="0" lang="en-US" sz="1800" spc="-1" strike="noStrike" baseline="-8000">
+                <a:solidFill>
+                  <a:srgbClr val="000000"/>
+                </a:solidFill>
+                <a:latin typeface="Arial"/>
+                <a:ea typeface="DejaVu Sans"/>
+              </a:rPr>
+              <a:t>3</a:t>
+            </a:r>
+            <a:endParaRPr b="0" lang="en-US" sz="1800" spc="-1" strike="noStrike">
+              <a:latin typeface="Arial"/>
+            </a:endParaRPr>
+          </a:p>
+          <a:p>
+            <a:pPr>
+              <a:lnSpc>
+                <a:spcPct val="100000"/>
+              </a:lnSpc>
+              <a:buNone/>
+            </a:pPr>
+            <a:r>
+              <a:rPr b="0" lang="en-US" sz="1800" spc="-1" strike="noStrike">
+                <a:solidFill>
+                  <a:srgbClr val="000000"/>
+                </a:solidFill>
+                <a:latin typeface="Arial"/>
+                <a:ea typeface="DejaVu Sans"/>
+              </a:rPr>
+              <a:t>From 3 at M</a:t>
+            </a:r>
+            <a:r>
+              <a:rPr b="0" lang="en-US" sz="1800" spc="-1" strike="noStrike" baseline="-8000">
+                <a:solidFill>
+                  <a:srgbClr val="000000"/>
+                </a:solidFill>
+                <a:latin typeface="Arial"/>
+                <a:ea typeface="DejaVu Sans"/>
+              </a:rPr>
+              <a:t>4,4</a:t>
+            </a:r>
+            <a:endParaRPr b="0" lang="en-US" sz="1800" spc="-1" strike="noStrike">
               <a:latin typeface="Arial"/>
             </a:endParaRPr>
           </a:p>
@@ -10752,7 +11001,7 @@
         <p:spPr>
           <a:xfrm>
             <a:off x="360000" y="225720"/>
-            <a:ext cx="9358920" cy="717840"/>
+            <a:ext cx="9358200" cy="717120"/>
           </a:xfrm>
           <a:prstGeom prst="rect">
             <a:avLst/>
@@ -10780,7 +11029,7 @@
                 </a:solidFill>
                 <a:latin typeface="Arial"/>
               </a:rPr>
-              <a:t>Research Objectives</a:t>
+              <a:t>Trees, Cycles, and Pseudo-Trees</a:t>
             </a:r>
             <a:endParaRPr b="0" lang="en-US" sz="4400" spc="-1" strike="noStrike">
               <a:latin typeface="Arial"/>
@@ -10801,7 +11050,7 @@
         <p:spPr>
           <a:xfrm>
             <a:off x="360000" y="1485000"/>
-            <a:ext cx="9358920" cy="3778920"/>
+            <a:ext cx="9358200" cy="3778200"/>
           </a:xfrm>
           <a:prstGeom prst="rect">
             <a:avLst/>
@@ -10813,7 +11062,7 @@
         </p:spPr>
         <p:txBody>
           <a:bodyPr lIns="0" rIns="0" tIns="0" bIns="0" anchor="t">
-            <a:normAutofit fontScale="31000"/>
+            <a:normAutofit/>
           </a:bodyPr>
           <a:p>
             <a:pPr marL="432000" indent="-324000">
@@ -10831,12 +11080,24 @@
               <a:buChar char=""/>
             </a:pPr>
             <a:r>
-              <a:rPr b="0" lang="en-US" sz="10560" spc="-1" strike="noStrike">
-                <a:latin typeface="Arial"/>
-              </a:rPr>
-              <a:t>The overarching objective of this project is to develop techniques to calculate the Picard group and Jacobian of cycle graphs and trees.</a:t>
-            </a:r>
-            <a:endParaRPr b="0" lang="en-US" sz="10560" spc="-1" strike="noStrike">
+              <a:rPr b="0" lang="en-US" sz="2400" spc="-1" strike="noStrike">
+                <a:latin typeface="Arial"/>
+              </a:rPr>
+              <a:t>A </a:t>
+            </a:r>
+            <a:r>
+              <a:rPr b="1" lang="en-US" sz="2400" spc="-1" strike="noStrike">
+                <a:latin typeface="Arial"/>
+              </a:rPr>
+              <a:t>Tree Graph</a:t>
+            </a:r>
+            <a:r>
+              <a:rPr b="0" lang="en-US" sz="2400" spc="-1" strike="noStrike">
+                <a:latin typeface="Arial"/>
+              </a:rPr>
+              <a:t> is a graph where there is only one path between vertices and contains no cycles.</a:t>
+            </a:r>
+            <a:endParaRPr b="0" lang="en-US" sz="2400" spc="-1" strike="noStrike">
               <a:latin typeface="Arial"/>
             </a:endParaRPr>
           </a:p>
@@ -10856,12 +11117,61 @@
               <a:buChar char=""/>
             </a:pPr>
             <a:r>
-              <a:rPr b="0" lang="en-US" sz="10560" spc="-1" strike="noStrike">
-                <a:latin typeface="Arial"/>
-              </a:rPr>
-              <a:t>These techniques can possibly then be used on pseudo-trees to more easily calculate their Picard Groups and Jacobians as they are less trivial. </a:t>
-            </a:r>
-            <a:endParaRPr b="0" lang="en-US" sz="10560" spc="-1" strike="noStrike">
+              <a:rPr b="0" lang="en-US" sz="2400" spc="-1" strike="noStrike">
+                <a:latin typeface="Arial"/>
+              </a:rPr>
+              <a:t>A </a:t>
+            </a:r>
+            <a:r>
+              <a:rPr b="1" lang="en-US" sz="2400" spc="-1" strike="noStrike">
+                <a:latin typeface="Arial"/>
+              </a:rPr>
+              <a:t>Cycle Graph</a:t>
+            </a:r>
+            <a:r>
+              <a:rPr b="0" lang="en-US" sz="2400" spc="-1" strike="noStrike">
+                <a:latin typeface="Arial"/>
+              </a:rPr>
+              <a:t> is a graph that only has one cycle, or a line graph with another connection between the first and last vertices.</a:t>
+            </a:r>
+            <a:endParaRPr b="0" lang="en-US" sz="2400" spc="-1" strike="noStrike">
+              <a:latin typeface="Arial"/>
+            </a:endParaRPr>
+          </a:p>
+          <a:p>
+            <a:pPr marL="432000" indent="-324000">
+              <a:lnSpc>
+                <a:spcPct val="100000"/>
+              </a:lnSpc>
+              <a:spcBef>
+                <a:spcPts val="1417"/>
+              </a:spcBef>
+              <a:buClr>
+                <a:srgbClr val="000000"/>
+              </a:buClr>
+              <a:buSzPct val="45000"/>
+              <a:buFont typeface="Wingdings" charset="2"/>
+              <a:buChar char=""/>
+            </a:pPr>
+            <a:r>
+              <a:rPr b="0" lang="en-US" sz="2400" spc="-1" strike="noStrike">
+                <a:latin typeface="Arial"/>
+              </a:rPr>
+              <a:t>A </a:t>
+            </a:r>
+            <a:r>
+              <a:rPr b="1" lang="en-US" sz="2400" spc="-1" strike="noStrike">
+                <a:latin typeface="Arial"/>
+              </a:rPr>
+              <a:t>Pseudo-Tree Graph</a:t>
+            </a:r>
+            <a:r>
+              <a:rPr b="0" lang="en-US" sz="2400" spc="-1" strike="noStrike">
+                <a:latin typeface="Arial"/>
+              </a:rPr>
+              <a:t> is a combination of these two.  This graph is created by gluing a tree to one of the vertices of a cycle graph.</a:t>
+            </a:r>
+            <a:endParaRPr b="0" lang="en-US" sz="2400" spc="-1" strike="noStrike">
               <a:latin typeface="Arial"/>
             </a:endParaRPr>
           </a:p>
@@ -10909,8 +11219,8 @@
         </p:nvSpPr>
         <p:spPr>
           <a:xfrm>
-            <a:off x="360000" y="-39960"/>
-            <a:ext cx="9358920" cy="1249560"/>
+            <a:off x="360000" y="225720"/>
+            <a:ext cx="9358200" cy="717120"/>
           </a:xfrm>
           <a:prstGeom prst="rect">
             <a:avLst/>
@@ -10938,205 +11248,9 @@
                 </a:solidFill>
                 <a:latin typeface="Arial"/>
               </a:rPr>
-              <a:t>Finding The Rank of a Tree’s Picard Group</a:t>
+              <a:t>Research</a:t>
             </a:r>
             <a:endParaRPr b="0" lang="en-US" sz="4400" spc="-1" strike="noStrike">
-              <a:latin typeface="Arial"/>
-            </a:endParaRPr>
-          </a:p>
-        </p:txBody>
-      </p:sp>
-      <p:sp>
-        <p:nvSpPr>
-          <p:cNvPr id="203" name="PlaceHolder 2"/>
-          <p:cNvSpPr>
-            <a:spLocks noGrp="1"/>
-          </p:cNvSpPr>
-          <p:nvPr>
-            <p:ph/>
-          </p:nvPr>
-        </p:nvSpPr>
-        <p:spPr>
-          <a:xfrm>
-            <a:off x="360000" y="1485000"/>
-            <a:ext cx="9358920" cy="3778920"/>
-          </a:xfrm>
-          <a:prstGeom prst="rect">
-            <a:avLst/>
-          </a:prstGeom>
-          <a:noFill/>
-          <a:ln w="0">
-            <a:noFill/>
-          </a:ln>
-        </p:spPr>
-        <p:txBody>
-          <a:bodyPr lIns="0" rIns="0" tIns="0" bIns="0" anchor="t">
-            <a:normAutofit fontScale="63000"/>
-          </a:bodyPr>
-          <a:p>
-            <a:pPr marL="432000" indent="-324000">
-              <a:lnSpc>
-                <a:spcPct val="100000"/>
-              </a:lnSpc>
-              <a:spcBef>
-                <a:spcPts val="1417"/>
-              </a:spcBef>
-              <a:buClr>
-                <a:srgbClr val="000000"/>
-              </a:buClr>
-              <a:buSzPct val="45000"/>
-              <a:buFont typeface="Wingdings" charset="2"/>
-              <a:buChar char=""/>
-            </a:pPr>
-            <a:r>
-              <a:rPr b="0" lang="en-US" sz="3200" spc="-1" strike="noStrike">
-                <a:latin typeface="Arial"/>
-              </a:rPr>
-              <a:t>The Picard group is commonly written in the form </a:t>
-            </a:r>
-            <a:r>
-              <a:rPr b="0" i="1" lang="en-US" sz="3200" spc="-1" strike="noStrike">
-                <a:latin typeface="Arial"/>
-              </a:rPr>
-              <a:t>Pic(G) = Jac(G) x Z</a:t>
-            </a:r>
-            <a:r>
-              <a:rPr b="0" i="1" lang="en-US" sz="3200" spc="-1" strike="noStrike" baseline="33000">
-                <a:latin typeface="Arial"/>
-              </a:rPr>
-              <a:t>n</a:t>
-            </a:r>
-            <a:r>
-              <a:rPr b="0" lang="en-US" sz="3200" spc="-1" strike="noStrike">
-                <a:latin typeface="Arial"/>
-              </a:rPr>
-              <a:t>, where </a:t>
-            </a:r>
-            <a:r>
-              <a:rPr b="0" i="1" lang="en-US" sz="3200" spc="-1" strike="noStrike">
-                <a:latin typeface="Arial"/>
-              </a:rPr>
-              <a:t>n</a:t>
-            </a:r>
-            <a:r>
-              <a:rPr b="0" lang="en-US" sz="3200" spc="-1" strike="noStrike">
-                <a:latin typeface="Arial"/>
-              </a:rPr>
-              <a:t> is the rank of the Picard group.</a:t>
-            </a:r>
-            <a:endParaRPr b="0" lang="en-US" sz="3200" spc="-1" strike="noStrike">
-              <a:latin typeface="Arial"/>
-            </a:endParaRPr>
-          </a:p>
-          <a:p>
-            <a:pPr marL="216000" indent="-216000">
-              <a:lnSpc>
-                <a:spcPct val="100000"/>
-              </a:lnSpc>
-              <a:spcBef>
-                <a:spcPts val="1417"/>
-              </a:spcBef>
-              <a:buClr>
-                <a:srgbClr val="000000"/>
-              </a:buClr>
-              <a:buSzPct val="45000"/>
-              <a:buFont typeface="Wingdings" charset="2"/>
-              <a:buChar char=""/>
-            </a:pPr>
-            <a:r>
-              <a:rPr b="0" lang="en-US" sz="3200" spc="-1" strike="noStrike">
-                <a:solidFill>
-                  <a:srgbClr val="000000"/>
-                </a:solidFill>
-                <a:latin typeface="Arial"/>
-              </a:rPr>
-              <a:t>This rank for a tree graph can be easily calculated inductively.  By reconstructing an arbitrary tree edge by edge, its rank can be determined by following two rules.</a:t>
-            </a:r>
-            <a:endParaRPr b="0" lang="en-US" sz="3200" spc="-1" strike="noStrike">
-              <a:latin typeface="Arial"/>
-            </a:endParaRPr>
-          </a:p>
-          <a:p>
-            <a:pPr marL="216000" indent="-216000">
-              <a:lnSpc>
-                <a:spcPct val="100000"/>
-              </a:lnSpc>
-              <a:spcBef>
-                <a:spcPts val="1417"/>
-              </a:spcBef>
-              <a:buClr>
-                <a:srgbClr val="000000"/>
-              </a:buClr>
-              <a:buSzPct val="45000"/>
-              <a:buFont typeface="Wingdings" charset="2"/>
-              <a:buChar char=""/>
-            </a:pPr>
-            <a:r>
-              <a:rPr b="0" lang="en-US" sz="3200" spc="-1" strike="noStrike">
-                <a:solidFill>
-                  <a:srgbClr val="000000"/>
-                </a:solidFill>
-                <a:latin typeface="Arial"/>
-              </a:rPr>
-              <a:t>If the next arrow drawn is pointing towards the graph or if it is bidirectional, the rank does not change.</a:t>
-            </a:r>
-            <a:endParaRPr b="0" lang="en-US" sz="3200" spc="-1" strike="noStrike">
-              <a:latin typeface="Arial"/>
-            </a:endParaRPr>
-          </a:p>
-          <a:p>
-            <a:pPr marL="216000" indent="-216000">
-              <a:lnSpc>
-                <a:spcPct val="100000"/>
-              </a:lnSpc>
-              <a:spcBef>
-                <a:spcPts val="1417"/>
-              </a:spcBef>
-              <a:buClr>
-                <a:srgbClr val="000000"/>
-              </a:buClr>
-              <a:buSzPct val="45000"/>
-              <a:buFont typeface="Wingdings" charset="2"/>
-              <a:buChar char=""/>
-            </a:pPr>
-            <a:r>
-              <a:rPr b="0" lang="en-US" sz="3200" spc="-1" strike="noStrike">
-                <a:solidFill>
-                  <a:srgbClr val="000000"/>
-                </a:solidFill>
-                <a:latin typeface="Arial"/>
-              </a:rPr>
-              <a:t>If the next arrow is pointing towards the new vertex, the rank increases by one.</a:t>
-            </a:r>
-            <a:endParaRPr b="0" lang="en-US" sz="3200" spc="-1" strike="noStrike">
-              <a:latin typeface="Arial"/>
-            </a:endParaRPr>
-          </a:p>
-          <a:p>
-            <a:pPr marL="216000" indent="-216000">
-              <a:lnSpc>
-                <a:spcPct val="100000"/>
-              </a:lnSpc>
-              <a:spcBef>
-                <a:spcPts val="1417"/>
-              </a:spcBef>
-              <a:buClr>
-                <a:srgbClr val="000000"/>
-              </a:buClr>
-              <a:buSzPct val="45000"/>
-              <a:buFont typeface="Wingdings" charset="2"/>
-              <a:buChar char=""/>
-            </a:pPr>
-            <a:r>
-              <a:rPr b="0" lang="en-US" sz="3200" spc="-1" strike="noStrike">
-                <a:solidFill>
-                  <a:srgbClr val="000000"/>
-                </a:solidFill>
-                <a:latin typeface="Arial"/>
-              </a:rPr>
-              <a:t>The rank of a tree corresponds to the number of terminal strong components of that tree, sections that are only connected to the rest of the graph by an incoming edge and have a path between all of its member vertices.</a:t>
-            </a:r>
-            <a:endParaRPr b="0" lang="en-US" sz="3200" spc="-1" strike="noStrike">
               <a:latin typeface="Arial"/>
             </a:endParaRPr>
           </a:p>
@@ -11174,7 +11288,7 @@
       </p:grpSpPr>
       <p:sp>
         <p:nvSpPr>
-          <p:cNvPr id="204" name="PlaceHolder 1"/>
+          <p:cNvPr id="203" name="PlaceHolder 1"/>
           <p:cNvSpPr>
             <a:spLocks noGrp="1"/>
           </p:cNvSpPr>
@@ -11184,8 +11298,8 @@
         </p:nvSpPr>
         <p:spPr>
           <a:xfrm>
-            <a:off x="360000" y="-39960"/>
-            <a:ext cx="9358920" cy="1249560"/>
+            <a:off x="360000" y="225720"/>
+            <a:ext cx="9358200" cy="717120"/>
           </a:xfrm>
           <a:prstGeom prst="rect">
             <a:avLst/>
@@ -11213,7 +11327,7 @@
                 </a:solidFill>
                 <a:latin typeface="Arial"/>
               </a:rPr>
-              <a:t>Finding The Jacobian of a Tree or Cycle Graph</a:t>
+              <a:t>Objectives</a:t>
             </a:r>
             <a:endParaRPr b="0" lang="en-US" sz="4400" spc="-1" strike="noStrike">
               <a:latin typeface="Arial"/>
@@ -11223,7 +11337,7 @@
       </p:sp>
       <p:sp>
         <p:nvSpPr>
-          <p:cNvPr id="205" name="PlaceHolder 2"/>
+          <p:cNvPr id="204" name="PlaceHolder 2"/>
           <p:cNvSpPr>
             <a:spLocks noGrp="1"/>
           </p:cNvSpPr>
@@ -11234,7 +11348,7 @@
         <p:spPr>
           <a:xfrm>
             <a:off x="360000" y="1485000"/>
-            <a:ext cx="9358920" cy="3778920"/>
+            <a:ext cx="9358200" cy="3778200"/>
           </a:xfrm>
           <a:prstGeom prst="rect">
             <a:avLst/>
@@ -11246,7 +11360,7 @@
         </p:spPr>
         <p:txBody>
           <a:bodyPr lIns="0" rIns="0" tIns="0" bIns="0" anchor="t">
-            <a:normAutofit fontScale="91000"/>
+            <a:normAutofit/>
           </a:bodyPr>
           <a:p>
             <a:pPr marL="432000" indent="-324000">
@@ -11264,15 +11378,12 @@
               <a:buChar char=""/>
             </a:pPr>
             <a:r>
-              <a:rPr b="0" lang="en-US" sz="3200" spc="-1" strike="noStrike">
-                <a:solidFill>
-                  <a:srgbClr val="000000"/>
-                </a:solidFill>
-                <a:latin typeface="Arial"/>
-              </a:rPr>
-              <a:t>The Jacobian of a tree is simple, it is always the trivial group.</a:t>
-            </a:r>
-            <a:endParaRPr b="0" lang="en-US" sz="3200" spc="-1" strike="noStrike">
+              <a:rPr b="0" lang="en-US" sz="2480" spc="-1" strike="noStrike">
+                <a:latin typeface="Arial"/>
+              </a:rPr>
+              <a:t>The overarching objective of this project is to develop techniques to calculate the Picard group and Jacobian of cycle graphs and trees.</a:t>
+            </a:r>
+            <a:endParaRPr b="0" lang="en-US" sz="2480" spc="-1" strike="noStrike">
               <a:latin typeface="Arial"/>
             </a:endParaRPr>
           </a:p>
@@ -11292,79 +11403,12 @@
               <a:buChar char=""/>
             </a:pPr>
             <a:r>
-              <a:rPr b="0" lang="en-US" sz="3200" spc="-1" strike="noStrike">
-                <a:solidFill>
-                  <a:srgbClr val="000000"/>
-                </a:solidFill>
-                <a:latin typeface="Arial"/>
-              </a:rPr>
-              <a:t>The Jacobian of a Cycle graph is more complex, but easily calculable if the cycle has two paths, or sections of oriented edges with the same orientation.</a:t>
-            </a:r>
-            <a:endParaRPr b="0" lang="en-US" sz="3200" spc="-1" strike="noStrike">
-              <a:latin typeface="Arial"/>
-            </a:endParaRPr>
-          </a:p>
-          <a:p>
-            <a:pPr marL="432000" indent="-324000">
-              <a:lnSpc>
-                <a:spcPct val="100000"/>
-              </a:lnSpc>
-              <a:spcBef>
-                <a:spcPts val="1417"/>
-              </a:spcBef>
-              <a:buClr>
-                <a:srgbClr val="000000"/>
-              </a:buClr>
-              <a:buSzPct val="45000"/>
-              <a:buFont typeface="Wingdings" charset="2"/>
-              <a:buChar char=""/>
-            </a:pPr>
-            <a:r>
-              <a:rPr b="0" lang="en-US" sz="3200" spc="-1" strike="noStrike">
-                <a:solidFill>
-                  <a:srgbClr val="000000"/>
-                </a:solidFill>
-                <a:latin typeface="Arial"/>
-              </a:rPr>
-              <a:t>For this special type of cycle graph, all Jacobians, Z</a:t>
-            </a:r>
-            <a:r>
-              <a:rPr b="0" lang="en-US" sz="3200" spc="-1" strike="noStrike" baseline="-8000">
-                <a:solidFill>
-                  <a:srgbClr val="000000"/>
-                </a:solidFill>
-                <a:latin typeface="Arial"/>
-              </a:rPr>
-              <a:t>1  </a:t>
-            </a:r>
-            <a:r>
-              <a:rPr b="0" lang="en-US" sz="3200" spc="-1" strike="noStrike">
-                <a:solidFill>
-                  <a:srgbClr val="000000"/>
-                </a:solidFill>
-                <a:latin typeface="Arial"/>
-              </a:rPr>
-              <a:t>to Z</a:t>
-            </a:r>
-            <a:r>
-              <a:rPr b="0" lang="en-US" sz="3200" spc="-1" strike="noStrike" baseline="-8000">
-                <a:solidFill>
-                  <a:srgbClr val="000000"/>
-                </a:solidFill>
-                <a:latin typeface="Arial"/>
-              </a:rPr>
-              <a:t>n</a:t>
-            </a:r>
-            <a:r>
-              <a:rPr b="0" lang="en-US" sz="3200" spc="-1" strike="noStrike">
-                <a:solidFill>
-                  <a:srgbClr val="000000"/>
-                </a:solidFill>
-                <a:latin typeface="Arial"/>
-              </a:rPr>
-              <a:t> exist for some orientation.</a:t>
-            </a:r>
-            <a:endParaRPr b="0" lang="en-US" sz="3200" spc="-1" strike="noStrike">
+              <a:rPr b="0" lang="en-US" sz="2480" spc="-1" strike="noStrike">
+                <a:latin typeface="Arial"/>
+              </a:rPr>
+              <a:t>These techniques can possibly then be used on pseudo-trees to more easily calculate their Picard Groups and Jacobians as they are less trivial. </a:t>
+            </a:r>
+            <a:endParaRPr b="0" lang="en-US" sz="2480" spc="-1" strike="noStrike">
               <a:latin typeface="Arial"/>
             </a:endParaRPr>
           </a:p>
@@ -11402,7 +11446,7 @@
       </p:grpSpPr>
       <p:sp>
         <p:nvSpPr>
-          <p:cNvPr id="206" name="PlaceHolder 1"/>
+          <p:cNvPr id="205" name="PlaceHolder 1"/>
           <p:cNvSpPr>
             <a:spLocks noGrp="1"/>
           </p:cNvSpPr>
@@ -11413,7 +11457,7 @@
         <p:spPr>
           <a:xfrm>
             <a:off x="360000" y="-39960"/>
-            <a:ext cx="9358920" cy="1249560"/>
+            <a:ext cx="9358200" cy="1248840"/>
           </a:xfrm>
           <a:prstGeom prst="rect">
             <a:avLst/>
@@ -11441,7 +11485,7 @@
                 </a:solidFill>
                 <a:latin typeface="Arial"/>
               </a:rPr>
-              <a:t>Finding The Jacobian of a Cycle Graph</a:t>
+              <a:t>Finding The Rank of a Tree’s Picard Group</a:t>
             </a:r>
             <a:endParaRPr b="0" lang="en-US" sz="4400" spc="-1" strike="noStrike">
               <a:latin typeface="Arial"/>
@@ -11451,7 +11495,7 @@
       </p:sp>
       <p:sp>
         <p:nvSpPr>
-          <p:cNvPr id="207" name="PlaceHolder 2"/>
+          <p:cNvPr id="206" name="PlaceHolder 2"/>
           <p:cNvSpPr>
             <a:spLocks noGrp="1"/>
           </p:cNvSpPr>
@@ -11462,7 +11506,7 @@
         <p:spPr>
           <a:xfrm>
             <a:off x="360000" y="1485000"/>
-            <a:ext cx="9469440" cy="3778920"/>
+            <a:ext cx="9358200" cy="3778200"/>
           </a:xfrm>
           <a:prstGeom prst="rect">
             <a:avLst/>
@@ -11474,7 +11518,7 @@
         </p:spPr>
         <p:txBody>
           <a:bodyPr lIns="0" rIns="0" tIns="0" bIns="0" anchor="t">
-            <a:normAutofit fontScale="77000"/>
+            <a:normAutofit fontScale="62000"/>
           </a:bodyPr>
           <a:p>
             <a:pPr marL="432000" indent="-324000">
@@ -11492,51 +11536,47 @@
               <a:buChar char=""/>
             </a:pPr>
             <a:r>
-              <a:rPr b="0" lang="en-US" sz="2100" spc="-1" strike="noStrike">
-                <a:solidFill>
-                  <a:srgbClr val="000000"/>
-                </a:solidFill>
-                <a:latin typeface="Arial"/>
-                <a:ea typeface="JetBrains Mono"/>
-              </a:rPr>
-              <a:t>Beginning with a non-oriented cyclic graph, </a:t>
-            </a:r>
-            <a:r>
-              <a:rPr b="0" i="1" lang="en-US" sz="2100" spc="-1" strike="noStrike">
-                <a:solidFill>
-                  <a:srgbClr val="000000"/>
-                </a:solidFill>
-                <a:latin typeface="Arial"/>
-                <a:ea typeface="JetBrains Mono"/>
-              </a:rPr>
-              <a:t>Jac(G) = Z</a:t>
-            </a:r>
-            <a:r>
-              <a:rPr b="0" i="1" lang="en-US" sz="2100" spc="-1" strike="noStrike" baseline="-8000">
-                <a:solidFill>
-                  <a:srgbClr val="000000"/>
-                </a:solidFill>
-                <a:latin typeface="Arial"/>
-                <a:ea typeface="JetBrains Mono"/>
+              <a:rPr b="0" lang="en-US" sz="3200" spc="-1" strike="noStrike">
+                <a:latin typeface="Arial"/>
+              </a:rPr>
+              <a:t>The Picard group is commonly written in the form </a:t>
+            </a:r>
+            <a:r>
+              <a:rPr b="0" i="1" lang="en-US" sz="3200" spc="-1" strike="noStrike">
+                <a:latin typeface="Arial"/>
+              </a:rPr>
+              <a:t>Pic(G) = Jac(G) x ℤ</a:t>
+            </a:r>
+            <a:r>
+              <a:rPr b="0" i="1" lang="en-US" sz="3200" spc="-1" strike="noStrike" baseline="33000">
+                <a:latin typeface="Arial"/>
               </a:rPr>
               <a:t>n</a:t>
             </a:r>
             <a:r>
-              <a:rPr b="0" lang="en-US" sz="2100" spc="-1" strike="noStrike">
-                <a:solidFill>
-                  <a:srgbClr val="000000"/>
-                </a:solidFill>
-                <a:latin typeface="Arial"/>
-                <a:ea typeface="JetBrains Mono"/>
-              </a:rPr>
-              <a:t>.  </a:t>
-            </a:r>
-            <a:endParaRPr b="0" lang="en-US" sz="2100" spc="-1" strike="noStrike">
-              <a:latin typeface="Arial"/>
-            </a:endParaRPr>
-          </a:p>
-          <a:p>
-            <a:pPr marL="432000" indent="-324000">
+              <a:rPr b="0" lang="en-US" sz="3200" spc="-1" strike="noStrike">
+                <a:latin typeface="Arial"/>
+              </a:rPr>
+              <a:t>, where </a:t>
+            </a:r>
+            <a:r>
+              <a:rPr b="0" i="1" lang="en-US" sz="3200" spc="-1" strike="noStrike">
+                <a:latin typeface="Arial"/>
+              </a:rPr>
+              <a:t>n</a:t>
+            </a:r>
+            <a:r>
+              <a:rPr b="0" lang="en-US" sz="3200" spc="-1" strike="noStrike">
+                <a:latin typeface="Arial"/>
+              </a:rPr>
+              <a:t> is the rank of the Picard group.</a:t>
+            </a:r>
+            <a:endParaRPr b="0" lang="en-US" sz="3200" spc="-1" strike="noStrike">
+              <a:latin typeface="Arial"/>
+            </a:endParaRPr>
+          </a:p>
+          <a:p>
+            <a:pPr marL="216000" indent="-216000">
               <a:lnSpc>
                 <a:spcPct val="100000"/>
               </a:lnSpc>
@@ -11551,41 +11591,20 @@
               <a:buChar char=""/>
             </a:pPr>
             <a:r>
-              <a:rPr b="0" lang="en-US" sz="2100" spc="-1" strike="noStrike">
+              <a:rPr b="0" lang="en-US" sz="3200" spc="-1" strike="noStrike">
                 <a:solidFill>
                   <a:srgbClr val="000000"/>
                 </a:solidFill>
                 <a:latin typeface="Arial"/>
-                <a:ea typeface="JetBrains Mono"/>
-              </a:rPr>
-              <a:t>Orienting one edge (x, x+1) in the counter-clockwise direction yields a trivial Jacobian of {0} (Z</a:t>
-            </a:r>
-            <a:r>
-              <a:rPr b="0" lang="en-US" sz="2100" spc="-1" strike="noStrike" baseline="-8000">
-                <a:solidFill>
-                  <a:srgbClr val="000000"/>
-                </a:solidFill>
-                <a:latin typeface="Arial"/>
-                <a:ea typeface="JetBrains Mono"/>
-              </a:rPr>
-              <a:t>1</a:t>
-            </a:r>
-            <a:r>
-              <a:rPr b="0" lang="en-US" sz="2100" spc="-1" strike="noStrike">
-                <a:solidFill>
-                  <a:srgbClr val="000000"/>
-                </a:solidFill>
-                <a:latin typeface="Arial"/>
-                <a:ea typeface="JetBrains Mono"/>
-              </a:rPr>
-              <a:t>). </a:t>
-            </a:r>
-            <a:endParaRPr b="0" lang="en-US" sz="2100" spc="-1" strike="noStrike">
-              <a:latin typeface="Arial"/>
-            </a:endParaRPr>
-          </a:p>
-          <a:p>
-            <a:pPr marL="432000" indent="-324000">
+              </a:rPr>
+              <a:t>We have noticed that this rank for a tree graph can be easily calculated inductively.  By reconstructing an arbitrary tree edge by edge, its rank can be determined by following two rules.</a:t>
+            </a:r>
+            <a:endParaRPr b="0" lang="en-US" sz="3200" spc="-1" strike="noStrike">
+              <a:latin typeface="Arial"/>
+            </a:endParaRPr>
+          </a:p>
+          <a:p>
+            <a:pPr marL="216000" indent="-216000">
               <a:lnSpc>
                 <a:spcPct val="100000"/>
               </a:lnSpc>
@@ -11600,51 +11619,20 @@
               <a:buChar char=""/>
             </a:pPr>
             <a:r>
-              <a:rPr b="0" lang="en-US" sz="2100" spc="-1" strike="noStrike">
+              <a:rPr b="0" lang="en-US" sz="3200" spc="-1" strike="noStrike">
                 <a:solidFill>
                   <a:srgbClr val="000000"/>
                 </a:solidFill>
                 <a:latin typeface="Arial"/>
-                <a:ea typeface="JetBrains Mono"/>
-              </a:rPr>
-              <a:t>Orie</a:t>
-            </a:r>
-            <a:r>
-              <a:rPr b="0" lang="en-US" sz="2020" spc="-1" strike="noStrike">
-                <a:solidFill>
-                  <a:srgbClr val="000000"/>
-                </a:solidFill>
-                <a:latin typeface="Arial"/>
-                <a:ea typeface="JetBrains Mono"/>
-              </a:rPr>
-              <a:t>nting the edge (x-1, x) to clockwise and (x+1, x+2) to counter-clockwise yields a Jacobian of Z</a:t>
-            </a:r>
-            <a:r>
-              <a:rPr b="0" lang="en-US" sz="2018" spc="-1" strike="noStrike" baseline="-8000">
-                <a:solidFill>
-                  <a:srgbClr val="000000"/>
-                </a:solidFill>
-                <a:latin typeface="Arial"/>
-                <a:ea typeface="JetBrains Mono"/>
-              </a:rPr>
-              <a:t>n-1</a:t>
-            </a:r>
-            <a:r>
-              <a:rPr b="0" lang="en-US" sz="2020" spc="-1" strike="noStrike">
-                <a:solidFill>
-                  <a:srgbClr val="000000"/>
-                </a:solidFill>
-                <a:latin typeface="Arial"/>
-                <a:ea typeface="JetBrains Mono"/>
-              </a:rPr>
-              <a:t>.</a:t>
-            </a:r>
-            <a:endParaRPr b="0" lang="en-US" sz="2020" spc="-1" strike="noStrike">
-              <a:latin typeface="Arial"/>
-            </a:endParaRPr>
-          </a:p>
-          <a:p>
-            <a:pPr marL="432000" indent="-324000">
+              </a:rPr>
+              <a:t>If the next arrow drawn is pointing towards the graph or if it is bidirectional, the rank does not change.</a:t>
+            </a:r>
+            <a:endParaRPr b="0" lang="en-US" sz="3200" spc="-1" strike="noStrike">
+              <a:latin typeface="Arial"/>
+            </a:endParaRPr>
+          </a:p>
+          <a:p>
+            <a:pPr marL="216000" indent="-216000">
               <a:lnSpc>
                 <a:spcPct val="100000"/>
               </a:lnSpc>
@@ -11659,51 +11647,20 @@
               <a:buChar char=""/>
             </a:pPr>
             <a:r>
-              <a:rPr b="0" lang="en-US" sz="2020" spc="-1" strike="noStrike">
+              <a:rPr b="0" lang="en-US" sz="3200" spc="-1" strike="noStrike">
                 <a:solidFill>
                   <a:srgbClr val="000000"/>
                 </a:solidFill>
                 <a:latin typeface="Arial"/>
-                <a:ea typeface="JetBrains Mono"/>
-              </a:rPr>
-              <a:t>Orienting one edge (x, x+1) in the counter-clockwise direction, another edge (x-1, x) to clockwise, and (x+1, x+2) to counter-clockwise yields </a:t>
-            </a:r>
-            <a:r>
-              <a:rPr b="0" i="1" lang="en-US" sz="2020" spc="-1" strike="noStrike">
-                <a:solidFill>
-                  <a:srgbClr val="000000"/>
-                </a:solidFill>
-                <a:latin typeface="Arial"/>
-                <a:ea typeface="JetBrains Mono"/>
-              </a:rPr>
-              <a:t>Jac(G) = Z</a:t>
-            </a:r>
-            <a:r>
-              <a:rPr b="0" i="1" lang="en-US" sz="2018" spc="-1" strike="noStrike" baseline="-8000">
-                <a:solidFill>
-                  <a:srgbClr val="000000"/>
-                </a:solidFill>
-                <a:latin typeface="Arial"/>
-                <a:ea typeface="JetBrains Mono"/>
-              </a:rPr>
-              <a:t>n-2</a:t>
-            </a:r>
-            <a:r>
-              <a:rPr b="0" lang="en-US" sz="2020" spc="-1" strike="noStrike">
-                <a:solidFill>
-                  <a:srgbClr val="000000"/>
-                </a:solidFill>
-                <a:latin typeface="Arial"/>
-                <a:ea typeface="JetBrains Mono"/>
-              </a:rPr>
-              <a:t>.</a:t>
-            </a:r>
-            <a:endParaRPr b="0" lang="en-US" sz="2020" spc="-1" strike="noStrike">
-              <a:latin typeface="Arial"/>
-            </a:endParaRPr>
-          </a:p>
-          <a:p>
-            <a:pPr marL="432000" indent="-324000">
+              </a:rPr>
+              <a:t>If the next arrow is pointing towards the new vertex, the rank increases by one.</a:t>
+            </a:r>
+            <a:endParaRPr b="0" lang="en-US" sz="3200" spc="-1" strike="noStrike">
+              <a:latin typeface="Arial"/>
+            </a:endParaRPr>
+          </a:p>
+          <a:p>
+            <a:pPr marL="216000" indent="-216000">
               <a:lnSpc>
                 <a:spcPct val="100000"/>
               </a:lnSpc>
@@ -11718,244 +11675,15 @@
               <a:buChar char=""/>
             </a:pPr>
             <a:r>
-              <a:rPr b="0" lang="en-US" sz="2020" spc="-1" strike="noStrike">
+              <a:rPr b="0" lang="en-US" sz="3200" spc="-1" strike="noStrike">
                 <a:solidFill>
                   <a:srgbClr val="000000"/>
                 </a:solidFill>
                 <a:latin typeface="Arial"/>
-                <a:ea typeface="JetBrains Mono"/>
-              </a:rPr>
-              <a:t>Adding onto either of the two paths by orienting the next or preceding bidirectional arrow yields </a:t>
-            </a:r>
-            <a:r>
-              <a:rPr b="0" i="1" lang="en-US" sz="2020" spc="-1" strike="noStrike">
-                <a:solidFill>
-                  <a:srgbClr val="000000"/>
-                </a:solidFill>
-                <a:latin typeface="Arial"/>
-                <a:ea typeface="JetBrains Mono"/>
-              </a:rPr>
-              <a:t>Jac(G) = Z</a:t>
-            </a:r>
-            <a:r>
-              <a:rPr b="0" i="1" lang="en-US" sz="2018" spc="-1" strike="noStrike" baseline="-8000">
-                <a:solidFill>
-                  <a:srgbClr val="000000"/>
-                </a:solidFill>
-                <a:latin typeface="Arial"/>
-                <a:ea typeface="JetBrains Mono"/>
-              </a:rPr>
-              <a:t>n-3</a:t>
-            </a:r>
-            <a:r>
-              <a:rPr b="0" lang="en-US" sz="2020" spc="-1" strike="noStrike">
-                <a:solidFill>
-                  <a:srgbClr val="000000"/>
-                </a:solidFill>
-                <a:latin typeface="Arial"/>
-                <a:ea typeface="JetBrains Mono"/>
-              </a:rPr>
-              <a:t>.</a:t>
-            </a:r>
-            <a:endParaRPr b="0" lang="en-US" sz="2020" spc="-1" strike="noStrike">
-              <a:latin typeface="Arial"/>
-            </a:endParaRPr>
-          </a:p>
-          <a:p>
-            <a:pPr marL="432000" indent="-324000">
-              <a:lnSpc>
-                <a:spcPct val="100000"/>
-              </a:lnSpc>
-              <a:spcBef>
-                <a:spcPts val="1417"/>
-              </a:spcBef>
-              <a:buClr>
-                <a:srgbClr val="000000"/>
-              </a:buClr>
-              <a:buSzPct val="45000"/>
-              <a:buFont typeface="Wingdings" charset="2"/>
-              <a:buChar char=""/>
-            </a:pPr>
-            <a:r>
-              <a:rPr b="0" lang="en-US" sz="2020" spc="-1" strike="noStrike">
-                <a:solidFill>
-                  <a:srgbClr val="000000"/>
-                </a:solidFill>
-                <a:latin typeface="Arial"/>
-                <a:ea typeface="JetBrains Mono"/>
-              </a:rPr>
-              <a:t>Continuing this pattern until the two</a:t>
-            </a:r>
-            <a:r>
-              <a:rPr b="0" lang="en-US" sz="2100" spc="-1" strike="noStrike">
-                <a:solidFill>
-                  <a:srgbClr val="000000"/>
-                </a:solidFill>
-                <a:latin typeface="Airal"/>
-                <a:ea typeface="JetBrains Mono"/>
-              </a:rPr>
-              <a:t> paths meet yields all invariant factors down to Z</a:t>
-            </a:r>
-            <a:r>
-              <a:rPr b="0" lang="en-US" sz="2100" spc="-1" strike="noStrike" baseline="-8000">
-                <a:solidFill>
-                  <a:srgbClr val="000000"/>
-                </a:solidFill>
-                <a:latin typeface="Airal"/>
-                <a:ea typeface="JetBrains Mono"/>
-              </a:rPr>
-              <a:t>2</a:t>
-            </a:r>
-            <a:r>
-              <a:rPr b="0" lang="en-US" sz="2100" spc="-1" strike="noStrike">
-                <a:solidFill>
-                  <a:srgbClr val="000000"/>
-                </a:solidFill>
-                <a:latin typeface="Airal"/>
-                <a:ea typeface="JetBrains Mono"/>
-              </a:rPr>
-              <a:t>.  Going further to orient the entire graph to one direction results in a trivial Jacobian of </a:t>
-            </a:r>
-            <a:r>
-              <a:rPr b="0" i="1" lang="en-US" sz="2100" spc="-1" strike="noStrike">
-                <a:solidFill>
-                  <a:srgbClr val="000000"/>
-                </a:solidFill>
-                <a:latin typeface="Airal"/>
-                <a:ea typeface="JetBrains Mono"/>
-              </a:rPr>
-              <a:t>{0}</a:t>
-            </a:r>
-            <a:r>
-              <a:rPr b="0" lang="en-US" sz="2100" spc="-1" strike="noStrike">
-                <a:solidFill>
-                  <a:srgbClr val="000000"/>
-                </a:solidFill>
-                <a:latin typeface="Airal"/>
-                <a:ea typeface="JetBrains Mono"/>
-              </a:rPr>
-              <a:t>.</a:t>
-            </a:r>
-            <a:endParaRPr b="0" lang="en-US" sz="2100" spc="-1" strike="noStrike">
-              <a:latin typeface="Arial"/>
-            </a:endParaRPr>
-          </a:p>
-          <a:p>
-            <a:pPr marL="432000" indent="-324000">
-              <a:lnSpc>
-                <a:spcPct val="100000"/>
-              </a:lnSpc>
-              <a:spcBef>
-                <a:spcPts val="1417"/>
-              </a:spcBef>
-              <a:buClr>
-                <a:srgbClr val="000000"/>
-              </a:buClr>
-              <a:buSzPct val="45000"/>
-              <a:buFont typeface="Wingdings" charset="2"/>
-              <a:buChar char=""/>
-            </a:pPr>
-            <a:r>
-              <a:rPr b="0" lang="en-US" sz="2100" spc="-1" strike="noStrike">
-                <a:solidFill>
-                  <a:srgbClr val="000000"/>
-                </a:solidFill>
-                <a:latin typeface="Airal"/>
-                <a:ea typeface="JetBrains Mono"/>
-              </a:rPr>
-              <a:t>This pattern should hold for all cycle gra</a:t>
-            </a:r>
-            <a:r>
-              <a:rPr b="0" lang="en-US" sz="2100" spc="-1" strike="noStrike">
-                <a:solidFill>
-                  <a:srgbClr val="000000"/>
-                </a:solidFill>
-                <a:latin typeface="Arial"/>
-                <a:ea typeface="JetBrains Mono"/>
-              </a:rPr>
-              <a:t>phs C</a:t>
-            </a:r>
-            <a:r>
-              <a:rPr b="0" lang="en-US" sz="2100" spc="-1" strike="noStrike" baseline="-8000">
-                <a:solidFill>
-                  <a:srgbClr val="000000"/>
-                </a:solidFill>
-                <a:latin typeface="Arial"/>
-                <a:ea typeface="JetBrains Mono"/>
-              </a:rPr>
-              <a:t>3</a:t>
-            </a:r>
-            <a:r>
-              <a:rPr b="0" lang="en-US" sz="2100" spc="-1" strike="noStrike">
-                <a:solidFill>
-                  <a:srgbClr val="000000"/>
-                </a:solidFill>
-                <a:latin typeface="Arial"/>
-                <a:ea typeface="JetBrains Mono"/>
-              </a:rPr>
-              <a:t> to C</a:t>
-            </a:r>
-            <a:r>
-              <a:rPr b="0" lang="en-US" sz="2100" spc="-1" strike="noStrike" baseline="-8000">
-                <a:solidFill>
-                  <a:srgbClr val="000000"/>
-                </a:solidFill>
-                <a:latin typeface="Arial"/>
-                <a:ea typeface="JetBrains Mono"/>
-              </a:rPr>
-              <a:t>x</a:t>
-            </a:r>
-            <a:r>
-              <a:rPr b="0" lang="en-US" sz="2100" spc="-1" strike="noStrike">
-                <a:solidFill>
-                  <a:srgbClr val="000000"/>
-                </a:solidFill>
-                <a:latin typeface="Arial"/>
-                <a:ea typeface="JetBrains Mono"/>
-              </a:rPr>
-              <a:t> and has been proven for graphs C</a:t>
-            </a:r>
-            <a:r>
-              <a:rPr b="0" lang="en-US" sz="2100" spc="-1" strike="noStrike" baseline="-8000">
-                <a:solidFill>
-                  <a:srgbClr val="000000"/>
-                </a:solidFill>
-                <a:latin typeface="Arial"/>
-                <a:ea typeface="JetBrains Mono"/>
-              </a:rPr>
-              <a:t>3</a:t>
-            </a:r>
-            <a:r>
-              <a:rPr b="0" lang="en-US" sz="2100" spc="-1" strike="noStrike">
-                <a:solidFill>
-                  <a:srgbClr val="000000"/>
-                </a:solidFill>
-                <a:latin typeface="Arial"/>
-                <a:ea typeface="JetBrains Mono"/>
-              </a:rPr>
-              <a:t> to C</a:t>
-            </a:r>
-            <a:r>
-              <a:rPr b="0" lang="en-US" sz="2100" spc="-1" strike="noStrike" baseline="-8000">
-                <a:solidFill>
-                  <a:srgbClr val="000000"/>
-                </a:solidFill>
-                <a:latin typeface="Arial"/>
-                <a:ea typeface="JetBrains Mono"/>
-              </a:rPr>
-              <a:t>80</a:t>
-            </a:r>
-            <a:r>
-              <a:rPr b="0" lang="en-US" sz="2100" spc="-1" strike="noStrike">
-                <a:solidFill>
-                  <a:srgbClr val="000000"/>
-                </a:solidFill>
-                <a:latin typeface="Arial"/>
-                <a:ea typeface="JetBrains Mono"/>
-              </a:rPr>
-              <a:t>.</a:t>
-            </a:r>
-            <a:endParaRPr b="0" lang="en-US" sz="2100" spc="-1" strike="noStrike">
+              </a:rPr>
+              <a:t>The rank of a tree corresponds to the number of terminal strong components of that tree, sections that are only connected to the rest of the graph by an incoming edge and have a path between all of its member vertices.</a:t>
+            </a:r>
+            <a:endParaRPr b="0" lang="en-US" sz="3200" spc="-1" strike="noStrike">
               <a:latin typeface="Arial"/>
             </a:endParaRPr>
           </a:p>
@@ -11993,7 +11721,7 @@
       </p:grpSpPr>
       <p:sp>
         <p:nvSpPr>
-          <p:cNvPr id="208" name="PlaceHolder 1"/>
+          <p:cNvPr id="207" name="PlaceHolder 1"/>
           <p:cNvSpPr>
             <a:spLocks noGrp="1"/>
           </p:cNvSpPr>
@@ -12003,8 +11731,8 @@
         </p:nvSpPr>
         <p:spPr>
           <a:xfrm>
-            <a:off x="360000" y="225720"/>
-            <a:ext cx="9358920" cy="717840"/>
+            <a:off x="360000" y="-39960"/>
+            <a:ext cx="9358200" cy="1248840"/>
           </a:xfrm>
           <a:prstGeom prst="rect">
             <a:avLst/>
@@ -12032,6 +11760,815 @@
                 </a:solidFill>
                 <a:latin typeface="Arial"/>
               </a:rPr>
+              <a:t>Finding The Jacobian of a Tree or Cycle Graph</a:t>
+            </a:r>
+            <a:endParaRPr b="0" lang="en-US" sz="4400" spc="-1" strike="noStrike">
+              <a:latin typeface="Arial"/>
+            </a:endParaRPr>
+          </a:p>
+        </p:txBody>
+      </p:sp>
+      <p:sp>
+        <p:nvSpPr>
+          <p:cNvPr id="208" name="PlaceHolder 2"/>
+          <p:cNvSpPr>
+            <a:spLocks noGrp="1"/>
+          </p:cNvSpPr>
+          <p:nvPr>
+            <p:ph/>
+          </p:nvPr>
+        </p:nvSpPr>
+        <p:spPr>
+          <a:xfrm>
+            <a:off x="360000" y="1485000"/>
+            <a:ext cx="9358200" cy="3778200"/>
+          </a:xfrm>
+          <a:prstGeom prst="rect">
+            <a:avLst/>
+          </a:prstGeom>
+          <a:noFill/>
+          <a:ln w="0">
+            <a:noFill/>
+          </a:ln>
+        </p:spPr>
+        <p:txBody>
+          <a:bodyPr lIns="0" rIns="0" tIns="0" bIns="0" anchor="t">
+            <a:normAutofit fontScale="88000"/>
+          </a:bodyPr>
+          <a:p>
+            <a:pPr marL="432000" indent="-324000">
+              <a:lnSpc>
+                <a:spcPct val="100000"/>
+              </a:lnSpc>
+              <a:spcBef>
+                <a:spcPts val="1417"/>
+              </a:spcBef>
+              <a:buClr>
+                <a:srgbClr val="000000"/>
+              </a:buClr>
+              <a:buSzPct val="45000"/>
+              <a:buFont typeface="Wingdings" charset="2"/>
+              <a:buChar char=""/>
+            </a:pPr>
+            <a:r>
+              <a:rPr b="0" lang="en-US" sz="3200" spc="-1" strike="noStrike">
+                <a:solidFill>
+                  <a:srgbClr val="000000"/>
+                </a:solidFill>
+                <a:latin typeface="Arial"/>
+              </a:rPr>
+              <a:t>The Jacobian of a tree is simple, it is always the trivial group.</a:t>
+            </a:r>
+            <a:endParaRPr b="0" lang="en-US" sz="3200" spc="-1" strike="noStrike">
+              <a:latin typeface="Arial"/>
+            </a:endParaRPr>
+          </a:p>
+          <a:p>
+            <a:pPr marL="432000" indent="-324000">
+              <a:lnSpc>
+                <a:spcPct val="100000"/>
+              </a:lnSpc>
+              <a:spcBef>
+                <a:spcPts val="1417"/>
+              </a:spcBef>
+              <a:buClr>
+                <a:srgbClr val="000000"/>
+              </a:buClr>
+              <a:buSzPct val="45000"/>
+              <a:buFont typeface="Wingdings" charset="2"/>
+              <a:buChar char=""/>
+            </a:pPr>
+            <a:r>
+              <a:rPr b="0" lang="en-US" sz="3200" spc="-1" strike="noStrike">
+                <a:solidFill>
+                  <a:srgbClr val="000000"/>
+                </a:solidFill>
+                <a:latin typeface="Arial"/>
+              </a:rPr>
+              <a:t>The Jacobian of a Cycle graph is more complex, but easily calculable if the cycle has two paths, or sections of oriented edges with the same orientation.</a:t>
+            </a:r>
+            <a:endParaRPr b="0" lang="en-US" sz="3200" spc="-1" strike="noStrike">
+              <a:latin typeface="Arial"/>
+            </a:endParaRPr>
+          </a:p>
+          <a:p>
+            <a:pPr marL="432000" indent="-324000">
+              <a:lnSpc>
+                <a:spcPct val="100000"/>
+              </a:lnSpc>
+              <a:spcBef>
+                <a:spcPts val="1417"/>
+              </a:spcBef>
+              <a:buClr>
+                <a:srgbClr val="000000"/>
+              </a:buClr>
+              <a:buSzPct val="45000"/>
+              <a:buFont typeface="Wingdings" charset="2"/>
+              <a:buChar char=""/>
+            </a:pPr>
+            <a:r>
+              <a:rPr b="0" lang="en-US" sz="3200" spc="-1" strike="noStrike">
+                <a:solidFill>
+                  <a:srgbClr val="000000"/>
+                </a:solidFill>
+                <a:latin typeface="Arial"/>
+              </a:rPr>
+              <a:t>We have discovered that, for this special type of cycle graph, all Jacobians, ℤ</a:t>
+            </a:r>
+            <a:r>
+              <a:rPr b="0" lang="en-US" sz="3200" spc="-1" strike="noStrike" baseline="-8000">
+                <a:solidFill>
+                  <a:srgbClr val="000000"/>
+                </a:solidFill>
+                <a:latin typeface="Arial"/>
+              </a:rPr>
+              <a:t>1  </a:t>
+            </a:r>
+            <a:r>
+              <a:rPr b="0" lang="en-US" sz="3200" spc="-1" strike="noStrike">
+                <a:solidFill>
+                  <a:srgbClr val="000000"/>
+                </a:solidFill>
+                <a:latin typeface="Arial"/>
+              </a:rPr>
+              <a:t>to ℤ</a:t>
+            </a:r>
+            <a:r>
+              <a:rPr b="0" lang="en-US" sz="3200" spc="-1" strike="noStrike" baseline="-8000">
+                <a:solidFill>
+                  <a:srgbClr val="000000"/>
+                </a:solidFill>
+                <a:latin typeface="Arial"/>
+              </a:rPr>
+              <a:t>n</a:t>
+            </a:r>
+            <a:r>
+              <a:rPr b="0" lang="en-US" sz="3200" spc="-1" strike="noStrike">
+                <a:solidFill>
+                  <a:srgbClr val="000000"/>
+                </a:solidFill>
+                <a:latin typeface="Arial"/>
+              </a:rPr>
+              <a:t> exist for some combination of directed edge orientations.</a:t>
+            </a:r>
+            <a:endParaRPr b="0" lang="en-US" sz="3200" spc="-1" strike="noStrike">
+              <a:latin typeface="Arial"/>
+            </a:endParaRPr>
+          </a:p>
+        </p:txBody>
+      </p:sp>
+    </p:spTree>
+  </p:cSld>
+  <mc:AlternateContent>
+    <mc:Choice Requires="p14">
+      <p:transition spd="slow" p14:dur="2000"/>
+    </mc:Choice>
+    <mc:Fallback>
+      <p:transition spd="slow"/>
+    </mc:Fallback>
+  </mc:AlternateContent>
+</p:sld>
+</file>
+
+<file path=ppt/slides/slide16.xml><?xml version="1.0" encoding="utf-8"?>
+<p:sld xmlns:a="http://schemas.openxmlformats.org/drawingml/2006/main" xmlns:p="http://schemas.openxmlformats.org/presentationml/2006/main" xmlns:r="http://schemas.openxmlformats.org/officeDocument/2006/relationships" xmlns:p14="http://schemas.microsoft.com/office/powerpoint/2010/main" xmlns:p15="http://schemas.microsoft.com/office/powerpoint/2012/main" xmlns:mc="http://schemas.openxmlformats.org/markup-compatibility/2006">
+  <p:cSld>
+    <p:spTree>
+      <p:nvGrpSpPr>
+        <p:cNvPr id="1" name=""/>
+        <p:cNvGrpSpPr/>
+        <p:nvPr/>
+      </p:nvGrpSpPr>
+      <p:grpSpPr>
+        <a:xfrm>
+          <a:off x="0" y="0"/>
+          <a:ext cx="0" cy="0"/>
+          <a:chOff x="0" y="0"/>
+          <a:chExt cx="0" cy="0"/>
+        </a:xfrm>
+      </p:grpSpPr>
+      <p:sp>
+        <p:nvSpPr>
+          <p:cNvPr id="209" name="PlaceHolder 1"/>
+          <p:cNvSpPr>
+            <a:spLocks noGrp="1"/>
+          </p:cNvSpPr>
+          <p:nvPr>
+            <p:ph type="title"/>
+          </p:nvPr>
+        </p:nvSpPr>
+        <p:spPr>
+          <a:xfrm>
+            <a:off x="360000" y="-39960"/>
+            <a:ext cx="9358200" cy="1248840"/>
+          </a:xfrm>
+          <a:prstGeom prst="rect">
+            <a:avLst/>
+          </a:prstGeom>
+          <a:noFill/>
+          <a:ln w="0">
+            <a:noFill/>
+          </a:ln>
+        </p:spPr>
+        <p:txBody>
+          <a:bodyPr lIns="0" rIns="0" tIns="0" bIns="0" anchor="ctr">
+            <a:noAutofit/>
+          </a:bodyPr>
+          <a:p>
+            <a:pPr algn="ctr">
+              <a:lnSpc>
+                <a:spcPct val="100000"/>
+              </a:lnSpc>
+              <a:buNone/>
+            </a:pPr>
+            <a:r>
+              <a:rPr b="0" lang="en-US" sz="4400" spc="-1" strike="noStrike">
+                <a:solidFill>
+                  <a:srgbClr val="ffffff"/>
+                </a:solidFill>
+                <a:latin typeface="Arial"/>
+              </a:rPr>
+              <a:t>Finding The Jacobian of a Cycle Graph</a:t>
+            </a:r>
+            <a:endParaRPr b="0" lang="en-US" sz="4400" spc="-1" strike="noStrike">
+              <a:latin typeface="Arial"/>
+            </a:endParaRPr>
+          </a:p>
+        </p:txBody>
+      </p:sp>
+      <p:sp>
+        <p:nvSpPr>
+          <p:cNvPr id="210" name="PlaceHolder 2"/>
+          <p:cNvSpPr>
+            <a:spLocks noGrp="1"/>
+          </p:cNvSpPr>
+          <p:nvPr>
+            <p:ph/>
+          </p:nvPr>
+        </p:nvSpPr>
+        <p:spPr>
+          <a:xfrm>
+            <a:off x="360000" y="1485000"/>
+            <a:ext cx="9468720" cy="3778200"/>
+          </a:xfrm>
+          <a:prstGeom prst="rect">
+            <a:avLst/>
+          </a:prstGeom>
+          <a:noFill/>
+          <a:ln w="0">
+            <a:noFill/>
+          </a:ln>
+        </p:spPr>
+        <p:txBody>
+          <a:bodyPr lIns="0" rIns="0" tIns="0" bIns="0" anchor="t">
+            <a:normAutofit/>
+          </a:bodyPr>
+          <a:p>
+            <a:pPr marL="432000" indent="-324000">
+              <a:lnSpc>
+                <a:spcPct val="100000"/>
+              </a:lnSpc>
+              <a:spcBef>
+                <a:spcPts val="1417"/>
+              </a:spcBef>
+              <a:buClr>
+                <a:srgbClr val="000000"/>
+              </a:buClr>
+              <a:buSzPct val="45000"/>
+              <a:buFont typeface="Wingdings" charset="2"/>
+              <a:buChar char=""/>
+            </a:pPr>
+            <a:r>
+              <a:rPr b="0" lang="en-US" sz="1600" spc="-1" strike="noStrike">
+                <a:solidFill>
+                  <a:srgbClr val="000000"/>
+                </a:solidFill>
+                <a:latin typeface="Arial"/>
+                <a:ea typeface="JetBrains Mono"/>
+              </a:rPr>
+              <a:t>Beginning with a non-oriented cyclic graph, </a:t>
+            </a:r>
+            <a:r>
+              <a:rPr b="0" i="1" lang="en-US" sz="1600" spc="-1" strike="noStrike">
+                <a:solidFill>
+                  <a:srgbClr val="000000"/>
+                </a:solidFill>
+                <a:latin typeface="Arial"/>
+                <a:ea typeface="JetBrains Mono"/>
+              </a:rPr>
+              <a:t>Jac(G) = ℤ</a:t>
+            </a:r>
+            <a:r>
+              <a:rPr b="0" i="1" lang="en-US" sz="1600" spc="-1" strike="noStrike" baseline="-8000">
+                <a:solidFill>
+                  <a:srgbClr val="000000"/>
+                </a:solidFill>
+                <a:latin typeface="Arial"/>
+                <a:ea typeface="JetBrains Mono"/>
+              </a:rPr>
+              <a:t>n</a:t>
+            </a:r>
+            <a:r>
+              <a:rPr b="0" lang="en-US" sz="1600" spc="-1" strike="noStrike">
+                <a:solidFill>
+                  <a:srgbClr val="000000"/>
+                </a:solidFill>
+                <a:latin typeface="Arial"/>
+                <a:ea typeface="JetBrains Mono"/>
+              </a:rPr>
+              <a:t>.  </a:t>
+            </a:r>
+            <a:endParaRPr b="0" lang="en-US" sz="1600" spc="-1" strike="noStrike">
+              <a:latin typeface="Arial"/>
+            </a:endParaRPr>
+          </a:p>
+          <a:p>
+            <a:pPr marL="432000" indent="-324000">
+              <a:lnSpc>
+                <a:spcPct val="100000"/>
+              </a:lnSpc>
+              <a:spcBef>
+                <a:spcPts val="1417"/>
+              </a:spcBef>
+              <a:buClr>
+                <a:srgbClr val="000000"/>
+              </a:buClr>
+              <a:buSzPct val="45000"/>
+              <a:buFont typeface="Wingdings" charset="2"/>
+              <a:buChar char=""/>
+            </a:pPr>
+            <a:r>
+              <a:rPr b="0" lang="en-US" sz="1600" spc="-1" strike="noStrike">
+                <a:solidFill>
+                  <a:srgbClr val="000000"/>
+                </a:solidFill>
+                <a:latin typeface="Arial"/>
+                <a:ea typeface="JetBrains Mono"/>
+              </a:rPr>
+              <a:t>Orienting one edge (x, x+1) in the counter-clockwise direction yields a trivial Jacobian of {0} (ℤ</a:t>
+            </a:r>
+            <a:r>
+              <a:rPr b="0" lang="en-US" sz="1600" spc="-1" strike="noStrike" baseline="-8000">
+                <a:solidFill>
+                  <a:srgbClr val="000000"/>
+                </a:solidFill>
+                <a:latin typeface="Arial"/>
+                <a:ea typeface="JetBrains Mono"/>
+              </a:rPr>
+              <a:t>1</a:t>
+            </a:r>
+            <a:r>
+              <a:rPr b="0" lang="en-US" sz="1600" spc="-1" strike="noStrike">
+                <a:solidFill>
+                  <a:srgbClr val="000000"/>
+                </a:solidFill>
+                <a:latin typeface="Arial"/>
+                <a:ea typeface="JetBrains Mono"/>
+              </a:rPr>
+              <a:t>). </a:t>
+            </a:r>
+            <a:endParaRPr b="0" lang="en-US" sz="1600" spc="-1" strike="noStrike">
+              <a:latin typeface="Arial"/>
+            </a:endParaRPr>
+          </a:p>
+          <a:p>
+            <a:pPr marL="432000" indent="-324000">
+              <a:lnSpc>
+                <a:spcPct val="100000"/>
+              </a:lnSpc>
+              <a:spcBef>
+                <a:spcPts val="1417"/>
+              </a:spcBef>
+              <a:buClr>
+                <a:srgbClr val="000000"/>
+              </a:buClr>
+              <a:buSzPct val="45000"/>
+              <a:buFont typeface="Wingdings" charset="2"/>
+              <a:buChar char=""/>
+            </a:pPr>
+            <a:r>
+              <a:rPr b="0" lang="en-US" sz="1600" spc="-1" strike="noStrike">
+                <a:solidFill>
+                  <a:srgbClr val="000000"/>
+                </a:solidFill>
+                <a:latin typeface="Arial"/>
+                <a:ea typeface="JetBrains Mono"/>
+              </a:rPr>
+              <a:t>Orienting the edge (x-1, x) to clockwise and (x+1, x+2) to counter-clockwise yields a Jacobian of ℤ</a:t>
+            </a:r>
+            <a:r>
+              <a:rPr b="0" lang="en-US" sz="1600" spc="-1" strike="noStrike" baseline="-8000">
+                <a:solidFill>
+                  <a:srgbClr val="000000"/>
+                </a:solidFill>
+                <a:latin typeface="Arial"/>
+                <a:ea typeface="JetBrains Mono"/>
+              </a:rPr>
+              <a:t>n-1</a:t>
+            </a:r>
+            <a:r>
+              <a:rPr b="0" lang="en-US" sz="1600" spc="-1" strike="noStrike">
+                <a:solidFill>
+                  <a:srgbClr val="000000"/>
+                </a:solidFill>
+                <a:latin typeface="Arial"/>
+                <a:ea typeface="JetBrains Mono"/>
+              </a:rPr>
+              <a:t>.</a:t>
+            </a:r>
+            <a:endParaRPr b="0" lang="en-US" sz="1600" spc="-1" strike="noStrike">
+              <a:latin typeface="Arial"/>
+            </a:endParaRPr>
+          </a:p>
+          <a:p>
+            <a:pPr marL="432000" indent="-324000">
+              <a:lnSpc>
+                <a:spcPct val="100000"/>
+              </a:lnSpc>
+              <a:spcBef>
+                <a:spcPts val="1417"/>
+              </a:spcBef>
+              <a:buClr>
+                <a:srgbClr val="000000"/>
+              </a:buClr>
+              <a:buSzPct val="45000"/>
+              <a:buFont typeface="Wingdings" charset="2"/>
+              <a:buChar char=""/>
+            </a:pPr>
+            <a:r>
+              <a:rPr b="0" lang="en-US" sz="1600" spc="-1" strike="noStrike">
+                <a:solidFill>
+                  <a:srgbClr val="000000"/>
+                </a:solidFill>
+                <a:latin typeface="Arial"/>
+                <a:ea typeface="JetBrains Mono"/>
+              </a:rPr>
+              <a:t>Orienting one edge (x, x+1) in the counter-clockwise direction, another edge (x-1, x) to clockwise, and (x+1, x+2) to counter-clockwise yields </a:t>
+            </a:r>
+            <a:r>
+              <a:rPr b="0" i="1" lang="en-US" sz="1600" spc="-1" strike="noStrike">
+                <a:solidFill>
+                  <a:srgbClr val="000000"/>
+                </a:solidFill>
+                <a:latin typeface="Arial"/>
+                <a:ea typeface="JetBrains Mono"/>
+              </a:rPr>
+              <a:t>Jac(G) = ℤ</a:t>
+            </a:r>
+            <a:r>
+              <a:rPr b="0" i="1" lang="en-US" sz="1600" spc="-1" strike="noStrike" baseline="-8000">
+                <a:solidFill>
+                  <a:srgbClr val="000000"/>
+                </a:solidFill>
+                <a:latin typeface="Arial"/>
+                <a:ea typeface="JetBrains Mono"/>
+              </a:rPr>
+              <a:t>n-2</a:t>
+            </a:r>
+            <a:r>
+              <a:rPr b="0" lang="en-US" sz="1600" spc="-1" strike="noStrike">
+                <a:solidFill>
+                  <a:srgbClr val="000000"/>
+                </a:solidFill>
+                <a:latin typeface="Arial"/>
+                <a:ea typeface="JetBrains Mono"/>
+              </a:rPr>
+              <a:t>.</a:t>
+            </a:r>
+            <a:endParaRPr b="0" lang="en-US" sz="1600" spc="-1" strike="noStrike">
+              <a:latin typeface="Arial"/>
+            </a:endParaRPr>
+          </a:p>
+          <a:p>
+            <a:pPr marL="432000" indent="-324000">
+              <a:lnSpc>
+                <a:spcPct val="100000"/>
+              </a:lnSpc>
+              <a:spcBef>
+                <a:spcPts val="1417"/>
+              </a:spcBef>
+              <a:buClr>
+                <a:srgbClr val="000000"/>
+              </a:buClr>
+              <a:buSzPct val="45000"/>
+              <a:buFont typeface="Wingdings" charset="2"/>
+              <a:buChar char=""/>
+            </a:pPr>
+            <a:r>
+              <a:rPr b="0" lang="en-US" sz="1600" spc="-1" strike="noStrike">
+                <a:solidFill>
+                  <a:srgbClr val="000000"/>
+                </a:solidFill>
+                <a:latin typeface="Arial"/>
+                <a:ea typeface="JetBrains Mono"/>
+              </a:rPr>
+              <a:t>Adding onto either of the two paths by orienting the next or preceding bidirectional arrow yields </a:t>
+            </a:r>
+            <a:r>
+              <a:rPr b="0" i="1" lang="en-US" sz="1600" spc="-1" strike="noStrike">
+                <a:solidFill>
+                  <a:srgbClr val="000000"/>
+                </a:solidFill>
+                <a:latin typeface="Arial"/>
+                <a:ea typeface="JetBrains Mono"/>
+              </a:rPr>
+              <a:t>Jac(G) = ℤ</a:t>
+            </a:r>
+            <a:r>
+              <a:rPr b="0" i="1" lang="en-US" sz="1600" spc="-1" strike="noStrike" baseline="-8000">
+                <a:solidFill>
+                  <a:srgbClr val="000000"/>
+                </a:solidFill>
+                <a:latin typeface="Arial"/>
+                <a:ea typeface="JetBrains Mono"/>
+              </a:rPr>
+              <a:t>n-3</a:t>
+            </a:r>
+            <a:r>
+              <a:rPr b="0" lang="en-US" sz="1600" spc="-1" strike="noStrike">
+                <a:solidFill>
+                  <a:srgbClr val="000000"/>
+                </a:solidFill>
+                <a:latin typeface="Arial"/>
+                <a:ea typeface="JetBrains Mono"/>
+              </a:rPr>
+              <a:t>.</a:t>
+            </a:r>
+            <a:endParaRPr b="0" lang="en-US" sz="1600" spc="-1" strike="noStrike">
+              <a:latin typeface="Arial"/>
+            </a:endParaRPr>
+          </a:p>
+          <a:p>
+            <a:pPr marL="432000" indent="-324000">
+              <a:lnSpc>
+                <a:spcPct val="100000"/>
+              </a:lnSpc>
+              <a:spcBef>
+                <a:spcPts val="1417"/>
+              </a:spcBef>
+              <a:buClr>
+                <a:srgbClr val="000000"/>
+              </a:buClr>
+              <a:buSzPct val="45000"/>
+              <a:buFont typeface="Wingdings" charset="2"/>
+              <a:buChar char=""/>
+            </a:pPr>
+            <a:r>
+              <a:rPr b="0" lang="en-US" sz="1600" spc="-1" strike="noStrike">
+                <a:solidFill>
+                  <a:srgbClr val="000000"/>
+                </a:solidFill>
+                <a:latin typeface="Arial"/>
+                <a:ea typeface="JetBrains Mono"/>
+              </a:rPr>
+              <a:t>Continuing this pattern until the two</a:t>
+            </a:r>
+            <a:r>
+              <a:rPr b="0" lang="en-US" sz="1600" spc="-1" strike="noStrike">
+                <a:solidFill>
+                  <a:srgbClr val="000000"/>
+                </a:solidFill>
+                <a:latin typeface="Airal"/>
+                <a:ea typeface="JetBrains Mono"/>
+              </a:rPr>
+              <a:t> paths meet yields all invariant factors down to ℤ</a:t>
+            </a:r>
+            <a:r>
+              <a:rPr b="0" lang="en-US" sz="1600" spc="-1" strike="noStrike" baseline="-8000">
+                <a:solidFill>
+                  <a:srgbClr val="000000"/>
+                </a:solidFill>
+                <a:latin typeface="Airal"/>
+                <a:ea typeface="JetBrains Mono"/>
+              </a:rPr>
+              <a:t>2</a:t>
+            </a:r>
+            <a:r>
+              <a:rPr b="0" lang="en-US" sz="1600" spc="-1" strike="noStrike">
+                <a:solidFill>
+                  <a:srgbClr val="000000"/>
+                </a:solidFill>
+                <a:latin typeface="Airal"/>
+                <a:ea typeface="JetBrains Mono"/>
+              </a:rPr>
+              <a:t>.  Going further to orient the entire graph to one direction results in a trivial Jacobian of </a:t>
+            </a:r>
+            <a:r>
+              <a:rPr b="0" i="1" lang="en-US" sz="1600" spc="-1" strike="noStrike">
+                <a:solidFill>
+                  <a:srgbClr val="000000"/>
+                </a:solidFill>
+                <a:latin typeface="Airal"/>
+                <a:ea typeface="JetBrains Mono"/>
+              </a:rPr>
+              <a:t>{0}</a:t>
+            </a:r>
+            <a:r>
+              <a:rPr b="0" lang="en-US" sz="1600" spc="-1" strike="noStrike">
+                <a:solidFill>
+                  <a:srgbClr val="000000"/>
+                </a:solidFill>
+                <a:latin typeface="Airal"/>
+                <a:ea typeface="JetBrains Mono"/>
+              </a:rPr>
+              <a:t>.</a:t>
+            </a:r>
+            <a:endParaRPr b="0" lang="en-US" sz="1600" spc="-1" strike="noStrike">
+              <a:latin typeface="Arial"/>
+            </a:endParaRPr>
+          </a:p>
+          <a:p>
+            <a:pPr marL="432000" indent="-324000">
+              <a:lnSpc>
+                <a:spcPct val="100000"/>
+              </a:lnSpc>
+              <a:spcBef>
+                <a:spcPts val="1417"/>
+              </a:spcBef>
+              <a:buClr>
+                <a:srgbClr val="000000"/>
+              </a:buClr>
+              <a:buSzPct val="45000"/>
+              <a:buFont typeface="Wingdings" charset="2"/>
+              <a:buChar char=""/>
+            </a:pPr>
+            <a:r>
+              <a:rPr b="0" lang="en-US" sz="1600" spc="-1" strike="noStrike">
+                <a:solidFill>
+                  <a:srgbClr val="000000"/>
+                </a:solidFill>
+                <a:latin typeface="Airal"/>
+                <a:ea typeface="JetBrains Mono"/>
+              </a:rPr>
+              <a:t>This pattern should hold for all cycle gra</a:t>
+            </a:r>
+            <a:r>
+              <a:rPr b="0" lang="en-US" sz="1600" spc="-1" strike="noStrike">
+                <a:solidFill>
+                  <a:srgbClr val="000000"/>
+                </a:solidFill>
+                <a:latin typeface="Arial"/>
+                <a:ea typeface="JetBrains Mono"/>
+              </a:rPr>
+              <a:t>phs C</a:t>
+            </a:r>
+            <a:r>
+              <a:rPr b="0" lang="en-US" sz="1600" spc="-1" strike="noStrike" baseline="-8000">
+                <a:solidFill>
+                  <a:srgbClr val="000000"/>
+                </a:solidFill>
+                <a:latin typeface="Arial"/>
+                <a:ea typeface="JetBrains Mono"/>
+              </a:rPr>
+              <a:t>3</a:t>
+            </a:r>
+            <a:r>
+              <a:rPr b="0" lang="en-US" sz="1600" spc="-1" strike="noStrike">
+                <a:solidFill>
+                  <a:srgbClr val="000000"/>
+                </a:solidFill>
+                <a:latin typeface="Arial"/>
+                <a:ea typeface="JetBrains Mono"/>
+              </a:rPr>
+              <a:t> to C</a:t>
+            </a:r>
+            <a:r>
+              <a:rPr b="0" lang="en-US" sz="1600" spc="-1" strike="noStrike" baseline="-8000">
+                <a:solidFill>
+                  <a:srgbClr val="000000"/>
+                </a:solidFill>
+                <a:latin typeface="Arial"/>
+                <a:ea typeface="JetBrains Mono"/>
+              </a:rPr>
+              <a:t>x</a:t>
+            </a:r>
+            <a:r>
+              <a:rPr b="0" lang="en-US" sz="1600" spc="-1" strike="noStrike">
+                <a:solidFill>
+                  <a:srgbClr val="000000"/>
+                </a:solidFill>
+                <a:latin typeface="Arial"/>
+                <a:ea typeface="JetBrains Mono"/>
+              </a:rPr>
+              <a:t> and has been proven for graphs C</a:t>
+            </a:r>
+            <a:r>
+              <a:rPr b="0" lang="en-US" sz="1600" spc="-1" strike="noStrike" baseline="-8000">
+                <a:solidFill>
+                  <a:srgbClr val="000000"/>
+                </a:solidFill>
+                <a:latin typeface="Arial"/>
+                <a:ea typeface="JetBrains Mono"/>
+              </a:rPr>
+              <a:t>3</a:t>
+            </a:r>
+            <a:r>
+              <a:rPr b="0" lang="en-US" sz="1600" spc="-1" strike="noStrike">
+                <a:solidFill>
+                  <a:srgbClr val="000000"/>
+                </a:solidFill>
+                <a:latin typeface="Arial"/>
+                <a:ea typeface="JetBrains Mono"/>
+              </a:rPr>
+              <a:t> to C</a:t>
+            </a:r>
+            <a:r>
+              <a:rPr b="0" lang="en-US" sz="1600" spc="-1" strike="noStrike" baseline="-8000">
+                <a:solidFill>
+                  <a:srgbClr val="000000"/>
+                </a:solidFill>
+                <a:latin typeface="Arial"/>
+                <a:ea typeface="JetBrains Mono"/>
+              </a:rPr>
+              <a:t>80</a:t>
+            </a:r>
+            <a:r>
+              <a:rPr b="0" lang="en-US" sz="1600" spc="-1" strike="noStrike">
+                <a:solidFill>
+                  <a:srgbClr val="000000"/>
+                </a:solidFill>
+                <a:latin typeface="Arial"/>
+                <a:ea typeface="JetBrains Mono"/>
+              </a:rPr>
+              <a:t>.</a:t>
+            </a:r>
+            <a:endParaRPr b="0" lang="en-US" sz="1600" spc="-1" strike="noStrike">
+              <a:latin typeface="Arial"/>
+            </a:endParaRPr>
+          </a:p>
+        </p:txBody>
+      </p:sp>
+    </p:spTree>
+  </p:cSld>
+  <mc:AlternateContent>
+    <mc:Choice Requires="p14">
+      <p:transition spd="slow" p14:dur="2000"/>
+    </mc:Choice>
+    <mc:Fallback>
+      <p:transition spd="slow"/>
+    </mc:Fallback>
+  </mc:AlternateContent>
+</p:sld>
+</file>
+
+<file path=ppt/slides/slide17.xml><?xml version="1.0" encoding="utf-8"?>
+<p:sld xmlns:a="http://schemas.openxmlformats.org/drawingml/2006/main" xmlns:p="http://schemas.openxmlformats.org/presentationml/2006/main" xmlns:r="http://schemas.openxmlformats.org/officeDocument/2006/relationships" xmlns:p14="http://schemas.microsoft.com/office/powerpoint/2010/main" xmlns:p15="http://schemas.microsoft.com/office/powerpoint/2012/main" xmlns:mc="http://schemas.openxmlformats.org/markup-compatibility/2006">
+  <p:cSld>
+    <p:spTree>
+      <p:nvGrpSpPr>
+        <p:cNvPr id="1" name=""/>
+        <p:cNvGrpSpPr/>
+        <p:nvPr/>
+      </p:nvGrpSpPr>
+      <p:grpSpPr>
+        <a:xfrm>
+          <a:off x="0" y="0"/>
+          <a:ext cx="0" cy="0"/>
+          <a:chOff x="0" y="0"/>
+          <a:chExt cx="0" cy="0"/>
+        </a:xfrm>
+      </p:grpSpPr>
+      <p:sp>
+        <p:nvSpPr>
+          <p:cNvPr id="211" name="PlaceHolder 1"/>
+          <p:cNvSpPr>
+            <a:spLocks noGrp="1"/>
+          </p:cNvSpPr>
+          <p:nvPr>
+            <p:ph type="title"/>
+          </p:nvPr>
+        </p:nvSpPr>
+        <p:spPr>
+          <a:xfrm>
+            <a:off x="360000" y="225720"/>
+            <a:ext cx="9358200" cy="717120"/>
+          </a:xfrm>
+          <a:prstGeom prst="rect">
+            <a:avLst/>
+          </a:prstGeom>
+          <a:noFill/>
+          <a:ln w="0">
+            <a:noFill/>
+          </a:ln>
+        </p:spPr>
+        <p:txBody>
+          <a:bodyPr lIns="0" rIns="0" tIns="0" bIns="0" anchor="ctr">
+            <a:noAutofit/>
+          </a:bodyPr>
+          <a:p>
+            <a:pPr algn="ctr">
+              <a:lnSpc>
+                <a:spcPct val="100000"/>
+              </a:lnSpc>
+              <a:buNone/>
+            </a:pPr>
+            <a:r>
+              <a:rPr b="0" lang="en-US" sz="4400" spc="-1" strike="noStrike">
+                <a:solidFill>
+                  <a:srgbClr val="ffffff"/>
+                </a:solidFill>
+                <a:latin typeface="Arial"/>
+              </a:rPr>
               <a:t>Finding The Jacobian of a Cycle Graph</a:t>
             </a:r>
             <a:endParaRPr b="0" lang="en-US" sz="4400" spc="-1" strike="noStrike">
@@ -12042,7 +12579,7 @@
       </p:sp>
       <p:pic>
         <p:nvPicPr>
-          <p:cNvPr id="209" name="" descr=""/>
+          <p:cNvPr id="212" name="" descr=""/>
           <p:cNvPicPr/>
           <p:nvPr/>
         </p:nvPicPr>
@@ -12053,7 +12590,7 @@
         <p:spPr>
           <a:xfrm>
             <a:off x="799920" y="2743200"/>
-            <a:ext cx="3543120" cy="2657160"/>
+            <a:ext cx="3542400" cy="2656440"/>
           </a:xfrm>
           <a:prstGeom prst="rect">
             <a:avLst/>
@@ -12065,7 +12602,7 @@
       </p:pic>
       <p:pic>
         <p:nvPicPr>
-          <p:cNvPr id="210" name="" descr=""/>
+          <p:cNvPr id="213" name="" descr=""/>
           <p:cNvPicPr/>
           <p:nvPr/>
         </p:nvPicPr>
@@ -12076,7 +12613,7 @@
         <p:spPr>
           <a:xfrm>
             <a:off x="5715000" y="2743200"/>
-            <a:ext cx="3543120" cy="2657160"/>
+            <a:ext cx="3542400" cy="2656440"/>
           </a:xfrm>
           <a:prstGeom prst="rect">
             <a:avLst/>
@@ -12088,7 +12625,7 @@
       </p:pic>
       <p:pic>
         <p:nvPicPr>
-          <p:cNvPr id="211" name="" descr=""/>
+          <p:cNvPr id="214" name="" descr=""/>
           <p:cNvPicPr/>
           <p:nvPr/>
         </p:nvPicPr>
@@ -12099,7 +12636,7 @@
         <p:spPr>
           <a:xfrm>
             <a:off x="3314520" y="1228680"/>
-            <a:ext cx="3543120" cy="2657160"/>
+            <a:ext cx="3542400" cy="2656440"/>
           </a:xfrm>
           <a:prstGeom prst="rect">
             <a:avLst/>
@@ -12111,14 +12648,14 @@
       </p:pic>
       <p:sp>
         <p:nvSpPr>
-          <p:cNvPr id="212" name=""/>
+          <p:cNvPr id="215" name=""/>
           <p:cNvSpPr/>
           <p:nvPr/>
         </p:nvSpPr>
         <p:spPr>
           <a:xfrm rot="18160800">
-            <a:off x="3657240" y="2286000"/>
-            <a:ext cx="1371240" cy="228240"/>
+            <a:off x="3656880" y="2286000"/>
+            <a:ext cx="1370520" cy="227520"/>
           </a:xfrm>
           <a:custGeom>
             <a:avLst/>
@@ -12179,14 +12716,14 @@
       </p:sp>
       <p:sp>
         <p:nvSpPr>
-          <p:cNvPr id="213" name=""/>
+          <p:cNvPr id="216" name=""/>
           <p:cNvSpPr/>
           <p:nvPr/>
         </p:nvSpPr>
         <p:spPr>
           <a:xfrm rot="3178800">
-            <a:off x="5447880" y="2360520"/>
-            <a:ext cx="914040" cy="228240"/>
+            <a:off x="5395320" y="2195640"/>
+            <a:ext cx="913320" cy="227520"/>
           </a:xfrm>
           <a:custGeom>
             <a:avLst/>
@@ -12238,14 +12775,14 @@
       </p:sp>
       <p:sp>
         <p:nvSpPr>
-          <p:cNvPr id="214" name=""/>
+          <p:cNvPr id="217" name=""/>
           <p:cNvSpPr/>
           <p:nvPr/>
         </p:nvSpPr>
         <p:spPr>
           <a:xfrm>
             <a:off x="4800600" y="3429000"/>
-            <a:ext cx="914040" cy="228240"/>
+            <a:ext cx="913320" cy="227520"/>
           </a:xfrm>
           <a:custGeom>
             <a:avLst/>
@@ -12297,14 +12834,14 @@
       </p:sp>
       <p:sp>
         <p:nvSpPr>
-          <p:cNvPr id="215" name=""/>
+          <p:cNvPr id="218" name=""/>
           <p:cNvSpPr/>
           <p:nvPr/>
         </p:nvSpPr>
         <p:spPr>
           <a:xfrm rot="18160800">
-            <a:off x="1151640" y="3953880"/>
-            <a:ext cx="1371240" cy="228240"/>
+            <a:off x="1151280" y="3953880"/>
+            <a:ext cx="1370520" cy="227520"/>
           </a:xfrm>
           <a:custGeom>
             <a:avLst/>
@@ -12365,14 +12902,14 @@
       </p:sp>
       <p:sp>
         <p:nvSpPr>
-          <p:cNvPr id="216" name=""/>
+          <p:cNvPr id="219" name=""/>
           <p:cNvSpPr/>
           <p:nvPr/>
         </p:nvSpPr>
         <p:spPr>
           <a:xfrm rot="14195400">
-            <a:off x="2727360" y="3822480"/>
-            <a:ext cx="1371240" cy="228240"/>
+            <a:off x="2727360" y="3822840"/>
+            <a:ext cx="1370520" cy="227520"/>
           </a:xfrm>
           <a:custGeom>
             <a:avLst/>
@@ -12433,14 +12970,14 @@
       </p:sp>
       <p:sp>
         <p:nvSpPr>
-          <p:cNvPr id="217" name=""/>
+          <p:cNvPr id="220" name=""/>
           <p:cNvSpPr/>
           <p:nvPr/>
         </p:nvSpPr>
         <p:spPr>
           <a:xfrm rot="21568800">
-            <a:off x="1818720" y="4961160"/>
-            <a:ext cx="1371240" cy="228240"/>
+            <a:off x="1818000" y="4960440"/>
+            <a:ext cx="1370520" cy="227520"/>
           </a:xfrm>
           <a:custGeom>
             <a:avLst/>
@@ -12501,14 +13038,14 @@
       </p:sp>
       <p:sp>
         <p:nvSpPr>
-          <p:cNvPr id="218" name=""/>
+          <p:cNvPr id="221" name=""/>
           <p:cNvSpPr/>
           <p:nvPr/>
         </p:nvSpPr>
         <p:spPr>
           <a:xfrm>
             <a:off x="7086600" y="5029200"/>
-            <a:ext cx="914040" cy="228240"/>
+            <a:ext cx="913320" cy="227520"/>
           </a:xfrm>
           <a:custGeom>
             <a:avLst/>
@@ -12560,14 +13097,14 @@
       </p:sp>
       <p:sp>
         <p:nvSpPr>
-          <p:cNvPr id="219" name=""/>
+          <p:cNvPr id="222" name=""/>
           <p:cNvSpPr/>
           <p:nvPr/>
         </p:nvSpPr>
         <p:spPr>
           <a:xfrm rot="13918800">
-            <a:off x="7857720" y="3798720"/>
-            <a:ext cx="914040" cy="228240"/>
+            <a:off x="7857720" y="3799080"/>
+            <a:ext cx="913320" cy="227520"/>
           </a:xfrm>
           <a:custGeom>
             <a:avLst/>
@@ -12619,14 +13156,14 @@
       </p:sp>
       <p:sp>
         <p:nvSpPr>
-          <p:cNvPr id="220" name=""/>
+          <p:cNvPr id="223" name=""/>
           <p:cNvSpPr/>
           <p:nvPr/>
         </p:nvSpPr>
         <p:spPr>
           <a:xfrm rot="7579800">
-            <a:off x="6306480" y="3792600"/>
-            <a:ext cx="914040" cy="228240"/>
+            <a:off x="6307200" y="3792600"/>
+            <a:ext cx="913320" cy="227520"/>
           </a:xfrm>
           <a:custGeom>
             <a:avLst/>
@@ -12689,440 +13226,6 @@
 </p:sld>
 </file>
 
-<file path=ppt/slides/slide16.xml><?xml version="1.0" encoding="utf-8"?>
-<p:sld xmlns:a="http://schemas.openxmlformats.org/drawingml/2006/main" xmlns:p="http://schemas.openxmlformats.org/presentationml/2006/main" xmlns:r="http://schemas.openxmlformats.org/officeDocument/2006/relationships" xmlns:p14="http://schemas.microsoft.com/office/powerpoint/2010/main" xmlns:p15="http://schemas.microsoft.com/office/powerpoint/2012/main" xmlns:mc="http://schemas.openxmlformats.org/markup-compatibility/2006">
-  <p:cSld>
-    <p:spTree>
-      <p:nvGrpSpPr>
-        <p:cNvPr id="1" name=""/>
-        <p:cNvGrpSpPr/>
-        <p:nvPr/>
-      </p:nvGrpSpPr>
-      <p:grpSpPr>
-        <a:xfrm>
-          <a:off x="0" y="0"/>
-          <a:ext cx="0" cy="0"/>
-          <a:chOff x="0" y="0"/>
-          <a:chExt cx="0" cy="0"/>
-        </a:xfrm>
-      </p:grpSpPr>
-      <p:sp>
-        <p:nvSpPr>
-          <p:cNvPr id="221" name="PlaceHolder 1"/>
-          <p:cNvSpPr>
-            <a:spLocks noGrp="1"/>
-          </p:cNvSpPr>
-          <p:nvPr>
-            <p:ph type="title"/>
-          </p:nvPr>
-        </p:nvSpPr>
-        <p:spPr>
-          <a:xfrm>
-            <a:off x="360000" y="-39960"/>
-            <a:ext cx="9358920" cy="1249560"/>
-          </a:xfrm>
-          <a:prstGeom prst="rect">
-            <a:avLst/>
-          </a:prstGeom>
-          <a:noFill/>
-          <a:ln w="0">
-            <a:noFill/>
-          </a:ln>
-        </p:spPr>
-        <p:txBody>
-          <a:bodyPr lIns="0" rIns="0" tIns="0" bIns="0" anchor="ctr">
-            <a:noAutofit/>
-          </a:bodyPr>
-          <a:p>
-            <a:pPr algn="ctr">
-              <a:lnSpc>
-                <a:spcPct val="100000"/>
-              </a:lnSpc>
-              <a:buNone/>
-            </a:pPr>
-            <a:r>
-              <a:rPr b="0" lang="en-US" sz="4400" spc="-1" strike="noStrike">
-                <a:solidFill>
-                  <a:srgbClr val="ffffff"/>
-                </a:solidFill>
-                <a:latin typeface="Arial"/>
-              </a:rPr>
-              <a:t>Creating a Pseudo-Tree</a:t>
-            </a:r>
-            <a:endParaRPr b="0" lang="en-US" sz="4400" spc="-1" strike="noStrike">
-              <a:latin typeface="Arial"/>
-            </a:endParaRPr>
-          </a:p>
-        </p:txBody>
-      </p:sp>
-      <p:sp>
-        <p:nvSpPr>
-          <p:cNvPr id="222" name="PlaceHolder 2"/>
-          <p:cNvSpPr>
-            <a:spLocks noGrp="1"/>
-          </p:cNvSpPr>
-          <p:nvPr>
-            <p:ph/>
-          </p:nvPr>
-        </p:nvSpPr>
-        <p:spPr>
-          <a:xfrm>
-            <a:off x="360000" y="1485000"/>
-            <a:ext cx="9469440" cy="3778920"/>
-          </a:xfrm>
-          <a:prstGeom prst="rect">
-            <a:avLst/>
-          </a:prstGeom>
-          <a:noFill/>
-          <a:ln w="0">
-            <a:noFill/>
-          </a:ln>
-        </p:spPr>
-        <p:txBody>
-          <a:bodyPr lIns="0" rIns="0" tIns="0" bIns="0" anchor="t">
-            <a:normAutofit/>
-          </a:bodyPr>
-          <a:p>
-            <a:pPr marL="432000" indent="-324000">
-              <a:lnSpc>
-                <a:spcPct val="100000"/>
-              </a:lnSpc>
-              <a:spcBef>
-                <a:spcPts val="1417"/>
-              </a:spcBef>
-              <a:buClr>
-                <a:srgbClr val="000000"/>
-              </a:buClr>
-              <a:buSzPct val="45000"/>
-              <a:buFont typeface="Wingdings" charset="2"/>
-              <a:buChar char=""/>
-            </a:pPr>
-            <a:r>
-              <a:rPr b="0" lang="en-US" sz="2100" spc="-1" strike="noStrike">
-                <a:solidFill>
-                  <a:srgbClr val="000000"/>
-                </a:solidFill>
-                <a:latin typeface="Arial"/>
-                <a:ea typeface="JetBrains Mono"/>
-              </a:rPr>
-              <a:t>A Pseudo-tree can be created by gluing a tree to a cycle graph in one of two ways.</a:t>
-            </a:r>
-            <a:endParaRPr b="0" lang="en-US" sz="2100" spc="-1" strike="noStrike">
-              <a:latin typeface="Arial"/>
-            </a:endParaRPr>
-          </a:p>
-          <a:p>
-            <a:pPr marL="432000" indent="-324000">
-              <a:lnSpc>
-                <a:spcPct val="100000"/>
-              </a:lnSpc>
-              <a:spcBef>
-                <a:spcPts val="1417"/>
-              </a:spcBef>
-              <a:buClr>
-                <a:srgbClr val="000000"/>
-              </a:buClr>
-              <a:buSzPct val="45000"/>
-              <a:buFont typeface="Wingdings" charset="2"/>
-              <a:buChar char=""/>
-            </a:pPr>
-            <a:r>
-              <a:rPr b="0" lang="en-US" sz="2100" spc="-1" strike="noStrike">
-                <a:solidFill>
-                  <a:srgbClr val="000000"/>
-                </a:solidFill>
-                <a:latin typeface="Arial"/>
-                <a:ea typeface="JetBrains Mono"/>
-              </a:rPr>
-              <a:t>By Vertex – Here, whichever vertices will be glued together will be merged into one vertex.  With this way of gluing, one vertex will be shared between the two glued graphs.</a:t>
-            </a:r>
-            <a:endParaRPr b="0" lang="en-US" sz="2100" spc="-1" strike="noStrike">
-              <a:latin typeface="Arial"/>
-            </a:endParaRPr>
-          </a:p>
-          <a:p>
-            <a:pPr marL="432000" indent="-324000">
-              <a:lnSpc>
-                <a:spcPct val="100000"/>
-              </a:lnSpc>
-              <a:spcBef>
-                <a:spcPts val="1417"/>
-              </a:spcBef>
-              <a:buClr>
-                <a:srgbClr val="000000"/>
-              </a:buClr>
-              <a:buSzPct val="45000"/>
-              <a:buFont typeface="Wingdings" charset="2"/>
-              <a:buChar char=""/>
-            </a:pPr>
-            <a:r>
-              <a:rPr b="0" lang="en-US" sz="2100" spc="-1" strike="noStrike">
-                <a:solidFill>
-                  <a:srgbClr val="000000"/>
-                </a:solidFill>
-                <a:latin typeface="Arial"/>
-                <a:ea typeface="JetBrains Mono"/>
-              </a:rPr>
-              <a:t>By Edge – With this method, the two graphs are joined by an additional edge.  This helps to preserve the attributes of the original graphs into the resulting glues pseudo-tree, such as the Jacobian often being </a:t>
-            </a:r>
-            <a:r>
-              <a:rPr b="0" lang="en-US" sz="2100" spc="-1" strike="noStrike">
-                <a:solidFill>
-                  <a:srgbClr val="000000"/>
-                </a:solidFill>
-                <a:latin typeface="Arial"/>
-                <a:ea typeface="JetBrains Mono"/>
-              </a:rPr>
-              <a:t>	</a:t>
-            </a:r>
-            <a:r>
-              <a:rPr b="0" lang="en-US" sz="2100" spc="-1" strike="noStrike">
-                <a:solidFill>
-                  <a:srgbClr val="000000"/>
-                </a:solidFill>
-                <a:latin typeface="Arial"/>
-                <a:ea typeface="JetBrains Mono"/>
-              </a:rPr>
-              <a:t>Jac(cycle) x Jac(tree).</a:t>
-            </a:r>
-            <a:endParaRPr b="0" lang="en-US" sz="2100" spc="-1" strike="noStrike">
-              <a:latin typeface="Arial"/>
-            </a:endParaRPr>
-          </a:p>
-        </p:txBody>
-      </p:sp>
-    </p:spTree>
-  </p:cSld>
-  <mc:AlternateContent>
-    <mc:Choice Requires="p14">
-      <p:transition spd="slow" p14:dur="2000"/>
-    </mc:Choice>
-    <mc:Fallback>
-      <p:transition spd="slow"/>
-    </mc:Fallback>
-  </mc:AlternateContent>
-</p:sld>
-</file>
-
-<file path=ppt/slides/slide17.xml><?xml version="1.0" encoding="utf-8"?>
-<p:sld xmlns:a="http://schemas.openxmlformats.org/drawingml/2006/main" xmlns:p="http://schemas.openxmlformats.org/presentationml/2006/main" xmlns:r="http://schemas.openxmlformats.org/officeDocument/2006/relationships" xmlns:p14="http://schemas.microsoft.com/office/powerpoint/2010/main" xmlns:p15="http://schemas.microsoft.com/office/powerpoint/2012/main" xmlns:mc="http://schemas.openxmlformats.org/markup-compatibility/2006">
-  <p:cSld>
-    <p:spTree>
-      <p:nvGrpSpPr>
-        <p:cNvPr id="1" name=""/>
-        <p:cNvGrpSpPr/>
-        <p:nvPr/>
-      </p:nvGrpSpPr>
-      <p:grpSpPr>
-        <a:xfrm>
-          <a:off x="0" y="0"/>
-          <a:ext cx="0" cy="0"/>
-          <a:chOff x="0" y="0"/>
-          <a:chExt cx="0" cy="0"/>
-        </a:xfrm>
-      </p:grpSpPr>
-      <p:sp>
-        <p:nvSpPr>
-          <p:cNvPr id="223" name="PlaceHolder 1"/>
-          <p:cNvSpPr>
-            <a:spLocks noGrp="1"/>
-          </p:cNvSpPr>
-          <p:nvPr>
-            <p:ph type="title"/>
-          </p:nvPr>
-        </p:nvSpPr>
-        <p:spPr>
-          <a:xfrm>
-            <a:off x="360000" y="-39960"/>
-            <a:ext cx="9358920" cy="1249560"/>
-          </a:xfrm>
-          <a:prstGeom prst="rect">
-            <a:avLst/>
-          </a:prstGeom>
-          <a:noFill/>
-          <a:ln w="0">
-            <a:noFill/>
-          </a:ln>
-        </p:spPr>
-        <p:txBody>
-          <a:bodyPr lIns="0" rIns="0" tIns="0" bIns="0" anchor="ctr">
-            <a:noAutofit/>
-          </a:bodyPr>
-          <a:p>
-            <a:pPr algn="ctr">
-              <a:lnSpc>
-                <a:spcPct val="100000"/>
-              </a:lnSpc>
-              <a:buNone/>
-            </a:pPr>
-            <a:r>
-              <a:rPr b="0" lang="en-US" sz="4400" spc="-1" strike="noStrike">
-                <a:solidFill>
-                  <a:srgbClr val="ffffff"/>
-                </a:solidFill>
-                <a:latin typeface="Arial"/>
-              </a:rPr>
-              <a:t>Further Research</a:t>
-            </a:r>
-            <a:endParaRPr b="0" lang="en-US" sz="4400" spc="-1" strike="noStrike">
-              <a:latin typeface="Arial"/>
-            </a:endParaRPr>
-          </a:p>
-        </p:txBody>
-      </p:sp>
-      <p:sp>
-        <p:nvSpPr>
-          <p:cNvPr id="224" name="PlaceHolder 2"/>
-          <p:cNvSpPr>
-            <a:spLocks noGrp="1"/>
-          </p:cNvSpPr>
-          <p:nvPr>
-            <p:ph/>
-          </p:nvPr>
-        </p:nvSpPr>
-        <p:spPr>
-          <a:xfrm>
-            <a:off x="360000" y="1485000"/>
-            <a:ext cx="9469440" cy="3778920"/>
-          </a:xfrm>
-          <a:prstGeom prst="rect">
-            <a:avLst/>
-          </a:prstGeom>
-          <a:noFill/>
-          <a:ln w="0">
-            <a:noFill/>
-          </a:ln>
-        </p:spPr>
-        <p:txBody>
-          <a:bodyPr lIns="0" rIns="0" tIns="0" bIns="0" anchor="t">
-            <a:normAutofit/>
-          </a:bodyPr>
-          <a:p>
-            <a:pPr>
-              <a:lnSpc>
-                <a:spcPct val="100000"/>
-              </a:lnSpc>
-              <a:spcBef>
-                <a:spcPts val="1417"/>
-              </a:spcBef>
-              <a:buNone/>
-            </a:pPr>
-            <a:r>
-              <a:rPr b="0" lang="en-US" sz="2100" spc="-1" strike="noStrike">
-                <a:solidFill>
-                  <a:srgbClr val="000000"/>
-                </a:solidFill>
-                <a:latin typeface="Arial"/>
-                <a:ea typeface="JetBrains Mono"/>
-              </a:rPr>
-              <a:t>Going forward, we plan to consolidate the findings we already have and extend our reasoning to other graphs.  This includes</a:t>
-            </a:r>
-            <a:endParaRPr b="0" lang="en-US" sz="2100" spc="-1" strike="noStrike">
-              <a:latin typeface="Arial"/>
-            </a:endParaRPr>
-          </a:p>
-          <a:p>
-            <a:pPr marL="432000" indent="-324000">
-              <a:lnSpc>
-                <a:spcPct val="100000"/>
-              </a:lnSpc>
-              <a:spcBef>
-                <a:spcPts val="1417"/>
-              </a:spcBef>
-              <a:buClr>
-                <a:srgbClr val="000000"/>
-              </a:buClr>
-              <a:buSzPct val="45000"/>
-              <a:buFont typeface="Wingdings" charset="2"/>
-              <a:buChar char=""/>
-            </a:pPr>
-            <a:r>
-              <a:rPr b="0" lang="en-US" sz="2100" spc="-1" strike="noStrike">
-                <a:solidFill>
-                  <a:srgbClr val="000000"/>
-                </a:solidFill>
-                <a:latin typeface="Arial"/>
-                <a:ea typeface="JetBrains Mono"/>
-              </a:rPr>
-              <a:t>Finalizing our methods for cycle graphs and trees.</a:t>
-            </a:r>
-            <a:endParaRPr b="0" lang="en-US" sz="2100" spc="-1" strike="noStrike">
-              <a:latin typeface="Arial"/>
-            </a:endParaRPr>
-          </a:p>
-          <a:p>
-            <a:pPr marL="432000" indent="-324000">
-              <a:lnSpc>
-                <a:spcPct val="100000"/>
-              </a:lnSpc>
-              <a:spcBef>
-                <a:spcPts val="1417"/>
-              </a:spcBef>
-              <a:buClr>
-                <a:srgbClr val="000000"/>
-              </a:buClr>
-              <a:buSzPct val="45000"/>
-              <a:buFont typeface="Wingdings" charset="2"/>
-              <a:buChar char=""/>
-            </a:pPr>
-            <a:r>
-              <a:rPr b="0" lang="en-US" sz="2100" spc="-1" strike="noStrike">
-                <a:solidFill>
-                  <a:srgbClr val="000000"/>
-                </a:solidFill>
-                <a:latin typeface="Arial"/>
-                <a:ea typeface="JetBrains Mono"/>
-              </a:rPr>
-              <a:t>Expanding those methods to pseudo trees to notice a more concrete pattern.</a:t>
-            </a:r>
-            <a:endParaRPr b="0" lang="en-US" sz="2100" spc="-1" strike="noStrike">
-              <a:latin typeface="Arial"/>
-            </a:endParaRPr>
-          </a:p>
-          <a:p>
-            <a:pPr marL="432000" indent="-324000">
-              <a:lnSpc>
-                <a:spcPct val="100000"/>
-              </a:lnSpc>
-              <a:spcBef>
-                <a:spcPts val="1417"/>
-              </a:spcBef>
-              <a:buClr>
-                <a:srgbClr val="000000"/>
-              </a:buClr>
-              <a:buSzPct val="45000"/>
-              <a:buFont typeface="Wingdings" charset="2"/>
-              <a:buChar char=""/>
-            </a:pPr>
-            <a:r>
-              <a:rPr b="0" lang="en-US" sz="2100" spc="-1" strike="noStrike">
-                <a:solidFill>
-                  <a:srgbClr val="000000"/>
-                </a:solidFill>
-                <a:latin typeface="Arial"/>
-                <a:ea typeface="JetBrains Mono"/>
-              </a:rPr>
-              <a:t>Expanding our research to include complete and wheel graphs.</a:t>
-            </a:r>
-            <a:endParaRPr b="0" lang="en-US" sz="2100" spc="-1" strike="noStrike">
-              <a:latin typeface="Arial"/>
-            </a:endParaRPr>
-          </a:p>
-        </p:txBody>
-      </p:sp>
-    </p:spTree>
-  </p:cSld>
-  <mc:AlternateContent>
-    <mc:Choice Requires="p14">
-      <p:transition spd="slow" p14:dur="2000"/>
-    </mc:Choice>
-    <mc:Fallback>
-      <p:transition spd="slow"/>
-    </mc:Fallback>
-  </mc:AlternateContent>
-</p:sld>
-</file>
-
 <file path=ppt/slides/slide18.xml><?xml version="1.0" encoding="utf-8"?>
 <p:sld xmlns:a="http://schemas.openxmlformats.org/drawingml/2006/main" xmlns:p="http://schemas.openxmlformats.org/presentationml/2006/main" xmlns:r="http://schemas.openxmlformats.org/officeDocument/2006/relationships" xmlns:p14="http://schemas.microsoft.com/office/powerpoint/2010/main" xmlns:p15="http://schemas.microsoft.com/office/powerpoint/2012/main" xmlns:mc="http://schemas.openxmlformats.org/markup-compatibility/2006">
   <p:cSld>
@@ -13142,7 +13245,7 @@
       </p:grpSpPr>
       <p:sp>
         <p:nvSpPr>
-          <p:cNvPr id="225" name="PlaceHolder 1"/>
+          <p:cNvPr id="224" name="PlaceHolder 1"/>
           <p:cNvSpPr>
             <a:spLocks noGrp="1"/>
           </p:cNvSpPr>
@@ -13152,8 +13255,8 @@
         </p:nvSpPr>
         <p:spPr>
           <a:xfrm>
-            <a:off x="360000" y="225720"/>
-            <a:ext cx="9358920" cy="717840"/>
+            <a:off x="360000" y="-39960"/>
+            <a:ext cx="9358200" cy="1248840"/>
           </a:xfrm>
           <a:prstGeom prst="rect">
             <a:avLst/>
@@ -13181,7 +13284,7 @@
                 </a:solidFill>
                 <a:latin typeface="Arial"/>
               </a:rPr>
-              <a:t>Credits</a:t>
+              <a:t>Creating a Pseudo-Tree</a:t>
             </a:r>
             <a:endParaRPr b="0" lang="en-US" sz="4400" spc="-1" strike="noStrike">
               <a:latin typeface="Arial"/>
@@ -13191,7 +13294,7 @@
       </p:sp>
       <p:sp>
         <p:nvSpPr>
-          <p:cNvPr id="226" name="PlaceHolder 2"/>
+          <p:cNvPr id="225" name="PlaceHolder 2"/>
           <p:cNvSpPr>
             <a:spLocks noGrp="1"/>
           </p:cNvSpPr>
@@ -13202,7 +13305,7 @@
         <p:spPr>
           <a:xfrm>
             <a:off x="360000" y="1485000"/>
-            <a:ext cx="9358920" cy="3778920"/>
+            <a:ext cx="9468720" cy="3778200"/>
           </a:xfrm>
           <a:prstGeom prst="rect">
             <a:avLst/>
@@ -13232,18 +13335,313 @@
               <a:buChar char=""/>
             </a:pPr>
             <a:r>
-              <a:rPr b="0" lang="en-US" sz="3200" spc="-1" strike="noStrike">
-                <a:latin typeface="Arial"/>
-              </a:rPr>
-              <a:t>Image of chip firing game: </a:t>
-            </a:r>
-            <a:r>
-              <a:rPr b="0" i="1" lang="en-US" sz="3200" spc="-1" strike="noStrike">
-                <a:latin typeface="Arial"/>
-              </a:rPr>
-              <a:t>https://www.wikiwand.com/en/Chip-firing_game</a:t>
-            </a:r>
-            <a:endParaRPr b="0" lang="en-US" sz="3200" spc="-1" strike="noStrike">
+              <a:rPr b="0" lang="en-US" sz="2100" spc="-1" strike="noStrike">
+                <a:solidFill>
+                  <a:srgbClr val="000000"/>
+                </a:solidFill>
+                <a:latin typeface="Arial"/>
+                <a:ea typeface="JetBrains Mono"/>
+              </a:rPr>
+              <a:t>A Pseudo-tree can be created by gluing a tree to a cycle graph in one of two ways.</a:t>
+            </a:r>
+            <a:endParaRPr b="0" lang="en-US" sz="2100" spc="-1" strike="noStrike">
+              <a:latin typeface="Arial"/>
+            </a:endParaRPr>
+          </a:p>
+          <a:p>
+            <a:pPr marL="432000" indent="-324000">
+              <a:lnSpc>
+                <a:spcPct val="100000"/>
+              </a:lnSpc>
+              <a:spcBef>
+                <a:spcPts val="1417"/>
+              </a:spcBef>
+              <a:buClr>
+                <a:srgbClr val="000000"/>
+              </a:buClr>
+              <a:buSzPct val="45000"/>
+              <a:buFont typeface="Wingdings" charset="2"/>
+              <a:buChar char=""/>
+            </a:pPr>
+            <a:r>
+              <a:rPr b="0" lang="en-US" sz="2100" spc="-1" strike="noStrike">
+                <a:solidFill>
+                  <a:srgbClr val="000000"/>
+                </a:solidFill>
+                <a:latin typeface="Arial"/>
+                <a:ea typeface="JetBrains Mono"/>
+              </a:rPr>
+              <a:t>By Vertex – Here, whichever vertices will be glued together will be merged into one vertex.  With this way of gluing, one vertex will be shared between the two glued graphs.</a:t>
+            </a:r>
+            <a:endParaRPr b="0" lang="en-US" sz="2100" spc="-1" strike="noStrike">
+              <a:latin typeface="Arial"/>
+            </a:endParaRPr>
+          </a:p>
+          <a:p>
+            <a:pPr marL="432000" indent="-324000">
+              <a:lnSpc>
+                <a:spcPct val="100000"/>
+              </a:lnSpc>
+              <a:spcBef>
+                <a:spcPts val="1417"/>
+              </a:spcBef>
+              <a:buClr>
+                <a:srgbClr val="000000"/>
+              </a:buClr>
+              <a:buSzPct val="45000"/>
+              <a:buFont typeface="Wingdings" charset="2"/>
+              <a:buChar char=""/>
+            </a:pPr>
+            <a:r>
+              <a:rPr b="0" lang="en-US" sz="2100" spc="-1" strike="noStrike">
+                <a:solidFill>
+                  <a:srgbClr val="000000"/>
+                </a:solidFill>
+                <a:latin typeface="Arial"/>
+                <a:ea typeface="JetBrains Mono"/>
+              </a:rPr>
+              <a:t>By Edge – With this method, the two graphs are joined by an additional edge.  This helps to preserve the attributes of the original graphs into the resulting glues pseudo-tree, such as the Jacobian often being </a:t>
+            </a:r>
+            <a:r>
+              <a:rPr b="0" lang="en-US" sz="2100" spc="-1" strike="noStrike">
+                <a:solidFill>
+                  <a:srgbClr val="000000"/>
+                </a:solidFill>
+                <a:latin typeface="Arial"/>
+                <a:ea typeface="JetBrains Mono"/>
+              </a:rPr>
+              <a:t>	</a:t>
+            </a:r>
+            <a:r>
+              <a:rPr b="0" lang="en-US" sz="2100" spc="-1" strike="noStrike">
+                <a:solidFill>
+                  <a:srgbClr val="000000"/>
+                </a:solidFill>
+                <a:latin typeface="Arial"/>
+                <a:ea typeface="JetBrains Mono"/>
+              </a:rPr>
+              <a:t>Jac(cycle) x Jac(tree).</a:t>
+            </a:r>
+            <a:endParaRPr b="0" lang="en-US" sz="2100" spc="-1" strike="noStrike">
+              <a:latin typeface="Arial"/>
+            </a:endParaRPr>
+          </a:p>
+        </p:txBody>
+      </p:sp>
+    </p:spTree>
+  </p:cSld>
+  <mc:AlternateContent>
+    <mc:Choice Requires="p14">
+      <p:transition spd="slow" p14:dur="2000"/>
+    </mc:Choice>
+    <mc:Fallback>
+      <p:transition spd="slow"/>
+    </mc:Fallback>
+  </mc:AlternateContent>
+</p:sld>
+</file>
+
+<file path=ppt/slides/slide19.xml><?xml version="1.0" encoding="utf-8"?>
+<p:sld xmlns:a="http://schemas.openxmlformats.org/drawingml/2006/main" xmlns:p="http://schemas.openxmlformats.org/presentationml/2006/main" xmlns:r="http://schemas.openxmlformats.org/officeDocument/2006/relationships" xmlns:p14="http://schemas.microsoft.com/office/powerpoint/2010/main" xmlns:p15="http://schemas.microsoft.com/office/powerpoint/2012/main" xmlns:mc="http://schemas.openxmlformats.org/markup-compatibility/2006">
+  <p:cSld>
+    <p:spTree>
+      <p:nvGrpSpPr>
+        <p:cNvPr id="1" name=""/>
+        <p:cNvGrpSpPr/>
+        <p:nvPr/>
+      </p:nvGrpSpPr>
+      <p:grpSpPr>
+        <a:xfrm>
+          <a:off x="0" y="0"/>
+          <a:ext cx="0" cy="0"/>
+          <a:chOff x="0" y="0"/>
+          <a:chExt cx="0" cy="0"/>
+        </a:xfrm>
+      </p:grpSpPr>
+      <p:sp>
+        <p:nvSpPr>
+          <p:cNvPr id="226" name="PlaceHolder 1"/>
+          <p:cNvSpPr>
+            <a:spLocks noGrp="1"/>
+          </p:cNvSpPr>
+          <p:nvPr>
+            <p:ph type="title"/>
+          </p:nvPr>
+        </p:nvSpPr>
+        <p:spPr>
+          <a:xfrm>
+            <a:off x="360000" y="-39960"/>
+            <a:ext cx="9358200" cy="1248840"/>
+          </a:xfrm>
+          <a:prstGeom prst="rect">
+            <a:avLst/>
+          </a:prstGeom>
+          <a:noFill/>
+          <a:ln w="0">
+            <a:noFill/>
+          </a:ln>
+        </p:spPr>
+        <p:txBody>
+          <a:bodyPr lIns="0" rIns="0" tIns="0" bIns="0" anchor="ctr">
+            <a:noAutofit/>
+          </a:bodyPr>
+          <a:p>
+            <a:pPr algn="ctr">
+              <a:lnSpc>
+                <a:spcPct val="100000"/>
+              </a:lnSpc>
+              <a:buNone/>
+            </a:pPr>
+            <a:r>
+              <a:rPr b="0" lang="en-US" sz="4400" spc="-1" strike="noStrike">
+                <a:solidFill>
+                  <a:srgbClr val="ffffff"/>
+                </a:solidFill>
+                <a:latin typeface="Arial"/>
+              </a:rPr>
+              <a:t>Further Research</a:t>
+            </a:r>
+            <a:endParaRPr b="0" lang="en-US" sz="4400" spc="-1" strike="noStrike">
+              <a:latin typeface="Arial"/>
+            </a:endParaRPr>
+          </a:p>
+        </p:txBody>
+      </p:sp>
+      <p:sp>
+        <p:nvSpPr>
+          <p:cNvPr id="227" name="PlaceHolder 2"/>
+          <p:cNvSpPr>
+            <a:spLocks noGrp="1"/>
+          </p:cNvSpPr>
+          <p:nvPr>
+            <p:ph/>
+          </p:nvPr>
+        </p:nvSpPr>
+        <p:spPr>
+          <a:xfrm>
+            <a:off x="360000" y="1485000"/>
+            <a:ext cx="9468720" cy="3778200"/>
+          </a:xfrm>
+          <a:prstGeom prst="rect">
+            <a:avLst/>
+          </a:prstGeom>
+          <a:noFill/>
+          <a:ln w="0">
+            <a:noFill/>
+          </a:ln>
+        </p:spPr>
+        <p:txBody>
+          <a:bodyPr lIns="0" rIns="0" tIns="0" bIns="0" anchor="t">
+            <a:normAutofit/>
+          </a:bodyPr>
+          <a:p>
+            <a:pPr>
+              <a:lnSpc>
+                <a:spcPct val="100000"/>
+              </a:lnSpc>
+              <a:spcBef>
+                <a:spcPts val="1417"/>
+              </a:spcBef>
+              <a:buNone/>
+            </a:pPr>
+            <a:r>
+              <a:rPr b="0" lang="en-US" sz="2100" spc="-1" strike="noStrike">
+                <a:solidFill>
+                  <a:srgbClr val="000000"/>
+                </a:solidFill>
+                <a:latin typeface="Arial"/>
+                <a:ea typeface="JetBrains Mono"/>
+              </a:rPr>
+              <a:t>Going forward, we plan to consolidate the findings we already have and extend our reasoning to other graphs.  This includes</a:t>
+            </a:r>
+            <a:endParaRPr b="0" lang="en-US" sz="2100" spc="-1" strike="noStrike">
+              <a:latin typeface="Arial"/>
+            </a:endParaRPr>
+          </a:p>
+          <a:p>
+            <a:pPr marL="432000" indent="-324000">
+              <a:lnSpc>
+                <a:spcPct val="100000"/>
+              </a:lnSpc>
+              <a:spcBef>
+                <a:spcPts val="1417"/>
+              </a:spcBef>
+              <a:buClr>
+                <a:srgbClr val="000000"/>
+              </a:buClr>
+              <a:buSzPct val="45000"/>
+              <a:buFont typeface="Wingdings" charset="2"/>
+              <a:buChar char=""/>
+            </a:pPr>
+            <a:r>
+              <a:rPr b="0" lang="en-US" sz="2100" spc="-1" strike="noStrike">
+                <a:solidFill>
+                  <a:srgbClr val="000000"/>
+                </a:solidFill>
+                <a:latin typeface="Arial"/>
+                <a:ea typeface="JetBrains Mono"/>
+              </a:rPr>
+              <a:t>Finalizing our methods for cycle graphs and trees.</a:t>
+            </a:r>
+            <a:endParaRPr b="0" lang="en-US" sz="2100" spc="-1" strike="noStrike">
+              <a:latin typeface="Arial"/>
+            </a:endParaRPr>
+          </a:p>
+          <a:p>
+            <a:pPr marL="432000" indent="-324000">
+              <a:lnSpc>
+                <a:spcPct val="100000"/>
+              </a:lnSpc>
+              <a:spcBef>
+                <a:spcPts val="1417"/>
+              </a:spcBef>
+              <a:buClr>
+                <a:srgbClr val="000000"/>
+              </a:buClr>
+              <a:buSzPct val="45000"/>
+              <a:buFont typeface="Wingdings" charset="2"/>
+              <a:buChar char=""/>
+            </a:pPr>
+            <a:r>
+              <a:rPr b="0" lang="en-US" sz="2100" spc="-1" strike="noStrike">
+                <a:solidFill>
+                  <a:srgbClr val="000000"/>
+                </a:solidFill>
+                <a:latin typeface="Arial"/>
+                <a:ea typeface="JetBrains Mono"/>
+              </a:rPr>
+              <a:t>Expanding those methods to pseudo trees to notice a more concrete pattern.</a:t>
+            </a:r>
+            <a:endParaRPr b="0" lang="en-US" sz="2100" spc="-1" strike="noStrike">
+              <a:latin typeface="Arial"/>
+            </a:endParaRPr>
+          </a:p>
+          <a:p>
+            <a:pPr marL="432000" indent="-324000">
+              <a:lnSpc>
+                <a:spcPct val="100000"/>
+              </a:lnSpc>
+              <a:spcBef>
+                <a:spcPts val="1417"/>
+              </a:spcBef>
+              <a:buClr>
+                <a:srgbClr val="000000"/>
+              </a:buClr>
+              <a:buSzPct val="45000"/>
+              <a:buFont typeface="Wingdings" charset="2"/>
+              <a:buChar char=""/>
+            </a:pPr>
+            <a:r>
+              <a:rPr b="0" lang="en-US" sz="2100" spc="-1" strike="noStrike">
+                <a:solidFill>
+                  <a:srgbClr val="000000"/>
+                </a:solidFill>
+                <a:latin typeface="Arial"/>
+                <a:ea typeface="JetBrains Mono"/>
+              </a:rPr>
+              <a:t>Expanding our research to include complete and wheel graphs.</a:t>
+            </a:r>
+            <a:endParaRPr b="0" lang="en-US" sz="2100" spc="-1" strike="noStrike">
               <a:latin typeface="Arial"/>
             </a:endParaRPr>
           </a:p>
@@ -13292,7 +13690,7 @@
         <p:spPr>
           <a:xfrm>
             <a:off x="360000" y="225720"/>
-            <a:ext cx="9358920" cy="717840"/>
+            <a:ext cx="9358200" cy="717120"/>
           </a:xfrm>
           <a:prstGeom prst="rect">
             <a:avLst/>
@@ -13323,6 +13721,145 @@
               <a:t>Preliminaries</a:t>
             </a:r>
             <a:endParaRPr b="0" lang="en-US" sz="4400" spc="-1" strike="noStrike">
+              <a:latin typeface="Arial"/>
+            </a:endParaRPr>
+          </a:p>
+        </p:txBody>
+      </p:sp>
+    </p:spTree>
+  </p:cSld>
+  <mc:AlternateContent>
+    <mc:Choice Requires="p14">
+      <p:transition spd="slow" p14:dur="2000"/>
+    </mc:Choice>
+    <mc:Fallback>
+      <p:transition spd="slow"/>
+    </mc:Fallback>
+  </mc:AlternateContent>
+</p:sld>
+</file>
+
+<file path=ppt/slides/slide20.xml><?xml version="1.0" encoding="utf-8"?>
+<p:sld xmlns:a="http://schemas.openxmlformats.org/drawingml/2006/main" xmlns:p="http://schemas.openxmlformats.org/presentationml/2006/main" xmlns:r="http://schemas.openxmlformats.org/officeDocument/2006/relationships" xmlns:p14="http://schemas.microsoft.com/office/powerpoint/2010/main" xmlns:p15="http://schemas.microsoft.com/office/powerpoint/2012/main" xmlns:mc="http://schemas.openxmlformats.org/markup-compatibility/2006">
+  <p:cSld>
+    <p:spTree>
+      <p:nvGrpSpPr>
+        <p:cNvPr id="1" name=""/>
+        <p:cNvGrpSpPr/>
+        <p:nvPr/>
+      </p:nvGrpSpPr>
+      <p:grpSpPr>
+        <a:xfrm>
+          <a:off x="0" y="0"/>
+          <a:ext cx="0" cy="0"/>
+          <a:chOff x="0" y="0"/>
+          <a:chExt cx="0" cy="0"/>
+        </a:xfrm>
+      </p:grpSpPr>
+      <p:sp>
+        <p:nvSpPr>
+          <p:cNvPr id="228" name="PlaceHolder 1"/>
+          <p:cNvSpPr>
+            <a:spLocks noGrp="1"/>
+          </p:cNvSpPr>
+          <p:nvPr>
+            <p:ph type="title"/>
+          </p:nvPr>
+        </p:nvSpPr>
+        <p:spPr>
+          <a:xfrm>
+            <a:off x="360000" y="225720"/>
+            <a:ext cx="9358200" cy="717120"/>
+          </a:xfrm>
+          <a:prstGeom prst="rect">
+            <a:avLst/>
+          </a:prstGeom>
+          <a:noFill/>
+          <a:ln w="0">
+            <a:noFill/>
+          </a:ln>
+        </p:spPr>
+        <p:txBody>
+          <a:bodyPr lIns="0" rIns="0" tIns="0" bIns="0" anchor="ctr">
+            <a:noAutofit/>
+          </a:bodyPr>
+          <a:p>
+            <a:pPr algn="ctr">
+              <a:lnSpc>
+                <a:spcPct val="100000"/>
+              </a:lnSpc>
+              <a:buNone/>
+            </a:pPr>
+            <a:r>
+              <a:rPr b="0" lang="en-US" sz="4400" spc="-1" strike="noStrike">
+                <a:solidFill>
+                  <a:srgbClr val="ffffff"/>
+                </a:solidFill>
+                <a:latin typeface="Arial"/>
+              </a:rPr>
+              <a:t>Credits</a:t>
+            </a:r>
+            <a:endParaRPr b="0" lang="en-US" sz="4400" spc="-1" strike="noStrike">
+              <a:latin typeface="Arial"/>
+            </a:endParaRPr>
+          </a:p>
+        </p:txBody>
+      </p:sp>
+      <p:sp>
+        <p:nvSpPr>
+          <p:cNvPr id="229" name="PlaceHolder 2"/>
+          <p:cNvSpPr>
+            <a:spLocks noGrp="1"/>
+          </p:cNvSpPr>
+          <p:nvPr>
+            <p:ph/>
+          </p:nvPr>
+        </p:nvSpPr>
+        <p:spPr>
+          <a:xfrm>
+            <a:off x="360000" y="1485000"/>
+            <a:ext cx="9358200" cy="3778200"/>
+          </a:xfrm>
+          <a:prstGeom prst="rect">
+            <a:avLst/>
+          </a:prstGeom>
+          <a:noFill/>
+          <a:ln w="0">
+            <a:noFill/>
+          </a:ln>
+        </p:spPr>
+        <p:txBody>
+          <a:bodyPr lIns="0" rIns="0" tIns="0" bIns="0" anchor="t">
+            <a:normAutofit/>
+          </a:bodyPr>
+          <a:p>
+            <a:pPr marL="432000" indent="-324000">
+              <a:lnSpc>
+                <a:spcPct val="100000"/>
+              </a:lnSpc>
+              <a:spcBef>
+                <a:spcPts val="1417"/>
+              </a:spcBef>
+              <a:buClr>
+                <a:srgbClr val="000000"/>
+              </a:buClr>
+              <a:buSzPct val="45000"/>
+              <a:buFont typeface="Wingdings" charset="2"/>
+              <a:buChar char=""/>
+            </a:pPr>
+            <a:r>
+              <a:rPr b="0" lang="en-US" sz="3200" spc="-1" strike="noStrike">
+                <a:latin typeface="Arial"/>
+              </a:rPr>
+              <a:t>Image of chip firing game: </a:t>
+            </a:r>
+            <a:r>
+              <a:rPr b="0" i="1" lang="en-US" sz="3200" spc="-1" strike="noStrike">
+                <a:latin typeface="Arial"/>
+              </a:rPr>
+              <a:t>https://www.wikiwand.com/en/Chip-firing_game</a:t>
+            </a:r>
+            <a:endParaRPr b="0" lang="en-US" sz="3200" spc="-1" strike="noStrike">
               <a:latin typeface="Arial"/>
             </a:endParaRPr>
           </a:p>
@@ -13371,7 +13908,7 @@
         <p:spPr>
           <a:xfrm>
             <a:off x="360000" y="225720"/>
-            <a:ext cx="9358920" cy="717840"/>
+            <a:ext cx="9358200" cy="717120"/>
           </a:xfrm>
           <a:prstGeom prst="rect">
             <a:avLst/>
@@ -13420,7 +13957,7 @@
         <p:spPr>
           <a:xfrm>
             <a:off x="360000" y="1485000"/>
-            <a:ext cx="9358920" cy="3778920"/>
+            <a:ext cx="9358200" cy="3778200"/>
           </a:xfrm>
           <a:prstGeom prst="rect">
             <a:avLst/>
@@ -13579,7 +14116,7 @@
         <p:spPr>
           <a:xfrm>
             <a:off x="360000" y="225720"/>
-            <a:ext cx="9358920" cy="717840"/>
+            <a:ext cx="9358200" cy="717120"/>
           </a:xfrm>
           <a:prstGeom prst="rect">
             <a:avLst/>
@@ -13628,7 +14165,7 @@
         <p:spPr>
           <a:xfrm>
             <a:off x="2057400" y="2286000"/>
-            <a:ext cx="6199560" cy="1789560"/>
+            <a:ext cx="6198840" cy="1788840"/>
           </a:xfrm>
           <a:prstGeom prst="rect">
             <a:avLst/>
@@ -13675,13 +14212,62 @@
             <a:spLocks noGrp="1"/>
           </p:cNvSpPr>
           <p:nvPr>
+            <p:ph type="title"/>
+          </p:nvPr>
+        </p:nvSpPr>
+        <p:spPr>
+          <a:xfrm>
+            <a:off x="360000" y="-39960"/>
+            <a:ext cx="9358200" cy="1248840"/>
+          </a:xfrm>
+          <a:prstGeom prst="rect">
+            <a:avLst/>
+          </a:prstGeom>
+          <a:noFill/>
+          <a:ln w="0">
+            <a:noFill/>
+          </a:ln>
+        </p:spPr>
+        <p:txBody>
+          <a:bodyPr lIns="0" rIns="0" tIns="0" bIns="0" anchor="ctr">
+            <a:noAutofit/>
+          </a:bodyPr>
+          <a:p>
+            <a:pPr algn="ctr">
+              <a:lnSpc>
+                <a:spcPct val="100000"/>
+              </a:lnSpc>
+              <a:buNone/>
+            </a:pPr>
+            <a:r>
+              <a:rPr b="0" lang="en-US" sz="4400" spc="-1" strike="noStrike">
+                <a:solidFill>
+                  <a:srgbClr val="ffffff"/>
+                </a:solidFill>
+                <a:latin typeface="Arial"/>
+              </a:rPr>
+              <a:t>Applications</a:t>
+            </a:r>
+            <a:endParaRPr b="0" lang="en-US" sz="4400" spc="-1" strike="noStrike">
+              <a:latin typeface="Arial"/>
+            </a:endParaRPr>
+          </a:p>
+        </p:txBody>
+      </p:sp>
+      <p:sp>
+        <p:nvSpPr>
+          <p:cNvPr id="183" name="PlaceHolder 2"/>
+          <p:cNvSpPr>
+            <a:spLocks noGrp="1"/>
+          </p:cNvSpPr>
+          <p:nvPr>
             <p:ph/>
           </p:nvPr>
         </p:nvSpPr>
         <p:spPr>
           <a:xfrm>
             <a:off x="360000" y="1485000"/>
-            <a:ext cx="9358920" cy="3778920"/>
+            <a:ext cx="9468720" cy="3778200"/>
           </a:xfrm>
           <a:prstGeom prst="rect">
             <a:avLst/>
@@ -13693,7 +14279,7 @@
         </p:spPr>
         <p:txBody>
           <a:bodyPr lIns="0" rIns="0" tIns="0" bIns="0" anchor="t">
-            <a:normAutofit fontScale="79000"/>
+            <a:normAutofit/>
           </a:bodyPr>
           <a:p>
             <a:pPr marL="432000" indent="-324000">
@@ -13711,146 +14297,16 @@
               <a:buChar char=""/>
             </a:pPr>
             <a:r>
-              <a:rPr b="0" lang="en-US" sz="3200" spc="-1" strike="noStrike">
-                <a:latin typeface="Arial"/>
-                <a:ea typeface="Noto Sans CJK SC"/>
-              </a:rPr>
-              <a:t>In the study of this game a </a:t>
-            </a:r>
-            <a:r>
-              <a:rPr b="1" lang="en-US" sz="3200" spc="-1" strike="noStrike">
-                <a:latin typeface="Arial"/>
-                <a:ea typeface="Noto Sans CJK SC"/>
-              </a:rPr>
-              <a:t>Divisor</a:t>
-            </a:r>
-            <a:r>
-              <a:rPr b="0" lang="en-US" sz="3200" spc="-1" strike="noStrike">
-                <a:latin typeface="Arial"/>
-                <a:ea typeface="Noto Sans CJK SC"/>
-              </a:rPr>
-              <a:t> of a graph </a:t>
-            </a:r>
-            <a:r>
-              <a:rPr b="0" i="1" lang="en-US" sz="3200" spc="-1" strike="noStrike">
-                <a:latin typeface="Arial"/>
-                <a:ea typeface="Noto Sans CJK SC"/>
-              </a:rPr>
-              <a:t>G</a:t>
-            </a:r>
-            <a:r>
-              <a:rPr b="0" lang="en-US" sz="3200" spc="-1" strike="noStrike">
-                <a:latin typeface="Arial"/>
-                <a:ea typeface="Noto Sans CJK SC"/>
-              </a:rPr>
-              <a:t>,</a:t>
-            </a:r>
-            <a:r>
-              <a:rPr b="0" i="1" lang="en-US" sz="3200" spc="-1" strike="noStrike">
-                <a:latin typeface="Arial"/>
-                <a:ea typeface="Noto Sans CJK SC"/>
-              </a:rPr>
-              <a:t> Div(G)</a:t>
-            </a:r>
-            <a:r>
-              <a:rPr b="0" lang="en-US" sz="3200" spc="-1" strike="noStrike">
-                <a:latin typeface="Arial"/>
-                <a:ea typeface="Noto Sans CJK SC"/>
-              </a:rPr>
-              <a:t>, is an integer vector </a:t>
-            </a:r>
-            <a:r>
-              <a:rPr b="0" i="1" lang="en-US" sz="3200" spc="-1" strike="noStrike">
-                <a:latin typeface="Arial"/>
-                <a:ea typeface="Noto Sans CJK SC"/>
-              </a:rPr>
-              <a:t>v∈Z</a:t>
-            </a:r>
-            <a:r>
-              <a:rPr b="0" i="1" lang="en-US" sz="3200" spc="-1" strike="noStrike" baseline="-8000">
-                <a:latin typeface="Arial"/>
-                <a:ea typeface="Noto Sans CJK SC"/>
-              </a:rPr>
-              <a:t>n</a:t>
-            </a:r>
-            <a:r>
-              <a:rPr b="0" lang="en-US" sz="3200" spc="-1" strike="noStrike">
-                <a:latin typeface="Arial"/>
-                <a:ea typeface="Noto Sans CJK SC"/>
-              </a:rPr>
-              <a:t> where </a:t>
-            </a:r>
-            <a:r>
-              <a:rPr b="0" i="1" lang="en-US" sz="3200" spc="-1" strike="noStrike">
-                <a:latin typeface="Arial"/>
-                <a:ea typeface="Noto Sans CJK SC"/>
-              </a:rPr>
-              <a:t>n</a:t>
-            </a:r>
-            <a:r>
-              <a:rPr b="0" lang="en-US" sz="3200" spc="-1" strike="noStrike">
-                <a:latin typeface="Arial"/>
-                <a:ea typeface="Noto Sans CJK SC"/>
-              </a:rPr>
-              <a:t> is the number of vertices in the graph.  The </a:t>
-            </a:r>
-            <a:r>
-              <a:rPr b="0" i="1" lang="en-US" sz="3200" spc="-1" strike="noStrike">
-                <a:latin typeface="Arial"/>
-                <a:ea typeface="Noto Sans CJK SC"/>
-              </a:rPr>
-              <a:t>i</a:t>
-            </a:r>
-            <a:r>
-              <a:rPr b="0" i="1" lang="en-US" sz="3200" spc="-1" strike="noStrike" baseline="33000">
-                <a:latin typeface="Arial"/>
-                <a:ea typeface="Noto Sans CJK SC"/>
-              </a:rPr>
-              <a:t>th</a:t>
-            </a:r>
-            <a:r>
-              <a:rPr b="0" lang="en-US" sz="3200" spc="-1" strike="noStrike">
-                <a:latin typeface="Arial"/>
-                <a:ea typeface="Noto Sans CJK SC"/>
-              </a:rPr>
-              <a:t> element of </a:t>
-            </a:r>
-            <a:r>
-              <a:rPr b="0" i="1" lang="en-US" sz="3200" spc="-1" strike="noStrike">
-                <a:latin typeface="Arial"/>
-                <a:ea typeface="Noto Sans CJK SC"/>
-              </a:rPr>
-              <a:t>v</a:t>
-            </a:r>
-            <a:r>
-              <a:rPr b="0" lang="en-US" sz="3200" spc="-1" strike="noStrike">
-                <a:latin typeface="Arial"/>
-                <a:ea typeface="Noto Sans CJK SC"/>
-              </a:rPr>
-              <a:t> is the number of chips on the </a:t>
-            </a:r>
-            <a:r>
-              <a:rPr b="0" i="1" lang="en-US" sz="3200" spc="-1" strike="noStrike">
-                <a:latin typeface="Arial"/>
-                <a:ea typeface="Noto Sans CJK SC"/>
-              </a:rPr>
-              <a:t>i</a:t>
-            </a:r>
-            <a:r>
-              <a:rPr b="0" i="1" lang="en-US" sz="3200" spc="-1" strike="noStrike" baseline="33000">
-                <a:latin typeface="Arial"/>
-                <a:ea typeface="Noto Sans CJK SC"/>
-              </a:rPr>
-              <a:t>th </a:t>
-            </a:r>
-            <a:r>
-              <a:rPr b="0" lang="en-US" sz="3200" spc="-1" strike="noStrike">
-                <a:latin typeface="Arial"/>
-                <a:ea typeface="Noto Sans CJK SC"/>
-              </a:rPr>
-              <a:t>vertex of the graph.  </a:t>
-            </a:r>
-            <a:endParaRPr b="0" lang="en-US" sz="3200" spc="-1" strike="noStrike">
+              <a:rPr b="0" lang="en-US" sz="2100" spc="-1" strike="noStrike">
+                <a:solidFill>
+                  <a:srgbClr val="000000"/>
+                </a:solidFill>
+                <a:latin typeface="Arial"/>
+                <a:ea typeface="JetBrains Mono"/>
+              </a:rPr>
+              <a:t>By further understanding how to analyze the possible moves and winning strategies of more complex graphs, Chip-Firing games become more easily usable in different applications.</a:t>
+            </a:r>
+            <a:endParaRPr b="0" lang="en-US" sz="2100" spc="-1" strike="noStrike">
               <a:latin typeface="Arial"/>
             </a:endParaRPr>
           </a:p>
@@ -13870,41 +14326,16 @@
               <a:buChar char=""/>
             </a:pPr>
             <a:r>
-              <a:rPr b="0" lang="en-US" sz="3200" spc="-1" strike="noStrike">
-                <a:latin typeface="Arial"/>
-                <a:ea typeface="Noto Sans CJK SC"/>
-              </a:rPr>
-              <a:t>Two divisors have an </a:t>
-            </a:r>
-            <a:r>
-              <a:rPr b="1" lang="en-US" sz="3200" spc="-1" strike="noStrike">
-                <a:latin typeface="Arial"/>
-                <a:ea typeface="Noto Sans CJK SC"/>
-              </a:rPr>
-              <a:t>Equivalence Relation</a:t>
-            </a:r>
-            <a:r>
-              <a:rPr b="0" lang="en-US" sz="3200" spc="-1" strike="noStrike">
-                <a:latin typeface="Arial"/>
-                <a:ea typeface="Noto Sans CJK SC"/>
-              </a:rPr>
-              <a:t> (</a:t>
-            </a:r>
-            <a:r>
-              <a:rPr b="0" i="1" lang="en-US" sz="3200" spc="-1" strike="noStrike">
-                <a:latin typeface="Arial"/>
-                <a:ea typeface="Noto Sans CJK SC"/>
-              </a:rPr>
-              <a:t>∼</a:t>
-            </a:r>
-            <a:r>
-              <a:rPr b="0" lang="en-US" sz="3200" spc="-1" strike="noStrike">
-                <a:latin typeface="Arial"/>
-                <a:ea typeface="Noto Sans CJK SC"/>
-              </a:rPr>
-              <a:t>) if one divisor can be gotten from the other by a finite series of lending or borrowing moves.   </a:t>
-            </a:r>
-            <a:endParaRPr b="0" lang="en-US" sz="3200" spc="-1" strike="noStrike">
+              <a:rPr b="0" lang="en-US" sz="2100" spc="-1" strike="noStrike">
+                <a:solidFill>
+                  <a:srgbClr val="000000"/>
+                </a:solidFill>
+                <a:latin typeface="Arial"/>
+                <a:ea typeface="JetBrains Mono"/>
+              </a:rPr>
+              <a:t>A notable usage of these games is in economics, where these games, especially the directed variants can be used to model the flow of money.</a:t>
+            </a:r>
+            <a:endParaRPr b="0" lang="en-US" sz="2100" spc="-1" strike="noStrike">
               <a:latin typeface="Arial"/>
             </a:endParaRPr>
           </a:p>
@@ -13924,76 +14355,36 @@
               <a:buChar char=""/>
             </a:pPr>
             <a:r>
-              <a:rPr b="0" lang="en-US" sz="3200" spc="-1" strike="noStrike">
-                <a:latin typeface="Arial"/>
-                <a:ea typeface="Noto Sans CJK SC"/>
-              </a:rPr>
-              <a:t>An </a:t>
-            </a:r>
-            <a:r>
-              <a:rPr b="0" i="1" lang="en-US" sz="3200" spc="-1" strike="noStrike">
-                <a:latin typeface="Arial"/>
-                <a:ea typeface="Noto Sans CJK SC"/>
-              </a:rPr>
-              <a:t>Equivalence Class, [D]</a:t>
-            </a:r>
-            <a:r>
-              <a:rPr b="0" lang="en-US" sz="3200" spc="-1" strike="noStrike">
-                <a:latin typeface="Arial"/>
-                <a:ea typeface="Noto Sans CJK SC"/>
-              </a:rPr>
-              <a:t>, is the set of all divisors that are equivalent to each other.</a:t>
-            </a:r>
-            <a:endParaRPr b="0" lang="en-US" sz="3200" spc="-1" strike="noStrike">
-              <a:latin typeface="Arial"/>
-            </a:endParaRPr>
-          </a:p>
-        </p:txBody>
-      </p:sp>
-      <p:sp>
-        <p:nvSpPr>
-          <p:cNvPr id="183" name="PlaceHolder 2"/>
-          <p:cNvSpPr>
-            <a:spLocks noGrp="1"/>
-          </p:cNvSpPr>
-          <p:nvPr>
-            <p:ph type="title"/>
-          </p:nvPr>
-        </p:nvSpPr>
-        <p:spPr>
-          <a:xfrm>
-            <a:off x="360000" y="225720"/>
-            <a:ext cx="9358920" cy="717840"/>
-          </a:xfrm>
-          <a:prstGeom prst="rect">
-            <a:avLst/>
-          </a:prstGeom>
-          <a:noFill/>
-          <a:ln w="0">
-            <a:noFill/>
-          </a:ln>
-        </p:spPr>
-        <p:txBody>
-          <a:bodyPr lIns="0" rIns="0" tIns="0" bIns="0" anchor="ctr">
-            <a:noAutofit/>
-          </a:bodyPr>
-          <a:p>
-            <a:pPr algn="ctr">
-              <a:lnSpc>
-                <a:spcPct val="100000"/>
-              </a:lnSpc>
-              <a:buNone/>
-            </a:pPr>
-            <a:r>
-              <a:rPr b="0" lang="en-US" sz="4400" spc="-1" strike="noStrike">
+              <a:rPr b="0" lang="en-US" sz="2100" spc="-1" strike="noStrike">
                 <a:solidFill>
-                  <a:srgbClr val="ffffff"/>
+                  <a:srgbClr val="000000"/>
                 </a:solidFill>
                 <a:latin typeface="Arial"/>
-              </a:rPr>
-              <a:t>Divisors and Equivalence Relations</a:t>
-            </a:r>
-            <a:endParaRPr b="0" lang="en-US" sz="4400" spc="-1" strike="noStrike">
+                <a:ea typeface="JetBrains Mono"/>
+              </a:rPr>
+              <a:t>A more entertaining usage is through map-based board games such as </a:t>
+            </a:r>
+            <a:r>
+              <a:rPr b="0" i="1" lang="en-US" sz="2100" spc="-1" strike="noStrike">
+                <a:solidFill>
+                  <a:srgbClr val="000000"/>
+                </a:solidFill>
+                <a:latin typeface="Arial"/>
+                <a:ea typeface="JetBrains Mono"/>
+              </a:rPr>
+              <a:t>RISK</a:t>
+            </a:r>
+            <a:r>
+              <a:rPr b="0" lang="en-US" sz="2100" spc="-1" strike="noStrike">
+                <a:solidFill>
+                  <a:srgbClr val="000000"/>
+                </a:solidFill>
+                <a:latin typeface="Arial"/>
+                <a:ea typeface="JetBrains Mono"/>
+              </a:rPr>
+              <a:t> where armies are sent to neutralize neighboring enemies until the game is won when no other enemies are on the board.</a:t>
+            </a:r>
+            <a:endParaRPr b="0" lang="en-US" sz="2100" spc="-1" strike="noStrike">
               <a:latin typeface="Arial"/>
             </a:endParaRPr>
           </a:p>
@@ -14036,13 +14427,302 @@
             <a:spLocks noGrp="1"/>
           </p:cNvSpPr>
           <p:nvPr>
+            <p:ph/>
+          </p:nvPr>
+        </p:nvSpPr>
+        <p:spPr>
+          <a:xfrm>
+            <a:off x="360000" y="1485000"/>
+            <a:ext cx="9358200" cy="3778200"/>
+          </a:xfrm>
+          <a:prstGeom prst="rect">
+            <a:avLst/>
+          </a:prstGeom>
+          <a:noFill/>
+          <a:ln w="0">
+            <a:noFill/>
+          </a:ln>
+        </p:spPr>
+        <p:txBody>
+          <a:bodyPr lIns="0" rIns="0" tIns="0" bIns="0" anchor="t">
+            <a:normAutofit fontScale="79000"/>
+          </a:bodyPr>
+          <a:p>
+            <a:pPr marL="432000" indent="-324000">
+              <a:lnSpc>
+                <a:spcPct val="100000"/>
+              </a:lnSpc>
+              <a:spcBef>
+                <a:spcPts val="1417"/>
+              </a:spcBef>
+              <a:buClr>
+                <a:srgbClr val="000000"/>
+              </a:buClr>
+              <a:buSzPct val="45000"/>
+              <a:buFont typeface="Wingdings" charset="2"/>
+              <a:buChar char=""/>
+            </a:pPr>
+            <a:r>
+              <a:rPr b="0" lang="en-US" sz="3200" spc="-1" strike="noStrike">
+                <a:latin typeface="Arial"/>
+                <a:ea typeface="Noto Sans CJK SC"/>
+              </a:rPr>
+              <a:t>In the study of this game a </a:t>
+            </a:r>
+            <a:r>
+              <a:rPr b="1" lang="en-US" sz="3200" spc="-1" strike="noStrike">
+                <a:latin typeface="Arial"/>
+                <a:ea typeface="Noto Sans CJK SC"/>
+              </a:rPr>
+              <a:t>Divisor</a:t>
+            </a:r>
+            <a:r>
+              <a:rPr b="0" lang="en-US" sz="3200" spc="-1" strike="noStrike">
+                <a:latin typeface="Arial"/>
+                <a:ea typeface="Noto Sans CJK SC"/>
+              </a:rPr>
+              <a:t> of a graph </a:t>
+            </a:r>
+            <a:r>
+              <a:rPr b="0" i="1" lang="en-US" sz="3200" spc="-1" strike="noStrike">
+                <a:latin typeface="Arial"/>
+                <a:ea typeface="Noto Sans CJK SC"/>
+              </a:rPr>
+              <a:t>G</a:t>
+            </a:r>
+            <a:r>
+              <a:rPr b="0" lang="en-US" sz="3200" spc="-1" strike="noStrike">
+                <a:latin typeface="Arial"/>
+                <a:ea typeface="Noto Sans CJK SC"/>
+              </a:rPr>
+              <a:t>,</a:t>
+            </a:r>
+            <a:r>
+              <a:rPr b="0" i="1" lang="en-US" sz="3200" spc="-1" strike="noStrike">
+                <a:latin typeface="Arial"/>
+                <a:ea typeface="Noto Sans CJK SC"/>
+              </a:rPr>
+              <a:t> Div(G)</a:t>
+            </a:r>
+            <a:r>
+              <a:rPr b="0" lang="en-US" sz="3200" spc="-1" strike="noStrike">
+                <a:latin typeface="Arial"/>
+                <a:ea typeface="Noto Sans CJK SC"/>
+              </a:rPr>
+              <a:t>, is an integer vector </a:t>
+            </a:r>
+            <a:r>
+              <a:rPr b="0" i="1" lang="en-US" sz="3200" spc="-1" strike="noStrike">
+                <a:latin typeface="Arial"/>
+                <a:ea typeface="Noto Sans CJK SC"/>
+              </a:rPr>
+              <a:t>v ∈ ℤ</a:t>
+            </a:r>
+            <a:r>
+              <a:rPr b="0" i="1" lang="en-US" sz="3200" spc="-1" strike="noStrike" baseline="33000">
+                <a:latin typeface="Arial"/>
+                <a:ea typeface="Noto Sans CJK SC"/>
+              </a:rPr>
+              <a:t>n</a:t>
+            </a:r>
+            <a:r>
+              <a:rPr b="0" lang="en-US" sz="3200" spc="-1" strike="noStrike">
+                <a:latin typeface="Arial"/>
+                <a:ea typeface="Noto Sans CJK SC"/>
+              </a:rPr>
+              <a:t> where </a:t>
+            </a:r>
+            <a:r>
+              <a:rPr b="0" i="1" lang="en-US" sz="3200" spc="-1" strike="noStrike">
+                <a:latin typeface="Arial"/>
+                <a:ea typeface="Noto Sans CJK SC"/>
+              </a:rPr>
+              <a:t>n</a:t>
+            </a:r>
+            <a:r>
+              <a:rPr b="0" lang="en-US" sz="3200" spc="-1" strike="noStrike">
+                <a:latin typeface="Arial"/>
+                <a:ea typeface="Noto Sans CJK SC"/>
+              </a:rPr>
+              <a:t> is the number of vertices in the graph.  The </a:t>
+            </a:r>
+            <a:r>
+              <a:rPr b="0" i="1" lang="en-US" sz="3200" spc="-1" strike="noStrike">
+                <a:latin typeface="Arial"/>
+                <a:ea typeface="Noto Sans CJK SC"/>
+              </a:rPr>
+              <a:t>i</a:t>
+            </a:r>
+            <a:r>
+              <a:rPr b="0" i="1" lang="en-US" sz="3200" spc="-1" strike="noStrike" baseline="33000">
+                <a:latin typeface="Arial"/>
+                <a:ea typeface="Noto Sans CJK SC"/>
+              </a:rPr>
+              <a:t>th</a:t>
+            </a:r>
+            <a:r>
+              <a:rPr b="0" lang="en-US" sz="3200" spc="-1" strike="noStrike">
+                <a:latin typeface="Arial"/>
+                <a:ea typeface="Noto Sans CJK SC"/>
+              </a:rPr>
+              <a:t> element of </a:t>
+            </a:r>
+            <a:r>
+              <a:rPr b="0" i="1" lang="en-US" sz="3200" spc="-1" strike="noStrike">
+                <a:latin typeface="Arial"/>
+                <a:ea typeface="Noto Sans CJK SC"/>
+              </a:rPr>
+              <a:t>v</a:t>
+            </a:r>
+            <a:r>
+              <a:rPr b="0" lang="en-US" sz="3200" spc="-1" strike="noStrike">
+                <a:latin typeface="Arial"/>
+                <a:ea typeface="Noto Sans CJK SC"/>
+              </a:rPr>
+              <a:t> is the number of chips on the </a:t>
+            </a:r>
+            <a:r>
+              <a:rPr b="0" i="1" lang="en-US" sz="3200" spc="-1" strike="noStrike">
+                <a:latin typeface="Arial"/>
+                <a:ea typeface="Noto Sans CJK SC"/>
+              </a:rPr>
+              <a:t>i</a:t>
+            </a:r>
+            <a:r>
+              <a:rPr b="0" i="1" lang="en-US" sz="3200" spc="-1" strike="noStrike" baseline="33000">
+                <a:latin typeface="Arial"/>
+                <a:ea typeface="Noto Sans CJK SC"/>
+              </a:rPr>
+              <a:t>th </a:t>
+            </a:r>
+            <a:r>
+              <a:rPr b="0" lang="en-US" sz="3200" spc="-1" strike="noStrike">
+                <a:latin typeface="Arial"/>
+                <a:ea typeface="Noto Sans CJK SC"/>
+              </a:rPr>
+              <a:t>vertex of the graph.  </a:t>
+            </a:r>
+            <a:endParaRPr b="0" lang="en-US" sz="3200" spc="-1" strike="noStrike">
+              <a:latin typeface="Arial"/>
+            </a:endParaRPr>
+          </a:p>
+          <a:p>
+            <a:pPr marL="432000" indent="-324000">
+              <a:lnSpc>
+                <a:spcPct val="100000"/>
+              </a:lnSpc>
+              <a:spcBef>
+                <a:spcPts val="1417"/>
+              </a:spcBef>
+              <a:buClr>
+                <a:srgbClr val="000000"/>
+              </a:buClr>
+              <a:buSzPct val="45000"/>
+              <a:buFont typeface="Wingdings" charset="2"/>
+              <a:buChar char=""/>
+            </a:pPr>
+            <a:r>
+              <a:rPr b="0" lang="en-US" sz="3200" spc="-1" strike="noStrike">
+                <a:latin typeface="Arial"/>
+                <a:ea typeface="Noto Sans CJK SC"/>
+              </a:rPr>
+              <a:t>Two divisors have an </a:t>
+            </a:r>
+            <a:r>
+              <a:rPr b="1" lang="en-US" sz="3200" spc="-1" strike="noStrike">
+                <a:latin typeface="Arial"/>
+                <a:ea typeface="Noto Sans CJK SC"/>
+              </a:rPr>
+              <a:t>Equivalence Relation</a:t>
+            </a:r>
+            <a:r>
+              <a:rPr b="0" lang="en-US" sz="3200" spc="-1" strike="noStrike">
+                <a:latin typeface="Arial"/>
+                <a:ea typeface="Noto Sans CJK SC"/>
+              </a:rPr>
+              <a:t> (</a:t>
+            </a:r>
+            <a:r>
+              <a:rPr b="0" i="1" lang="en-US" sz="3200" spc="-1" strike="noStrike">
+                <a:latin typeface="Arial"/>
+                <a:ea typeface="Noto Sans CJK SC"/>
+              </a:rPr>
+              <a:t>∼</a:t>
+            </a:r>
+            <a:r>
+              <a:rPr b="0" lang="en-US" sz="3200" spc="-1" strike="noStrike">
+                <a:latin typeface="Arial"/>
+                <a:ea typeface="Noto Sans CJK SC"/>
+              </a:rPr>
+              <a:t>) if one divisor can be obtained from the other by a finite series of lending or borrowing moves.   </a:t>
+            </a:r>
+            <a:endParaRPr b="0" lang="en-US" sz="3200" spc="-1" strike="noStrike">
+              <a:latin typeface="Arial"/>
+            </a:endParaRPr>
+          </a:p>
+          <a:p>
+            <a:pPr marL="432000" indent="-324000">
+              <a:lnSpc>
+                <a:spcPct val="100000"/>
+              </a:lnSpc>
+              <a:spcBef>
+                <a:spcPts val="1417"/>
+              </a:spcBef>
+              <a:buClr>
+                <a:srgbClr val="000000"/>
+              </a:buClr>
+              <a:buSzPct val="45000"/>
+              <a:buFont typeface="Wingdings" charset="2"/>
+              <a:buChar char=""/>
+            </a:pPr>
+            <a:r>
+              <a:rPr b="0" lang="en-US" sz="3200" spc="-1" strike="noStrike">
+                <a:latin typeface="Arial"/>
+                <a:ea typeface="Noto Sans CJK SC"/>
+              </a:rPr>
+              <a:t>An </a:t>
+            </a:r>
+            <a:r>
+              <a:rPr b="1" i="1" lang="en-US" sz="3200" spc="-1" strike="noStrike">
+                <a:latin typeface="Arial"/>
+                <a:ea typeface="Noto Sans CJK SC"/>
+              </a:rPr>
+              <a:t>Equivalence Class</a:t>
+            </a:r>
+            <a:r>
+              <a:rPr b="0" i="1" lang="en-US" sz="3200" spc="-1" strike="noStrike">
+                <a:latin typeface="Arial"/>
+                <a:ea typeface="Noto Sans CJK SC"/>
+              </a:rPr>
+              <a:t>, [D]</a:t>
+            </a:r>
+            <a:r>
+              <a:rPr b="0" lang="en-US" sz="3200" spc="-1" strike="noStrike">
+                <a:latin typeface="Arial"/>
+                <a:ea typeface="Noto Sans CJK SC"/>
+              </a:rPr>
+              <a:t>, is the set of all divisors that are equivalent to each other.</a:t>
+            </a:r>
+            <a:endParaRPr b="0" lang="en-US" sz="3200" spc="-1" strike="noStrike">
+              <a:latin typeface="Arial"/>
+            </a:endParaRPr>
+          </a:p>
+        </p:txBody>
+      </p:sp>
+      <p:sp>
+        <p:nvSpPr>
+          <p:cNvPr id="185" name="PlaceHolder 2"/>
+          <p:cNvSpPr>
+            <a:spLocks noGrp="1"/>
+          </p:cNvSpPr>
+          <p:nvPr>
             <p:ph type="title"/>
           </p:nvPr>
         </p:nvSpPr>
         <p:spPr>
           <a:xfrm>
             <a:off x="360000" y="225720"/>
-            <a:ext cx="9358920" cy="717840"/>
+            <a:ext cx="9358200" cy="717120"/>
           </a:xfrm>
           <a:prstGeom prst="rect">
             <a:avLst/>
@@ -14070,282 +14750,9 @@
                 </a:solidFill>
                 <a:latin typeface="Arial"/>
               </a:rPr>
-              <a:t>Divisors</a:t>
+              <a:t>Divisors and Equivalence Relations</a:t>
             </a:r>
             <a:endParaRPr b="0" lang="en-US" sz="4400" spc="-1" strike="noStrike">
-              <a:latin typeface="Arial"/>
-            </a:endParaRPr>
-          </a:p>
-        </p:txBody>
-      </p:sp>
-      <p:pic>
-        <p:nvPicPr>
-          <p:cNvPr id="185" name="" descr=""/>
-          <p:cNvPicPr/>
-          <p:nvPr/>
-        </p:nvPicPr>
-        <p:blipFill>
-          <a:blip r:embed="rId1"/>
-          <a:stretch/>
-        </p:blipFill>
-        <p:spPr>
-          <a:xfrm>
-            <a:off x="1022400" y="1509840"/>
-            <a:ext cx="4691880" cy="3518640"/>
-          </a:xfrm>
-          <a:prstGeom prst="rect">
-            <a:avLst/>
-          </a:prstGeom>
-          <a:ln w="0">
-            <a:noFill/>
-          </a:ln>
-        </p:spPr>
-      </p:pic>
-      <p:sp>
-        <p:nvSpPr>
-          <p:cNvPr id="186" name="PlaceHolder 2"/>
-          <p:cNvSpPr>
-            <a:spLocks noGrp="1"/>
-          </p:cNvSpPr>
-          <p:nvPr>
-            <p:ph type="subTitle"/>
-          </p:nvPr>
-        </p:nvSpPr>
-        <p:spPr>
-          <a:xfrm>
-            <a:off x="360000" y="2507760"/>
-            <a:ext cx="1468080" cy="1606320"/>
-          </a:xfrm>
-          <a:prstGeom prst="rect">
-            <a:avLst/>
-          </a:prstGeom>
-          <a:noFill/>
-          <a:ln w="0">
-            <a:noFill/>
-          </a:ln>
-        </p:spPr>
-        <p:txBody>
-          <a:bodyPr lIns="0" rIns="0" tIns="0" bIns="0" anchor="ctr">
-            <a:noAutofit/>
-          </a:bodyPr>
-          <a:p>
-            <a:pPr algn="ctr">
-              <a:lnSpc>
-                <a:spcPct val="100000"/>
-              </a:lnSpc>
-              <a:buNone/>
-            </a:pPr>
-            <a:r>
-              <a:rPr b="0" lang="en-US" sz="3200" spc="-1" strike="noStrike">
-                <a:latin typeface="Arial"/>
-              </a:rPr>
-              <a:t>G=</a:t>
-            </a:r>
-            <a:endParaRPr b="0" lang="en-US" sz="3200" spc="-1" strike="noStrike">
-              <a:latin typeface="Arial"/>
-            </a:endParaRPr>
-          </a:p>
-        </p:txBody>
-      </p:sp>
-      <p:sp>
-        <p:nvSpPr>
-          <p:cNvPr id="187" name=""/>
-          <p:cNvSpPr/>
-          <p:nvPr/>
-        </p:nvSpPr>
-        <p:spPr>
-          <a:xfrm>
-            <a:off x="5486400" y="1828800"/>
-            <a:ext cx="4342680" cy="1483920"/>
-          </a:xfrm>
-          <a:prstGeom prst="rect">
-            <a:avLst/>
-          </a:prstGeom>
-          <a:noFill/>
-          <a:ln w="0">
-            <a:noFill/>
-          </a:ln>
-        </p:spPr>
-        <p:style>
-          <a:lnRef idx="0"/>
-          <a:fillRef idx="0"/>
-          <a:effectRef idx="0"/>
-          <a:fontRef idx="minor"/>
-        </p:style>
-        <p:txBody>
-          <a:bodyPr lIns="90000" rIns="90000" tIns="45000" bIns="45000" anchor="t">
-            <a:noAutofit/>
-          </a:bodyPr>
-          <a:p>
-            <a:pPr>
-              <a:lnSpc>
-                <a:spcPct val="100000"/>
-              </a:lnSpc>
-              <a:buNone/>
-            </a:pPr>
-            <a:r>
-              <a:rPr b="0" lang="en-US" sz="3200" spc="-1" strike="noStrike">
-                <a:solidFill>
-                  <a:srgbClr val="000000"/>
-                </a:solidFill>
-                <a:latin typeface="Arial"/>
-                <a:ea typeface="JetBrains Mono"/>
-              </a:rPr>
-              <a:t>Where divisor</a:t>
-            </a:r>
-            <a:endParaRPr b="0" lang="en-US" sz="3200" spc="-1" strike="noStrike">
-              <a:latin typeface="Arial"/>
-            </a:endParaRPr>
-          </a:p>
-          <a:p>
-            <a:pPr>
-              <a:lnSpc>
-                <a:spcPct val="100000"/>
-              </a:lnSpc>
-              <a:buNone/>
-            </a:pPr>
-            <a:r>
-              <a:rPr b="0" lang="en-US" sz="3200" spc="-1" strike="noStrike">
-                <a:solidFill>
-                  <a:srgbClr val="000000"/>
-                </a:solidFill>
-                <a:latin typeface="Arial"/>
-                <a:ea typeface="JetBrains Mono"/>
-              </a:rPr>
-              <a:t> </a:t>
-            </a:r>
-            <a:endParaRPr b="0" lang="en-US" sz="3200" spc="-1" strike="noStrike">
-              <a:latin typeface="Arial"/>
-            </a:endParaRPr>
-          </a:p>
-          <a:p>
-            <a:pPr>
-              <a:lnSpc>
-                <a:spcPct val="100000"/>
-              </a:lnSpc>
-              <a:buNone/>
-            </a:pPr>
-            <a:r>
-              <a:rPr b="0" lang="en-US" sz="3200" spc="-1" strike="noStrike">
-                <a:solidFill>
-                  <a:srgbClr val="000000"/>
-                </a:solidFill>
-                <a:latin typeface="Arial"/>
-                <a:ea typeface="JetBrains Mono"/>
-              </a:rPr>
-              <a:t>D=</a:t>
-            </a:r>
-            <a:r>
-              <a:rPr b="0" lang="en-US" sz="3200" spc="-1" strike="noStrike">
-                <a:solidFill>
-                  <a:srgbClr val="a9b7c6"/>
-                </a:solidFill>
-                <a:latin typeface="Courier New"/>
-                <a:ea typeface="JetBrains Mono"/>
-              </a:rPr>
-              <a:t>[</a:t>
-            </a:r>
-            <a:r>
-              <a:rPr b="0" lang="en-US" sz="3200" spc="-1" strike="noStrike">
-                <a:solidFill>
-                  <a:srgbClr val="2abadb"/>
-                </a:solidFill>
-                <a:latin typeface="Courier New"/>
-                <a:ea typeface="JetBrains Mono"/>
-              </a:rPr>
-              <a:t>16</a:t>
-            </a:r>
-            <a:r>
-              <a:rPr b="0" lang="en-US" sz="3200" spc="-1" strike="noStrike">
-                <a:solidFill>
-                  <a:srgbClr val="4a4df3"/>
-                </a:solidFill>
-                <a:latin typeface="Courier New"/>
-                <a:ea typeface="JetBrains Mono"/>
-              </a:rPr>
-              <a:t>, </a:t>
-            </a:r>
-            <a:r>
-              <a:rPr b="0" lang="en-US" sz="3200" spc="-1" strike="noStrike">
-                <a:solidFill>
-                  <a:srgbClr val="a9b7c6"/>
-                </a:solidFill>
-                <a:latin typeface="Courier New"/>
-                <a:ea typeface="JetBrains Mono"/>
-              </a:rPr>
-              <a:t>-</a:t>
-            </a:r>
-            <a:r>
-              <a:rPr b="0" lang="en-US" sz="3200" spc="-1" strike="noStrike">
-                <a:solidFill>
-                  <a:srgbClr val="2abadb"/>
-                </a:solidFill>
-                <a:latin typeface="Courier New"/>
-                <a:ea typeface="JetBrains Mono"/>
-              </a:rPr>
-              <a:t>4</a:t>
-            </a:r>
-            <a:r>
-              <a:rPr b="0" lang="en-US" sz="3200" spc="-1" strike="noStrike">
-                <a:solidFill>
-                  <a:srgbClr val="4a4df3"/>
-                </a:solidFill>
-                <a:latin typeface="Courier New"/>
-                <a:ea typeface="JetBrains Mono"/>
-              </a:rPr>
-              <a:t>, </a:t>
-            </a:r>
-            <a:r>
-              <a:rPr b="0" lang="en-US" sz="3200" spc="-1" strike="noStrike">
-                <a:solidFill>
-                  <a:srgbClr val="a9b7c6"/>
-                </a:solidFill>
-                <a:latin typeface="Courier New"/>
-                <a:ea typeface="JetBrains Mono"/>
-              </a:rPr>
-              <a:t>-</a:t>
-            </a:r>
-            <a:r>
-              <a:rPr b="0" lang="en-US" sz="3200" spc="-1" strike="noStrike">
-                <a:solidFill>
-                  <a:srgbClr val="2abadb"/>
-                </a:solidFill>
-                <a:latin typeface="Courier New"/>
-                <a:ea typeface="JetBrains Mono"/>
-              </a:rPr>
-              <a:t>5</a:t>
-            </a:r>
-            <a:r>
-              <a:rPr b="0" lang="en-US" sz="3200" spc="-1" strike="noStrike">
-                <a:solidFill>
-                  <a:srgbClr val="4a4df3"/>
-                </a:solidFill>
-                <a:latin typeface="Courier New"/>
-                <a:ea typeface="JetBrains Mono"/>
-              </a:rPr>
-              <a:t>,</a:t>
-            </a:r>
-            <a:r>
-              <a:rPr b="0" lang="en-US" sz="3200" spc="-1" strike="noStrike">
-                <a:solidFill>
-                  <a:srgbClr val="2abadb"/>
-                </a:solidFill>
-                <a:latin typeface="Courier New"/>
-                <a:ea typeface="JetBrains Mono"/>
-              </a:rPr>
-              <a:t>0</a:t>
-            </a:r>
-            <a:r>
-              <a:rPr b="0" lang="en-US" sz="3200" spc="-1" strike="noStrike">
-                <a:solidFill>
-                  <a:srgbClr val="a9b7c6"/>
-                </a:solidFill>
-                <a:latin typeface="Courier New"/>
-                <a:ea typeface="JetBrains Mono"/>
-              </a:rPr>
-              <a:t>]</a:t>
-            </a:r>
-            <a:endParaRPr b="0" lang="en-US" sz="3200" spc="-1" strike="noStrike">
               <a:latin typeface="Arial"/>
             </a:endParaRPr>
           </a:p>
@@ -14383,7 +14790,7 @@
       </p:grpSpPr>
       <p:sp>
         <p:nvSpPr>
-          <p:cNvPr id="188" name="PlaceHolder 1"/>
+          <p:cNvPr id="186" name="PlaceHolder 1"/>
           <p:cNvSpPr>
             <a:spLocks noGrp="1"/>
           </p:cNvSpPr>
@@ -14394,7 +14801,7 @@
         <p:spPr>
           <a:xfrm>
             <a:off x="360000" y="225720"/>
-            <a:ext cx="9358920" cy="717840"/>
+            <a:ext cx="9358200" cy="717120"/>
           </a:xfrm>
           <a:prstGeom prst="rect">
             <a:avLst/>
@@ -14422,7 +14829,7 @@
                 </a:solidFill>
                 <a:latin typeface="Arial"/>
               </a:rPr>
-              <a:t>The Picard Group and The Jacobian</a:t>
+              <a:t>Divisors</a:t>
             </a:r>
             <a:endParaRPr b="0" lang="en-US" sz="4400" spc="-1" strike="noStrike">
               <a:latin typeface="Arial"/>
@@ -14430,199 +14837,272 @@
           </a:p>
         </p:txBody>
       </p:sp>
-      <p:sp>
-        <p:nvSpPr>
-          <p:cNvPr id="189" name="PlaceHolder 2"/>
-          <p:cNvSpPr>
-            <a:spLocks noGrp="1"/>
-          </p:cNvSpPr>
-          <p:nvPr>
-            <p:ph/>
-          </p:nvPr>
-        </p:nvSpPr>
-        <p:spPr>
-          <a:xfrm>
-            <a:off x="360000" y="1485000"/>
-            <a:ext cx="9358920" cy="3778920"/>
-          </a:xfrm>
-          <a:prstGeom prst="rect">
-            <a:avLst/>
-          </a:prstGeom>
-          <a:noFill/>
-          <a:ln w="0">
-            <a:noFill/>
-          </a:ln>
-        </p:spPr>
-        <p:txBody>
-          <a:bodyPr lIns="0" rIns="0" tIns="0" bIns="0" anchor="t">
-            <a:normAutofit fontScale="78000"/>
-          </a:bodyPr>
-          <a:p>
-            <a:pPr marL="432000" indent="-324000">
+      <p:pic>
+        <p:nvPicPr>
+          <p:cNvPr id="187" name="" descr=""/>
+          <p:cNvPicPr/>
+          <p:nvPr/>
+        </p:nvPicPr>
+        <p:blipFill>
+          <a:blip r:embed="rId1"/>
+          <a:stretch/>
+        </p:blipFill>
+        <p:spPr>
+          <a:xfrm>
+            <a:off x="1022400" y="1509840"/>
+            <a:ext cx="4691160" cy="3517920"/>
+          </a:xfrm>
+          <a:prstGeom prst="rect">
+            <a:avLst/>
+          </a:prstGeom>
+          <a:ln w="0">
+            <a:noFill/>
+          </a:ln>
+        </p:spPr>
+      </p:pic>
+      <p:sp>
+        <p:nvSpPr>
+          <p:cNvPr id="188" name="PlaceHolder 2"/>
+          <p:cNvSpPr>
+            <a:spLocks noGrp="1"/>
+          </p:cNvSpPr>
+          <p:nvPr>
+            <p:ph type="subTitle"/>
+          </p:nvPr>
+        </p:nvSpPr>
+        <p:spPr>
+          <a:xfrm>
+            <a:off x="360000" y="2507760"/>
+            <a:ext cx="1467360" cy="1605600"/>
+          </a:xfrm>
+          <a:prstGeom prst="rect">
+            <a:avLst/>
+          </a:prstGeom>
+          <a:noFill/>
+          <a:ln w="0">
+            <a:noFill/>
+          </a:ln>
+        </p:spPr>
+        <p:txBody>
+          <a:bodyPr lIns="0" rIns="0" tIns="0" bIns="0" anchor="ctr">
+            <a:noAutofit/>
+          </a:bodyPr>
+          <a:p>
+            <a:pPr algn="ctr">
               <a:lnSpc>
                 <a:spcPct val="100000"/>
               </a:lnSpc>
-              <a:spcBef>
-                <a:spcPts val="1417"/>
-              </a:spcBef>
-              <a:buClr>
-                <a:srgbClr val="000000"/>
-              </a:buClr>
-              <a:buSzPct val="45000"/>
-              <a:buFont typeface="Wingdings" charset="2"/>
-              <a:buChar char=""/>
+              <a:buNone/>
             </a:pPr>
             <a:r>
               <a:rPr b="0" lang="en-US" sz="3200" spc="-1" strike="noStrike">
                 <a:latin typeface="Arial"/>
               </a:rPr>
-              <a:t>The </a:t>
-            </a:r>
-            <a:r>
-              <a:rPr b="1" lang="en-US" sz="3200" spc="-1" strike="noStrike">
-                <a:latin typeface="Arial"/>
-              </a:rPr>
-              <a:t>Picard Group</a:t>
-            </a:r>
-            <a:r>
-              <a:rPr b="0" lang="en-US" sz="3200" spc="-1" strike="noStrike">
-                <a:latin typeface="Arial"/>
-              </a:rPr>
-              <a:t> of a graph, </a:t>
-            </a:r>
-            <a:r>
-              <a:rPr b="0" i="1" lang="en-US" sz="3200" spc="-1" strike="noStrike">
-                <a:latin typeface="Arial"/>
-              </a:rPr>
-              <a:t>Pic(G)</a:t>
-            </a:r>
-            <a:r>
-              <a:rPr b="0" lang="en-US" sz="3200" spc="-1" strike="noStrike">
-                <a:latin typeface="Arial"/>
-              </a:rPr>
-              <a:t>, is the set of all equivalence classes that the divisors of that graph </a:t>
-            </a:r>
-            <a:r>
-              <a:rPr b="0" i="1" lang="en-US" sz="3200" spc="-1" strike="noStrike">
-                <a:latin typeface="Arial"/>
-              </a:rPr>
-              <a:t>G </a:t>
-            </a:r>
-            <a:r>
-              <a:rPr b="0" lang="en-US" sz="3200" spc="-1" strike="noStrike">
-                <a:latin typeface="Arial"/>
-              </a:rPr>
-              <a:t>can be a part of.</a:t>
+              <a:t>G=</a:t>
             </a:r>
             <a:endParaRPr b="0" lang="en-US" sz="3200" spc="-1" strike="noStrike">
               <a:latin typeface="Arial"/>
             </a:endParaRPr>
           </a:p>
-          <a:p>
-            <a:pPr marL="432000" indent="-324000">
+        </p:txBody>
+      </p:sp>
+      <p:sp>
+        <p:nvSpPr>
+          <p:cNvPr id="189" name=""/>
+          <p:cNvSpPr/>
+          <p:nvPr/>
+        </p:nvSpPr>
+        <p:spPr>
+          <a:xfrm>
+            <a:off x="5486400" y="1828800"/>
+            <a:ext cx="4341960" cy="1483200"/>
+          </a:xfrm>
+          <a:prstGeom prst="rect">
+            <a:avLst/>
+          </a:prstGeom>
+          <a:noFill/>
+          <a:ln w="0">
+            <a:noFill/>
+          </a:ln>
+        </p:spPr>
+        <p:style>
+          <a:lnRef idx="0"/>
+          <a:fillRef idx="0"/>
+          <a:effectRef idx="0"/>
+          <a:fontRef idx="minor"/>
+        </p:style>
+        <p:txBody>
+          <a:bodyPr lIns="90000" rIns="90000" tIns="45000" bIns="45000" anchor="t">
+            <a:noAutofit/>
+          </a:bodyPr>
+          <a:p>
+            <a:pPr>
               <a:lnSpc>
                 <a:spcPct val="100000"/>
               </a:lnSpc>
-              <a:spcBef>
-                <a:spcPts val="1417"/>
-              </a:spcBef>
-              <a:buClr>
-                <a:srgbClr val="000000"/>
-              </a:buClr>
-              <a:buSzPct val="45000"/>
-              <a:buFont typeface="Wingdings" charset="2"/>
-              <a:buChar char=""/>
+              <a:buNone/>
             </a:pPr>
             <a:r>
               <a:rPr b="0" lang="en-US" sz="3200" spc="-1" strike="noStrike">
-                <a:latin typeface="Arial"/>
-              </a:rPr>
-              <a:t>The degree of a divisor, </a:t>
-            </a:r>
-            <a:r>
-              <a:rPr b="0" i="1" lang="en-US" sz="3200" spc="-1" strike="noStrike">
-                <a:latin typeface="Arial"/>
-              </a:rPr>
-              <a:t>deg(D)</a:t>
-            </a:r>
-            <a:r>
-              <a:rPr b="0" lang="en-US" sz="3200" spc="-1" strike="noStrike">
-                <a:latin typeface="Arial"/>
-              </a:rPr>
-              <a:t>, is the sum of each of the divisor’s elements.</a:t>
+                <a:solidFill>
+                  <a:srgbClr val="000000"/>
+                </a:solidFill>
+                <a:latin typeface="Arial"/>
+                <a:ea typeface="JetBrains Mono"/>
+              </a:rPr>
+              <a:t>Where divisor</a:t>
             </a:r>
             <a:endParaRPr b="0" lang="en-US" sz="3200" spc="-1" strike="noStrike">
               <a:latin typeface="Arial"/>
             </a:endParaRPr>
           </a:p>
           <a:p>
-            <a:pPr marL="432000" indent="-324000">
+            <a:pPr>
               <a:lnSpc>
                 <a:spcPct val="100000"/>
               </a:lnSpc>
-              <a:spcBef>
-                <a:spcPts val="1417"/>
-              </a:spcBef>
-              <a:buClr>
-                <a:srgbClr val="000000"/>
-              </a:buClr>
-              <a:buSzPct val="45000"/>
-              <a:buFont typeface="Wingdings" charset="2"/>
-              <a:buChar char=""/>
+              <a:buNone/>
             </a:pPr>
             <a:r>
               <a:rPr b="0" lang="en-US" sz="3200" spc="-1" strike="noStrike">
-                <a:latin typeface="Arial"/>
-              </a:rPr>
-              <a:t>The </a:t>
-            </a:r>
-            <a:r>
-              <a:rPr b="1" lang="en-US" sz="3200" spc="-1" strike="noStrike">
-                <a:latin typeface="Arial"/>
-              </a:rPr>
-              <a:t>Jacobian</a:t>
-            </a:r>
+                <a:solidFill>
+                  <a:srgbClr val="000000"/>
+                </a:solidFill>
+                <a:latin typeface="Arial"/>
+                <a:ea typeface="JetBrains Mono"/>
+              </a:rPr>
+              <a:t> </a:t>
+            </a:r>
+            <a:endParaRPr b="0" lang="en-US" sz="3200" spc="-1" strike="noStrike">
+              <a:latin typeface="Arial"/>
+            </a:endParaRPr>
+          </a:p>
+          <a:p>
+            <a:pPr>
+              <a:lnSpc>
+                <a:spcPct val="100000"/>
+              </a:lnSpc>
+              <a:buNone/>
+            </a:pPr>
             <a:r>
               <a:rPr b="0" lang="en-US" sz="3200" spc="-1" strike="noStrike">
-                <a:latin typeface="Arial"/>
-              </a:rPr>
-              <a:t> of a graph, </a:t>
-            </a:r>
-            <a:r>
-              <a:rPr b="0" i="1" lang="en-US" sz="3200" spc="-1" strike="noStrike">
-                <a:latin typeface="Arial"/>
-              </a:rPr>
-              <a:t>Jac(G)</a:t>
+                <a:solidFill>
+                  <a:srgbClr val="000000"/>
+                </a:solidFill>
+                <a:latin typeface="Arial"/>
+                <a:ea typeface="JetBrains Mono"/>
+              </a:rPr>
+              <a:t>D=</a:t>
             </a:r>
             <a:r>
               <a:rPr b="0" lang="en-US" sz="3200" spc="-1" strike="noStrike">
-                <a:latin typeface="Arial"/>
-              </a:rPr>
-              <a:t>, is a special subset of </a:t>
-            </a:r>
-            <a:r>
-              <a:rPr b="0" i="1" lang="en-US" sz="3200" spc="-1" strike="noStrike">
-                <a:latin typeface="Arial"/>
-              </a:rPr>
-              <a:t>Pic(G)</a:t>
+                <a:solidFill>
+                  <a:srgbClr val="a9b7c6"/>
+                </a:solidFill>
+                <a:latin typeface="Arial"/>
+                <a:ea typeface="JetBrains Mono"/>
+              </a:rPr>
+              <a:t>[</a:t>
             </a:r>
             <a:r>
               <a:rPr b="0" lang="en-US" sz="3200" spc="-1" strike="noStrike">
-                <a:latin typeface="Arial"/>
-              </a:rPr>
-              <a:t> such that every divisor in each equivalency class has a degree of </a:t>
-            </a:r>
-            <a:r>
-              <a:rPr b="0" i="1" lang="en-US" sz="3200" spc="-1" strike="noStrike">
-                <a:latin typeface="Arial"/>
-              </a:rPr>
-              <a:t>0.</a:t>
+                <a:solidFill>
+                  <a:srgbClr val="2abadb"/>
+                </a:solidFill>
+                <a:latin typeface="Arial"/>
+                <a:ea typeface="JetBrains Mono"/>
+              </a:rPr>
+              <a:t>16</a:t>
             </a:r>
             <a:r>
               <a:rPr b="0" lang="en-US" sz="3200" spc="-1" strike="noStrike">
-                <a:latin typeface="Arial"/>
-              </a:rPr>
-              <a:t>  If a divisor is in one of the Jacobian’s classes, it can be made winning after a finite series of moves.</a:t>
+                <a:solidFill>
+                  <a:srgbClr val="4a4df3"/>
+                </a:solidFill>
+                <a:latin typeface="Arial"/>
+                <a:ea typeface="JetBrains Mono"/>
+              </a:rPr>
+              <a:t>, </a:t>
+            </a:r>
+            <a:r>
+              <a:rPr b="0" lang="en-US" sz="3200" spc="-1" strike="noStrike">
+                <a:solidFill>
+                  <a:srgbClr val="a9b7c6"/>
+                </a:solidFill>
+                <a:latin typeface="Arial"/>
+                <a:ea typeface="JetBrains Mono"/>
+              </a:rPr>
+              <a:t>-</a:t>
+            </a:r>
+            <a:r>
+              <a:rPr b="0" lang="en-US" sz="3200" spc="-1" strike="noStrike">
+                <a:solidFill>
+                  <a:srgbClr val="2abadb"/>
+                </a:solidFill>
+                <a:latin typeface="Arial"/>
+                <a:ea typeface="JetBrains Mono"/>
+              </a:rPr>
+              <a:t>4</a:t>
+            </a:r>
+            <a:r>
+              <a:rPr b="0" lang="en-US" sz="3200" spc="-1" strike="noStrike">
+                <a:solidFill>
+                  <a:srgbClr val="4a4df3"/>
+                </a:solidFill>
+                <a:latin typeface="Arial"/>
+                <a:ea typeface="JetBrains Mono"/>
+              </a:rPr>
+              <a:t>, </a:t>
+            </a:r>
+            <a:r>
+              <a:rPr b="0" lang="en-US" sz="3200" spc="-1" strike="noStrike">
+                <a:solidFill>
+                  <a:srgbClr val="a9b7c6"/>
+                </a:solidFill>
+                <a:latin typeface="Arial"/>
+                <a:ea typeface="JetBrains Mono"/>
+              </a:rPr>
+              <a:t>-</a:t>
+            </a:r>
+            <a:r>
+              <a:rPr b="0" lang="en-US" sz="3200" spc="-1" strike="noStrike">
+                <a:solidFill>
+                  <a:srgbClr val="2abadb"/>
+                </a:solidFill>
+                <a:latin typeface="Arial"/>
+                <a:ea typeface="JetBrains Mono"/>
+              </a:rPr>
+              <a:t>5</a:t>
+            </a:r>
+            <a:r>
+              <a:rPr b="0" lang="en-US" sz="3200" spc="-1" strike="noStrike">
+                <a:solidFill>
+                  <a:srgbClr val="4a4df3"/>
+                </a:solidFill>
+                <a:latin typeface="Arial"/>
+                <a:ea typeface="JetBrains Mono"/>
+              </a:rPr>
+              <a:t>,</a:t>
+            </a:r>
+            <a:r>
+              <a:rPr b="0" lang="en-US" sz="3200" spc="-1" strike="noStrike">
+                <a:solidFill>
+                  <a:srgbClr val="2abadb"/>
+                </a:solidFill>
+                <a:latin typeface="Arial"/>
+                <a:ea typeface="JetBrains Mono"/>
+              </a:rPr>
+              <a:t>0</a:t>
+            </a:r>
+            <a:r>
+              <a:rPr b="0" lang="en-US" sz="3200" spc="-1" strike="noStrike">
+                <a:solidFill>
+                  <a:srgbClr val="a9b7c6"/>
+                </a:solidFill>
+                <a:latin typeface="Arial"/>
+                <a:ea typeface="JetBrains Mono"/>
+              </a:rPr>
+              <a:t>]</a:t>
             </a:r>
             <a:endParaRPr b="0" lang="en-US" sz="3200" spc="-1" strike="noStrike">
               <a:latin typeface="Arial"/>
@@ -14673,7 +15153,7 @@
         <p:spPr>
           <a:xfrm>
             <a:off x="360000" y="225720"/>
-            <a:ext cx="9358920" cy="717840"/>
+            <a:ext cx="9358200" cy="717120"/>
           </a:xfrm>
           <a:prstGeom prst="rect">
             <a:avLst/>
@@ -14701,19 +15181,7 @@
                 </a:solidFill>
                 <a:latin typeface="Arial"/>
               </a:rPr>
-              <a:t>The Laplacian and </a:t>
-            </a:r>
-            <a:br>
-              <a:rPr sz="4400"/>
-            </a:br>
-            <a:r>
-              <a:rPr b="0" lang="en-US" sz="4400" spc="-1" strike="noStrike">
-                <a:solidFill>
-                  <a:srgbClr val="ffffff"/>
-                </a:solidFill>
-                <a:latin typeface="Arial"/>
-              </a:rPr>
-              <a:t>The Smith Normal Form</a:t>
+              <a:t>The Picard Group and The Jacobian</a:t>
             </a:r>
             <a:endParaRPr b="0" lang="en-US" sz="4400" spc="-1" strike="noStrike">
               <a:latin typeface="Arial"/>
@@ -14734,7 +15202,7 @@
         <p:spPr>
           <a:xfrm>
             <a:off x="360000" y="1485000"/>
-            <a:ext cx="9358920" cy="3778920"/>
+            <a:ext cx="9358200" cy="3778200"/>
           </a:xfrm>
           <a:prstGeom prst="rect">
             <a:avLst/>
@@ -14746,7 +15214,7 @@
         </p:spPr>
         <p:txBody>
           <a:bodyPr lIns="0" rIns="0" tIns="0" bIns="0" anchor="t">
-            <a:normAutofit fontScale="68000"/>
+            <a:normAutofit fontScale="71000"/>
           </a:bodyPr>
           <a:p>
             <a:pPr marL="432000" indent="-324000">
@@ -14773,43 +15241,37 @@
               <a:rPr b="1" lang="en-US" sz="3200" spc="-1" strike="noStrike">
                 <a:latin typeface="Arial"/>
               </a:rPr>
-              <a:t>Laplacian</a:t>
+              <a:t>Picard Group</a:t>
             </a:r>
             <a:r>
               <a:rPr b="0" lang="en-US" sz="3200" spc="-1" strike="noStrike">
                 <a:latin typeface="Arial"/>
               </a:rPr>
-              <a:t> of a graph of size </a:t>
+              <a:t> of a graph, </a:t>
             </a:r>
             <a:r>
               <a:rPr b="0" i="1" lang="en-US" sz="3200" spc="-1" strike="noStrike">
                 <a:latin typeface="Arial"/>
               </a:rPr>
-              <a:t>n</a:t>
+              <a:t>Pic(G)</a:t>
             </a:r>
             <a:r>
               <a:rPr b="0" lang="en-US" sz="3200" spc="-1" strike="noStrike">
                 <a:latin typeface="Arial"/>
               </a:rPr>
-              <a:t> is an </a:t>
+              <a:t>, is the set of all equivalence classes that the divisors of that graph </a:t>
             </a:r>
             <a:r>
               <a:rPr b="0" i="1" lang="en-US" sz="3200" spc="-1" strike="noStrike">
                 <a:latin typeface="Arial"/>
               </a:rPr>
-              <a:t>n x </a:t>
-            </a:r>
-            <a:r>
-              <a:rPr b="0" i="1" lang="en-US" sz="3200" spc="-1" strike="noStrike">
-                <a:latin typeface="Arial"/>
-              </a:rPr>
-              <a:t>n</a:t>
+              <a:t>G </a:t>
             </a:r>
             <a:r>
               <a:rPr b="0" lang="en-US" sz="3200" spc="-1" strike="noStrike">
                 <a:latin typeface="Arial"/>
               </a:rPr>
-              <a:t> matrix representing all valid lending or borrowing moves that graph can make.  It helps to serve as a bridge between the conceptual game and the mathematics behind those concepts.</a:t>
+              <a:t>can be a part of.  The larger the size of the Picard Group, the more ways a game can be played.</a:t>
             </a:r>
             <a:endParaRPr b="0" lang="en-US" sz="3200" spc="-1" strike="noStrike">
               <a:latin typeface="Arial"/>
@@ -14834,19 +15296,92 @@
               <a:rPr b="0" lang="en-US" sz="3200" spc="-1" strike="noStrike">
                 <a:latin typeface="Arial"/>
               </a:rPr>
+              <a:t>The degree of a divisor, </a:t>
+            </a:r>
+            <a:r>
+              <a:rPr b="0" i="1" lang="en-US" sz="3200" spc="-1" strike="noStrike">
+                <a:latin typeface="Arial"/>
+              </a:rPr>
+              <a:t>deg(D)</a:t>
+            </a:r>
+            <a:r>
+              <a:rPr b="0" lang="en-US" sz="3200" spc="-1" strike="noStrike">
+                <a:latin typeface="Arial"/>
+              </a:rPr>
+              <a:t>, is the sum of each of the divisor’s elements.</a:t>
+            </a:r>
+            <a:endParaRPr b="0" lang="en-US" sz="3200" spc="-1" strike="noStrike">
+              <a:latin typeface="Arial"/>
+            </a:endParaRPr>
+          </a:p>
+          <a:p>
+            <a:pPr marL="432000" indent="-324000">
+              <a:lnSpc>
+                <a:spcPct val="100000"/>
+              </a:lnSpc>
+              <a:spcBef>
+                <a:spcPts val="1417"/>
+              </a:spcBef>
+              <a:buClr>
+                <a:srgbClr val="000000"/>
+              </a:buClr>
+              <a:buSzPct val="45000"/>
+              <a:buFont typeface="Wingdings" charset="2"/>
+              <a:buChar char=""/>
+            </a:pPr>
+            <a:r>
+              <a:rPr b="0" lang="en-US" sz="3200" spc="-1" strike="noStrike">
+                <a:latin typeface="Arial"/>
+              </a:rPr>
               <a:t>The </a:t>
             </a:r>
             <a:r>
               <a:rPr b="1" lang="en-US" sz="3200" spc="-1" strike="noStrike">
                 <a:latin typeface="Arial"/>
               </a:rPr>
-              <a:t>Smith Normal Form</a:t>
+              <a:t>Jacobian</a:t>
             </a:r>
             <a:r>
               <a:rPr b="0" lang="en-US" sz="3200" spc="-1" strike="noStrike">
                 <a:latin typeface="Arial"/>
               </a:rPr>
-              <a:t> (SNF) of a Laplacian is a diagonal matrix obtained from a series of row and column operations preformed on the Laplacian of a graph.  While the Laplacian itself encodes information about lending or borrowing moves, the SNF encodes information about the Picard Group and the Jacobian in its diagonal elements.  Calculating the SNF allows us to know more information on the possible ways a game can be played out.</a:t>
+              <a:t> of a graph, </a:t>
+            </a:r>
+            <a:r>
+              <a:rPr b="0" i="1" lang="en-US" sz="3200" spc="-1" strike="noStrike">
+                <a:latin typeface="Arial"/>
+              </a:rPr>
+              <a:t>Jac(G)</a:t>
+            </a:r>
+            <a:r>
+              <a:rPr b="0" lang="en-US" sz="3200" spc="-1" strike="noStrike">
+                <a:latin typeface="Arial"/>
+              </a:rPr>
+              <a:t>, is a special subset of </a:t>
+            </a:r>
+            <a:r>
+              <a:rPr b="0" i="1" lang="en-US" sz="3200" spc="-1" strike="noStrike">
+                <a:latin typeface="Arial"/>
+              </a:rPr>
+              <a:t>Pic(G)</a:t>
+            </a:r>
+            <a:r>
+              <a:rPr b="0" lang="en-US" sz="3200" spc="-1" strike="noStrike">
+                <a:latin typeface="Arial"/>
+              </a:rPr>
+              <a:t> such that every divisor in each equivalency class has a degree of </a:t>
+            </a:r>
+            <a:r>
+              <a:rPr b="0" i="1" lang="en-US" sz="3200" spc="-1" strike="noStrike">
+                <a:latin typeface="Arial"/>
+              </a:rPr>
+              <a:t>0.</a:t>
+            </a:r>
+            <a:r>
+              <a:rPr b="0" lang="en-US" sz="3200" spc="-1" strike="noStrike">
+                <a:latin typeface="Arial"/>
+              </a:rPr>
+              <a:t>  If a divisor is in one of the Jacobian’s classes, it can be made winning after a finite series of moves.  The larger the size of the Jacobian, the more configurations exist where the vertices are debt free.</a:t>
             </a:r>
             <a:endParaRPr b="0" lang="en-US" sz="3200" spc="-1" strike="noStrike">
               <a:latin typeface="Arial"/>
@@ -14897,7 +15432,7 @@
         <p:spPr>
           <a:xfrm>
             <a:off x="360000" y="225720"/>
-            <a:ext cx="9358920" cy="717840"/>
+            <a:ext cx="9358200" cy="717120"/>
           </a:xfrm>
           <a:prstGeom prst="rect">
             <a:avLst/>
@@ -14957,8 +15492,8 @@
         </p:nvSpPr>
         <p:spPr>
           <a:xfrm>
-            <a:off x="457200" y="1744920"/>
-            <a:ext cx="1115640" cy="3055680"/>
+            <a:off x="360000" y="1485000"/>
+            <a:ext cx="9358200" cy="3778200"/>
           </a:xfrm>
           <a:prstGeom prst="rect">
             <a:avLst/>
@@ -14970,235 +15505,141 @@
         </p:spPr>
         <p:txBody>
           <a:bodyPr lIns="0" rIns="0" tIns="0" bIns="0" anchor="t">
-            <a:normAutofit/>
-          </a:bodyPr>
-          <a:p>
-            <a:r>
-              <a:rPr b="0" lang="en-US" sz="1650" spc="-1" strike="noStrike">
-                <a:latin typeface="Arial"/>
-              </a:rPr>
-              <a:t>Laplacian</a:t>
-            </a:r>
-            <a:endParaRPr b="0" lang="en-US" sz="1650" spc="-1" strike="noStrike">
-              <a:latin typeface="Arial"/>
-            </a:endParaRPr>
-          </a:p>
-          <a:p>
-            <a:endParaRPr b="0" lang="en-US" sz="1650" spc="-1" strike="noStrike">
-              <a:latin typeface="Arial"/>
-            </a:endParaRPr>
-          </a:p>
-          <a:p>
-            <a:endParaRPr b="0" lang="en-US" sz="1650" spc="-1" strike="noStrike">
-              <a:latin typeface="Arial"/>
-            </a:endParaRPr>
-          </a:p>
-          <a:p>
-            <a:endParaRPr b="0" lang="en-US" sz="1650" spc="-1" strike="noStrike">
-              <a:latin typeface="Arial"/>
-            </a:endParaRPr>
-          </a:p>
-          <a:p>
-            <a:endParaRPr b="0" lang="en-US" sz="1650" spc="-1" strike="noStrike">
-              <a:latin typeface="Arial"/>
-            </a:endParaRPr>
-          </a:p>
-          <a:p>
-            <a:r>
-              <a:rPr b="0" lang="en-US" sz="1650" spc="-1" strike="noStrike">
-                <a:latin typeface="Arial"/>
-              </a:rPr>
-              <a:t>Smith Normal Form</a:t>
-            </a:r>
-            <a:endParaRPr b="0" lang="en-US" sz="1650" spc="-1" strike="noStrike">
-              <a:latin typeface="Arial"/>
-            </a:endParaRPr>
-          </a:p>
-        </p:txBody>
-      </p:sp>
-      <p:pic>
-        <p:nvPicPr>
-          <p:cNvPr id="194" name="" descr=""/>
-          <p:cNvPicPr/>
-          <p:nvPr/>
-        </p:nvPicPr>
-        <p:blipFill>
-          <a:blip r:embed="rId1"/>
-          <a:stretch/>
-        </p:blipFill>
-        <p:spPr>
-          <a:xfrm>
-            <a:off x="1572840" y="1371600"/>
-            <a:ext cx="6199560" cy="2018520"/>
-          </a:xfrm>
-          <a:prstGeom prst="rect">
-            <a:avLst/>
-          </a:prstGeom>
-          <a:ln w="0">
-            <a:noFill/>
-          </a:ln>
-        </p:spPr>
-      </p:pic>
-      <p:pic>
-        <p:nvPicPr>
-          <p:cNvPr id="195" name="" descr=""/>
-          <p:cNvPicPr/>
-          <p:nvPr/>
-        </p:nvPicPr>
-        <p:blipFill>
-          <a:blip r:embed="rId2"/>
-          <a:stretch/>
-        </p:blipFill>
-        <p:spPr>
-          <a:xfrm>
-            <a:off x="1572840" y="3390120"/>
-            <a:ext cx="6199560" cy="2018520"/>
-          </a:xfrm>
-          <a:prstGeom prst="rect">
-            <a:avLst/>
-          </a:prstGeom>
-          <a:ln w="0">
-            <a:noFill/>
-          </a:ln>
-        </p:spPr>
-      </p:pic>
-      <p:sp>
-        <p:nvSpPr>
-          <p:cNvPr id="196" name=""/>
-          <p:cNvSpPr txBox="1"/>
-          <p:nvPr/>
-        </p:nvSpPr>
-        <p:spPr>
-          <a:xfrm>
-            <a:off x="7794720" y="3390120"/>
-            <a:ext cx="2286000" cy="1114200"/>
-          </a:xfrm>
-          <a:prstGeom prst="rect">
-            <a:avLst/>
-          </a:prstGeom>
-          <a:noFill/>
-          <a:ln w="0">
-            <a:noFill/>
-          </a:ln>
-        </p:spPr>
-        <p:txBody>
-          <a:bodyPr lIns="90000" rIns="90000" tIns="45000" bIns="45000" anchor="t">
-            <a:noAutofit/>
-          </a:bodyPr>
-          <a:p>
-            <a:r>
-              <a:rPr b="0" lang="en-US" sz="1800" spc="-1" strike="noStrike">
-                <a:latin typeface="Arial"/>
-              </a:rPr>
-              <a:t>Pic(G) = Z</a:t>
-            </a:r>
-            <a:r>
-              <a:rPr b="0" lang="en-US" sz="1800" spc="-1" strike="noStrike" baseline="-8000">
-                <a:latin typeface="Arial"/>
-              </a:rPr>
-              <a:t>3</a:t>
-            </a:r>
-            <a:r>
-              <a:rPr b="0" lang="en-US" sz="1800" spc="-1" strike="noStrike">
-                <a:latin typeface="Arial"/>
-              </a:rPr>
-              <a:t> x Z</a:t>
-            </a:r>
-            <a:r>
-              <a:rPr b="0" lang="en-US" sz="1800" spc="-1" strike="noStrike" baseline="33000">
-                <a:latin typeface="Arial"/>
-              </a:rPr>
-              <a:t>3</a:t>
-            </a:r>
-            <a:endParaRPr b="0" lang="en-US" sz="1800" spc="-1" strike="noStrike">
-              <a:latin typeface="Arial"/>
-            </a:endParaRPr>
-          </a:p>
-          <a:p>
-            <a:r>
-              <a:rPr b="0" lang="en-US" sz="1800" spc="-1" strike="noStrike">
-                <a:latin typeface="Arial"/>
-              </a:rPr>
-              <a:t>From 3 at M</a:t>
-            </a:r>
-            <a:r>
-              <a:rPr b="0" lang="en-US" sz="1800" spc="-1" strike="noStrike" baseline="-8000">
-                <a:latin typeface="Arial"/>
-              </a:rPr>
-              <a:t>4,4</a:t>
-            </a:r>
-            <a:r>
-              <a:rPr b="0" lang="en-US" sz="1800" spc="-1" strike="noStrike">
-                <a:latin typeface="Arial"/>
-              </a:rPr>
-              <a:t> and from 3 empty rows</a:t>
-            </a:r>
-            <a:endParaRPr b="0" lang="en-US" sz="1800" spc="-1" strike="noStrike">
-              <a:latin typeface="Arial"/>
-            </a:endParaRPr>
-          </a:p>
-        </p:txBody>
-      </p:sp>
-      <p:sp>
-        <p:nvSpPr>
-          <p:cNvPr id="197" name=""/>
-          <p:cNvSpPr txBox="1"/>
-          <p:nvPr/>
-        </p:nvSpPr>
-        <p:spPr>
-          <a:xfrm>
-            <a:off x="7772400" y="4343400"/>
-            <a:ext cx="2308320" cy="602280"/>
-          </a:xfrm>
-          <a:prstGeom prst="rect">
-            <a:avLst/>
-          </a:prstGeom>
-          <a:noFill/>
-          <a:ln w="0">
-            <a:noFill/>
-          </a:ln>
-        </p:spPr>
-        <p:txBody>
-          <a:bodyPr lIns="90000" rIns="90000" tIns="45000" bIns="45000" anchor="t">
-            <a:noAutofit/>
-          </a:bodyPr>
-          <a:p>
-            <a:r>
-              <a:rPr b="0" lang="en-US" sz="1800" spc="-1" strike="noStrike">
-                <a:latin typeface="Arial"/>
-              </a:rPr>
-              <a:t>Jac(G) = Z</a:t>
-            </a:r>
-            <a:r>
-              <a:rPr b="0" lang="en-US" sz="1800" spc="-1" strike="noStrike" baseline="-8000">
-                <a:latin typeface="Arial"/>
-              </a:rPr>
-              <a:t>3</a:t>
-            </a:r>
-            <a:endParaRPr b="0" lang="en-US" sz="1800" spc="-1" strike="noStrike">
-              <a:latin typeface="Arial"/>
-            </a:endParaRPr>
-          </a:p>
-          <a:p>
-            <a:pPr>
+            <a:normAutofit fontScale="62000"/>
+          </a:bodyPr>
+          <a:p>
+            <a:pPr marL="432000" indent="-324000">
               <a:lnSpc>
                 <a:spcPct val="100000"/>
               </a:lnSpc>
-              <a:buNone/>
+              <a:spcBef>
+                <a:spcPts val="1417"/>
+              </a:spcBef>
+              <a:buClr>
+                <a:srgbClr val="000000"/>
+              </a:buClr>
+              <a:buSzPct val="45000"/>
+              <a:buFont typeface="Wingdings" charset="2"/>
+              <a:buChar char=""/>
             </a:pPr>
             <a:r>
-              <a:rPr b="0" lang="en-US" sz="1800" spc="-1" strike="noStrike">
-                <a:latin typeface="Arial"/>
-              </a:rPr>
-              <a:t>From 3 at M</a:t>
-            </a:r>
-            <a:r>
-              <a:rPr b="0" lang="en-US" sz="1800" spc="-1" strike="noStrike" baseline="-8000">
-                <a:latin typeface="Arial"/>
-              </a:rPr>
-              <a:t>4,4</a:t>
-            </a:r>
-            <a:endParaRPr b="0" lang="en-US" sz="1800" spc="-1" strike="noStrike">
+              <a:rPr b="0" lang="en-US" sz="3200" spc="-1" strike="noStrike">
+                <a:latin typeface="Arial"/>
+                <a:ea typeface="Noto Sans CJK SC"/>
+              </a:rPr>
+              <a:t>The </a:t>
+            </a:r>
+            <a:r>
+              <a:rPr b="1" lang="en-US" sz="3200" spc="-1" strike="noStrike">
+                <a:latin typeface="Arial"/>
+                <a:ea typeface="Noto Sans CJK SC"/>
+              </a:rPr>
+              <a:t>Laplacian</a:t>
+            </a:r>
+            <a:r>
+              <a:rPr b="0" lang="en-US" sz="3200" spc="-1" strike="noStrike">
+                <a:latin typeface="Arial"/>
+                <a:ea typeface="Noto Sans CJK SC"/>
+              </a:rPr>
+              <a:t> of a graph of size </a:t>
+            </a:r>
+            <a:r>
+              <a:rPr b="0" i="1" lang="en-US" sz="3200" spc="-1" strike="noStrike">
+                <a:latin typeface="Arial"/>
+                <a:ea typeface="Noto Sans CJK SC"/>
+              </a:rPr>
+              <a:t>n</a:t>
+            </a:r>
+            <a:r>
+              <a:rPr b="0" lang="en-US" sz="3200" spc="-1" strike="noStrike">
+                <a:latin typeface="Arial"/>
+                <a:ea typeface="Noto Sans CJK SC"/>
+              </a:rPr>
+              <a:t> is an </a:t>
+            </a:r>
+            <a:r>
+              <a:rPr b="0" i="1" lang="en-US" sz="3200" spc="-1" strike="noStrike">
+                <a:latin typeface="Arial"/>
+                <a:ea typeface="Noto Sans CJK SC"/>
+              </a:rPr>
+              <a:t>n x n</a:t>
+            </a:r>
+            <a:r>
+              <a:rPr b="0" lang="en-US" sz="3200" spc="-1" strike="noStrike">
+                <a:latin typeface="Arial"/>
+                <a:ea typeface="Noto Sans CJK SC"/>
+              </a:rPr>
+              <a:t> matrix representing all valid lending or borrowing moves that graph can make.  Multiplying the transpose of the i</a:t>
+            </a:r>
+            <a:r>
+              <a:rPr b="0" i="1" lang="en-US" sz="3200" spc="-1" strike="noStrike" baseline="33000">
+                <a:latin typeface="Arial"/>
+                <a:ea typeface="Noto Sans CJK SC"/>
+              </a:rPr>
+              <a:t>th </a:t>
+            </a:r>
+            <a:r>
+              <a:rPr b="0" lang="en-US" sz="3200" spc="-1" strike="noStrike">
+                <a:latin typeface="Arial"/>
+                <a:ea typeface="Noto Sans CJK SC"/>
+              </a:rPr>
+              <a:t>row of the Laplacian by a divisor results in the divisor of the graph after making a move at the i</a:t>
+            </a:r>
+            <a:r>
+              <a:rPr b="0" i="1" lang="en-US" sz="3200" spc="-1" strike="noStrike" baseline="33000">
+                <a:latin typeface="Arial"/>
+                <a:ea typeface="Noto Sans CJK SC"/>
+              </a:rPr>
+              <a:t>th </a:t>
+            </a:r>
+            <a:r>
+              <a:rPr b="0" lang="en-US" sz="3200" spc="-1" strike="noStrike">
+                <a:latin typeface="Arial"/>
+                <a:ea typeface="Noto Sans CJK SC"/>
+              </a:rPr>
+              <a:t>vertex.  It helps to serve as a bridge between the conceptual game and the mathematics behind those concepts.</a:t>
+            </a:r>
+            <a:endParaRPr b="0" lang="en-US" sz="3200" spc="-1" strike="noStrike">
+              <a:latin typeface="Arial"/>
+            </a:endParaRPr>
+          </a:p>
+          <a:p>
+            <a:pPr marL="432000" indent="-324000">
+              <a:lnSpc>
+                <a:spcPct val="100000"/>
+              </a:lnSpc>
+              <a:spcBef>
+                <a:spcPts val="1417"/>
+              </a:spcBef>
+              <a:buClr>
+                <a:srgbClr val="000000"/>
+              </a:buClr>
+              <a:buSzPct val="45000"/>
+              <a:buFont typeface="Wingdings" charset="2"/>
+              <a:buChar char=""/>
+            </a:pPr>
+            <a:r>
+              <a:rPr b="0" lang="en-US" sz="3200" spc="-1" strike="noStrike">
+                <a:latin typeface="Arial"/>
+                <a:ea typeface="Noto Sans CJK SC"/>
+              </a:rPr>
+              <a:t>The </a:t>
+            </a:r>
+            <a:r>
+              <a:rPr b="1" lang="en-US" sz="3200" spc="-1" strike="noStrike">
+                <a:latin typeface="Arial"/>
+                <a:ea typeface="Noto Sans CJK SC"/>
+              </a:rPr>
+              <a:t>Smith Normal Form</a:t>
+            </a:r>
+            <a:r>
+              <a:rPr b="0" lang="en-US" sz="3200" spc="-1" strike="noStrike">
+                <a:latin typeface="Arial"/>
+                <a:ea typeface="Noto Sans CJK SC"/>
+              </a:rPr>
+              <a:t> (SNF) of a Laplacian is a diagonal matrix obtained from a series of row and column operations preformed on the Laplacian of a graph, similarly to Gaussian elimination.  While the Laplacian itself encodes information about lending or borrowing moves, the SNF encodes information about the Picard Group and the Jacobian in its diagonal elements.  Calculating the SNF allows us to know more information on the possible ways a game can be played out.</a:t>
+            </a:r>
+            <a:endParaRPr b="0" lang="en-US" sz="3200" spc="-1" strike="noStrike">
               <a:latin typeface="Arial"/>
             </a:endParaRPr>
           </a:p>
